--- a/中間発表関連/5I25新村祐太 中間発表スライドver2.0.pptx
+++ b/中間発表関連/5I25新村祐太 中間発表スライドver2.0.pptx
@@ -5,10 +5,10 @@
     <p:sldMasterId id="2147483780" r:id="rId1"/>
   </p:sldMasterIdLst>
   <p:notesMasterIdLst>
-    <p:notesMasterId r:id="rId23"/>
+    <p:notesMasterId r:id="rId26"/>
   </p:notesMasterIdLst>
   <p:handoutMasterIdLst>
-    <p:handoutMasterId r:id="rId24"/>
+    <p:handoutMasterId r:id="rId27"/>
   </p:handoutMasterIdLst>
   <p:sldIdLst>
     <p:sldId id="256" r:id="rId2"/>
@@ -18,20 +18,23 @@
     <p:sldId id="260" r:id="rId6"/>
     <p:sldId id="261" r:id="rId7"/>
     <p:sldId id="263" r:id="rId8"/>
-    <p:sldId id="264" r:id="rId9"/>
-    <p:sldId id="283" r:id="rId10"/>
-    <p:sldId id="284" r:id="rId11"/>
-    <p:sldId id="265" r:id="rId12"/>
-    <p:sldId id="266" r:id="rId13"/>
-    <p:sldId id="279" r:id="rId14"/>
-    <p:sldId id="267" r:id="rId15"/>
-    <p:sldId id="287" r:id="rId16"/>
-    <p:sldId id="268" r:id="rId17"/>
-    <p:sldId id="292" r:id="rId18"/>
-    <p:sldId id="288" r:id="rId19"/>
-    <p:sldId id="290" r:id="rId20"/>
-    <p:sldId id="291" r:id="rId21"/>
-    <p:sldId id="271" r:id="rId22"/>
+    <p:sldId id="294" r:id="rId9"/>
+    <p:sldId id="264" r:id="rId10"/>
+    <p:sldId id="283" r:id="rId11"/>
+    <p:sldId id="284" r:id="rId12"/>
+    <p:sldId id="265" r:id="rId13"/>
+    <p:sldId id="266" r:id="rId14"/>
+    <p:sldId id="293" r:id="rId15"/>
+    <p:sldId id="279" r:id="rId16"/>
+    <p:sldId id="267" r:id="rId17"/>
+    <p:sldId id="287" r:id="rId18"/>
+    <p:sldId id="268" r:id="rId19"/>
+    <p:sldId id="292" r:id="rId20"/>
+    <p:sldId id="288" r:id="rId21"/>
+    <p:sldId id="295" r:id="rId22"/>
+    <p:sldId id="290" r:id="rId23"/>
+    <p:sldId id="291" r:id="rId24"/>
+    <p:sldId id="271" r:id="rId25"/>
   </p:sldIdLst>
   <p:sldSz cx="9144000" cy="6858000" type="screen4x3"/>
   <p:notesSz cx="6669088" cy="9926638"/>
@@ -1033,11 +1036,11 @@
           <c:showPercent val="0"/>
           <c:showBubbleSize val="0"/>
         </c:dLbls>
-        <c:axId val="161703040"/>
-        <c:axId val="161705344"/>
+        <c:axId val="38675968"/>
+        <c:axId val="38677888"/>
       </c:scatterChart>
       <c:valAx>
-        <c:axId val="161703040"/>
+        <c:axId val="38675968"/>
         <c:scaling>
           <c:orientation val="minMax"/>
           <c:max val="450"/>
@@ -1071,12 +1074,12 @@
         <c:majorTickMark val="out"/>
         <c:minorTickMark val="none"/>
         <c:tickLblPos val="nextTo"/>
-        <c:crossAx val="161705344"/>
+        <c:crossAx val="38677888"/>
         <c:crosses val="autoZero"/>
         <c:crossBetween val="midCat"/>
       </c:valAx>
       <c:valAx>
-        <c:axId val="161705344"/>
+        <c:axId val="38677888"/>
         <c:scaling>
           <c:orientation val="minMax"/>
         </c:scaling>
@@ -1110,7 +1113,7 @@
         <c:majorTickMark val="out"/>
         <c:minorTickMark val="none"/>
         <c:tickLblPos val="nextTo"/>
-        <c:crossAx val="161703040"/>
+        <c:crossAx val="38675968"/>
         <c:crosses val="autoZero"/>
         <c:crossBetween val="midCat"/>
       </c:valAx>
@@ -1839,7 +1842,7 @@
           <a:p>
             <a:fld id="{36B36527-D379-4589-94AB-3E8AB1F08336}" type="slidenum">
               <a:rPr kumimoji="1" lang="ja-JP" altLang="en-US" smtClean="0"/>
-              <a:t>11</a:t>
+              <a:t>12</a:t>
             </a:fld>
             <a:endParaRPr kumimoji="1" lang="ja-JP" altLang="en-US"/>
           </a:p>
@@ -1927,7 +1930,7 @@
           <a:p>
             <a:fld id="{36B36527-D379-4589-94AB-3E8AB1F08336}" type="slidenum">
               <a:rPr kumimoji="1" lang="ja-JP" altLang="en-US" smtClean="0"/>
-              <a:t>12</a:t>
+              <a:t>13</a:t>
             </a:fld>
             <a:endParaRPr kumimoji="1" lang="ja-JP" altLang="en-US"/>
           </a:p>
@@ -2015,7 +2018,7 @@
           <a:p>
             <a:fld id="{36B36527-D379-4589-94AB-3E8AB1F08336}" type="slidenum">
               <a:rPr kumimoji="1" lang="ja-JP" altLang="en-US" smtClean="0"/>
-              <a:t>13</a:t>
+              <a:t>14</a:t>
             </a:fld>
             <a:endParaRPr kumimoji="1" lang="ja-JP" altLang="en-US"/>
           </a:p>
@@ -2079,39 +2082,10 @@
           <a:lstStyle/>
           <a:p>
             <a:r>
-              <a:rPr kumimoji="1" lang="en-US" altLang="ja-JP" dirty="0" smtClean="0"/>
-              <a:t>NXT LEGO MINDSTORMS</a:t>
-            </a:r>
-            <a:r>
-              <a:rPr kumimoji="1" lang="ja-JP" altLang="en-US" dirty="0" smtClean="0"/>
-              <a:t>のどの部分に利用出来るか</a:t>
-            </a:r>
-          </a:p>
-          <a:p>
-            <a:r>
-              <a:rPr kumimoji="1" lang="ja-JP" altLang="en-US" dirty="0" smtClean="0"/>
-              <a:t>結果、輝度値制御、尻尾モータ角度制御、曲率半径制御に利用出来そう</a:t>
-            </a:r>
-          </a:p>
-          <a:p>
-            <a:r>
-              <a:rPr kumimoji="1" lang="ja-JP" altLang="en-US" dirty="0" smtClean="0"/>
-              <a:t>いくつか気になるポイントがあった</a:t>
-            </a:r>
-          </a:p>
-          <a:p>
-            <a:r>
-              <a:rPr kumimoji="1" lang="ja-JP" altLang="en-US" dirty="0" smtClean="0"/>
-              <a:t>粒度、使</a:t>
-            </a:r>
-            <a:r>
-              <a:rPr kumimoji="1" lang="ja-JP" altLang="en-US" dirty="0" err="1" smtClean="0"/>
-              <a:t>わ</a:t>
-            </a:r>
-            <a:r>
-              <a:rPr kumimoji="1" lang="ja-JP" altLang="en-US" dirty="0" smtClean="0"/>
-              <a:t>なそうなクラスの存在</a:t>
-            </a:r>
+              <a:rPr kumimoji="1" lang="ja-JP" altLang="en-US" smtClean="0"/>
+              <a:t>目標値制御とは？</a:t>
+            </a:r>
+            <a:endParaRPr kumimoji="1" lang="ja-JP" altLang="en-US"/>
           </a:p>
         </p:txBody>
       </p:sp>
@@ -2132,7 +2106,7 @@
           <a:p>
             <a:fld id="{36B36527-D379-4589-94AB-3E8AB1F08336}" type="slidenum">
               <a:rPr kumimoji="1" lang="ja-JP" altLang="en-US" smtClean="0"/>
-              <a:t>14</a:t>
+              <a:t>15</a:t>
             </a:fld>
             <a:endParaRPr kumimoji="1" lang="ja-JP" altLang="en-US"/>
           </a:p>
@@ -2141,7 +2115,7 @@
     </p:spTree>
     <p:extLst>
       <p:ext uri="{BB962C8B-B14F-4D97-AF65-F5344CB8AC3E}">
-        <p14:creationId xmlns:p14="http://schemas.microsoft.com/office/powerpoint/2010/main" val="1207813319"/>
+        <p14:creationId xmlns:p14="http://schemas.microsoft.com/office/powerpoint/2010/main" val="3436690406"/>
       </p:ext>
     </p:extLst>
   </p:cSld>
@@ -2249,7 +2223,7 @@
           <a:p>
             <a:fld id="{36B36527-D379-4589-94AB-3E8AB1F08336}" type="slidenum">
               <a:rPr kumimoji="1" lang="ja-JP" altLang="en-US" smtClean="0"/>
-              <a:t>15</a:t>
+              <a:t>16</a:t>
             </a:fld>
             <a:endParaRPr kumimoji="1" lang="ja-JP" altLang="en-US"/>
           </a:p>
@@ -2313,14 +2287,39 @@
           <a:lstStyle/>
           <a:p>
             <a:r>
-              <a:rPr kumimoji="1" lang="en-US" altLang="ja-JP" smtClean="0"/>
-              <a:t>nxt</a:t>
-            </a:r>
-            <a:r>
-              <a:rPr kumimoji="1" lang="ja-JP" altLang="en-US" smtClean="0"/>
-              <a:t>用輝度値制御モデルの作成</a:t>
-            </a:r>
-            <a:endParaRPr kumimoji="1" lang="ja-JP" altLang="en-US"/>
+              <a:rPr kumimoji="1" lang="en-US" altLang="ja-JP" dirty="0" smtClean="0"/>
+              <a:t>NXT LEGO MINDSTORMS</a:t>
+            </a:r>
+            <a:r>
+              <a:rPr kumimoji="1" lang="ja-JP" altLang="en-US" dirty="0" smtClean="0"/>
+              <a:t>のどの部分に利用出来るか</a:t>
+            </a:r>
+          </a:p>
+          <a:p>
+            <a:r>
+              <a:rPr kumimoji="1" lang="ja-JP" altLang="en-US" dirty="0" smtClean="0"/>
+              <a:t>結果、輝度値制御、尻尾モータ角度制御、曲率半径制御に利用出来そう</a:t>
+            </a:r>
+          </a:p>
+          <a:p>
+            <a:r>
+              <a:rPr kumimoji="1" lang="ja-JP" altLang="en-US" dirty="0" smtClean="0"/>
+              <a:t>いくつか気になるポイントがあった</a:t>
+            </a:r>
+          </a:p>
+          <a:p>
+            <a:r>
+              <a:rPr kumimoji="1" lang="ja-JP" altLang="en-US" dirty="0" smtClean="0"/>
+              <a:t>粒度、使</a:t>
+            </a:r>
+            <a:r>
+              <a:rPr kumimoji="1" lang="ja-JP" altLang="en-US" dirty="0" err="1" smtClean="0"/>
+              <a:t>わ</a:t>
+            </a:r>
+            <a:r>
+              <a:rPr kumimoji="1" lang="ja-JP" altLang="en-US" dirty="0" smtClean="0"/>
+              <a:t>なそうなクラスの存在</a:t>
+            </a:r>
           </a:p>
         </p:txBody>
       </p:sp>
@@ -2341,7 +2340,7 @@
           <a:p>
             <a:fld id="{36B36527-D379-4589-94AB-3E8AB1F08336}" type="slidenum">
               <a:rPr kumimoji="1" lang="ja-JP" altLang="en-US" smtClean="0"/>
-              <a:t>16</a:t>
+              <a:t>17</a:t>
             </a:fld>
             <a:endParaRPr kumimoji="1" lang="ja-JP" altLang="en-US"/>
           </a:p>
@@ -2350,7 +2349,7 @@
     </p:spTree>
     <p:extLst>
       <p:ext uri="{BB962C8B-B14F-4D97-AF65-F5344CB8AC3E}">
-        <p14:creationId xmlns:p14="http://schemas.microsoft.com/office/powerpoint/2010/main" val="345897966"/>
+        <p14:creationId xmlns:p14="http://schemas.microsoft.com/office/powerpoint/2010/main" val="1207813319"/>
       </p:ext>
     </p:extLst>
   </p:cSld>
@@ -2405,10 +2404,14 @@
           <a:lstStyle/>
           <a:p>
             <a:r>
-              <a:rPr kumimoji="1" lang="ja-JP" altLang="en-US" dirty="0" smtClean="0"/>
-              <a:t>目標値制御のモデルカタログ</a:t>
-            </a:r>
-            <a:endParaRPr kumimoji="1" lang="ja-JP" altLang="en-US" dirty="0"/>
+              <a:rPr kumimoji="1" lang="en-US" altLang="ja-JP" smtClean="0"/>
+              <a:t>nxt</a:t>
+            </a:r>
+            <a:r>
+              <a:rPr kumimoji="1" lang="ja-JP" altLang="en-US" smtClean="0"/>
+              <a:t>用輝度値制御モデルの作成</a:t>
+            </a:r>
+            <a:endParaRPr kumimoji="1" lang="ja-JP" altLang="en-US"/>
           </a:p>
         </p:txBody>
       </p:sp>
@@ -2429,7 +2432,7 @@
           <a:p>
             <a:fld id="{36B36527-D379-4589-94AB-3E8AB1F08336}" type="slidenum">
               <a:rPr kumimoji="1" lang="ja-JP" altLang="en-US" smtClean="0"/>
-              <a:t>17</a:t>
+              <a:t>18</a:t>
             </a:fld>
             <a:endParaRPr kumimoji="1" lang="ja-JP" altLang="en-US"/>
           </a:p>
@@ -2438,7 +2441,7 @@
     </p:spTree>
     <p:extLst>
       <p:ext uri="{BB962C8B-B14F-4D97-AF65-F5344CB8AC3E}">
-        <p14:creationId xmlns:p14="http://schemas.microsoft.com/office/powerpoint/2010/main" val="2681205565"/>
+        <p14:creationId xmlns:p14="http://schemas.microsoft.com/office/powerpoint/2010/main" val="345897966"/>
       </p:ext>
     </p:extLst>
   </p:cSld>
@@ -2493,14 +2496,10 @@
           <a:lstStyle/>
           <a:p>
             <a:r>
-              <a:rPr kumimoji="1" lang="en-US" altLang="ja-JP" smtClean="0"/>
-              <a:t>nxt</a:t>
-            </a:r>
-            <a:r>
-              <a:rPr kumimoji="1" lang="ja-JP" altLang="en-US" smtClean="0"/>
-              <a:t>用輝度値制御モデルの作成</a:t>
-            </a:r>
-            <a:endParaRPr kumimoji="1" lang="ja-JP" altLang="en-US"/>
+              <a:rPr kumimoji="1" lang="ja-JP" altLang="en-US" dirty="0" smtClean="0"/>
+              <a:t>目標値制御のモデルカタログ</a:t>
+            </a:r>
+            <a:endParaRPr kumimoji="1" lang="ja-JP" altLang="en-US" dirty="0"/>
           </a:p>
         </p:txBody>
       </p:sp>
@@ -2521,7 +2520,7 @@
           <a:p>
             <a:fld id="{36B36527-D379-4589-94AB-3E8AB1F08336}" type="slidenum">
               <a:rPr kumimoji="1" lang="ja-JP" altLang="en-US" smtClean="0"/>
-              <a:t>18</a:t>
+              <a:t>19</a:t>
             </a:fld>
             <a:endParaRPr kumimoji="1" lang="ja-JP" altLang="en-US"/>
           </a:p>
@@ -2530,7 +2529,7 @@
     </p:spTree>
     <p:extLst>
       <p:ext uri="{BB962C8B-B14F-4D97-AF65-F5344CB8AC3E}">
-        <p14:creationId xmlns:p14="http://schemas.microsoft.com/office/powerpoint/2010/main" val="345897966"/>
+        <p14:creationId xmlns:p14="http://schemas.microsoft.com/office/powerpoint/2010/main" val="2681205565"/>
       </p:ext>
     </p:extLst>
   </p:cSld>
@@ -2585,39 +2584,14 @@
           <a:lstStyle/>
           <a:p>
             <a:r>
-              <a:rPr kumimoji="1" lang="en-US" altLang="ja-JP" dirty="0" smtClean="0"/>
-              <a:t>NXT LEGO MINDSTORMS</a:t>
-            </a:r>
-            <a:r>
-              <a:rPr kumimoji="1" lang="ja-JP" altLang="en-US" dirty="0" smtClean="0"/>
-              <a:t>のどの部分に利用出来るか</a:t>
-            </a:r>
-          </a:p>
-          <a:p>
-            <a:r>
-              <a:rPr kumimoji="1" lang="ja-JP" altLang="en-US" dirty="0" smtClean="0"/>
-              <a:t>結果、輝度値制御、尻尾モータ角度制御、曲率半径制御に利用出来そう</a:t>
-            </a:r>
-          </a:p>
-          <a:p>
-            <a:r>
-              <a:rPr kumimoji="1" lang="ja-JP" altLang="en-US" dirty="0" smtClean="0"/>
-              <a:t>いくつか気になるポイントがあった</a:t>
-            </a:r>
-          </a:p>
-          <a:p>
-            <a:r>
-              <a:rPr kumimoji="1" lang="ja-JP" altLang="en-US" dirty="0" smtClean="0"/>
-              <a:t>粒度、使</a:t>
-            </a:r>
-            <a:r>
-              <a:rPr kumimoji="1" lang="ja-JP" altLang="en-US" dirty="0" err="1" smtClean="0"/>
-              <a:t>わ</a:t>
-            </a:r>
-            <a:r>
-              <a:rPr kumimoji="1" lang="ja-JP" altLang="en-US" dirty="0" smtClean="0"/>
-              <a:t>なそうなクラスの存在</a:t>
-            </a:r>
+              <a:rPr kumimoji="1" lang="en-US" altLang="ja-JP" smtClean="0"/>
+              <a:t>nxt</a:t>
+            </a:r>
+            <a:r>
+              <a:rPr kumimoji="1" lang="ja-JP" altLang="en-US" smtClean="0"/>
+              <a:t>用輝度値制御モデルの作成</a:t>
+            </a:r>
+            <a:endParaRPr kumimoji="1" lang="ja-JP" altLang="en-US"/>
           </a:p>
         </p:txBody>
       </p:sp>
@@ -2638,7 +2612,7 @@
           <a:p>
             <a:fld id="{36B36527-D379-4589-94AB-3E8AB1F08336}" type="slidenum">
               <a:rPr kumimoji="1" lang="ja-JP" altLang="en-US" smtClean="0"/>
-              <a:t>19</a:t>
+              <a:t>20</a:t>
             </a:fld>
             <a:endParaRPr kumimoji="1" lang="ja-JP" altLang="en-US"/>
           </a:p>
@@ -2647,7 +2621,7 @@
     </p:spTree>
     <p:extLst>
       <p:ext uri="{BB962C8B-B14F-4D97-AF65-F5344CB8AC3E}">
-        <p14:creationId xmlns:p14="http://schemas.microsoft.com/office/powerpoint/2010/main" val="1207813319"/>
+        <p14:creationId xmlns:p14="http://schemas.microsoft.com/office/powerpoint/2010/main" val="345897966"/>
       </p:ext>
     </p:extLst>
   </p:cSld>
@@ -2702,10 +2676,39 @@
           <a:lstStyle/>
           <a:p>
             <a:r>
-              <a:rPr kumimoji="1" lang="ja-JP" altLang="en-US" smtClean="0"/>
-              <a:t>今後の予定</a:t>
-            </a:r>
-            <a:endParaRPr kumimoji="1" lang="ja-JP" altLang="en-US"/>
+              <a:rPr kumimoji="1" lang="en-US" altLang="ja-JP" dirty="0" smtClean="0"/>
+              <a:t>NXT LEGO MINDSTORMS</a:t>
+            </a:r>
+            <a:r>
+              <a:rPr kumimoji="1" lang="ja-JP" altLang="en-US" dirty="0" smtClean="0"/>
+              <a:t>のどの部分に利用出来るか</a:t>
+            </a:r>
+          </a:p>
+          <a:p>
+            <a:r>
+              <a:rPr kumimoji="1" lang="ja-JP" altLang="en-US" dirty="0" smtClean="0"/>
+              <a:t>結果、輝度値制御、尻尾モータ角度制御、曲率半径制御に利用出来そう</a:t>
+            </a:r>
+          </a:p>
+          <a:p>
+            <a:r>
+              <a:rPr kumimoji="1" lang="ja-JP" altLang="en-US" dirty="0" smtClean="0"/>
+              <a:t>いくつか気になるポイントがあった</a:t>
+            </a:r>
+          </a:p>
+          <a:p>
+            <a:r>
+              <a:rPr kumimoji="1" lang="ja-JP" altLang="en-US" dirty="0" smtClean="0"/>
+              <a:t>粒度、使</a:t>
+            </a:r>
+            <a:r>
+              <a:rPr kumimoji="1" lang="ja-JP" altLang="en-US" dirty="0" err="1" smtClean="0"/>
+              <a:t>わ</a:t>
+            </a:r>
+            <a:r>
+              <a:rPr kumimoji="1" lang="ja-JP" altLang="en-US" dirty="0" smtClean="0"/>
+              <a:t>なそうなクラスの存在</a:t>
+            </a:r>
           </a:p>
         </p:txBody>
       </p:sp>
@@ -2726,7 +2729,7 @@
           <a:p>
             <a:fld id="{36B36527-D379-4589-94AB-3E8AB1F08336}" type="slidenum">
               <a:rPr kumimoji="1" lang="ja-JP" altLang="en-US" smtClean="0"/>
-              <a:t>20</a:t>
+              <a:t>22</a:t>
             </a:fld>
             <a:endParaRPr kumimoji="1" lang="ja-JP" altLang="en-US"/>
           </a:p>
@@ -2735,7 +2738,7 @@
     </p:spTree>
     <p:extLst>
       <p:ext uri="{BB962C8B-B14F-4D97-AF65-F5344CB8AC3E}">
-        <p14:creationId xmlns:p14="http://schemas.microsoft.com/office/powerpoint/2010/main" val="4133551927"/>
+        <p14:creationId xmlns:p14="http://schemas.microsoft.com/office/powerpoint/2010/main" val="1207813319"/>
       </p:ext>
     </p:extLst>
   </p:cSld>
@@ -2934,7 +2937,7 @@
           <a:p>
             <a:r>
               <a:rPr kumimoji="1" lang="ja-JP" altLang="en-US" smtClean="0"/>
-              <a:t>まとめ</a:t>
+              <a:t>今後の予定</a:t>
             </a:r>
             <a:endParaRPr kumimoji="1" lang="ja-JP" altLang="en-US"/>
           </a:p>
@@ -2957,7 +2960,95 @@
           <a:p>
             <a:fld id="{36B36527-D379-4589-94AB-3E8AB1F08336}" type="slidenum">
               <a:rPr kumimoji="1" lang="ja-JP" altLang="en-US" smtClean="0"/>
-              <a:t>21</a:t>
+              <a:t>23</a:t>
+            </a:fld>
+            <a:endParaRPr kumimoji="1" lang="ja-JP" altLang="en-US"/>
+          </a:p>
+        </p:txBody>
+      </p:sp>
+    </p:spTree>
+    <p:extLst>
+      <p:ext uri="{BB962C8B-B14F-4D97-AF65-F5344CB8AC3E}">
+        <p14:creationId xmlns:p14="http://schemas.microsoft.com/office/powerpoint/2010/main" val="4133551927"/>
+      </p:ext>
+    </p:extLst>
+  </p:cSld>
+  <p:clrMapOvr>
+    <a:masterClrMapping/>
+  </p:clrMapOvr>
+</p:notes>
+</file>
+
+<file path=ppt/notesSlides/notesSlide21.xml><?xml version="1.0" encoding="utf-8"?>
+<p:notes xmlns:a="http://schemas.openxmlformats.org/drawingml/2006/main" xmlns:r="http://schemas.openxmlformats.org/officeDocument/2006/relationships" xmlns:p="http://schemas.openxmlformats.org/presentationml/2006/main">
+  <p:cSld>
+    <p:spTree>
+      <p:nvGrpSpPr>
+        <p:cNvPr id="1" name=""/>
+        <p:cNvGrpSpPr/>
+        <p:nvPr/>
+      </p:nvGrpSpPr>
+      <p:grpSpPr>
+        <a:xfrm>
+          <a:off x="0" y="0"/>
+          <a:ext cx="0" cy="0"/>
+          <a:chOff x="0" y="0"/>
+          <a:chExt cx="0" cy="0"/>
+        </a:xfrm>
+      </p:grpSpPr>
+      <p:sp>
+        <p:nvSpPr>
+          <p:cNvPr id="2" name="スライド イメージ プレースホルダー 1"/>
+          <p:cNvSpPr>
+            <a:spLocks noGrp="1" noRot="1" noChangeAspect="1"/>
+          </p:cNvSpPr>
+          <p:nvPr>
+            <p:ph type="sldImg"/>
+          </p:nvPr>
+        </p:nvSpPr>
+        <p:spPr/>
+      </p:sp>
+      <p:sp>
+        <p:nvSpPr>
+          <p:cNvPr id="3" name="ノート プレースホルダー 2"/>
+          <p:cNvSpPr>
+            <a:spLocks noGrp="1"/>
+          </p:cNvSpPr>
+          <p:nvPr>
+            <p:ph type="body" idx="1"/>
+          </p:nvPr>
+        </p:nvSpPr>
+        <p:spPr/>
+        <p:txBody>
+          <a:bodyPr/>
+          <a:lstStyle/>
+          <a:p>
+            <a:r>
+              <a:rPr kumimoji="1" lang="ja-JP" altLang="en-US" smtClean="0"/>
+              <a:t>まとめ</a:t>
+            </a:r>
+            <a:endParaRPr kumimoji="1" lang="ja-JP" altLang="en-US"/>
+          </a:p>
+        </p:txBody>
+      </p:sp>
+      <p:sp>
+        <p:nvSpPr>
+          <p:cNvPr id="4" name="スライド番号プレースホルダー 3"/>
+          <p:cNvSpPr>
+            <a:spLocks noGrp="1"/>
+          </p:cNvSpPr>
+          <p:nvPr>
+            <p:ph type="sldNum" sz="quarter" idx="10"/>
+          </p:nvPr>
+        </p:nvSpPr>
+        <p:spPr/>
+        <p:txBody>
+          <a:bodyPr/>
+          <a:lstStyle/>
+          <a:p>
+            <a:fld id="{36B36527-D379-4589-94AB-3E8AB1F08336}" type="slidenum">
+              <a:rPr kumimoji="1" lang="ja-JP" altLang="en-US" smtClean="0"/>
+              <a:t>24</a:t>
             </a:fld>
             <a:endParaRPr kumimoji="1" lang="ja-JP" altLang="en-US"/>
           </a:p>
@@ -3459,7 +3550,7 @@
           <a:p>
             <a:fld id="{36B36527-D379-4589-94AB-3E8AB1F08336}" type="slidenum">
               <a:rPr kumimoji="1" lang="ja-JP" altLang="en-US" smtClean="0"/>
-              <a:t>8</a:t>
+              <a:t>9</a:t>
             </a:fld>
             <a:endParaRPr kumimoji="1" lang="ja-JP" altLang="en-US"/>
           </a:p>
@@ -3547,7 +3638,7 @@
           <a:p>
             <a:fld id="{36B36527-D379-4589-94AB-3E8AB1F08336}" type="slidenum">
               <a:rPr kumimoji="1" lang="ja-JP" altLang="en-US" smtClean="0"/>
-              <a:t>9</a:t>
+              <a:t>10</a:t>
             </a:fld>
             <a:endParaRPr kumimoji="1" lang="ja-JP" altLang="en-US"/>
           </a:p>
@@ -3635,7 +3726,7 @@
           <a:p>
             <a:fld id="{36B36527-D379-4589-94AB-3E8AB1F08336}" type="slidenum">
               <a:rPr kumimoji="1" lang="ja-JP" altLang="en-US" smtClean="0"/>
-              <a:t>10</a:t>
+              <a:t>11</a:t>
             </a:fld>
             <a:endParaRPr kumimoji="1" lang="ja-JP" altLang="en-US"/>
           </a:p>
@@ -8183,8 +8274,654 @@
           <a:lstStyle/>
           <a:p>
             <a:r>
+              <a:rPr lang="ja-JP" altLang="en-US" smtClean="0"/>
+              <a:t>モデルカタログ</a:t>
+            </a:r>
+            <a:r>
+              <a:rPr lang="ja-JP" altLang="en-US" smtClean="0"/>
+              <a:t>一覧（現在全</a:t>
+            </a:r>
+            <a:r>
+              <a:rPr lang="en-US" altLang="ja-JP" smtClean="0"/>
+              <a:t>5</a:t>
+            </a:r>
+            <a:r>
+              <a:rPr lang="ja-JP" altLang="en-US" smtClean="0"/>
+              <a:t>種類）</a:t>
+            </a:r>
+            <a:endParaRPr kumimoji="1" lang="ja-JP" altLang="en-US" dirty="0"/>
+          </a:p>
+        </p:txBody>
+      </p:sp>
+      <p:graphicFrame>
+        <p:nvGraphicFramePr>
+          <p:cNvPr id="4" name="表 3"/>
+          <p:cNvGraphicFramePr>
+            <a:graphicFrameLocks noGrp="1"/>
+          </p:cNvGraphicFramePr>
+          <p:nvPr>
+            <p:extLst>
+              <p:ext uri="{D42A27DB-BD31-4B8C-83A1-F6EECF244321}">
+                <p14:modId xmlns:p14="http://schemas.microsoft.com/office/powerpoint/2010/main" val="239475022"/>
+              </p:ext>
+            </p:extLst>
+          </p:nvPr>
+        </p:nvGraphicFramePr>
+        <p:xfrm>
+          <a:off x="395535" y="1708016"/>
+          <a:ext cx="8280921" cy="4673314"/>
+        </p:xfrm>
+        <a:graphic>
+          <a:graphicData uri="http://schemas.openxmlformats.org/drawingml/2006/table">
+            <a:tbl>
+              <a:tblPr firstRow="1" bandRow="1">
+                <a:tableStyleId>{00A15C55-8517-42AA-B614-E9B94910E393}</a:tableStyleId>
+              </a:tblPr>
+              <a:tblGrid>
+                <a:gridCol w="1296145"/>
+                <a:gridCol w="2016224"/>
+                <a:gridCol w="4968552"/>
+              </a:tblGrid>
+              <a:tr h="484591">
+                <a:tc>
+                  <a:txBody>
+                    <a:bodyPr/>
+                    <a:lstStyle/>
+                    <a:p>
+                      <a:pPr algn="ctr"/>
+                      <a:r>
+                        <a:rPr kumimoji="1" lang="ja-JP" altLang="en-US" sz="2000" dirty="0" smtClean="0">
+                          <a:latin typeface="メイリオ" pitchFamily="50" charset="-128"/>
+                          <a:ea typeface="メイリオ" pitchFamily="50" charset="-128"/>
+                          <a:cs typeface="メイリオ" pitchFamily="50" charset="-128"/>
+                        </a:rPr>
+                        <a:t>カテゴリ</a:t>
+                      </a:r>
+                      <a:endParaRPr kumimoji="1" lang="ja-JP" altLang="en-US" sz="2000" dirty="0">
+                        <a:latin typeface="メイリオ" pitchFamily="50" charset="-128"/>
+                        <a:ea typeface="メイリオ" pitchFamily="50" charset="-128"/>
+                        <a:cs typeface="メイリオ" pitchFamily="50" charset="-128"/>
+                      </a:endParaRPr>
+                    </a:p>
+                  </a:txBody>
+                  <a:tcPr anchor="ctr"/>
+                </a:tc>
+                <a:tc>
+                  <a:txBody>
+                    <a:bodyPr/>
+                    <a:lstStyle/>
+                    <a:p>
+                      <a:pPr algn="ctr"/>
+                      <a:r>
+                        <a:rPr kumimoji="1" lang="ja-JP" altLang="en-US" sz="2000" dirty="0" smtClean="0">
+                          <a:latin typeface="メイリオ" pitchFamily="50" charset="-128"/>
+                          <a:ea typeface="メイリオ" pitchFamily="50" charset="-128"/>
+                          <a:cs typeface="メイリオ" pitchFamily="50" charset="-128"/>
+                        </a:rPr>
+                        <a:t>要求仕様</a:t>
+                      </a:r>
+                      <a:endParaRPr kumimoji="1" lang="ja-JP" altLang="en-US" sz="2000" dirty="0">
+                        <a:latin typeface="メイリオ" pitchFamily="50" charset="-128"/>
+                        <a:ea typeface="メイリオ" pitchFamily="50" charset="-128"/>
+                        <a:cs typeface="メイリオ" pitchFamily="50" charset="-128"/>
+                      </a:endParaRPr>
+                    </a:p>
+                  </a:txBody>
+                  <a:tcPr anchor="ctr"/>
+                </a:tc>
+                <a:tc>
+                  <a:txBody>
+                    <a:bodyPr/>
+                    <a:lstStyle/>
+                    <a:p>
+                      <a:pPr algn="ctr"/>
+                      <a:r>
+                        <a:rPr kumimoji="1" lang="ja-JP" altLang="en-US" sz="2000" dirty="0" smtClean="0">
+                          <a:latin typeface="メイリオ" pitchFamily="50" charset="-128"/>
+                          <a:ea typeface="メイリオ" pitchFamily="50" charset="-128"/>
+                          <a:cs typeface="メイリオ" pitchFamily="50" charset="-128"/>
+                        </a:rPr>
+                        <a:t>概要</a:t>
+                      </a:r>
+                      <a:endParaRPr kumimoji="1" lang="ja-JP" altLang="en-US" sz="2000" dirty="0">
+                        <a:latin typeface="メイリオ" pitchFamily="50" charset="-128"/>
+                        <a:ea typeface="メイリオ" pitchFamily="50" charset="-128"/>
+                        <a:cs typeface="メイリオ" pitchFamily="50" charset="-128"/>
+                      </a:endParaRPr>
+                    </a:p>
+                  </a:txBody>
+                  <a:tcPr anchor="ctr"/>
+                </a:tc>
+              </a:tr>
+              <a:tr h="484591">
+                <a:tc rowSpan="2">
+                  <a:txBody>
+                    <a:bodyPr/>
+                    <a:lstStyle/>
+                    <a:p>
+                      <a:pPr algn="ctr"/>
+                      <a:r>
+                        <a:rPr kumimoji="1" lang="ja-JP" altLang="en-US" sz="2000" dirty="0" smtClean="0">
+                          <a:latin typeface="メイリオ" pitchFamily="50" charset="-128"/>
+                          <a:ea typeface="メイリオ" pitchFamily="50" charset="-128"/>
+                          <a:cs typeface="メイリオ" pitchFamily="50" charset="-128"/>
+                        </a:rPr>
+                        <a:t>製品</a:t>
+                      </a:r>
+                      <a:endParaRPr kumimoji="1" lang="ja-JP" altLang="en-US" sz="2000" dirty="0">
+                        <a:latin typeface="メイリオ" pitchFamily="50" charset="-128"/>
+                        <a:ea typeface="メイリオ" pitchFamily="50" charset="-128"/>
+                        <a:cs typeface="メイリオ" pitchFamily="50" charset="-128"/>
+                      </a:endParaRPr>
+                    </a:p>
+                  </a:txBody>
+                  <a:tcPr anchor="ctr"/>
+                </a:tc>
+                <a:tc>
+                  <a:txBody>
+                    <a:bodyPr/>
+                    <a:lstStyle/>
+                    <a:p>
+                      <a:pPr algn="ctr"/>
+                      <a:r>
+                        <a:rPr kumimoji="1" lang="ja-JP" altLang="en-US" sz="2000" dirty="0" smtClean="0">
+                          <a:latin typeface="メイリオ" pitchFamily="50" charset="-128"/>
+                          <a:ea typeface="メイリオ" pitchFamily="50" charset="-128"/>
+                          <a:cs typeface="メイリオ" pitchFamily="50" charset="-128"/>
+                        </a:rPr>
+                        <a:t>孔版印刷機</a:t>
+                      </a:r>
+                      <a:endParaRPr kumimoji="1" lang="ja-JP" altLang="en-US" sz="2000" dirty="0">
+                        <a:latin typeface="メイリオ" pitchFamily="50" charset="-128"/>
+                        <a:ea typeface="メイリオ" pitchFamily="50" charset="-128"/>
+                        <a:cs typeface="メイリオ" pitchFamily="50" charset="-128"/>
+                      </a:endParaRPr>
+                    </a:p>
+                  </a:txBody>
+                  <a:tcPr anchor="ctr"/>
+                </a:tc>
+                <a:tc>
+                  <a:txBody>
+                    <a:bodyPr/>
+                    <a:lstStyle/>
+                    <a:p>
+                      <a:pPr algn="ctr"/>
+                      <a:r>
+                        <a:rPr kumimoji="1" lang="ja-JP" altLang="en-US" sz="2000" dirty="0" smtClean="0">
+                          <a:latin typeface="メイリオ" pitchFamily="50" charset="-128"/>
+                          <a:ea typeface="メイリオ" pitchFamily="50" charset="-128"/>
+                          <a:cs typeface="メイリオ" pitchFamily="50" charset="-128"/>
+                        </a:rPr>
+                        <a:t>孔版印刷の実現</a:t>
+                      </a:r>
+                      <a:endParaRPr kumimoji="1" lang="ja-JP" altLang="en-US" sz="2000" dirty="0">
+                        <a:latin typeface="メイリオ" pitchFamily="50" charset="-128"/>
+                        <a:ea typeface="メイリオ" pitchFamily="50" charset="-128"/>
+                        <a:cs typeface="メイリオ" pitchFamily="50" charset="-128"/>
+                      </a:endParaRPr>
+                    </a:p>
+                  </a:txBody>
+                  <a:tcPr anchor="ctr"/>
+                </a:tc>
+              </a:tr>
+              <a:tr h="836417">
+                <a:tc vMerge="1">
+                  <a:txBody>
+                    <a:bodyPr/>
+                    <a:lstStyle/>
+                    <a:p>
+                      <a:endParaRPr kumimoji="1" lang="ja-JP" altLang="en-US" dirty="0"/>
+                    </a:p>
+                  </a:txBody>
+                  <a:tcPr/>
+                </a:tc>
+                <a:tc>
+                  <a:txBody>
+                    <a:bodyPr/>
+                    <a:lstStyle/>
+                    <a:p>
+                      <a:pPr algn="ctr"/>
+                      <a:r>
+                        <a:rPr kumimoji="1" lang="ja-JP" altLang="en-US" sz="2000" dirty="0" smtClean="0">
+                          <a:latin typeface="メイリオ" pitchFamily="50" charset="-128"/>
+                          <a:ea typeface="メイリオ" pitchFamily="50" charset="-128"/>
+                          <a:cs typeface="メイリオ" pitchFamily="50" charset="-128"/>
+                        </a:rPr>
+                        <a:t>電子オルゴール</a:t>
+                      </a:r>
+                      <a:endParaRPr kumimoji="1" lang="ja-JP" altLang="en-US" sz="2000" dirty="0">
+                        <a:latin typeface="メイリオ" pitchFamily="50" charset="-128"/>
+                        <a:ea typeface="メイリオ" pitchFamily="50" charset="-128"/>
+                        <a:cs typeface="メイリオ" pitchFamily="50" charset="-128"/>
+                      </a:endParaRPr>
+                    </a:p>
+                  </a:txBody>
+                  <a:tcPr anchor="ctr"/>
+                </a:tc>
+                <a:tc>
+                  <a:txBody>
+                    <a:bodyPr/>
+                    <a:lstStyle/>
+                    <a:p>
+                      <a:pPr algn="ctr"/>
+                      <a:r>
+                        <a:rPr kumimoji="1" lang="ja-JP" altLang="en-US" sz="2000" dirty="0" smtClean="0">
+                          <a:latin typeface="メイリオ" pitchFamily="50" charset="-128"/>
+                          <a:ea typeface="メイリオ" pitchFamily="50" charset="-128"/>
+                          <a:cs typeface="メイリオ" pitchFamily="50" charset="-128"/>
+                        </a:rPr>
+                        <a:t>オルゴールの発音操作を</a:t>
+                      </a:r>
+                      <a:endParaRPr kumimoji="1" lang="en-US" altLang="ja-JP" sz="2000" dirty="0" smtClean="0">
+                        <a:latin typeface="メイリオ" pitchFamily="50" charset="-128"/>
+                        <a:ea typeface="メイリオ" pitchFamily="50" charset="-128"/>
+                        <a:cs typeface="メイリオ" pitchFamily="50" charset="-128"/>
+                      </a:endParaRPr>
+                    </a:p>
+                    <a:p>
+                      <a:pPr algn="ctr"/>
+                      <a:r>
+                        <a:rPr kumimoji="1" lang="ja-JP" altLang="en-US" sz="2000" dirty="0" smtClean="0">
+                          <a:latin typeface="メイリオ" pitchFamily="50" charset="-128"/>
+                          <a:ea typeface="メイリオ" pitchFamily="50" charset="-128"/>
+                          <a:cs typeface="メイリオ" pitchFamily="50" charset="-128"/>
+                        </a:rPr>
+                        <a:t>ソフトウェア制御</a:t>
+                      </a:r>
+                      <a:endParaRPr kumimoji="1" lang="ja-JP" altLang="en-US" sz="2000" dirty="0">
+                        <a:latin typeface="メイリオ" pitchFamily="50" charset="-128"/>
+                        <a:ea typeface="メイリオ" pitchFamily="50" charset="-128"/>
+                        <a:cs typeface="メイリオ" pitchFamily="50" charset="-128"/>
+                      </a:endParaRPr>
+                    </a:p>
+                  </a:txBody>
+                  <a:tcPr anchor="ctr"/>
+                </a:tc>
+              </a:tr>
+              <a:tr h="836417">
+                <a:tc rowSpan="2">
+                  <a:txBody>
+                    <a:bodyPr/>
+                    <a:lstStyle/>
+                    <a:p>
+                      <a:pPr algn="ctr"/>
+                      <a:r>
+                        <a:rPr kumimoji="1" lang="ja-JP" altLang="en-US" sz="2000" dirty="0" smtClean="0">
+                          <a:latin typeface="メイリオ" pitchFamily="50" charset="-128"/>
+                          <a:ea typeface="メイリオ" pitchFamily="50" charset="-128"/>
+                          <a:cs typeface="メイリオ" pitchFamily="50" charset="-128"/>
+                        </a:rPr>
+                        <a:t>機能</a:t>
+                      </a:r>
+                      <a:endParaRPr kumimoji="1" lang="ja-JP" altLang="en-US" sz="2000" dirty="0">
+                        <a:latin typeface="メイリオ" pitchFamily="50" charset="-128"/>
+                        <a:ea typeface="メイリオ" pitchFamily="50" charset="-128"/>
+                        <a:cs typeface="メイリオ" pitchFamily="50" charset="-128"/>
+                      </a:endParaRPr>
+                    </a:p>
+                  </a:txBody>
+                  <a:tcPr anchor="ctr"/>
+                </a:tc>
+                <a:tc>
+                  <a:txBody>
+                    <a:bodyPr/>
+                    <a:lstStyle/>
+                    <a:p>
+                      <a:pPr algn="ctr"/>
+                      <a:r>
+                        <a:rPr kumimoji="1" lang="ja-JP" altLang="en-US" sz="2000" dirty="0" smtClean="0">
+                          <a:latin typeface="メイリオ" pitchFamily="50" charset="-128"/>
+                          <a:ea typeface="メイリオ" pitchFamily="50" charset="-128"/>
+                          <a:cs typeface="メイリオ" pitchFamily="50" charset="-128"/>
+                        </a:rPr>
+                        <a:t>認証</a:t>
+                      </a:r>
+                      <a:endParaRPr kumimoji="1" lang="ja-JP" altLang="en-US" sz="2000" dirty="0">
+                        <a:latin typeface="メイリオ" pitchFamily="50" charset="-128"/>
+                        <a:ea typeface="メイリオ" pitchFamily="50" charset="-128"/>
+                        <a:cs typeface="メイリオ" pitchFamily="50" charset="-128"/>
+                      </a:endParaRPr>
+                    </a:p>
+                  </a:txBody>
+                  <a:tcPr anchor="ctr"/>
+                </a:tc>
+                <a:tc>
+                  <a:txBody>
+                    <a:bodyPr/>
+                    <a:lstStyle/>
+                    <a:p>
+                      <a:pPr algn="ctr"/>
+                      <a:r>
+                        <a:rPr kumimoji="1" lang="ja-JP" altLang="en-US" sz="2000" dirty="0" smtClean="0">
+                          <a:latin typeface="メイリオ" pitchFamily="50" charset="-128"/>
+                          <a:ea typeface="メイリオ" pitchFamily="50" charset="-128"/>
+                          <a:cs typeface="メイリオ" pitchFamily="50" charset="-128"/>
+                        </a:rPr>
+                        <a:t>ユーザを識別，</a:t>
+                      </a:r>
+                      <a:r>
+                        <a:rPr kumimoji="1" lang="en-US" altLang="ja-JP" sz="2000" dirty="0" smtClean="0">
+                          <a:latin typeface="メイリオ" pitchFamily="50" charset="-128"/>
+                          <a:ea typeface="メイリオ" pitchFamily="50" charset="-128"/>
+                          <a:cs typeface="メイリオ" pitchFamily="50" charset="-128"/>
+                        </a:rPr>
+                        <a:t/>
+                      </a:r>
+                      <a:br>
+                        <a:rPr kumimoji="1" lang="en-US" altLang="ja-JP" sz="2000" dirty="0" smtClean="0">
+                          <a:latin typeface="メイリオ" pitchFamily="50" charset="-128"/>
+                          <a:ea typeface="メイリオ" pitchFamily="50" charset="-128"/>
+                          <a:cs typeface="メイリオ" pitchFamily="50" charset="-128"/>
+                        </a:rPr>
+                      </a:br>
+                      <a:r>
+                        <a:rPr kumimoji="1" lang="ja-JP" altLang="en-US" sz="2000" dirty="0" smtClean="0">
+                          <a:latin typeface="メイリオ" pitchFamily="50" charset="-128"/>
+                          <a:ea typeface="メイリオ" pitchFamily="50" charset="-128"/>
+                          <a:cs typeface="メイリオ" pitchFamily="50" charset="-128"/>
+                        </a:rPr>
+                        <a:t>ユーザ毎にサービスを提供</a:t>
+                      </a:r>
+                      <a:endParaRPr kumimoji="1" lang="ja-JP" altLang="en-US" sz="2000" dirty="0">
+                        <a:latin typeface="メイリオ" pitchFamily="50" charset="-128"/>
+                        <a:ea typeface="メイリオ" pitchFamily="50" charset="-128"/>
+                        <a:cs typeface="メイリオ" pitchFamily="50" charset="-128"/>
+                      </a:endParaRPr>
+                    </a:p>
+                  </a:txBody>
+                  <a:tcPr anchor="ctr"/>
+                </a:tc>
+              </a:tr>
+              <a:tr h="1194881">
+                <a:tc vMerge="1">
+                  <a:txBody>
+                    <a:bodyPr/>
+                    <a:lstStyle/>
+                    <a:p>
+                      <a:endParaRPr kumimoji="1" lang="ja-JP" altLang="en-US" dirty="0"/>
+                    </a:p>
+                  </a:txBody>
+                  <a:tcPr/>
+                </a:tc>
+                <a:tc>
+                  <a:txBody>
+                    <a:bodyPr/>
+                    <a:lstStyle/>
+                    <a:p>
+                      <a:pPr algn="ctr"/>
+                      <a:r>
+                        <a:rPr kumimoji="1" lang="ja-JP" altLang="en-US" sz="2000" dirty="0" smtClean="0">
+                          <a:latin typeface="メイリオ" pitchFamily="50" charset="-128"/>
+                          <a:ea typeface="メイリオ" pitchFamily="50" charset="-128"/>
+                          <a:cs typeface="メイリオ" pitchFamily="50" charset="-128"/>
+                        </a:rPr>
+                        <a:t>自己診断</a:t>
+                      </a:r>
+                      <a:endParaRPr kumimoji="1" lang="ja-JP" altLang="en-US" sz="2000" dirty="0">
+                        <a:latin typeface="メイリオ" pitchFamily="50" charset="-128"/>
+                        <a:ea typeface="メイリオ" pitchFamily="50" charset="-128"/>
+                        <a:cs typeface="メイリオ" pitchFamily="50" charset="-128"/>
+                      </a:endParaRPr>
+                    </a:p>
+                  </a:txBody>
+                  <a:tcPr anchor="ctr"/>
+                </a:tc>
+                <a:tc>
+                  <a:txBody>
+                    <a:bodyPr/>
+                    <a:lstStyle/>
+                    <a:p>
+                      <a:pPr algn="ctr"/>
+                      <a:r>
+                        <a:rPr kumimoji="1" lang="ja-JP" altLang="en-US" sz="2000" dirty="0" smtClean="0">
+                          <a:latin typeface="メイリオ" pitchFamily="50" charset="-128"/>
+                          <a:ea typeface="メイリオ" pitchFamily="50" charset="-128"/>
+                          <a:cs typeface="メイリオ" pitchFamily="50" charset="-128"/>
+                        </a:rPr>
+                        <a:t>システムを構成するデバイスのチェック，</a:t>
+                      </a:r>
+                      <a:endParaRPr kumimoji="1" lang="en-US" altLang="ja-JP" sz="2000" dirty="0" smtClean="0">
+                        <a:latin typeface="メイリオ" pitchFamily="50" charset="-128"/>
+                        <a:ea typeface="メイリオ" pitchFamily="50" charset="-128"/>
+                        <a:cs typeface="メイリオ" pitchFamily="50" charset="-128"/>
+                      </a:endParaRPr>
+                    </a:p>
+                    <a:p>
+                      <a:pPr algn="ctr"/>
+                      <a:r>
+                        <a:rPr kumimoji="1" lang="ja-JP" altLang="en-US" sz="2000" dirty="0" smtClean="0">
+                          <a:latin typeface="メイリオ" pitchFamily="50" charset="-128"/>
+                          <a:ea typeface="メイリオ" pitchFamily="50" charset="-128"/>
+                          <a:cs typeface="メイリオ" pitchFamily="50" charset="-128"/>
+                        </a:rPr>
+                        <a:t>診断結果のレポート</a:t>
+                      </a:r>
+                      <a:endParaRPr kumimoji="1" lang="ja-JP" altLang="en-US" sz="2000" dirty="0">
+                        <a:latin typeface="メイリオ" pitchFamily="50" charset="-128"/>
+                        <a:ea typeface="メイリオ" pitchFamily="50" charset="-128"/>
+                        <a:cs typeface="メイリオ" pitchFamily="50" charset="-128"/>
+                      </a:endParaRPr>
+                    </a:p>
+                  </a:txBody>
+                  <a:tcPr anchor="ctr"/>
+                </a:tc>
+              </a:tr>
+              <a:tr h="836417">
+                <a:tc>
+                  <a:txBody>
+                    <a:bodyPr/>
+                    <a:lstStyle/>
+                    <a:p>
+                      <a:pPr algn="ctr"/>
+                      <a:r>
+                        <a:rPr kumimoji="1" lang="ja-JP" altLang="en-US" sz="2000" dirty="0" smtClean="0">
+                          <a:latin typeface="メイリオ" pitchFamily="50" charset="-128"/>
+                          <a:ea typeface="メイリオ" pitchFamily="50" charset="-128"/>
+                          <a:cs typeface="メイリオ" pitchFamily="50" charset="-128"/>
+                        </a:rPr>
+                        <a:t>部品</a:t>
+                      </a:r>
+                      <a:endParaRPr kumimoji="1" lang="ja-JP" altLang="en-US" sz="2000" dirty="0">
+                        <a:latin typeface="メイリオ" pitchFamily="50" charset="-128"/>
+                        <a:ea typeface="メイリオ" pitchFamily="50" charset="-128"/>
+                        <a:cs typeface="メイリオ" pitchFamily="50" charset="-128"/>
+                      </a:endParaRPr>
+                    </a:p>
+                  </a:txBody>
+                  <a:tcPr anchor="ctr"/>
+                </a:tc>
+                <a:tc>
+                  <a:txBody>
+                    <a:bodyPr/>
+                    <a:lstStyle/>
+                    <a:p>
+                      <a:pPr algn="ctr"/>
+                      <a:r>
+                        <a:rPr kumimoji="1" lang="ja-JP" altLang="en-US" sz="2000" dirty="0" smtClean="0">
+                          <a:latin typeface="メイリオ" pitchFamily="50" charset="-128"/>
+                          <a:ea typeface="メイリオ" pitchFamily="50" charset="-128"/>
+                          <a:cs typeface="メイリオ" pitchFamily="50" charset="-128"/>
+                        </a:rPr>
+                        <a:t>目標制御</a:t>
+                      </a:r>
+                      <a:endParaRPr kumimoji="1" lang="ja-JP" altLang="en-US" sz="2000" dirty="0">
+                        <a:latin typeface="メイリオ" pitchFamily="50" charset="-128"/>
+                        <a:ea typeface="メイリオ" pitchFamily="50" charset="-128"/>
+                        <a:cs typeface="メイリオ" pitchFamily="50" charset="-128"/>
+                      </a:endParaRPr>
+                    </a:p>
+                  </a:txBody>
+                  <a:tcPr anchor="ctr"/>
+                </a:tc>
+                <a:tc>
+                  <a:txBody>
+                    <a:bodyPr/>
+                    <a:lstStyle/>
+                    <a:p>
+                      <a:pPr algn="ctr"/>
+                      <a:r>
+                        <a:rPr kumimoji="1" lang="ja-JP" altLang="en-US" sz="2000" dirty="0" smtClean="0">
+                          <a:latin typeface="メイリオ" pitchFamily="50" charset="-128"/>
+                          <a:ea typeface="メイリオ" pitchFamily="50" charset="-128"/>
+                          <a:cs typeface="メイリオ" pitchFamily="50" charset="-128"/>
+                        </a:rPr>
+                        <a:t>制御対象の測定値を</a:t>
+                      </a:r>
+                      <a:endParaRPr kumimoji="1" lang="en-US" altLang="ja-JP" sz="2000" dirty="0" smtClean="0">
+                        <a:latin typeface="メイリオ" pitchFamily="50" charset="-128"/>
+                        <a:ea typeface="メイリオ" pitchFamily="50" charset="-128"/>
+                        <a:cs typeface="メイリオ" pitchFamily="50" charset="-128"/>
+                      </a:endParaRPr>
+                    </a:p>
+                    <a:p>
+                      <a:pPr algn="ctr"/>
+                      <a:r>
+                        <a:rPr kumimoji="1" lang="ja-JP" altLang="en-US" sz="2000" dirty="0" smtClean="0">
+                          <a:latin typeface="メイリオ" pitchFamily="50" charset="-128"/>
+                          <a:ea typeface="メイリオ" pitchFamily="50" charset="-128"/>
+                          <a:cs typeface="メイリオ" pitchFamily="50" charset="-128"/>
+                        </a:rPr>
+                        <a:t>目標値となるように制御</a:t>
+                      </a:r>
+                      <a:endParaRPr kumimoji="1" lang="ja-JP" altLang="en-US" sz="2000" dirty="0">
+                        <a:latin typeface="メイリオ" pitchFamily="50" charset="-128"/>
+                        <a:ea typeface="メイリオ" pitchFamily="50" charset="-128"/>
+                        <a:cs typeface="メイリオ" pitchFamily="50" charset="-128"/>
+                      </a:endParaRPr>
+                    </a:p>
+                  </a:txBody>
+                  <a:tcPr anchor="ctr"/>
+                </a:tc>
+              </a:tr>
+            </a:tbl>
+          </a:graphicData>
+        </a:graphic>
+      </p:graphicFrame>
+      <p:sp>
+        <p:nvSpPr>
+          <p:cNvPr id="3" name="スライド番号プレースホルダー 2"/>
+          <p:cNvSpPr>
+            <a:spLocks noGrp="1"/>
+          </p:cNvSpPr>
+          <p:nvPr>
+            <p:ph type="sldNum" sz="quarter" idx="12"/>
+          </p:nvPr>
+        </p:nvSpPr>
+        <p:spPr/>
+        <p:txBody>
+          <a:bodyPr/>
+          <a:lstStyle/>
+          <a:p>
+            <a:fld id="{1B4CD1AD-35CE-4DA8-9CDB-2FA6D4A1B3F4}" type="slidenum">
+              <a:rPr kumimoji="1" lang="ja-JP" altLang="en-US" smtClean="0"/>
+              <a:t>10</a:t>
+            </a:fld>
+            <a:endParaRPr kumimoji="1" lang="ja-JP" altLang="en-US" dirty="0"/>
+          </a:p>
+        </p:txBody>
+      </p:sp>
+    </p:spTree>
+    <p:extLst>
+      <p:ext uri="{BB962C8B-B14F-4D97-AF65-F5344CB8AC3E}">
+        <p14:creationId xmlns:p14="http://schemas.microsoft.com/office/powerpoint/2010/main" val="499421605"/>
+      </p:ext>
+    </p:extLst>
+  </p:cSld>
+  <p:clrMapOvr>
+    <a:masterClrMapping/>
+  </p:clrMapOvr>
+  <p:timing>
+    <p:tnLst>
+      <p:par>
+        <p:cTn id="1" dur="indefinite" restart="never" nodeType="tmRoot"/>
+      </p:par>
+    </p:tnLst>
+  </p:timing>
+</p:sld>
+</file>
+
+<file path=ppt/slides/slide11.xml><?xml version="1.0" encoding="utf-8"?>
+<p:sld xmlns:a="http://schemas.openxmlformats.org/drawingml/2006/main" xmlns:r="http://schemas.openxmlformats.org/officeDocument/2006/relationships" xmlns:p="http://schemas.openxmlformats.org/presentationml/2006/main">
+  <p:cSld>
+    <p:spTree>
+      <p:nvGrpSpPr>
+        <p:cNvPr id="1" name=""/>
+        <p:cNvGrpSpPr/>
+        <p:nvPr/>
+      </p:nvGrpSpPr>
+      <p:grpSpPr>
+        <a:xfrm>
+          <a:off x="0" y="0"/>
+          <a:ext cx="0" cy="0"/>
+          <a:chOff x="0" y="0"/>
+          <a:chExt cx="0" cy="0"/>
+        </a:xfrm>
+      </p:grpSpPr>
+      <p:sp>
+        <p:nvSpPr>
+          <p:cNvPr id="2" name="タイトル 1"/>
+          <p:cNvSpPr>
+            <a:spLocks noGrp="1"/>
+          </p:cNvSpPr>
+          <p:nvPr>
+            <p:ph type="title"/>
+          </p:nvPr>
+        </p:nvSpPr>
+        <p:spPr/>
+        <p:txBody>
+          <a:bodyPr/>
+          <a:lstStyle/>
+          <a:p>
+            <a:r>
+              <a:rPr kumimoji="1" lang="ja-JP" altLang="en-US" dirty="0" smtClean="0"/>
+              <a:t>研究概要</a:t>
+            </a:r>
+            <a:r>
+              <a:rPr lang="ja-JP" altLang="en-US" dirty="0"/>
+              <a:t>（</a:t>
+            </a:r>
+            <a:r>
+              <a:rPr kumimoji="1" lang="en-US" altLang="ja-JP" dirty="0" smtClean="0"/>
+              <a:t>2/5</a:t>
+            </a:r>
+            <a:r>
               <a:rPr lang="ja-JP" altLang="en-US" dirty="0" smtClean="0"/>
-              <a:t>モデルカタログ一覧</a:t>
+              <a:t>）</a:t>
+            </a:r>
+            <a:endParaRPr kumimoji="1" lang="ja-JP" altLang="en-US" dirty="0"/>
+          </a:p>
+        </p:txBody>
+      </p:sp>
+      <p:sp>
+        <p:nvSpPr>
+          <p:cNvPr id="6" name="コンテンツ プレースホルダー 5"/>
+          <p:cNvSpPr>
+            <a:spLocks noGrp="1"/>
+          </p:cNvSpPr>
+          <p:nvPr>
+            <p:ph idx="1"/>
+          </p:nvPr>
+        </p:nvSpPr>
+        <p:spPr/>
+        <p:txBody>
+          <a:bodyPr/>
+          <a:lstStyle/>
+          <a:p>
+            <a:r>
+              <a:rPr lang="ja-JP" altLang="en-US" smtClean="0"/>
+              <a:t>モデルカタログ</a:t>
+            </a:r>
+            <a:r>
+              <a:rPr lang="ja-JP" altLang="en-US" smtClean="0"/>
+              <a:t>一覧（現在全</a:t>
+            </a:r>
+            <a:r>
+              <a:rPr lang="en-US" altLang="ja-JP" smtClean="0"/>
+              <a:t>5</a:t>
+            </a:r>
+            <a:r>
+              <a:rPr lang="ja-JP" altLang="en-US" smtClean="0"/>
+              <a:t>種類）</a:t>
             </a:r>
             <a:endParaRPr kumimoji="1" lang="ja-JP" altLang="en-US" dirty="0"/>
           </a:p>
@@ -8349,15 +9086,7 @@
                           <a:ea typeface="メイリオ" pitchFamily="50" charset="-128"/>
                           <a:cs typeface="メイリオ" pitchFamily="50" charset="-128"/>
                         </a:rPr>
-                        <a:t>孔版</a:t>
-                      </a:r>
-                      <a:r>
-                        <a:rPr kumimoji="1" lang="ja-JP" altLang="en-US" sz="2000" dirty="0" smtClean="0">
-                          <a:latin typeface="メイリオ" pitchFamily="50" charset="-128"/>
-                          <a:ea typeface="メイリオ" pitchFamily="50" charset="-128"/>
-                          <a:cs typeface="メイリオ" pitchFamily="50" charset="-128"/>
-                        </a:rPr>
-                        <a:t>印刷の実現</a:t>
+                        <a:t>孔版印刷の実現</a:t>
                       </a:r>
                       <a:endParaRPr kumimoji="1" lang="ja-JP" altLang="en-US" sz="2000" dirty="0">
                         <a:latin typeface="メイリオ" pitchFamily="50" charset="-128"/>
@@ -8512,15 +9241,7 @@
                           <a:ea typeface="メイリオ" pitchFamily="50" charset="-128"/>
                           <a:cs typeface="メイリオ" pitchFamily="50" charset="-128"/>
                         </a:rPr>
-                        <a:t>ユーザを</a:t>
-                      </a:r>
-                      <a:r>
-                        <a:rPr kumimoji="1" lang="ja-JP" altLang="en-US" sz="2000" dirty="0" smtClean="0">
-                          <a:latin typeface="メイリオ" pitchFamily="50" charset="-128"/>
-                          <a:ea typeface="メイリオ" pitchFamily="50" charset="-128"/>
-                          <a:cs typeface="メイリオ" pitchFamily="50" charset="-128"/>
-                        </a:rPr>
-                        <a:t>識別，</a:t>
+                        <a:t>ユーザを識別，</a:t>
                       </a:r>
                       <a:r>
                         <a:rPr kumimoji="1" lang="en-US" altLang="ja-JP" sz="2000" dirty="0" smtClean="0">
@@ -8543,31 +9264,7 @@
                           <a:ea typeface="メイリオ" pitchFamily="50" charset="-128"/>
                           <a:cs typeface="メイリオ" pitchFamily="50" charset="-128"/>
                         </a:rPr>
-                        <a:t>ユーザ</a:t>
-                      </a:r>
-                      <a:r>
-                        <a:rPr kumimoji="1" lang="ja-JP" altLang="en-US" sz="2000" dirty="0" smtClean="0">
-                          <a:latin typeface="メイリオ" pitchFamily="50" charset="-128"/>
-                          <a:ea typeface="メイリオ" pitchFamily="50" charset="-128"/>
-                          <a:cs typeface="メイリオ" pitchFamily="50" charset="-128"/>
-                        </a:rPr>
-                        <a:t>毎</a:t>
-                      </a:r>
-                      <a:r>
-                        <a:rPr kumimoji="1" lang="ja-JP" altLang="en-US" sz="2000" dirty="0" smtClean="0">
-                          <a:latin typeface="メイリオ" pitchFamily="50" charset="-128"/>
-                          <a:ea typeface="メイリオ" pitchFamily="50" charset="-128"/>
-                          <a:cs typeface="メイリオ" pitchFamily="50" charset="-128"/>
-                        </a:rPr>
-                        <a:t>にサービス</a:t>
-                      </a:r>
-                      <a:r>
-                        <a:rPr kumimoji="1" lang="ja-JP" altLang="en-US" sz="2000" dirty="0" smtClean="0">
-                          <a:latin typeface="メイリオ" pitchFamily="50" charset="-128"/>
-                          <a:ea typeface="メイリオ" pitchFamily="50" charset="-128"/>
-                          <a:cs typeface="メイリオ" pitchFamily="50" charset="-128"/>
-                        </a:rPr>
-                        <a:t>を提供</a:t>
+                        <a:t>ユーザ毎にサービスを提供</a:t>
                       </a:r>
                       <a:endParaRPr kumimoji="1" lang="ja-JP" altLang="en-US" sz="2000" dirty="0">
                         <a:latin typeface="メイリオ" pitchFamily="50" charset="-128"/>
@@ -8930,7 +9627,7 @@
           <a:p>
             <a:fld id="{1B4CD1AD-35CE-4DA8-9CDB-2FA6D4A1B3F4}" type="slidenum">
               <a:rPr kumimoji="1" lang="ja-JP" altLang="en-US" smtClean="0"/>
-              <a:t>10</a:t>
+              <a:t>11</a:t>
             </a:fld>
             <a:endParaRPr kumimoji="1" lang="ja-JP" altLang="en-US" dirty="0"/>
           </a:p>
@@ -8956,7 +9653,7 @@
 </p:sld>
 </file>
 
-<file path=ppt/slides/slide11.xml><?xml version="1.0" encoding="utf-8"?>
+<file path=ppt/slides/slide12.xml><?xml version="1.0" encoding="utf-8"?>
 <p:sld xmlns:a="http://schemas.openxmlformats.org/drawingml/2006/main" xmlns:r="http://schemas.openxmlformats.org/officeDocument/2006/relationships" xmlns:p="http://schemas.openxmlformats.org/presentationml/2006/main">
   <p:cSld>
     <p:spTree>
@@ -9038,63 +9735,33 @@
             <a:pPr lvl="1"/>
             <a:r>
               <a:rPr lang="ja-JP" altLang="en-US" dirty="0" smtClean="0"/>
-              <a:t>制御対象の計測値が目標値となるように制御</a:t>
+              <a:t>制御対象の計測値が目標値となるよう</a:t>
+            </a:r>
+            <a:r>
+              <a:rPr lang="ja-JP" altLang="en-US" smtClean="0"/>
+              <a:t>に</a:t>
+            </a:r>
+            <a:r>
+              <a:rPr lang="ja-JP" altLang="en-US" smtClean="0"/>
+              <a:t>制御</a:t>
+            </a:r>
+            <a:endParaRPr lang="en-US" altLang="ja-JP"/>
+          </a:p>
+          <a:p>
+            <a:pPr lvl="1"/>
+            <a:r>
+              <a:rPr kumimoji="1" lang="ja-JP" altLang="en-US" smtClean="0"/>
+              <a:t>例</a:t>
+            </a:r>
+            <a:r>
+              <a:rPr lang="en-US" altLang="ja-JP" smtClean="0"/>
+              <a:t>:</a:t>
+            </a:r>
+            <a:r>
+              <a:rPr lang="ja-JP" altLang="en-US" smtClean="0"/>
+              <a:t>エアコンの温度制御，車の速度制御等</a:t>
             </a:r>
             <a:endParaRPr kumimoji="1" lang="en-US" altLang="ja-JP" dirty="0" smtClean="0"/>
-          </a:p>
-          <a:p>
-            <a:endParaRPr lang="en-US" altLang="ja-JP" dirty="0" smtClean="0"/>
-          </a:p>
-        </p:txBody>
-      </p:sp>
-      <p:sp>
-        <p:nvSpPr>
-          <p:cNvPr id="11" name="テキスト ボックス 10"/>
-          <p:cNvSpPr txBox="1"/>
-          <p:nvPr/>
-        </p:nvSpPr>
-        <p:spPr>
-          <a:xfrm>
-            <a:off x="887900" y="2454028"/>
-            <a:ext cx="4900968" cy="461665"/>
-          </a:xfrm>
-          <a:prstGeom prst="rect">
-            <a:avLst/>
-          </a:prstGeom>
-        </p:spPr>
-        <p:style>
-          <a:lnRef idx="2">
-            <a:schemeClr val="accent2"/>
-          </a:lnRef>
-          <a:fillRef idx="1">
-            <a:schemeClr val="lt1"/>
-          </a:fillRef>
-          <a:effectRef idx="0">
-            <a:schemeClr val="accent2"/>
-          </a:effectRef>
-          <a:fontRef idx="minor">
-            <a:schemeClr val="dk1"/>
-          </a:fontRef>
-        </p:style>
-        <p:txBody>
-          <a:bodyPr wrap="square" rtlCol="0">
-            <a:spAutoFit/>
-          </a:bodyPr>
-          <a:lstStyle/>
-          <a:p>
-            <a:r>
-              <a:rPr kumimoji="1" lang="ja-JP" altLang="en-US" sz="2400" dirty="0" smtClean="0">
-                <a:latin typeface="メイリオ" pitchFamily="50" charset="-128"/>
-                <a:ea typeface="メイリオ" pitchFamily="50" charset="-128"/>
-                <a:cs typeface="メイリオ" pitchFamily="50" charset="-128"/>
-              </a:rPr>
-              <a:t>組込み機器における基本的な制御</a:t>
-            </a:r>
-            <a:endParaRPr kumimoji="1" lang="ja-JP" altLang="en-US" sz="2400" dirty="0">
-              <a:latin typeface="メイリオ" pitchFamily="50" charset="-128"/>
-              <a:ea typeface="メイリオ" pitchFamily="50" charset="-128"/>
-              <a:cs typeface="メイリオ" pitchFamily="50" charset="-128"/>
-            </a:endParaRPr>
           </a:p>
         </p:txBody>
       </p:sp>
@@ -9803,7 +10470,7 @@
           <a:p>
             <a:fld id="{1B4CD1AD-35CE-4DA8-9CDB-2FA6D4A1B3F4}" type="slidenum">
               <a:rPr kumimoji="1" lang="ja-JP" altLang="en-US" smtClean="0"/>
-              <a:t>11</a:t>
+              <a:t>12</a:t>
             </a:fld>
             <a:endParaRPr kumimoji="1" lang="ja-JP" altLang="en-US" dirty="0"/>
           </a:p>
@@ -9813,217 +10480,6 @@
     <p:extLst>
       <p:ext uri="{BB962C8B-B14F-4D97-AF65-F5344CB8AC3E}">
         <p14:creationId xmlns:p14="http://schemas.microsoft.com/office/powerpoint/2010/main" val="3621326477"/>
-      </p:ext>
-    </p:extLst>
-  </p:cSld>
-  <p:clrMapOvr>
-    <a:masterClrMapping/>
-  </p:clrMapOvr>
-  <p:timing>
-    <p:tnLst>
-      <p:par>
-        <p:cTn id="1" dur="indefinite" restart="never" nodeType="tmRoot"/>
-      </p:par>
-    </p:tnLst>
-  </p:timing>
-</p:sld>
-</file>
-
-<file path=ppt/slides/slide12.xml><?xml version="1.0" encoding="utf-8"?>
-<p:sld xmlns:a="http://schemas.openxmlformats.org/drawingml/2006/main" xmlns:r="http://schemas.openxmlformats.org/officeDocument/2006/relationships" xmlns:p="http://schemas.openxmlformats.org/presentationml/2006/main">
-  <p:cSld>
-    <p:spTree>
-      <p:nvGrpSpPr>
-        <p:cNvPr id="1" name=""/>
-        <p:cNvGrpSpPr/>
-        <p:nvPr/>
-      </p:nvGrpSpPr>
-      <p:grpSpPr>
-        <a:xfrm>
-          <a:off x="0" y="0"/>
-          <a:ext cx="0" cy="0"/>
-          <a:chOff x="0" y="0"/>
-          <a:chExt cx="0" cy="0"/>
-        </a:xfrm>
-      </p:grpSpPr>
-      <p:sp>
-        <p:nvSpPr>
-          <p:cNvPr id="2" name="タイトル 1"/>
-          <p:cNvSpPr>
-            <a:spLocks noGrp="1"/>
-          </p:cNvSpPr>
-          <p:nvPr>
-            <p:ph type="title"/>
-          </p:nvPr>
-        </p:nvSpPr>
-        <p:spPr/>
-        <p:txBody>
-          <a:bodyPr/>
-          <a:lstStyle/>
-          <a:p>
-            <a:r>
-              <a:rPr kumimoji="1" lang="ja-JP" altLang="en-US" dirty="0" smtClean="0"/>
-              <a:t>研究概要</a:t>
-            </a:r>
-            <a:r>
-              <a:rPr lang="ja-JP" altLang="en-US" dirty="0" smtClean="0"/>
-              <a:t>（</a:t>
-            </a:r>
-            <a:r>
-              <a:rPr lang="en-US" altLang="ja-JP" dirty="0"/>
-              <a:t>4</a:t>
-            </a:r>
-            <a:r>
-              <a:rPr kumimoji="1" lang="en-US" altLang="ja-JP" dirty="0" smtClean="0"/>
-              <a:t>/5</a:t>
-            </a:r>
-            <a:r>
-              <a:rPr lang="ja-JP" altLang="en-US" dirty="0" smtClean="0"/>
-              <a:t>）</a:t>
-            </a:r>
-            <a:endParaRPr kumimoji="1" lang="ja-JP" altLang="en-US" dirty="0"/>
-          </a:p>
-        </p:txBody>
-      </p:sp>
-      <p:sp>
-        <p:nvSpPr>
-          <p:cNvPr id="3" name="コンテンツ プレースホルダー 2"/>
-          <p:cNvSpPr>
-            <a:spLocks noGrp="1"/>
-          </p:cNvSpPr>
-          <p:nvPr>
-            <p:ph idx="1"/>
-          </p:nvPr>
-        </p:nvSpPr>
-        <p:spPr/>
-        <p:txBody>
-          <a:bodyPr/>
-          <a:lstStyle/>
-          <a:p>
-            <a:r>
-              <a:rPr lang="ja-JP" altLang="en-US" dirty="0" smtClean="0"/>
-              <a:t>実装</a:t>
-            </a:r>
-            <a:r>
-              <a:rPr lang="ja-JP" altLang="en-US" dirty="0" smtClean="0"/>
-              <a:t>環境</a:t>
-            </a:r>
-            <a:r>
-              <a:rPr lang="en-US" altLang="ja-JP" dirty="0" smtClean="0"/>
-              <a:t>1</a:t>
-            </a:r>
-            <a:r>
-              <a:rPr lang="ja-JP" altLang="en-US" dirty="0" smtClean="0"/>
-              <a:t> </a:t>
-            </a:r>
-            <a:r>
-              <a:rPr lang="en-US" altLang="ja-JP" dirty="0" smtClean="0"/>
-              <a:t>: NXT LEGO MINDSTORMS</a:t>
-            </a:r>
-          </a:p>
-          <a:p>
-            <a:pPr lvl="2"/>
-            <a:r>
-              <a:rPr lang="ja-JP" altLang="en-US" dirty="0" smtClean="0"/>
-              <a:t>組込みプログラムによって動作する二輪制御ロボット</a:t>
-            </a:r>
-            <a:endParaRPr lang="en-US" altLang="ja-JP" dirty="0" smtClean="0"/>
-          </a:p>
-          <a:p>
-            <a:pPr lvl="2"/>
-            <a:r>
-              <a:rPr lang="en-US" altLang="ja-JP" dirty="0" smtClean="0"/>
-              <a:t>C</a:t>
-            </a:r>
-            <a:r>
-              <a:rPr lang="ja-JP" altLang="en-US" dirty="0" smtClean="0"/>
-              <a:t>言語，</a:t>
-            </a:r>
-            <a:r>
-              <a:rPr lang="en-US" altLang="ja-JP" dirty="0" smtClean="0"/>
-              <a:t>C++</a:t>
-            </a:r>
-            <a:r>
-              <a:rPr lang="ja-JP" altLang="en-US" dirty="0" err="1" smtClean="0"/>
-              <a:t>，</a:t>
-            </a:r>
-            <a:r>
-              <a:rPr lang="en-US" altLang="ja-JP" dirty="0" smtClean="0"/>
-              <a:t>Java</a:t>
-            </a:r>
-            <a:r>
-              <a:rPr lang="ja-JP" altLang="en-US" dirty="0" smtClean="0"/>
-              <a:t>で動作（</a:t>
-            </a:r>
-            <a:r>
-              <a:rPr lang="en-US" altLang="ja-JP" dirty="0" smtClean="0"/>
-              <a:t>Ruby</a:t>
-            </a:r>
-            <a:r>
-              <a:rPr lang="ja-JP" altLang="en-US" dirty="0" smtClean="0"/>
-              <a:t>でも対応予定）</a:t>
-            </a:r>
-            <a:endParaRPr lang="en-US" altLang="ja-JP" dirty="0"/>
-          </a:p>
-        </p:txBody>
-      </p:sp>
-      <p:pic>
-        <p:nvPicPr>
-          <p:cNvPr id="5" name="図 4"/>
-          <p:cNvPicPr>
-            <a:picLocks noChangeAspect="1"/>
-          </p:cNvPicPr>
-          <p:nvPr/>
-        </p:nvPicPr>
-        <p:blipFill>
-          <a:blip r:embed="rId3" cstate="print">
-            <a:extLst>
-              <a:ext uri="{28A0092B-C50C-407E-A947-70E740481C1C}">
-                <a14:useLocalDpi xmlns:a14="http://schemas.microsoft.com/office/drawing/2010/main" val="0"/>
-              </a:ext>
-            </a:extLst>
-          </a:blip>
-          <a:stretch>
-            <a:fillRect/>
-          </a:stretch>
-        </p:blipFill>
-        <p:spPr>
-          <a:xfrm>
-            <a:off x="1079612" y="2636912"/>
-            <a:ext cx="2268252" cy="3711107"/>
-          </a:xfrm>
-          <a:prstGeom prst="rect">
-            <a:avLst/>
-          </a:prstGeom>
-        </p:spPr>
-      </p:pic>
-      <p:sp>
-        <p:nvSpPr>
-          <p:cNvPr id="4" name="スライド番号プレースホルダー 3"/>
-          <p:cNvSpPr>
-            <a:spLocks noGrp="1"/>
-          </p:cNvSpPr>
-          <p:nvPr>
-            <p:ph type="sldNum" sz="quarter" idx="12"/>
-          </p:nvPr>
-        </p:nvSpPr>
-        <p:spPr/>
-        <p:txBody>
-          <a:bodyPr/>
-          <a:lstStyle/>
-          <a:p>
-            <a:fld id="{1B4CD1AD-35CE-4DA8-9CDB-2FA6D4A1B3F4}" type="slidenum">
-              <a:rPr kumimoji="1" lang="ja-JP" altLang="en-US" smtClean="0"/>
-              <a:t>12</a:t>
-            </a:fld>
-            <a:endParaRPr kumimoji="1" lang="ja-JP" altLang="en-US" dirty="0"/>
-          </a:p>
-        </p:txBody>
-      </p:sp>
-    </p:spTree>
-    <p:extLst>
-      <p:ext uri="{BB962C8B-B14F-4D97-AF65-F5344CB8AC3E}">
-        <p14:creationId xmlns:p14="http://schemas.microsoft.com/office/powerpoint/2010/main" val="3481390782"/>
       </p:ext>
     </p:extLst>
   </p:cSld>
@@ -10082,7 +10538,7 @@
             </a:r>
             <a:r>
               <a:rPr lang="en-US" altLang="ja-JP" dirty="0"/>
-              <a:t>5</a:t>
+              <a:t>4</a:t>
             </a:r>
             <a:r>
               <a:rPr kumimoji="1" lang="en-US" altLang="ja-JP" dirty="0" smtClean="0"/>
@@ -10106,57 +10562,54 @@
             <p:ph idx="1"/>
           </p:nvPr>
         </p:nvSpPr>
-        <p:spPr/>
+        <p:spPr>
+          <a:xfrm>
+            <a:off x="304800" y="1020764"/>
+            <a:ext cx="8610600" cy="608036"/>
+          </a:xfrm>
+        </p:spPr>
         <p:txBody>
           <a:bodyPr/>
           <a:lstStyle/>
           <a:p>
             <a:r>
-              <a:rPr kumimoji="1" lang="ja-JP" altLang="en-US" dirty="0" smtClean="0"/>
-              <a:t>実装</a:t>
-            </a:r>
-            <a:r>
-              <a:rPr kumimoji="1" lang="ja-JP" altLang="en-US" dirty="0" smtClean="0"/>
-              <a:t>環境</a:t>
-            </a:r>
-            <a:r>
-              <a:rPr kumimoji="1" lang="en-US" altLang="ja-JP" dirty="0" smtClean="0"/>
-              <a:t>2 </a:t>
+              <a:rPr lang="ja-JP" altLang="en-US" dirty="0" smtClean="0"/>
+              <a:t>実装環境</a:t>
             </a:r>
             <a:r>
               <a:rPr lang="en-US" altLang="ja-JP" dirty="0" smtClean="0"/>
-              <a:t>: DONKEY</a:t>
-            </a:r>
-          </a:p>
-          <a:p>
-            <a:pPr lvl="2"/>
+              <a:t>1</a:t>
+            </a:r>
             <a:r>
               <a:rPr lang="ja-JP" altLang="en-US" dirty="0" smtClean="0"/>
-              <a:t>マイコンや各センサーの学習用ロボット</a:t>
-            </a:r>
+              <a:t> </a:t>
+            </a:r>
+            <a:r>
+              <a:rPr lang="en-US" altLang="ja-JP" dirty="0" smtClean="0"/>
+              <a:t>: NXT </a:t>
+            </a:r>
+            <a:r>
+              <a:rPr lang="en-US" altLang="ja-JP" smtClean="0"/>
+              <a:t>LEGO </a:t>
+            </a:r>
+            <a:r>
+              <a:rPr lang="en-US" altLang="ja-JP" smtClean="0"/>
+              <a:t>MINDSTORMS</a:t>
+            </a:r>
+          </a:p>
+          <a:p>
+            <a:pPr lvl="1"/>
+            <a:endParaRPr lang="en-US" altLang="ja-JP" smtClean="0"/>
+          </a:p>
+          <a:p>
+            <a:pPr lvl="1"/>
             <a:endParaRPr lang="en-US" altLang="ja-JP" dirty="0" smtClean="0"/>
-          </a:p>
-          <a:p>
-            <a:pPr lvl="2"/>
-            <a:r>
-              <a:rPr lang="en-US" altLang="ja-JP" dirty="0" smtClean="0"/>
-              <a:t>C</a:t>
-            </a:r>
-            <a:r>
-              <a:rPr lang="ja-JP" altLang="en-US" dirty="0" smtClean="0"/>
-              <a:t>言語のみで</a:t>
-            </a:r>
-            <a:r>
-              <a:rPr lang="ja-JP" altLang="en-US" dirty="0" smtClean="0"/>
-              <a:t>動作</a:t>
-            </a:r>
-            <a:endParaRPr lang="en-US" altLang="ja-JP" dirty="0"/>
           </a:p>
         </p:txBody>
       </p:sp>
       <p:pic>
         <p:nvPicPr>
-          <p:cNvPr id="4" name="図 3"/>
+          <p:cNvPr id="5" name="図 4"/>
           <p:cNvPicPr>
             <a:picLocks noChangeAspect="1"/>
           </p:cNvPicPr>
@@ -10176,8 +10629,8 @@
         </p:blipFill>
         <p:spPr>
           <a:xfrm>
-            <a:off x="2555776" y="3501008"/>
-            <a:ext cx="4283968" cy="2303957"/>
+            <a:off x="1043608" y="1882610"/>
+            <a:ext cx="2483593" cy="4066670"/>
           </a:xfrm>
           <a:prstGeom prst="rect">
             <a:avLst/>
@@ -10186,7 +10639,7 @@
       </p:pic>
       <p:sp>
         <p:nvSpPr>
-          <p:cNvPr id="6" name="スライド番号プレースホルダー 5"/>
+          <p:cNvPr id="4" name="スライド番号プレースホルダー 3"/>
           <p:cNvSpPr>
             <a:spLocks noGrp="1"/>
           </p:cNvSpPr>
@@ -10207,10 +10660,319 @@
           </a:p>
         </p:txBody>
       </p:sp>
+      <p:sp>
+        <p:nvSpPr>
+          <p:cNvPr id="11" name="コンテンツ プレースホルダー 2"/>
+          <p:cNvSpPr txBox="1">
+            <a:spLocks/>
+          </p:cNvSpPr>
+          <p:nvPr/>
+        </p:nvSpPr>
+        <p:spPr bwMode="gray">
+          <a:xfrm>
+            <a:off x="4427984" y="1844824"/>
+            <a:ext cx="8610600" cy="4392488"/>
+          </a:xfrm>
+          <a:prstGeom prst="rect">
+            <a:avLst/>
+          </a:prstGeom>
+          <a:noFill/>
+          <a:ln w="9525">
+            <a:noFill/>
+            <a:miter lim="800000"/>
+            <a:headEnd/>
+            <a:tailEnd/>
+          </a:ln>
+          <a:effectLst/>
+        </p:spPr>
+        <p:txBody>
+          <a:bodyPr vert="horz" wrap="square" lIns="91440" tIns="45720" rIns="91440" bIns="45720" numCol="1" anchor="t" anchorCtr="0" compatLnSpc="1">
+            <a:prstTxWarp prst="textNoShape">
+              <a:avLst/>
+            </a:prstTxWarp>
+          </a:bodyPr>
+          <a:lstStyle>
+            <a:lvl1pPr marL="342900" indent="-342900" algn="l" rtl="0" eaLnBrk="1" fontAlgn="base" hangingPunct="1">
+              <a:lnSpc>
+                <a:spcPct val="120000"/>
+              </a:lnSpc>
+              <a:spcBef>
+                <a:spcPct val="20000"/>
+              </a:spcBef>
+              <a:spcAft>
+                <a:spcPct val="0"/>
+              </a:spcAft>
+              <a:buChar char="•"/>
+              <a:defRPr kumimoji="1" sz="2800">
+                <a:solidFill>
+                  <a:schemeClr val="tx1"/>
+                </a:solidFill>
+                <a:latin typeface="メイリオ" pitchFamily="50" charset="-128"/>
+                <a:ea typeface="メイリオ" pitchFamily="50" charset="-128"/>
+                <a:cs typeface="メイリオ" pitchFamily="50" charset="-128"/>
+              </a:defRPr>
+            </a:lvl1pPr>
+            <a:lvl2pPr marL="742950" indent="-285750" algn="l" rtl="0" eaLnBrk="1" fontAlgn="base" hangingPunct="1">
+              <a:lnSpc>
+                <a:spcPct val="120000"/>
+              </a:lnSpc>
+              <a:spcBef>
+                <a:spcPct val="20000"/>
+              </a:spcBef>
+              <a:spcAft>
+                <a:spcPct val="0"/>
+              </a:spcAft>
+              <a:buFont typeface="Arial" pitchFamily="34" charset="0"/>
+              <a:buChar char="»"/>
+              <a:defRPr kumimoji="1" sz="2200">
+                <a:solidFill>
+                  <a:schemeClr val="tx1"/>
+                </a:solidFill>
+                <a:latin typeface="メイリオ" pitchFamily="50" charset="-128"/>
+                <a:ea typeface="メイリオ" pitchFamily="50" charset="-128"/>
+                <a:cs typeface="メイリオ" pitchFamily="50" charset="-128"/>
+              </a:defRPr>
+            </a:lvl2pPr>
+            <a:lvl3pPr marL="1143000" indent="-228600" algn="l" rtl="0" eaLnBrk="1" fontAlgn="base" hangingPunct="1">
+              <a:lnSpc>
+                <a:spcPct val="120000"/>
+              </a:lnSpc>
+              <a:spcBef>
+                <a:spcPct val="20000"/>
+              </a:spcBef>
+              <a:spcAft>
+                <a:spcPct val="0"/>
+              </a:spcAft>
+              <a:buFont typeface="Arial" pitchFamily="34" charset="0"/>
+              <a:buChar char="–"/>
+              <a:defRPr kumimoji="1" sz="2000">
+                <a:solidFill>
+                  <a:schemeClr val="tx1"/>
+                </a:solidFill>
+                <a:latin typeface="メイリオ" pitchFamily="50" charset="-128"/>
+                <a:ea typeface="メイリオ" pitchFamily="50" charset="-128"/>
+                <a:cs typeface="メイリオ" pitchFamily="50" charset="-128"/>
+              </a:defRPr>
+            </a:lvl3pPr>
+            <a:lvl4pPr marL="1600200" indent="-228600" algn="l" rtl="0" eaLnBrk="1" fontAlgn="base" hangingPunct="1">
+              <a:spcBef>
+                <a:spcPct val="20000"/>
+              </a:spcBef>
+              <a:spcAft>
+                <a:spcPct val="0"/>
+              </a:spcAft>
+              <a:buChar char="–"/>
+              <a:defRPr kumimoji="1" sz="2000">
+                <a:solidFill>
+                  <a:schemeClr val="tx1"/>
+                </a:solidFill>
+                <a:latin typeface="メイリオ" pitchFamily="50" charset="-128"/>
+                <a:ea typeface="メイリオ" pitchFamily="50" charset="-128"/>
+                <a:cs typeface="メイリオ" pitchFamily="50" charset="-128"/>
+              </a:defRPr>
+            </a:lvl4pPr>
+            <a:lvl5pPr marL="2057400" indent="-228600" algn="l" rtl="0" eaLnBrk="1" fontAlgn="base" hangingPunct="1">
+              <a:spcBef>
+                <a:spcPct val="20000"/>
+              </a:spcBef>
+              <a:spcAft>
+                <a:spcPct val="0"/>
+              </a:spcAft>
+              <a:buFont typeface="Arial" pitchFamily="34" charset="0"/>
+              <a:buChar char="‒"/>
+              <a:defRPr kumimoji="1" sz="2000">
+                <a:solidFill>
+                  <a:schemeClr val="tx1"/>
+                </a:solidFill>
+                <a:latin typeface="メイリオ" pitchFamily="50" charset="-128"/>
+                <a:ea typeface="メイリオ" pitchFamily="50" charset="-128"/>
+                <a:cs typeface="メイリオ" pitchFamily="50" charset="-128"/>
+              </a:defRPr>
+            </a:lvl5pPr>
+            <a:lvl6pPr marL="2514600" indent="-228600" algn="l" rtl="0" eaLnBrk="1" fontAlgn="base" hangingPunct="1">
+              <a:spcBef>
+                <a:spcPct val="20000"/>
+              </a:spcBef>
+              <a:spcAft>
+                <a:spcPct val="0"/>
+              </a:spcAft>
+              <a:buChar char="»"/>
+              <a:defRPr kumimoji="1" sz="2000">
+                <a:solidFill>
+                  <a:schemeClr val="tx1"/>
+                </a:solidFill>
+                <a:latin typeface="+mn-lt"/>
+                <a:ea typeface="+mn-ea"/>
+              </a:defRPr>
+            </a:lvl6pPr>
+            <a:lvl7pPr marL="2971800" indent="-228600" algn="l" rtl="0" eaLnBrk="1" fontAlgn="base" hangingPunct="1">
+              <a:spcBef>
+                <a:spcPct val="20000"/>
+              </a:spcBef>
+              <a:spcAft>
+                <a:spcPct val="0"/>
+              </a:spcAft>
+              <a:buChar char="»"/>
+              <a:defRPr kumimoji="1" sz="2000">
+                <a:solidFill>
+                  <a:schemeClr val="tx1"/>
+                </a:solidFill>
+                <a:latin typeface="+mn-lt"/>
+                <a:ea typeface="+mn-ea"/>
+              </a:defRPr>
+            </a:lvl7pPr>
+            <a:lvl8pPr marL="3429000" indent="-228600" algn="l" rtl="0" eaLnBrk="1" fontAlgn="base" hangingPunct="1">
+              <a:spcBef>
+                <a:spcPct val="20000"/>
+              </a:spcBef>
+              <a:spcAft>
+                <a:spcPct val="0"/>
+              </a:spcAft>
+              <a:buChar char="»"/>
+              <a:defRPr kumimoji="1" sz="2000">
+                <a:solidFill>
+                  <a:schemeClr val="tx1"/>
+                </a:solidFill>
+                <a:latin typeface="+mn-lt"/>
+                <a:ea typeface="+mn-ea"/>
+              </a:defRPr>
+            </a:lvl8pPr>
+            <a:lvl9pPr marL="3886200" indent="-228600" algn="l" rtl="0" eaLnBrk="1" fontAlgn="base" hangingPunct="1">
+              <a:spcBef>
+                <a:spcPct val="20000"/>
+              </a:spcBef>
+              <a:spcAft>
+                <a:spcPct val="0"/>
+              </a:spcAft>
+              <a:buChar char="»"/>
+              <a:defRPr kumimoji="1" sz="2000">
+                <a:solidFill>
+                  <a:schemeClr val="tx1"/>
+                </a:solidFill>
+                <a:latin typeface="+mn-lt"/>
+                <a:ea typeface="+mn-ea"/>
+              </a:defRPr>
+            </a:lvl9pPr>
+          </a:lstStyle>
+          <a:p>
+            <a:r>
+              <a:rPr lang="ja-JP" altLang="en-US" sz="2000" smtClean="0"/>
+              <a:t>組込みプログラムによって</a:t>
+            </a:r>
+            <a:r>
+              <a:rPr lang="en-US" altLang="ja-JP" sz="2000"/>
+              <a:t/>
+            </a:r>
+            <a:br>
+              <a:rPr lang="en-US" altLang="ja-JP" sz="2000"/>
+            </a:br>
+            <a:r>
+              <a:rPr lang="ja-JP" altLang="en-US" sz="2000" smtClean="0"/>
+              <a:t>制御可能な二輪制御ロボット</a:t>
+            </a:r>
+            <a:endParaRPr lang="en-US" altLang="ja-JP" sz="2000" smtClean="0"/>
+          </a:p>
+          <a:p>
+            <a:r>
+              <a:rPr lang="ja-JP" altLang="en-US" sz="2000" smtClean="0"/>
+              <a:t>組込みシステムの教育目的</a:t>
+            </a:r>
+            <a:endParaRPr lang="en-US" altLang="ja-JP" sz="2000" smtClean="0"/>
+          </a:p>
+          <a:p>
+            <a:r>
+              <a:rPr lang="ja-JP" altLang="en-US" sz="2000" smtClean="0"/>
+              <a:t>使用可能言語</a:t>
+            </a:r>
+            <a:endParaRPr lang="en-US" altLang="ja-JP" sz="2000" smtClean="0"/>
+          </a:p>
+          <a:p>
+            <a:pPr lvl="1"/>
+            <a:r>
+              <a:rPr lang="en-US" altLang="ja-JP" sz="1800" smtClean="0"/>
+              <a:t>C</a:t>
+            </a:r>
+            <a:r>
+              <a:rPr lang="ja-JP" altLang="en-US" sz="1800" smtClean="0"/>
+              <a:t>言語，</a:t>
+            </a:r>
+            <a:r>
+              <a:rPr lang="en-US" altLang="ja-JP" sz="1800" smtClean="0"/>
+              <a:t>C++</a:t>
+            </a:r>
+            <a:r>
+              <a:rPr lang="ja-JP" altLang="en-US" sz="1800" smtClean="0"/>
+              <a:t>，</a:t>
+            </a:r>
+            <a:r>
+              <a:rPr lang="en-US" altLang="ja-JP" sz="1800" smtClean="0"/>
+              <a:t>Java</a:t>
+            </a:r>
+          </a:p>
+          <a:p>
+            <a:r>
+              <a:rPr lang="ja-JP" altLang="en-US" sz="2000"/>
+              <a:t>計測</a:t>
+            </a:r>
+            <a:r>
+              <a:rPr lang="ja-JP" altLang="en-US" sz="2000" smtClean="0"/>
+              <a:t>器</a:t>
+            </a:r>
+            <a:endParaRPr lang="en-US" altLang="ja-JP" sz="2000" smtClean="0"/>
+          </a:p>
+          <a:p>
+            <a:pPr lvl="1"/>
+            <a:r>
+              <a:rPr lang="ja-JP" altLang="en-US" sz="1800" smtClean="0"/>
+              <a:t>モータ回転角度計</a:t>
+            </a:r>
+            <a:endParaRPr lang="en-US" altLang="ja-JP" sz="1800" smtClean="0"/>
+          </a:p>
+          <a:p>
+            <a:pPr lvl="1"/>
+            <a:r>
+              <a:rPr lang="ja-JP" altLang="en-US" sz="1800" smtClean="0"/>
+              <a:t>光センサ等の各種センサ</a:t>
+            </a:r>
+            <a:endParaRPr lang="en-US" altLang="ja-JP" sz="1800" smtClean="0"/>
+          </a:p>
+          <a:p>
+            <a:r>
+              <a:rPr lang="ja-JP" altLang="en-US" sz="2000" smtClean="0"/>
+              <a:t>操作器</a:t>
+            </a:r>
+            <a:endParaRPr lang="en-US" altLang="ja-JP" sz="2000" smtClean="0"/>
+          </a:p>
+          <a:p>
+            <a:pPr lvl="1"/>
+            <a:r>
+              <a:rPr lang="ja-JP" altLang="en-US" sz="1800" smtClean="0"/>
+              <a:t>車輪モータ（左右一つずつ）</a:t>
+            </a:r>
+            <a:endParaRPr lang="en-US" altLang="ja-JP" sz="1800" smtClean="0"/>
+          </a:p>
+          <a:p>
+            <a:pPr lvl="1"/>
+            <a:r>
+              <a:rPr lang="ja-JP" altLang="en-US" sz="1800" smtClean="0"/>
+              <a:t>尻尾モータ</a:t>
+            </a:r>
+            <a:endParaRPr lang="en-US" altLang="ja-JP" sz="1800" smtClean="0"/>
+          </a:p>
+          <a:p>
+            <a:pPr lvl="1"/>
+            <a:endParaRPr lang="en-US" altLang="ja-JP" sz="1800" smtClean="0"/>
+          </a:p>
+          <a:p>
+            <a:pPr lvl="1"/>
+            <a:endParaRPr lang="en-US" altLang="ja-JP" sz="1800" dirty="0" smtClean="0"/>
+          </a:p>
+        </p:txBody>
+      </p:sp>
     </p:spTree>
     <p:extLst>
       <p:ext uri="{BB962C8B-B14F-4D97-AF65-F5344CB8AC3E}">
-        <p14:creationId xmlns:p14="http://schemas.microsoft.com/office/powerpoint/2010/main" val="1417085034"/>
+        <p14:creationId xmlns:p14="http://schemas.microsoft.com/office/powerpoint/2010/main" val="3481390782"/>
       </p:ext>
     </p:extLst>
   </p:cSld>
@@ -10261,11 +11023,19 @@
           <a:p>
             <a:r>
               <a:rPr kumimoji="1" lang="ja-JP" altLang="en-US" dirty="0" smtClean="0"/>
-              <a:t>進捗状況（</a:t>
+              <a:t>研究概要</a:t>
+            </a:r>
+            <a:r>
+              <a:rPr lang="ja-JP" altLang="en-US" dirty="0" smtClean="0"/>
+              <a:t>（</a:t>
+            </a:r>
+            <a:r>
+              <a:rPr lang="en-US" altLang="ja-JP" dirty="0"/>
+              <a:t>4</a:t>
             </a:r>
             <a:r>
               <a:rPr kumimoji="1" lang="en-US" altLang="ja-JP" dirty="0" smtClean="0"/>
-              <a:t>1/6</a:t>
+              <a:t>/5</a:t>
             </a:r>
             <a:r>
               <a:rPr lang="ja-JP" altLang="en-US" dirty="0" smtClean="0"/>
@@ -10287,8 +11057,8 @@
         </p:nvSpPr>
         <p:spPr>
           <a:xfrm>
-            <a:off x="304800" y="997100"/>
-            <a:ext cx="8610600" cy="5456236"/>
+            <a:off x="304800" y="1020764"/>
+            <a:ext cx="8610600" cy="608036"/>
           </a:xfrm>
         </p:spPr>
         <p:txBody>
@@ -10296,194 +11066,32 @@
           <a:lstStyle/>
           <a:p>
             <a:r>
-              <a:rPr kumimoji="1" lang="ja-JP" altLang="en-US" dirty="0" smtClean="0"/>
-              <a:t>モデルカタログ</a:t>
-            </a:r>
-            <a:r>
-              <a:rPr lang="ja-JP" altLang="en-US" dirty="0" smtClean="0"/>
-              <a:t>の読み合わせ</a:t>
-            </a:r>
-            <a:endParaRPr lang="en-US" altLang="ja-JP" dirty="0" smtClean="0"/>
+              <a:rPr lang="ja-JP" altLang="en-US" smtClean="0"/>
+              <a:t>実装</a:t>
+            </a:r>
+            <a:r>
+              <a:rPr lang="ja-JP" altLang="en-US" smtClean="0"/>
+              <a:t>環境</a:t>
+            </a:r>
+            <a:r>
+              <a:rPr lang="en-US" altLang="ja-JP"/>
+              <a:t>2</a:t>
+            </a:r>
+            <a:r>
+              <a:rPr lang="ja-JP" altLang="en-US" smtClean="0"/>
+              <a:t> </a:t>
+            </a:r>
+            <a:r>
+              <a:rPr lang="en-US" altLang="ja-JP" smtClean="0"/>
+              <a:t>: DONKEY</a:t>
+            </a:r>
           </a:p>
           <a:p>
             <a:pPr lvl="1"/>
-            <a:r>
-              <a:rPr lang="ja-JP" altLang="en-US" dirty="0" smtClean="0"/>
-              <a:t>モデルを分析，</a:t>
-            </a:r>
-            <a:r>
-              <a:rPr lang="ja-JP" altLang="en-US" dirty="0"/>
-              <a:t>機能の動作の流れを</a:t>
-            </a:r>
-            <a:r>
-              <a:rPr lang="ja-JP" altLang="en-US" dirty="0" smtClean="0"/>
-              <a:t>シミュレーション</a:t>
-            </a:r>
-            <a:endParaRPr kumimoji="1" lang="en-US" altLang="ja-JP" dirty="0" smtClean="0"/>
+            <a:endParaRPr lang="en-US" altLang="ja-JP" smtClean="0"/>
           </a:p>
           <a:p>
             <a:pPr lvl="1"/>
-            <a:r>
-              <a:rPr lang="ja-JP" altLang="en-US" dirty="0" smtClean="0"/>
-              <a:t>目標制御</a:t>
-            </a:r>
-            <a:r>
-              <a:rPr lang="ja-JP" altLang="en-US" dirty="0"/>
-              <a:t>で</a:t>
-            </a:r>
-            <a:r>
-              <a:rPr lang="ja-JP" altLang="en-US" dirty="0" smtClean="0"/>
-              <a:t>の実装内容の</a:t>
-            </a:r>
-            <a:r>
-              <a:rPr lang="ja-JP" altLang="en-US" dirty="0" smtClean="0"/>
-              <a:t>決定</a:t>
-            </a:r>
-            <a:endParaRPr lang="en-US" altLang="ja-JP" dirty="0" smtClean="0"/>
-          </a:p>
-          <a:p>
-            <a:pPr lvl="3"/>
-            <a:r>
-              <a:rPr lang="ja-JP" altLang="en-US" dirty="0" smtClean="0"/>
-              <a:t>輝度値制御（</a:t>
-            </a:r>
-            <a:r>
-              <a:rPr lang="en-US" altLang="ja-JP" dirty="0" smtClean="0"/>
-              <a:t>NXT LEGO </a:t>
-            </a:r>
-            <a:r>
-              <a:rPr lang="en-US" altLang="ja-JP" dirty="0" smtClean="0"/>
-              <a:t>MINDSTORMS</a:t>
-            </a:r>
-            <a:r>
-              <a:rPr lang="ja-JP" altLang="en-US" dirty="0" smtClean="0"/>
-              <a:t>）</a:t>
-            </a:r>
-            <a:endParaRPr lang="en-US" altLang="ja-JP" dirty="0" smtClean="0"/>
-          </a:p>
-          <a:p>
-            <a:pPr lvl="3"/>
-            <a:r>
-              <a:rPr lang="ja-JP" altLang="en-US" dirty="0"/>
-              <a:t>曲率半径制御</a:t>
-            </a:r>
-            <a:r>
-              <a:rPr lang="ja-JP" altLang="en-US" dirty="0" smtClean="0"/>
-              <a:t>（</a:t>
-            </a:r>
-            <a:r>
-              <a:rPr lang="en-US" altLang="ja-JP" dirty="0" smtClean="0"/>
-              <a:t>NXT LEGO MINDSTORMS</a:t>
-            </a:r>
-            <a:r>
-              <a:rPr lang="ja-JP" altLang="en-US" dirty="0" smtClean="0"/>
-              <a:t>）</a:t>
-            </a:r>
-            <a:endParaRPr lang="en-US" altLang="ja-JP" dirty="0" smtClean="0"/>
-          </a:p>
-          <a:p>
-            <a:pPr lvl="3"/>
-            <a:r>
-              <a:rPr lang="ja-JP" altLang="en-US" dirty="0" smtClean="0"/>
-              <a:t>尻尾モータ角度制御</a:t>
-            </a:r>
-            <a:r>
-              <a:rPr lang="ja-JP" altLang="en-US" dirty="0" smtClean="0"/>
-              <a:t>（</a:t>
-            </a:r>
-            <a:r>
-              <a:rPr lang="en-US" altLang="ja-JP" dirty="0" smtClean="0"/>
-              <a:t>NXT LEGO MINDSTORMS</a:t>
-            </a:r>
-            <a:r>
-              <a:rPr lang="ja-JP" altLang="en-US" dirty="0" smtClean="0"/>
-              <a:t>）</a:t>
-            </a:r>
-            <a:endParaRPr lang="en-US" altLang="ja-JP" dirty="0" smtClean="0"/>
-          </a:p>
-          <a:p>
-            <a:pPr lvl="3"/>
-            <a:r>
-              <a:rPr lang="ja-JP" altLang="en-US" dirty="0" smtClean="0"/>
-              <a:t>速度制御</a:t>
-            </a:r>
-            <a:r>
-              <a:rPr lang="ja-JP" altLang="en-US" dirty="0" smtClean="0"/>
-              <a:t>（</a:t>
-            </a:r>
-            <a:r>
-              <a:rPr lang="en-US" altLang="ja-JP" dirty="0" smtClean="0"/>
-              <a:t>NXT LEGO MINDSTORMS</a:t>
-            </a:r>
-            <a:r>
-              <a:rPr lang="en-US" altLang="ja-JP" dirty="0" smtClean="0"/>
-              <a:t>,DONKEY</a:t>
-            </a:r>
-            <a:r>
-              <a:rPr lang="ja-JP" altLang="en-US" dirty="0" smtClean="0"/>
-              <a:t>）</a:t>
-            </a:r>
-            <a:endParaRPr lang="en-US" altLang="ja-JP" dirty="0" smtClean="0"/>
-          </a:p>
-          <a:p>
-            <a:pPr marL="1371600" lvl="3" indent="0">
-              <a:buNone/>
-            </a:pPr>
-            <a:r>
-              <a:rPr lang="ja-JP" altLang="en-US" dirty="0" smtClean="0"/>
-              <a:t>（</a:t>
-            </a:r>
-            <a:r>
-              <a:rPr lang="en-US" altLang="ja-JP" dirty="0" smtClean="0"/>
-              <a:t>NXT LEGO MINDSTORMS</a:t>
-            </a:r>
-            <a:r>
-              <a:rPr lang="ja-JP" altLang="en-US" dirty="0" smtClean="0"/>
-              <a:t>は</a:t>
-            </a:r>
-            <a:r>
-              <a:rPr lang="en-US" altLang="ja-JP" dirty="0" smtClean="0"/>
-              <a:t>C</a:t>
-            </a:r>
-            <a:r>
-              <a:rPr lang="ja-JP" altLang="en-US" dirty="0" smtClean="0"/>
-              <a:t>言語，</a:t>
-            </a:r>
-            <a:r>
-              <a:rPr lang="en-US" altLang="ja-JP" dirty="0" smtClean="0"/>
-              <a:t>Java</a:t>
-            </a:r>
-            <a:r>
-              <a:rPr lang="ja-JP" altLang="en-US" dirty="0" err="1" smtClean="0"/>
-              <a:t>，</a:t>
-            </a:r>
-            <a:r>
-              <a:rPr lang="en-US" altLang="ja-JP" dirty="0" smtClean="0"/>
-              <a:t>DONKEY</a:t>
-            </a:r>
-            <a:r>
-              <a:rPr lang="ja-JP" altLang="en-US" dirty="0" smtClean="0"/>
-              <a:t>は</a:t>
-            </a:r>
-            <a:r>
-              <a:rPr lang="en-US" altLang="ja-JP" dirty="0" smtClean="0"/>
-              <a:t/>
-            </a:r>
-            <a:br>
-              <a:rPr lang="en-US" altLang="ja-JP" dirty="0" smtClean="0"/>
-            </a:br>
-            <a:r>
-              <a:rPr lang="en-US" altLang="ja-JP" dirty="0" smtClean="0"/>
-              <a:t>C</a:t>
-            </a:r>
-            <a:r>
-              <a:rPr lang="ja-JP" altLang="en-US" dirty="0" smtClean="0"/>
-              <a:t>言語で実装）</a:t>
-            </a:r>
-            <a:endParaRPr lang="en-US" altLang="ja-JP" dirty="0" smtClean="0"/>
-          </a:p>
-          <a:p>
-            <a:pPr lvl="2"/>
             <a:endParaRPr lang="en-US" altLang="ja-JP" dirty="0" smtClean="0"/>
           </a:p>
         </p:txBody>
@@ -10511,10 +11119,337 @@
           </a:p>
         </p:txBody>
       </p:sp>
+      <p:sp>
+        <p:nvSpPr>
+          <p:cNvPr id="11" name="コンテンツ プレースホルダー 2"/>
+          <p:cNvSpPr txBox="1">
+            <a:spLocks/>
+          </p:cNvSpPr>
+          <p:nvPr/>
+        </p:nvSpPr>
+        <p:spPr bwMode="gray">
+          <a:xfrm>
+            <a:off x="4458344" y="1916832"/>
+            <a:ext cx="8610600" cy="4392488"/>
+          </a:xfrm>
+          <a:prstGeom prst="rect">
+            <a:avLst/>
+          </a:prstGeom>
+          <a:noFill/>
+          <a:ln w="9525">
+            <a:noFill/>
+            <a:miter lim="800000"/>
+            <a:headEnd/>
+            <a:tailEnd/>
+          </a:ln>
+          <a:effectLst/>
+        </p:spPr>
+        <p:txBody>
+          <a:bodyPr vert="horz" wrap="square" lIns="91440" tIns="45720" rIns="91440" bIns="45720" numCol="1" anchor="t" anchorCtr="0" compatLnSpc="1">
+            <a:prstTxWarp prst="textNoShape">
+              <a:avLst/>
+            </a:prstTxWarp>
+          </a:bodyPr>
+          <a:lstStyle>
+            <a:lvl1pPr marL="342900" indent="-342900" algn="l" rtl="0" eaLnBrk="1" fontAlgn="base" hangingPunct="1">
+              <a:lnSpc>
+                <a:spcPct val="120000"/>
+              </a:lnSpc>
+              <a:spcBef>
+                <a:spcPct val="20000"/>
+              </a:spcBef>
+              <a:spcAft>
+                <a:spcPct val="0"/>
+              </a:spcAft>
+              <a:buChar char="•"/>
+              <a:defRPr kumimoji="1" sz="2800">
+                <a:solidFill>
+                  <a:schemeClr val="tx1"/>
+                </a:solidFill>
+                <a:latin typeface="メイリオ" pitchFamily="50" charset="-128"/>
+                <a:ea typeface="メイリオ" pitchFamily="50" charset="-128"/>
+                <a:cs typeface="メイリオ" pitchFamily="50" charset="-128"/>
+              </a:defRPr>
+            </a:lvl1pPr>
+            <a:lvl2pPr marL="742950" indent="-285750" algn="l" rtl="0" eaLnBrk="1" fontAlgn="base" hangingPunct="1">
+              <a:lnSpc>
+                <a:spcPct val="120000"/>
+              </a:lnSpc>
+              <a:spcBef>
+                <a:spcPct val="20000"/>
+              </a:spcBef>
+              <a:spcAft>
+                <a:spcPct val="0"/>
+              </a:spcAft>
+              <a:buFont typeface="Arial" pitchFamily="34" charset="0"/>
+              <a:buChar char="»"/>
+              <a:defRPr kumimoji="1" sz="2200">
+                <a:solidFill>
+                  <a:schemeClr val="tx1"/>
+                </a:solidFill>
+                <a:latin typeface="メイリオ" pitchFamily="50" charset="-128"/>
+                <a:ea typeface="メイリオ" pitchFamily="50" charset="-128"/>
+                <a:cs typeface="メイリオ" pitchFamily="50" charset="-128"/>
+              </a:defRPr>
+            </a:lvl2pPr>
+            <a:lvl3pPr marL="1143000" indent="-228600" algn="l" rtl="0" eaLnBrk="1" fontAlgn="base" hangingPunct="1">
+              <a:lnSpc>
+                <a:spcPct val="120000"/>
+              </a:lnSpc>
+              <a:spcBef>
+                <a:spcPct val="20000"/>
+              </a:spcBef>
+              <a:spcAft>
+                <a:spcPct val="0"/>
+              </a:spcAft>
+              <a:buFont typeface="Arial" pitchFamily="34" charset="0"/>
+              <a:buChar char="–"/>
+              <a:defRPr kumimoji="1" sz="2000">
+                <a:solidFill>
+                  <a:schemeClr val="tx1"/>
+                </a:solidFill>
+                <a:latin typeface="メイリオ" pitchFamily="50" charset="-128"/>
+                <a:ea typeface="メイリオ" pitchFamily="50" charset="-128"/>
+                <a:cs typeface="メイリオ" pitchFamily="50" charset="-128"/>
+              </a:defRPr>
+            </a:lvl3pPr>
+            <a:lvl4pPr marL="1600200" indent="-228600" algn="l" rtl="0" eaLnBrk="1" fontAlgn="base" hangingPunct="1">
+              <a:spcBef>
+                <a:spcPct val="20000"/>
+              </a:spcBef>
+              <a:spcAft>
+                <a:spcPct val="0"/>
+              </a:spcAft>
+              <a:buChar char="–"/>
+              <a:defRPr kumimoji="1" sz="2000">
+                <a:solidFill>
+                  <a:schemeClr val="tx1"/>
+                </a:solidFill>
+                <a:latin typeface="メイリオ" pitchFamily="50" charset="-128"/>
+                <a:ea typeface="メイリオ" pitchFamily="50" charset="-128"/>
+                <a:cs typeface="メイリオ" pitchFamily="50" charset="-128"/>
+              </a:defRPr>
+            </a:lvl4pPr>
+            <a:lvl5pPr marL="2057400" indent="-228600" algn="l" rtl="0" eaLnBrk="1" fontAlgn="base" hangingPunct="1">
+              <a:spcBef>
+                <a:spcPct val="20000"/>
+              </a:spcBef>
+              <a:spcAft>
+                <a:spcPct val="0"/>
+              </a:spcAft>
+              <a:buFont typeface="Arial" pitchFamily="34" charset="0"/>
+              <a:buChar char="‒"/>
+              <a:defRPr kumimoji="1" sz="2000">
+                <a:solidFill>
+                  <a:schemeClr val="tx1"/>
+                </a:solidFill>
+                <a:latin typeface="メイリオ" pitchFamily="50" charset="-128"/>
+                <a:ea typeface="メイリオ" pitchFamily="50" charset="-128"/>
+                <a:cs typeface="メイリオ" pitchFamily="50" charset="-128"/>
+              </a:defRPr>
+            </a:lvl5pPr>
+            <a:lvl6pPr marL="2514600" indent="-228600" algn="l" rtl="0" eaLnBrk="1" fontAlgn="base" hangingPunct="1">
+              <a:spcBef>
+                <a:spcPct val="20000"/>
+              </a:spcBef>
+              <a:spcAft>
+                <a:spcPct val="0"/>
+              </a:spcAft>
+              <a:buChar char="»"/>
+              <a:defRPr kumimoji="1" sz="2000">
+                <a:solidFill>
+                  <a:schemeClr val="tx1"/>
+                </a:solidFill>
+                <a:latin typeface="+mn-lt"/>
+                <a:ea typeface="+mn-ea"/>
+              </a:defRPr>
+            </a:lvl6pPr>
+            <a:lvl7pPr marL="2971800" indent="-228600" algn="l" rtl="0" eaLnBrk="1" fontAlgn="base" hangingPunct="1">
+              <a:spcBef>
+                <a:spcPct val="20000"/>
+              </a:spcBef>
+              <a:spcAft>
+                <a:spcPct val="0"/>
+              </a:spcAft>
+              <a:buChar char="»"/>
+              <a:defRPr kumimoji="1" sz="2000">
+                <a:solidFill>
+                  <a:schemeClr val="tx1"/>
+                </a:solidFill>
+                <a:latin typeface="+mn-lt"/>
+                <a:ea typeface="+mn-ea"/>
+              </a:defRPr>
+            </a:lvl7pPr>
+            <a:lvl8pPr marL="3429000" indent="-228600" algn="l" rtl="0" eaLnBrk="1" fontAlgn="base" hangingPunct="1">
+              <a:spcBef>
+                <a:spcPct val="20000"/>
+              </a:spcBef>
+              <a:spcAft>
+                <a:spcPct val="0"/>
+              </a:spcAft>
+              <a:buChar char="»"/>
+              <a:defRPr kumimoji="1" sz="2000">
+                <a:solidFill>
+                  <a:schemeClr val="tx1"/>
+                </a:solidFill>
+                <a:latin typeface="+mn-lt"/>
+                <a:ea typeface="+mn-ea"/>
+              </a:defRPr>
+            </a:lvl8pPr>
+            <a:lvl9pPr marL="3886200" indent="-228600" algn="l" rtl="0" eaLnBrk="1" fontAlgn="base" hangingPunct="1">
+              <a:spcBef>
+                <a:spcPct val="20000"/>
+              </a:spcBef>
+              <a:spcAft>
+                <a:spcPct val="0"/>
+              </a:spcAft>
+              <a:buChar char="»"/>
+              <a:defRPr kumimoji="1" sz="2000">
+                <a:solidFill>
+                  <a:schemeClr val="tx1"/>
+                </a:solidFill>
+                <a:latin typeface="+mn-lt"/>
+                <a:ea typeface="+mn-ea"/>
+              </a:defRPr>
+            </a:lvl9pPr>
+          </a:lstStyle>
+          <a:p>
+            <a:r>
+              <a:rPr lang="ja-JP" altLang="en-US" sz="2000" smtClean="0"/>
+              <a:t>組込みプログラムによって</a:t>
+            </a:r>
+            <a:r>
+              <a:rPr lang="en-US" altLang="ja-JP" sz="2000"/>
+              <a:t/>
+            </a:r>
+            <a:br>
+              <a:rPr lang="en-US" altLang="ja-JP" sz="2000"/>
+            </a:br>
+            <a:r>
+              <a:rPr lang="ja-JP" altLang="en-US" sz="2000" smtClean="0"/>
+              <a:t>制御可能な二輪制御ロボット</a:t>
+            </a:r>
+            <a:endParaRPr lang="en-US" altLang="ja-JP" sz="2000" smtClean="0"/>
+          </a:p>
+          <a:p>
+            <a:r>
+              <a:rPr lang="ja-JP" altLang="en-US" sz="2000" smtClean="0"/>
+              <a:t>マイコンや制御，各センサの</a:t>
+            </a:r>
+            <a:r>
+              <a:rPr lang="en-US" altLang="ja-JP" sz="2000" smtClean="0"/>
+              <a:t/>
+            </a:r>
+            <a:br>
+              <a:rPr lang="en-US" altLang="ja-JP" sz="2000" smtClean="0"/>
+            </a:br>
+            <a:r>
+              <a:rPr lang="ja-JP" altLang="en-US" sz="2000" smtClean="0"/>
+              <a:t>教育用</a:t>
+            </a:r>
+            <a:endParaRPr lang="en-US" altLang="ja-JP" sz="2000" smtClean="0"/>
+          </a:p>
+          <a:p>
+            <a:r>
+              <a:rPr lang="ja-JP" altLang="en-US" sz="2000" smtClean="0"/>
+              <a:t>使用可能言語</a:t>
+            </a:r>
+            <a:endParaRPr lang="en-US" altLang="ja-JP" sz="2000" smtClean="0"/>
+          </a:p>
+          <a:p>
+            <a:pPr lvl="1"/>
+            <a:r>
+              <a:rPr lang="en-US" altLang="ja-JP" sz="1800" smtClean="0"/>
+              <a:t>C</a:t>
+            </a:r>
+            <a:r>
+              <a:rPr lang="ja-JP" altLang="en-US" sz="1800" smtClean="0"/>
+              <a:t>言語</a:t>
+            </a:r>
+            <a:endParaRPr lang="en-US" altLang="ja-JP" sz="1800" smtClean="0"/>
+          </a:p>
+          <a:p>
+            <a:r>
+              <a:rPr lang="ja-JP" altLang="en-US" sz="2000"/>
+              <a:t>計測</a:t>
+            </a:r>
+            <a:r>
+              <a:rPr lang="ja-JP" altLang="en-US" sz="2000" smtClean="0"/>
+              <a:t>器</a:t>
+            </a:r>
+            <a:endParaRPr lang="en-US" altLang="ja-JP" sz="2000" smtClean="0"/>
+          </a:p>
+          <a:p>
+            <a:pPr lvl="1"/>
+            <a:r>
+              <a:rPr lang="ja-JP" altLang="en-US" sz="1800" smtClean="0"/>
+              <a:t>モータ速度計</a:t>
+            </a:r>
+            <a:endParaRPr lang="en-US" altLang="ja-JP" sz="1800" smtClean="0"/>
+          </a:p>
+          <a:p>
+            <a:pPr lvl="1"/>
+            <a:r>
+              <a:rPr lang="ja-JP" altLang="en-US" sz="1800" smtClean="0"/>
+              <a:t>超音波センサ等の各種センサ</a:t>
+            </a:r>
+            <a:endParaRPr lang="en-US" altLang="ja-JP" sz="1800" smtClean="0"/>
+          </a:p>
+          <a:p>
+            <a:r>
+              <a:rPr lang="ja-JP" altLang="en-US" sz="2000" smtClean="0"/>
+              <a:t>操作器</a:t>
+            </a:r>
+            <a:endParaRPr lang="en-US" altLang="ja-JP" sz="2000" smtClean="0"/>
+          </a:p>
+          <a:p>
+            <a:pPr lvl="1"/>
+            <a:r>
+              <a:rPr lang="ja-JP" altLang="en-US" sz="1800" smtClean="0"/>
+              <a:t>車輪モータ（左右一つずつ）</a:t>
+            </a:r>
+            <a:endParaRPr lang="en-US" altLang="ja-JP" sz="1800" smtClean="0"/>
+          </a:p>
+          <a:p>
+            <a:pPr lvl="1"/>
+            <a:endParaRPr lang="en-US" altLang="ja-JP" sz="1800" dirty="0" smtClean="0"/>
+          </a:p>
+        </p:txBody>
+      </p:sp>
+      <p:pic>
+        <p:nvPicPr>
+          <p:cNvPr id="7" name="図 6"/>
+          <p:cNvPicPr>
+            <a:picLocks noChangeAspect="1"/>
+          </p:cNvPicPr>
+          <p:nvPr/>
+        </p:nvPicPr>
+        <p:blipFill>
+          <a:blip r:embed="rId3" cstate="print">
+            <a:extLst>
+              <a:ext uri="{28A0092B-C50C-407E-A947-70E740481C1C}">
+                <a14:useLocalDpi xmlns:a14="http://schemas.microsoft.com/office/drawing/2010/main" val="0"/>
+              </a:ext>
+            </a:extLst>
+          </a:blip>
+          <a:stretch>
+            <a:fillRect/>
+          </a:stretch>
+        </p:blipFill>
+        <p:spPr>
+          <a:xfrm>
+            <a:off x="107504" y="2780928"/>
+            <a:ext cx="4283968" cy="2303957"/>
+          </a:xfrm>
+          <a:prstGeom prst="rect">
+            <a:avLst/>
+          </a:prstGeom>
+        </p:spPr>
+      </p:pic>
     </p:spTree>
     <p:extLst>
       <p:ext uri="{BB962C8B-B14F-4D97-AF65-F5344CB8AC3E}">
-        <p14:creationId xmlns:p14="http://schemas.microsoft.com/office/powerpoint/2010/main" val="1686144605"/>
+        <p14:creationId xmlns:p14="http://schemas.microsoft.com/office/powerpoint/2010/main" val="478285710"/>
       </p:ext>
     </p:extLst>
   </p:cSld>
@@ -10565,15 +11500,19 @@
           <a:p>
             <a:r>
               <a:rPr kumimoji="1" lang="ja-JP" altLang="en-US" dirty="0" smtClean="0"/>
-              <a:t>進捗状況</a:t>
+              <a:t>研究概要</a:t>
             </a:r>
             <a:r>
               <a:rPr lang="ja-JP" altLang="en-US" dirty="0" smtClean="0"/>
               <a:t>（</a:t>
             </a:r>
             <a:r>
+              <a:rPr lang="en-US" altLang="ja-JP" dirty="0"/>
+              <a:t>5</a:t>
+            </a:r>
+            <a:r>
               <a:rPr kumimoji="1" lang="en-US" altLang="ja-JP" dirty="0" smtClean="0"/>
-              <a:t>2/6</a:t>
+              <a:t>/5</a:t>
             </a:r>
             <a:r>
               <a:rPr lang="ja-JP" altLang="en-US" dirty="0" smtClean="0"/>
@@ -10599,6 +11538,450 @@
           <a:lstStyle/>
           <a:p>
             <a:r>
+              <a:rPr kumimoji="1" lang="ja-JP" altLang="en-US" dirty="0" smtClean="0"/>
+              <a:t>実装環境</a:t>
+            </a:r>
+            <a:r>
+              <a:rPr kumimoji="1" lang="en-US" altLang="ja-JP" dirty="0" smtClean="0"/>
+              <a:t>2 </a:t>
+            </a:r>
+            <a:r>
+              <a:rPr lang="en-US" altLang="ja-JP" smtClean="0"/>
+              <a:t>: </a:t>
+            </a:r>
+            <a:r>
+              <a:rPr lang="en-US" altLang="ja-JP" smtClean="0"/>
+              <a:t>DONKEY</a:t>
+            </a:r>
+            <a:endParaRPr lang="en-US" altLang="ja-JP" dirty="0" smtClean="0"/>
+          </a:p>
+        </p:txBody>
+      </p:sp>
+      <p:pic>
+        <p:nvPicPr>
+          <p:cNvPr id="4" name="図 3"/>
+          <p:cNvPicPr>
+            <a:picLocks noChangeAspect="1"/>
+          </p:cNvPicPr>
+          <p:nvPr/>
+        </p:nvPicPr>
+        <p:blipFill>
+          <a:blip r:embed="rId3" cstate="print">
+            <a:extLst>
+              <a:ext uri="{28A0092B-C50C-407E-A947-70E740481C1C}">
+                <a14:useLocalDpi xmlns:a14="http://schemas.microsoft.com/office/drawing/2010/main" val="0"/>
+              </a:ext>
+            </a:extLst>
+          </a:blip>
+          <a:stretch>
+            <a:fillRect/>
+          </a:stretch>
+        </p:blipFill>
+        <p:spPr>
+          <a:xfrm>
+            <a:off x="2555776" y="3501008"/>
+            <a:ext cx="4283968" cy="2303957"/>
+          </a:xfrm>
+          <a:prstGeom prst="rect">
+            <a:avLst/>
+          </a:prstGeom>
+        </p:spPr>
+      </p:pic>
+      <p:sp>
+        <p:nvSpPr>
+          <p:cNvPr id="6" name="スライド番号プレースホルダー 5"/>
+          <p:cNvSpPr>
+            <a:spLocks noGrp="1"/>
+          </p:cNvSpPr>
+          <p:nvPr>
+            <p:ph type="sldNum" sz="quarter" idx="12"/>
+          </p:nvPr>
+        </p:nvSpPr>
+        <p:spPr/>
+        <p:txBody>
+          <a:bodyPr/>
+          <a:lstStyle/>
+          <a:p>
+            <a:fld id="{1B4CD1AD-35CE-4DA8-9CDB-2FA6D4A1B3F4}" type="slidenum">
+              <a:rPr kumimoji="1" lang="ja-JP" altLang="en-US" smtClean="0"/>
+              <a:t>15</a:t>
+            </a:fld>
+            <a:endParaRPr kumimoji="1" lang="ja-JP" altLang="en-US" dirty="0"/>
+          </a:p>
+        </p:txBody>
+      </p:sp>
+    </p:spTree>
+    <p:extLst>
+      <p:ext uri="{BB962C8B-B14F-4D97-AF65-F5344CB8AC3E}">
+        <p14:creationId xmlns:p14="http://schemas.microsoft.com/office/powerpoint/2010/main" val="1417085034"/>
+      </p:ext>
+    </p:extLst>
+  </p:cSld>
+  <p:clrMapOvr>
+    <a:masterClrMapping/>
+  </p:clrMapOvr>
+  <p:timing>
+    <p:tnLst>
+      <p:par>
+        <p:cTn id="1" dur="indefinite" restart="never" nodeType="tmRoot"/>
+      </p:par>
+    </p:tnLst>
+  </p:timing>
+</p:sld>
+</file>
+
+<file path=ppt/slides/slide16.xml><?xml version="1.0" encoding="utf-8"?>
+<p:sld xmlns:a="http://schemas.openxmlformats.org/drawingml/2006/main" xmlns:r="http://schemas.openxmlformats.org/officeDocument/2006/relationships" xmlns:p="http://schemas.openxmlformats.org/presentationml/2006/main">
+  <p:cSld>
+    <p:spTree>
+      <p:nvGrpSpPr>
+        <p:cNvPr id="1" name=""/>
+        <p:cNvGrpSpPr/>
+        <p:nvPr/>
+      </p:nvGrpSpPr>
+      <p:grpSpPr>
+        <a:xfrm>
+          <a:off x="0" y="0"/>
+          <a:ext cx="0" cy="0"/>
+          <a:chOff x="0" y="0"/>
+          <a:chExt cx="0" cy="0"/>
+        </a:xfrm>
+      </p:grpSpPr>
+      <p:sp>
+        <p:nvSpPr>
+          <p:cNvPr id="2" name="タイトル 1"/>
+          <p:cNvSpPr>
+            <a:spLocks noGrp="1"/>
+          </p:cNvSpPr>
+          <p:nvPr>
+            <p:ph type="title"/>
+          </p:nvPr>
+        </p:nvSpPr>
+        <p:spPr/>
+        <p:txBody>
+          <a:bodyPr/>
+          <a:lstStyle/>
+          <a:p>
+            <a:r>
+              <a:rPr kumimoji="1" lang="ja-JP" altLang="en-US" dirty="0" smtClean="0"/>
+              <a:t>進捗状況（</a:t>
+            </a:r>
+            <a:r>
+              <a:rPr kumimoji="1" lang="en-US" altLang="ja-JP" dirty="0" smtClean="0"/>
+              <a:t>1/6</a:t>
+            </a:r>
+            <a:r>
+              <a:rPr lang="ja-JP" altLang="en-US" dirty="0" smtClean="0"/>
+              <a:t>）</a:t>
+            </a:r>
+            <a:endParaRPr kumimoji="1" lang="ja-JP" altLang="en-US" dirty="0"/>
+          </a:p>
+        </p:txBody>
+      </p:sp>
+      <p:sp>
+        <p:nvSpPr>
+          <p:cNvPr id="3" name="コンテンツ プレースホルダー 2"/>
+          <p:cNvSpPr>
+            <a:spLocks noGrp="1"/>
+          </p:cNvSpPr>
+          <p:nvPr>
+            <p:ph idx="1"/>
+          </p:nvPr>
+        </p:nvSpPr>
+        <p:spPr>
+          <a:xfrm>
+            <a:off x="304800" y="997100"/>
+            <a:ext cx="8610600" cy="5456236"/>
+          </a:xfrm>
+        </p:spPr>
+        <p:txBody>
+          <a:bodyPr/>
+          <a:lstStyle/>
+          <a:p>
+            <a:r>
+              <a:rPr kumimoji="1" lang="ja-JP" altLang="en-US" dirty="0" smtClean="0"/>
+              <a:t>モデルカタログ</a:t>
+            </a:r>
+            <a:r>
+              <a:rPr lang="ja-JP" altLang="en-US" dirty="0" smtClean="0"/>
+              <a:t>の読み合わせ</a:t>
+            </a:r>
+            <a:endParaRPr lang="en-US" altLang="ja-JP" dirty="0" smtClean="0"/>
+          </a:p>
+          <a:p>
+            <a:pPr lvl="1"/>
+            <a:r>
+              <a:rPr lang="ja-JP" altLang="en-US" smtClean="0"/>
+              <a:t>モデルカタログの概要の確認</a:t>
+            </a:r>
+            <a:endParaRPr lang="en-US" altLang="ja-JP" smtClean="0"/>
+          </a:p>
+          <a:p>
+            <a:pPr lvl="1"/>
+            <a:endParaRPr lang="en-US" altLang="ja-JP" smtClean="0"/>
+          </a:p>
+          <a:p>
+            <a:pPr lvl="1"/>
+            <a:r>
+              <a:rPr lang="ja-JP" altLang="en-US" smtClean="0"/>
+              <a:t>目標制御</a:t>
+            </a:r>
+            <a:r>
+              <a:rPr lang="ja-JP" altLang="en-US" smtClean="0"/>
+              <a:t>モデルカタログを利用した</a:t>
+            </a:r>
+            <a:r>
+              <a:rPr lang="ja-JP" altLang="en-US" smtClean="0"/>
+              <a:t>実装</a:t>
+            </a:r>
+            <a:r>
+              <a:rPr lang="ja-JP" altLang="en-US" dirty="0" smtClean="0"/>
+              <a:t>内容の決定</a:t>
+            </a:r>
+            <a:endParaRPr lang="en-US" altLang="ja-JP" dirty="0" smtClean="0"/>
+          </a:p>
+          <a:p>
+            <a:pPr lvl="3"/>
+            <a:r>
+              <a:rPr lang="ja-JP" altLang="en-US" dirty="0" smtClean="0"/>
+              <a:t>輝度値制御（</a:t>
+            </a:r>
+            <a:r>
+              <a:rPr lang="en-US" altLang="ja-JP" dirty="0" smtClean="0"/>
+              <a:t>NXT LEGO MINDSTORMS</a:t>
+            </a:r>
+            <a:r>
+              <a:rPr lang="ja-JP" altLang="en-US" dirty="0" smtClean="0"/>
+              <a:t>）</a:t>
+            </a:r>
+            <a:endParaRPr lang="en-US" altLang="ja-JP" dirty="0" smtClean="0"/>
+          </a:p>
+          <a:p>
+            <a:pPr lvl="3"/>
+            <a:r>
+              <a:rPr lang="ja-JP" altLang="en-US" dirty="0"/>
+              <a:t>曲率半径制御</a:t>
+            </a:r>
+            <a:r>
+              <a:rPr lang="ja-JP" altLang="en-US" dirty="0" smtClean="0"/>
+              <a:t>（</a:t>
+            </a:r>
+            <a:r>
+              <a:rPr lang="en-US" altLang="ja-JP" dirty="0" smtClean="0"/>
+              <a:t>NXT LEGO MINDSTORMS</a:t>
+            </a:r>
+            <a:r>
+              <a:rPr lang="ja-JP" altLang="en-US" dirty="0" smtClean="0"/>
+              <a:t>）</a:t>
+            </a:r>
+            <a:endParaRPr lang="en-US" altLang="ja-JP" dirty="0" smtClean="0"/>
+          </a:p>
+          <a:p>
+            <a:pPr lvl="3"/>
+            <a:r>
+              <a:rPr lang="ja-JP" altLang="en-US" dirty="0" smtClean="0"/>
+              <a:t>尻尾モータ角度制御（</a:t>
+            </a:r>
+            <a:r>
+              <a:rPr lang="en-US" altLang="ja-JP" dirty="0" smtClean="0"/>
+              <a:t>NXT LEGO MINDSTORMS</a:t>
+            </a:r>
+            <a:r>
+              <a:rPr lang="ja-JP" altLang="en-US" dirty="0" smtClean="0"/>
+              <a:t>）</a:t>
+            </a:r>
+            <a:endParaRPr lang="en-US" altLang="ja-JP" dirty="0" smtClean="0"/>
+          </a:p>
+          <a:p>
+            <a:pPr lvl="3"/>
+            <a:r>
+              <a:rPr lang="ja-JP" altLang="en-US" dirty="0" smtClean="0"/>
+              <a:t>速度制御（</a:t>
+            </a:r>
+            <a:r>
+              <a:rPr lang="en-US" altLang="ja-JP" dirty="0" smtClean="0"/>
+              <a:t>NXT LEGO MINDSTORMS,DONKEY</a:t>
+            </a:r>
+            <a:r>
+              <a:rPr lang="ja-JP" altLang="en-US" dirty="0" smtClean="0"/>
+              <a:t>）</a:t>
+            </a:r>
+            <a:endParaRPr lang="en-US" altLang="ja-JP" dirty="0" smtClean="0"/>
+          </a:p>
+          <a:p>
+            <a:pPr marL="1371600" lvl="3" indent="0">
+              <a:buNone/>
+            </a:pPr>
+            <a:r>
+              <a:rPr lang="ja-JP" altLang="en-US" dirty="0" smtClean="0"/>
+              <a:t>（</a:t>
+            </a:r>
+            <a:r>
+              <a:rPr lang="en-US" altLang="ja-JP" dirty="0" smtClean="0"/>
+              <a:t>NXT LEGO MINDSTORMS</a:t>
+            </a:r>
+            <a:r>
+              <a:rPr lang="ja-JP" altLang="en-US" dirty="0" smtClean="0"/>
+              <a:t>は</a:t>
+            </a:r>
+            <a:r>
+              <a:rPr lang="en-US" altLang="ja-JP" smtClean="0"/>
+              <a:t>C</a:t>
+            </a:r>
+            <a:r>
+              <a:rPr lang="ja-JP" altLang="en-US" smtClean="0"/>
+              <a:t>言語と</a:t>
+            </a:r>
+            <a:r>
+              <a:rPr lang="en-US" altLang="ja-JP" smtClean="0"/>
+              <a:t>Java</a:t>
+            </a:r>
+            <a:r>
+              <a:rPr lang="ja-JP" altLang="en-US" dirty="0" err="1" smtClean="0"/>
+              <a:t>，</a:t>
+            </a:r>
+            <a:r>
+              <a:rPr lang="en-US" altLang="ja-JP" dirty="0" smtClean="0"/>
+              <a:t>DONKEY</a:t>
+            </a:r>
+            <a:r>
+              <a:rPr lang="ja-JP" altLang="en-US" dirty="0" smtClean="0"/>
+              <a:t>は</a:t>
+            </a:r>
+            <a:r>
+              <a:rPr lang="en-US" altLang="ja-JP" dirty="0" smtClean="0"/>
+              <a:t/>
+            </a:r>
+            <a:br>
+              <a:rPr lang="en-US" altLang="ja-JP" dirty="0" smtClean="0"/>
+            </a:br>
+            <a:r>
+              <a:rPr lang="en-US" altLang="ja-JP" dirty="0" smtClean="0"/>
+              <a:t>C</a:t>
+            </a:r>
+            <a:r>
+              <a:rPr lang="ja-JP" altLang="en-US" dirty="0" smtClean="0"/>
+              <a:t>言語で実装）</a:t>
+            </a:r>
+            <a:endParaRPr lang="en-US" altLang="ja-JP" dirty="0" smtClean="0"/>
+          </a:p>
+          <a:p>
+            <a:pPr lvl="2"/>
+            <a:endParaRPr lang="en-US" altLang="ja-JP" dirty="0" smtClean="0"/>
+          </a:p>
+        </p:txBody>
+      </p:sp>
+      <p:sp>
+        <p:nvSpPr>
+          <p:cNvPr id="4" name="スライド番号プレースホルダー 3"/>
+          <p:cNvSpPr>
+            <a:spLocks noGrp="1"/>
+          </p:cNvSpPr>
+          <p:nvPr>
+            <p:ph type="sldNum" sz="quarter" idx="12"/>
+          </p:nvPr>
+        </p:nvSpPr>
+        <p:spPr/>
+        <p:txBody>
+          <a:bodyPr/>
+          <a:lstStyle/>
+          <a:p>
+            <a:fld id="{1B4CD1AD-35CE-4DA8-9CDB-2FA6D4A1B3F4}" type="slidenum">
+              <a:rPr kumimoji="1" lang="ja-JP" altLang="en-US" smtClean="0"/>
+              <a:t>16</a:t>
+            </a:fld>
+            <a:endParaRPr kumimoji="1" lang="ja-JP" altLang="en-US" dirty="0"/>
+          </a:p>
+        </p:txBody>
+      </p:sp>
+    </p:spTree>
+    <p:extLst>
+      <p:ext uri="{BB962C8B-B14F-4D97-AF65-F5344CB8AC3E}">
+        <p14:creationId xmlns:p14="http://schemas.microsoft.com/office/powerpoint/2010/main" val="1686144605"/>
+      </p:ext>
+    </p:extLst>
+  </p:cSld>
+  <p:clrMapOvr>
+    <a:masterClrMapping/>
+  </p:clrMapOvr>
+  <p:timing>
+    <p:tnLst>
+      <p:par>
+        <p:cTn id="1" dur="indefinite" restart="never" nodeType="tmRoot"/>
+      </p:par>
+    </p:tnLst>
+  </p:timing>
+</p:sld>
+</file>
+
+<file path=ppt/slides/slide17.xml><?xml version="1.0" encoding="utf-8"?>
+<p:sld xmlns:a="http://schemas.openxmlformats.org/drawingml/2006/main" xmlns:r="http://schemas.openxmlformats.org/officeDocument/2006/relationships" xmlns:p="http://schemas.openxmlformats.org/presentationml/2006/main">
+  <p:cSld>
+    <p:spTree>
+      <p:nvGrpSpPr>
+        <p:cNvPr id="1" name=""/>
+        <p:cNvGrpSpPr/>
+        <p:nvPr/>
+      </p:nvGrpSpPr>
+      <p:grpSpPr>
+        <a:xfrm>
+          <a:off x="0" y="0"/>
+          <a:ext cx="0" cy="0"/>
+          <a:chOff x="0" y="0"/>
+          <a:chExt cx="0" cy="0"/>
+        </a:xfrm>
+      </p:grpSpPr>
+      <p:sp>
+        <p:nvSpPr>
+          <p:cNvPr id="2" name="タイトル 1"/>
+          <p:cNvSpPr>
+            <a:spLocks noGrp="1"/>
+          </p:cNvSpPr>
+          <p:nvPr>
+            <p:ph type="title"/>
+          </p:nvPr>
+        </p:nvSpPr>
+        <p:spPr/>
+        <p:txBody>
+          <a:bodyPr/>
+          <a:lstStyle/>
+          <a:p>
+            <a:r>
+              <a:rPr kumimoji="1" lang="ja-JP" altLang="en-US" dirty="0" smtClean="0"/>
+              <a:t>進捗状況</a:t>
+            </a:r>
+            <a:r>
+              <a:rPr lang="ja-JP" altLang="en-US" dirty="0" smtClean="0"/>
+              <a:t>（</a:t>
+            </a:r>
+            <a:r>
+              <a:rPr kumimoji="1" lang="en-US" altLang="ja-JP" dirty="0" smtClean="0"/>
+              <a:t>2/6</a:t>
+            </a:r>
+            <a:r>
+              <a:rPr lang="ja-JP" altLang="en-US" dirty="0" smtClean="0"/>
+              <a:t>）</a:t>
+            </a:r>
+            <a:endParaRPr kumimoji="1" lang="ja-JP" altLang="en-US" dirty="0"/>
+          </a:p>
+        </p:txBody>
+      </p:sp>
+      <p:sp>
+        <p:nvSpPr>
+          <p:cNvPr id="3" name="コンテンツ プレースホルダー 2"/>
+          <p:cNvSpPr>
+            <a:spLocks noGrp="1"/>
+          </p:cNvSpPr>
+          <p:nvPr>
+            <p:ph idx="1"/>
+          </p:nvPr>
+        </p:nvSpPr>
+        <p:spPr/>
+        <p:txBody>
+          <a:bodyPr/>
+          <a:lstStyle/>
+          <a:p>
+            <a:r>
               <a:rPr lang="ja-JP" altLang="en-US" dirty="0" smtClean="0"/>
               <a:t>制御プログラムの開発</a:t>
             </a:r>
@@ -10608,15 +11991,31 @@
             <a:pPr lvl="1"/>
             <a:r>
               <a:rPr lang="ja-JP" altLang="en-US" dirty="0" smtClean="0"/>
-              <a:t>モデルカタログを元に環境に応じたモデルの作成</a:t>
+              <a:t>モデルカタログを</a:t>
+            </a:r>
+            <a:r>
+              <a:rPr lang="ja-JP" altLang="en-US" smtClean="0"/>
+              <a:t>元</a:t>
+            </a:r>
+            <a:r>
+              <a:rPr lang="ja-JP" altLang="en-US" smtClean="0"/>
+              <a:t>に制御対象や環境</a:t>
+            </a:r>
+            <a:r>
+              <a:rPr lang="ja-JP" altLang="en-US" dirty="0" smtClean="0"/>
+              <a:t>に応じたモデルの作成</a:t>
             </a:r>
             <a:endParaRPr lang="en-US" altLang="ja-JP" dirty="0" smtClean="0"/>
           </a:p>
           <a:p>
             <a:pPr lvl="1"/>
             <a:r>
+              <a:rPr lang="ja-JP" altLang="en-US" smtClean="0"/>
+              <a:t>作成したモデルから開発</a:t>
+            </a:r>
+            <a:r>
               <a:rPr lang="ja-JP" altLang="en-US" dirty="0" smtClean="0"/>
-              <a:t>開発したプログラムに対して</a:t>
+              <a:t>したプログラムに対して</a:t>
             </a:r>
             <a:r>
               <a:rPr lang="ja-JP" altLang="en-US" dirty="0"/>
@@ -10643,7 +12042,7 @@
           <p:nvPr>
             <p:extLst>
               <p:ext uri="{D42A27DB-BD31-4B8C-83A1-F6EECF244321}">
-                <p14:modId xmlns:p14="http://schemas.microsoft.com/office/powerpoint/2010/main" val="2294121952"/>
+                <p14:modId xmlns:p14="http://schemas.microsoft.com/office/powerpoint/2010/main" val="4219571669"/>
               </p:ext>
             </p:extLst>
           </p:nvPr>
@@ -10659,9 +12058,9 @@
                 <a:tableStyleId>{21E4AEA4-8DFA-4A89-87EB-49C32662AFE0}</a:tableStyleId>
               </a:tblPr>
               <a:tblGrid>
-                <a:gridCol w="2088231"/>
+                <a:gridCol w="2376263"/>
                 <a:gridCol w="1368152"/>
-                <a:gridCol w="1584176"/>
+                <a:gridCol w="1296144"/>
                 <a:gridCol w="1224136"/>
                 <a:gridCol w="1224135"/>
               </a:tblGrid>
@@ -11739,7 +13138,7 @@
           <a:p>
             <a:fld id="{1B4CD1AD-35CE-4DA8-9CDB-2FA6D4A1B3F4}" type="slidenum">
               <a:rPr kumimoji="1" lang="ja-JP" altLang="en-US" smtClean="0"/>
-              <a:t>15</a:t>
+              <a:t>17</a:t>
             </a:fld>
             <a:endParaRPr kumimoji="1" lang="ja-JP" altLang="en-US" dirty="0"/>
           </a:p>
@@ -11765,7 +13164,7 @@
 </p:sld>
 </file>
 
-<file path=ppt/slides/slide16.xml><?xml version="1.0" encoding="utf-8"?>
+<file path=ppt/slides/slide18.xml><?xml version="1.0" encoding="utf-8"?>
 <p:sld xmlns:a="http://schemas.openxmlformats.org/drawingml/2006/main" xmlns:r="http://schemas.openxmlformats.org/officeDocument/2006/relationships" xmlns:p="http://schemas.openxmlformats.org/presentationml/2006/main">
   <p:cSld>
     <p:spTree>
@@ -11872,15 +13271,19 @@
             <a:pPr lvl="1"/>
             <a:r>
               <a:rPr lang="ja-JP" altLang="en-US" dirty="0" smtClean="0"/>
-              <a:t>計測器</a:t>
-            </a:r>
-            <a:r>
-              <a:rPr lang="en-US" altLang="ja-JP" dirty="0" smtClean="0"/>
+              <a:t>計</a:t>
+            </a:r>
+            <a:r>
+              <a:rPr lang="ja-JP" altLang="en-US" smtClean="0"/>
+              <a:t>測器</a:t>
+            </a:r>
+            <a:r>
+              <a:rPr lang="en-US" altLang="ja-JP" smtClean="0"/>
               <a:t>:</a:t>
             </a:r>
             <a:r>
-              <a:rPr lang="ja-JP" altLang="en-US" dirty="0" smtClean="0"/>
-              <a:t>モータ（尻尾）</a:t>
+              <a:rPr lang="ja-JP" altLang="en-US" smtClean="0"/>
+              <a:t>尻尾モータ</a:t>
             </a:r>
             <a:endParaRPr lang="en-US" altLang="ja-JP" dirty="0" smtClean="0"/>
           </a:p>
@@ -11906,32 +13309,40 @@
           <a:p>
             <a:pPr lvl="1"/>
             <a:r>
+              <a:rPr lang="ja-JP" altLang="en-US" smtClean="0"/>
+              <a:t>計測値</a:t>
+            </a:r>
+            <a:r>
+              <a:rPr lang="en-US" altLang="ja-JP" smtClean="0"/>
+              <a:t>:</a:t>
+            </a:r>
+            <a:r>
+              <a:rPr lang="ja-JP" altLang="en-US" smtClean="0"/>
+              <a:t>尻尾モータ回転</a:t>
+            </a:r>
+            <a:r>
               <a:rPr lang="ja-JP" altLang="en-US" dirty="0" smtClean="0"/>
-              <a:t>計測値</a:t>
-            </a:r>
-            <a:r>
-              <a:rPr lang="en-US" altLang="ja-JP" dirty="0" smtClean="0"/>
+              <a:t>角度</a:t>
+            </a:r>
+            <a:endParaRPr lang="en-US" altLang="ja-JP" dirty="0" smtClean="0"/>
+          </a:p>
+          <a:p>
+            <a:pPr lvl="1"/>
+            <a:r>
+              <a:rPr lang="ja-JP" altLang="en-US" smtClean="0"/>
+              <a:t>目標値</a:t>
+            </a:r>
+            <a:r>
+              <a:rPr lang="en-US" altLang="ja-JP" smtClean="0"/>
               <a:t>:</a:t>
             </a:r>
             <a:r>
+              <a:rPr lang="ja-JP" altLang="en-US" smtClean="0"/>
+              <a:t>尻尾モータ目標</a:t>
+            </a:r>
+            <a:r>
               <a:rPr lang="ja-JP" altLang="en-US" dirty="0" smtClean="0"/>
-              <a:t>回転角度</a:t>
-            </a:r>
-            <a:endParaRPr lang="en-US" altLang="ja-JP" dirty="0" smtClean="0"/>
-          </a:p>
-          <a:p>
-            <a:pPr lvl="1"/>
-            <a:r>
-              <a:rPr lang="ja-JP" altLang="en-US" dirty="0" smtClean="0"/>
-              <a:t>目標値</a:t>
-            </a:r>
-            <a:r>
-              <a:rPr lang="en-US" altLang="ja-JP" dirty="0" smtClean="0"/>
-              <a:t>:</a:t>
-            </a:r>
-            <a:r>
-              <a:rPr lang="ja-JP" altLang="en-US" dirty="0" smtClean="0"/>
-              <a:t>目標角度</a:t>
+              <a:t>角度</a:t>
             </a:r>
             <a:endParaRPr lang="en-US" altLang="ja-JP" dirty="0" smtClean="0"/>
           </a:p>
@@ -12138,7 +13549,7 @@
           <a:p>
             <a:fld id="{1B4CD1AD-35CE-4DA8-9CDB-2FA6D4A1B3F4}" type="slidenum">
               <a:rPr kumimoji="1" lang="ja-JP" altLang="en-US" smtClean="0"/>
-              <a:t>16</a:t>
+              <a:t>18</a:t>
             </a:fld>
             <a:endParaRPr kumimoji="1" lang="ja-JP" altLang="en-US" dirty="0"/>
           </a:p>
@@ -12148,449 +13559,6 @@
     <p:extLst>
       <p:ext uri="{BB962C8B-B14F-4D97-AF65-F5344CB8AC3E}">
         <p14:creationId xmlns:p14="http://schemas.microsoft.com/office/powerpoint/2010/main" val="3174473367"/>
-      </p:ext>
-    </p:extLst>
-  </p:cSld>
-  <p:clrMapOvr>
-    <a:masterClrMapping/>
-  </p:clrMapOvr>
-  <mc:AlternateContent xmlns:mc="http://schemas.openxmlformats.org/markup-compatibility/2006" xmlns:p14="http://schemas.microsoft.com/office/powerpoint/2010/main">
-    <mc:Choice Requires="p14">
-      <p:transition spd="slow" p14:dur="2000"/>
-    </mc:Choice>
-    <mc:Fallback xmlns="">
-      <p:transition spd="slow"/>
-    </mc:Fallback>
-  </mc:AlternateContent>
-  <p:timing>
-    <p:tnLst>
-      <p:par>
-        <p:cTn id="1" dur="indefinite" restart="never" nodeType="tmRoot"/>
-      </p:par>
-    </p:tnLst>
-  </p:timing>
-</p:sld>
-</file>
-
-<file path=ppt/slides/slide17.xml><?xml version="1.0" encoding="utf-8"?>
-<p:sld xmlns:a="http://schemas.openxmlformats.org/drawingml/2006/main" xmlns:r="http://schemas.openxmlformats.org/officeDocument/2006/relationships" xmlns:p="http://schemas.openxmlformats.org/presentationml/2006/main">
-  <p:cSld>
-    <p:spTree>
-      <p:nvGrpSpPr>
-        <p:cNvPr id="1" name=""/>
-        <p:cNvGrpSpPr/>
-        <p:nvPr/>
-      </p:nvGrpSpPr>
-      <p:grpSpPr>
-        <a:xfrm>
-          <a:off x="0" y="0"/>
-          <a:ext cx="0" cy="0"/>
-          <a:chOff x="0" y="0"/>
-          <a:chExt cx="0" cy="0"/>
-        </a:xfrm>
-      </p:grpSpPr>
-      <p:sp>
-        <p:nvSpPr>
-          <p:cNvPr id="2" name="タイトル 1"/>
-          <p:cNvSpPr>
-            <a:spLocks noGrp="1"/>
-          </p:cNvSpPr>
-          <p:nvPr>
-            <p:ph type="title"/>
-          </p:nvPr>
-        </p:nvSpPr>
-        <p:spPr/>
-        <p:txBody>
-          <a:bodyPr/>
-          <a:lstStyle/>
-          <a:p>
-            <a:r>
-              <a:rPr lang="ja-JP" altLang="en-US" dirty="0"/>
-              <a:t>進捗状況</a:t>
-            </a:r>
-            <a:r>
-              <a:rPr kumimoji="1" lang="ja-JP" altLang="en-US" dirty="0" smtClean="0"/>
-              <a:t>（</a:t>
-            </a:r>
-            <a:r>
-              <a:rPr lang="en-US" altLang="ja-JP" dirty="0" smtClean="0"/>
-              <a:t>4</a:t>
-            </a:r>
-            <a:r>
-              <a:rPr kumimoji="1" lang="en-US" altLang="ja-JP" dirty="0" smtClean="0"/>
-              <a:t>/6</a:t>
-            </a:r>
-            <a:r>
-              <a:rPr kumimoji="1" lang="ja-JP" altLang="en-US" dirty="0" smtClean="0"/>
-              <a:t>）</a:t>
-            </a:r>
-            <a:endParaRPr kumimoji="1" lang="ja-JP" altLang="en-US" dirty="0"/>
-          </a:p>
-        </p:txBody>
-      </p:sp>
-      <p:sp>
-        <p:nvSpPr>
-          <p:cNvPr id="3" name="コンテンツ プレースホルダー 2"/>
-          <p:cNvSpPr>
-            <a:spLocks noGrp="1"/>
-          </p:cNvSpPr>
-          <p:nvPr>
-            <p:ph idx="1"/>
-          </p:nvPr>
-        </p:nvSpPr>
-        <p:spPr>
-          <a:xfrm>
-            <a:off x="304800" y="1020764"/>
-            <a:ext cx="8443664" cy="3776388"/>
-          </a:xfrm>
-        </p:spPr>
-        <p:txBody>
-          <a:bodyPr/>
-          <a:lstStyle/>
-          <a:p>
-            <a:r>
-              <a:rPr lang="ja-JP" altLang="en-US" dirty="0" smtClean="0"/>
-              <a:t>目標制</a:t>
-            </a:r>
-            <a:r>
-              <a:rPr lang="ja-JP" altLang="en-US" dirty="0" smtClean="0"/>
-              <a:t>御モデルカタログ</a:t>
-            </a:r>
-            <a:r>
-              <a:rPr lang="ja-JP" altLang="en-US" dirty="0" smtClean="0"/>
-              <a:t>（クラス図）</a:t>
-            </a:r>
-            <a:endParaRPr lang="en-US" altLang="ja-JP" dirty="0" smtClean="0"/>
-          </a:p>
-          <a:p>
-            <a:pPr lvl="1"/>
-            <a:r>
-              <a:rPr lang="ja-JP" altLang="en-US" dirty="0"/>
-              <a:t>これ</a:t>
-            </a:r>
-            <a:r>
-              <a:rPr lang="ja-JP" altLang="en-US" dirty="0" smtClean="0"/>
-              <a:t>を元に実装</a:t>
-            </a:r>
-            <a:endParaRPr lang="en-US" altLang="ja-JP" dirty="0" smtClean="0"/>
-          </a:p>
-        </p:txBody>
-      </p:sp>
-      <p:pic>
-        <p:nvPicPr>
-          <p:cNvPr id="2053" name="Picture 5"/>
-          <p:cNvPicPr>
-            <a:picLocks noChangeAspect="1" noChangeArrowheads="1"/>
-          </p:cNvPicPr>
-          <p:nvPr/>
-        </p:nvPicPr>
-        <p:blipFill>
-          <a:blip r:embed="rId3">
-            <a:extLst>
-              <a:ext uri="{28A0092B-C50C-407E-A947-70E740481C1C}">
-                <a14:useLocalDpi xmlns:a14="http://schemas.microsoft.com/office/drawing/2010/main" val="0"/>
-              </a:ext>
-            </a:extLst>
-          </a:blip>
-          <a:srcRect/>
-          <a:stretch>
-            <a:fillRect/>
-          </a:stretch>
-        </p:blipFill>
-        <p:spPr bwMode="auto">
-          <a:xfrm>
-            <a:off x="683568" y="3055962"/>
-            <a:ext cx="7153275" cy="3181350"/>
-          </a:xfrm>
-          <a:prstGeom prst="rect">
-            <a:avLst/>
-          </a:prstGeom>
-          <a:noFill/>
-          <a:ln>
-            <a:noFill/>
-          </a:ln>
-          <a:effectLst/>
-          <a:extLst>
-            <a:ext uri="{909E8E84-426E-40DD-AFC4-6F175D3DCCD1}">
-              <a14:hiddenFill xmlns:a14="http://schemas.microsoft.com/office/drawing/2010/main">
-                <a:solidFill>
-                  <a:schemeClr val="accent1"/>
-                </a:solidFill>
-              </a14:hiddenFill>
-            </a:ext>
-            <a:ext uri="{91240B29-F687-4F45-9708-019B960494DF}">
-              <a14:hiddenLine xmlns:a14="http://schemas.microsoft.com/office/drawing/2010/main" w="9525">
-                <a:solidFill>
-                  <a:schemeClr val="tx1"/>
-                </a:solidFill>
-                <a:miter lim="800000"/>
-                <a:headEnd/>
-                <a:tailEnd/>
-              </a14:hiddenLine>
-            </a:ext>
-            <a:ext uri="{AF507438-7753-43E0-B8FC-AC1667EBCBE1}">
-              <a14:hiddenEffects xmlns:a14="http://schemas.microsoft.com/office/drawing/2010/main">
-                <a:effectLst>
-                  <a:outerShdw dist="35921" dir="2700000" algn="ctr" rotWithShape="0">
-                    <a:schemeClr val="bg2"/>
-                  </a:outerShdw>
-                </a:effectLst>
-              </a14:hiddenEffects>
-            </a:ext>
-          </a:extLst>
-        </p:spPr>
-      </p:pic>
-      <p:sp>
-        <p:nvSpPr>
-          <p:cNvPr id="4" name="スライド番号プレースホルダー 3"/>
-          <p:cNvSpPr>
-            <a:spLocks noGrp="1"/>
-          </p:cNvSpPr>
-          <p:nvPr>
-            <p:ph type="sldNum" sz="quarter" idx="12"/>
-          </p:nvPr>
-        </p:nvSpPr>
-        <p:spPr/>
-        <p:txBody>
-          <a:bodyPr/>
-          <a:lstStyle/>
-          <a:p>
-            <a:fld id="{1B4CD1AD-35CE-4DA8-9CDB-2FA6D4A1B3F4}" type="slidenum">
-              <a:rPr kumimoji="1" lang="ja-JP" altLang="en-US" smtClean="0"/>
-              <a:t>17</a:t>
-            </a:fld>
-            <a:endParaRPr kumimoji="1" lang="ja-JP" altLang="en-US" dirty="0"/>
-          </a:p>
-        </p:txBody>
-      </p:sp>
-    </p:spTree>
-    <p:extLst>
-      <p:ext uri="{BB962C8B-B14F-4D97-AF65-F5344CB8AC3E}">
-        <p14:creationId xmlns:p14="http://schemas.microsoft.com/office/powerpoint/2010/main" val="3973042538"/>
-      </p:ext>
-    </p:extLst>
-  </p:cSld>
-  <p:clrMapOvr>
-    <a:masterClrMapping/>
-  </p:clrMapOvr>
-  <mc:AlternateContent xmlns:mc="http://schemas.openxmlformats.org/markup-compatibility/2006" xmlns:p14="http://schemas.microsoft.com/office/powerpoint/2010/main">
-    <mc:Choice Requires="p14">
-      <p:transition spd="slow" p14:dur="2000"/>
-    </mc:Choice>
-    <mc:Fallback xmlns="">
-      <p:transition spd="slow"/>
-    </mc:Fallback>
-  </mc:AlternateContent>
-  <p:timing>
-    <p:tnLst>
-      <p:par>
-        <p:cTn id="1" dur="indefinite" restart="never" nodeType="tmRoot"/>
-      </p:par>
-    </p:tnLst>
-  </p:timing>
-</p:sld>
-</file>
-
-<file path=ppt/slides/slide18.xml><?xml version="1.0" encoding="utf-8"?>
-<p:sld xmlns:a="http://schemas.openxmlformats.org/drawingml/2006/main" xmlns:r="http://schemas.openxmlformats.org/officeDocument/2006/relationships" xmlns:p="http://schemas.openxmlformats.org/presentationml/2006/main">
-  <p:cSld>
-    <p:spTree>
-      <p:nvGrpSpPr>
-        <p:cNvPr id="1" name=""/>
-        <p:cNvGrpSpPr/>
-        <p:nvPr/>
-      </p:nvGrpSpPr>
-      <p:grpSpPr>
-        <a:xfrm>
-          <a:off x="0" y="0"/>
-          <a:ext cx="0" cy="0"/>
-          <a:chOff x="0" y="0"/>
-          <a:chExt cx="0" cy="0"/>
-        </a:xfrm>
-      </p:grpSpPr>
-      <p:sp>
-        <p:nvSpPr>
-          <p:cNvPr id="2" name="タイトル 1"/>
-          <p:cNvSpPr>
-            <a:spLocks noGrp="1"/>
-          </p:cNvSpPr>
-          <p:nvPr>
-            <p:ph type="title"/>
-          </p:nvPr>
-        </p:nvSpPr>
-        <p:spPr/>
-        <p:txBody>
-          <a:bodyPr/>
-          <a:lstStyle/>
-          <a:p>
-            <a:r>
-              <a:rPr kumimoji="1" lang="ja-JP" altLang="en-US" dirty="0" smtClean="0"/>
-              <a:t>進捗状況</a:t>
-            </a:r>
-            <a:r>
-              <a:rPr lang="ja-JP" altLang="en-US" dirty="0" smtClean="0"/>
-              <a:t>（</a:t>
-            </a:r>
-            <a:r>
-              <a:rPr lang="en-US" altLang="ja-JP" dirty="0" smtClean="0"/>
-              <a:t>5</a:t>
-            </a:r>
-            <a:r>
-              <a:rPr kumimoji="1" lang="en-US" altLang="ja-JP" dirty="0" smtClean="0"/>
-              <a:t>/6</a:t>
-            </a:r>
-            <a:r>
-              <a:rPr lang="ja-JP" altLang="en-US" dirty="0" smtClean="0"/>
-              <a:t>）</a:t>
-            </a:r>
-            <a:endParaRPr kumimoji="1" lang="ja-JP" altLang="en-US" dirty="0"/>
-          </a:p>
-        </p:txBody>
-      </p:sp>
-      <p:sp>
-        <p:nvSpPr>
-          <p:cNvPr id="3" name="コンテンツ プレースホルダー 2"/>
-          <p:cNvSpPr>
-            <a:spLocks noGrp="1"/>
-          </p:cNvSpPr>
-          <p:nvPr>
-            <p:ph idx="1"/>
-          </p:nvPr>
-        </p:nvSpPr>
-        <p:spPr/>
-        <p:txBody>
-          <a:bodyPr>
-            <a:normAutofit/>
-          </a:bodyPr>
-          <a:lstStyle/>
-          <a:p>
-            <a:r>
-              <a:rPr lang="ja-JP" altLang="en-US" dirty="0" smtClean="0"/>
-              <a:t>例</a:t>
-            </a:r>
-            <a:r>
-              <a:rPr lang="en-US" altLang="ja-JP" dirty="0" smtClean="0"/>
-              <a:t>.</a:t>
-            </a:r>
-            <a:r>
-              <a:rPr lang="ja-JP" altLang="en-US" dirty="0" smtClean="0"/>
-              <a:t>尻尾モータ角度制御モデル（クラス図）</a:t>
-            </a:r>
-            <a:endParaRPr lang="en-US" altLang="ja-JP" dirty="0" smtClean="0"/>
-          </a:p>
-          <a:p>
-            <a:pPr lvl="1"/>
-            <a:r>
-              <a:rPr lang="en-US" altLang="ja-JP" dirty="0"/>
-              <a:t>NXT LEGO </a:t>
-            </a:r>
-            <a:r>
-              <a:rPr lang="en-US" altLang="ja-JP" dirty="0" smtClean="0"/>
-              <a:t>MINDSTORMS(Java)</a:t>
-            </a:r>
-            <a:r>
-              <a:rPr lang="ja-JP" altLang="en-US" dirty="0"/>
-              <a:t>用</a:t>
-            </a:r>
-            <a:r>
-              <a:rPr lang="ja-JP" altLang="en-US" dirty="0" smtClean="0"/>
-              <a:t>モデル</a:t>
-            </a:r>
-            <a:endParaRPr lang="en-US" altLang="ja-JP" dirty="0"/>
-          </a:p>
-        </p:txBody>
-      </p:sp>
-      <p:pic>
-        <p:nvPicPr>
-          <p:cNvPr id="1026" name="Picture 2"/>
-          <p:cNvPicPr>
-            <a:picLocks noChangeAspect="1" noChangeArrowheads="1"/>
-          </p:cNvPicPr>
-          <p:nvPr/>
-        </p:nvPicPr>
-        <p:blipFill>
-          <a:blip r:embed="rId3">
-            <a:extLst>
-              <a:ext uri="{28A0092B-C50C-407E-A947-70E740481C1C}">
-                <a14:useLocalDpi xmlns:a14="http://schemas.microsoft.com/office/drawing/2010/main" val="0"/>
-              </a:ext>
-            </a:extLst>
-          </a:blip>
-          <a:srcRect/>
-          <a:stretch>
-            <a:fillRect/>
-          </a:stretch>
-        </p:blipFill>
-        <p:spPr bwMode="auto">
-          <a:xfrm>
-            <a:off x="709613" y="2329011"/>
-            <a:ext cx="7724775" cy="4124325"/>
-          </a:xfrm>
-          <a:prstGeom prst="rect">
-            <a:avLst/>
-          </a:prstGeom>
-          <a:noFill/>
-          <a:ln>
-            <a:noFill/>
-          </a:ln>
-          <a:effectLst/>
-          <a:extLst>
-            <a:ext uri="{909E8E84-426E-40DD-AFC4-6F175D3DCCD1}">
-              <a14:hiddenFill xmlns:a14="http://schemas.microsoft.com/office/drawing/2010/main">
-                <a:solidFill>
-                  <a:schemeClr val="accent1"/>
-                </a:solidFill>
-              </a14:hiddenFill>
-            </a:ext>
-            <a:ext uri="{91240B29-F687-4F45-9708-019B960494DF}">
-              <a14:hiddenLine xmlns:a14="http://schemas.microsoft.com/office/drawing/2010/main" w="9525">
-                <a:solidFill>
-                  <a:schemeClr val="tx1"/>
-                </a:solidFill>
-                <a:miter lim="800000"/>
-                <a:headEnd/>
-                <a:tailEnd/>
-              </a14:hiddenLine>
-            </a:ext>
-            <a:ext uri="{AF507438-7753-43E0-B8FC-AC1667EBCBE1}">
-              <a14:hiddenEffects xmlns:a14="http://schemas.microsoft.com/office/drawing/2010/main">
-                <a:effectLst>
-                  <a:outerShdw dist="35921" dir="2700000" algn="ctr" rotWithShape="0">
-                    <a:schemeClr val="bg2"/>
-                  </a:outerShdw>
-                </a:effectLst>
-              </a14:hiddenEffects>
-            </a:ext>
-          </a:extLst>
-        </p:spPr>
-      </p:pic>
-      <p:sp>
-        <p:nvSpPr>
-          <p:cNvPr id="4" name="スライド番号プレースホルダー 3"/>
-          <p:cNvSpPr>
-            <a:spLocks noGrp="1"/>
-          </p:cNvSpPr>
-          <p:nvPr>
-            <p:ph type="sldNum" sz="quarter" idx="12"/>
-          </p:nvPr>
-        </p:nvSpPr>
-        <p:spPr/>
-        <p:txBody>
-          <a:bodyPr/>
-          <a:lstStyle/>
-          <a:p>
-            <a:fld id="{1B4CD1AD-35CE-4DA8-9CDB-2FA6D4A1B3F4}" type="slidenum">
-              <a:rPr kumimoji="1" lang="ja-JP" altLang="en-US" smtClean="0"/>
-              <a:t>18</a:t>
-            </a:fld>
-            <a:endParaRPr kumimoji="1" lang="ja-JP" altLang="en-US" dirty="0"/>
-          </a:p>
-        </p:txBody>
-      </p:sp>
-    </p:spTree>
-    <p:extLst>
-      <p:ext uri="{BB962C8B-B14F-4D97-AF65-F5344CB8AC3E}">
-        <p14:creationId xmlns:p14="http://schemas.microsoft.com/office/powerpoint/2010/main" val="1192230044"/>
       </p:ext>
     </p:extLst>
   </p:cSld>
@@ -12632,30 +13600,6 @@
           <a:chExt cx="0" cy="0"/>
         </a:xfrm>
       </p:grpSpPr>
-      <p:graphicFrame>
-        <p:nvGraphicFramePr>
-          <p:cNvPr id="10" name="グラフ 9"/>
-          <p:cNvGraphicFramePr>
-            <a:graphicFrameLocks/>
-          </p:cNvGraphicFramePr>
-          <p:nvPr>
-            <p:extLst>
-              <p:ext uri="{D42A27DB-BD31-4B8C-83A1-F6EECF244321}">
-                <p14:modId xmlns:p14="http://schemas.microsoft.com/office/powerpoint/2010/main" val="1778383694"/>
-              </p:ext>
-            </p:extLst>
-          </p:nvPr>
-        </p:nvGraphicFramePr>
-        <p:xfrm>
-          <a:off x="107504" y="2492896"/>
-          <a:ext cx="8496943" cy="4032448"/>
-        </p:xfrm>
-        <a:graphic>
-          <a:graphicData uri="http://schemas.openxmlformats.org/drawingml/2006/chart">
-            <c:chart xmlns:c="http://schemas.openxmlformats.org/drawingml/2006/chart" xmlns:r="http://schemas.openxmlformats.org/officeDocument/2006/relationships" r:id="rId3"/>
-          </a:graphicData>
-        </a:graphic>
-      </p:graphicFrame>
       <p:sp>
         <p:nvSpPr>
           <p:cNvPr id="2" name="タイトル 1"/>
@@ -12672,19 +13616,23 @@
           <a:lstStyle/>
           <a:p>
             <a:r>
+              <a:rPr lang="ja-JP" altLang="en-US" dirty="0"/>
+              <a:t>進捗状況</a:t>
+            </a:r>
+            <a:r>
               <a:rPr kumimoji="1" lang="ja-JP" altLang="en-US" dirty="0" smtClean="0"/>
-              <a:t>進捗状況（</a:t>
-            </a:r>
-            <a:r>
-              <a:rPr lang="en-US" altLang="ja-JP" dirty="0"/>
-              <a:t>6</a:t>
+              <a:t>（</a:t>
+            </a:r>
+            <a:r>
+              <a:rPr lang="en-US" altLang="ja-JP" dirty="0" smtClean="0"/>
+              <a:t>4</a:t>
             </a:r>
             <a:r>
               <a:rPr kumimoji="1" lang="en-US" altLang="ja-JP" dirty="0" smtClean="0"/>
               <a:t>/6</a:t>
             </a:r>
             <a:r>
-              <a:rPr lang="ja-JP" altLang="en-US" dirty="0" smtClean="0"/>
+              <a:rPr kumimoji="1" lang="ja-JP" altLang="en-US" dirty="0" smtClean="0"/>
               <a:t>）</a:t>
             </a:r>
             <a:endParaRPr kumimoji="1" lang="ja-JP" altLang="en-US" dirty="0"/>
@@ -12704,7 +13652,7 @@
         <p:spPr>
           <a:xfrm>
             <a:off x="304800" y="1020764"/>
-            <a:ext cx="8610600" cy="1184100"/>
+            <a:ext cx="8443664" cy="3776388"/>
           </a:xfrm>
         </p:spPr>
         <p:txBody>
@@ -12713,187 +13661,17 @@
           <a:p>
             <a:r>
               <a:rPr lang="ja-JP" altLang="en-US" dirty="0" smtClean="0"/>
-              <a:t>例</a:t>
-            </a:r>
-            <a:r>
-              <a:rPr lang="en-US" altLang="ja-JP" dirty="0" smtClean="0"/>
-              <a:t>.</a:t>
-            </a:r>
-            <a:r>
-              <a:rPr lang="ja-JP" altLang="en-US" dirty="0" smtClean="0"/>
-              <a:t>尻尾モータ角度制御</a:t>
+              <a:t>目標制御モデルカタログ（</a:t>
+            </a:r>
+            <a:r>
+              <a:rPr lang="ja-JP" altLang="en-US" smtClean="0"/>
+              <a:t>クラス図</a:t>
+            </a:r>
+            <a:r>
+              <a:rPr lang="ja-JP" altLang="en-US" smtClean="0"/>
+              <a:t>）</a:t>
             </a:r>
             <a:endParaRPr lang="en-US" altLang="ja-JP" dirty="0" smtClean="0"/>
-          </a:p>
-          <a:p>
-            <a:pPr lvl="1"/>
-            <a:r>
-              <a:rPr lang="ja-JP" altLang="en-US" dirty="0" smtClean="0"/>
-              <a:t>プログラム実行時の</a:t>
-            </a:r>
-            <a:r>
-              <a:rPr lang="ja-JP" altLang="en-US" dirty="0"/>
-              <a:t>動作</a:t>
-            </a:r>
-            <a:r>
-              <a:rPr lang="ja-JP" altLang="en-US" dirty="0" smtClean="0"/>
-              <a:t>確認</a:t>
-            </a:r>
-            <a:endParaRPr lang="en-US" altLang="ja-JP" dirty="0" smtClean="0"/>
-          </a:p>
-          <a:p>
-            <a:pPr lvl="2"/>
-            <a:r>
-              <a:rPr lang="ja-JP" altLang="en-US" dirty="0" smtClean="0"/>
-              <a:t>初期値（</a:t>
-            </a:r>
-            <a:r>
-              <a:rPr lang="en-US" altLang="ja-JP" dirty="0" smtClean="0"/>
-              <a:t>0°</a:t>
-            </a:r>
-            <a:r>
-              <a:rPr lang="ja-JP" altLang="en-US" dirty="0" smtClean="0"/>
-              <a:t>）から目標角度（</a:t>
-            </a:r>
-            <a:r>
-              <a:rPr lang="en-US" altLang="ja-JP" dirty="0" smtClean="0"/>
-              <a:t>90°</a:t>
-            </a:r>
-            <a:r>
-              <a:rPr lang="ja-JP" altLang="en-US" dirty="0" smtClean="0"/>
-              <a:t>）まで尻尾を回転</a:t>
-            </a:r>
-            <a:endParaRPr lang="en-US" altLang="ja-JP" dirty="0" smtClean="0"/>
-          </a:p>
-          <a:p>
-            <a:pPr lvl="1"/>
-            <a:endParaRPr lang="en-US" altLang="ja-JP" dirty="0" smtClean="0"/>
-          </a:p>
-        </p:txBody>
-      </p:sp>
-      <p:sp>
-        <p:nvSpPr>
-          <p:cNvPr id="19" name="線吹き出し 1 (枠付き) 18"/>
-          <p:cNvSpPr/>
-          <p:nvPr/>
-        </p:nvSpPr>
-        <p:spPr>
-          <a:xfrm>
-            <a:off x="4067944" y="5301208"/>
-            <a:ext cx="1368152" cy="576064"/>
-          </a:xfrm>
-          <a:prstGeom prst="borderCallout1">
-            <a:avLst>
-              <a:gd name="adj1" fmla="val 18750"/>
-              <a:gd name="adj2" fmla="val -8333"/>
-              <a:gd name="adj3" fmla="val -134876"/>
-              <a:gd name="adj4" fmla="val -25647"/>
-            </a:avLst>
-          </a:prstGeom>
-        </p:spPr>
-        <p:style>
-          <a:lnRef idx="1">
-            <a:schemeClr val="accent4"/>
-          </a:lnRef>
-          <a:fillRef idx="2">
-            <a:schemeClr val="accent4"/>
-          </a:fillRef>
-          <a:effectRef idx="1">
-            <a:schemeClr val="accent4"/>
-          </a:effectRef>
-          <a:fontRef idx="minor">
-            <a:schemeClr val="dk1"/>
-          </a:fontRef>
-        </p:style>
-        <p:txBody>
-          <a:bodyPr bIns="0" rtlCol="0" anchor="ctr"/>
-          <a:lstStyle/>
-          <a:p>
-            <a:pPr algn="ctr"/>
-            <a:r>
-              <a:rPr lang="ja-JP" altLang="en-US" dirty="0">
-                <a:latin typeface="メイリオ" pitchFamily="50" charset="-128"/>
-                <a:ea typeface="メイリオ" pitchFamily="50" charset="-128"/>
-                <a:cs typeface="メイリオ" pitchFamily="50" charset="-128"/>
-              </a:rPr>
-              <a:t>目標</a:t>
-            </a:r>
-            <a:r>
-              <a:rPr lang="ja-JP" altLang="en-US" dirty="0" smtClean="0">
-                <a:latin typeface="メイリオ" pitchFamily="50" charset="-128"/>
-                <a:ea typeface="メイリオ" pitchFamily="50" charset="-128"/>
-                <a:cs typeface="メイリオ" pitchFamily="50" charset="-128"/>
-              </a:rPr>
-              <a:t>角度へ接近</a:t>
-            </a:r>
-            <a:endParaRPr kumimoji="1" lang="ja-JP" altLang="en-US" dirty="0">
-              <a:latin typeface="メイリオ" pitchFamily="50" charset="-128"/>
-              <a:ea typeface="メイリオ" pitchFamily="50" charset="-128"/>
-              <a:cs typeface="メイリオ" pitchFamily="50" charset="-128"/>
-            </a:endParaRPr>
-          </a:p>
-        </p:txBody>
-      </p:sp>
-      <p:sp>
-        <p:nvSpPr>
-          <p:cNvPr id="22" name="線吹き出し 1 (枠付き) 21"/>
-          <p:cNvSpPr/>
-          <p:nvPr/>
-        </p:nvSpPr>
-        <p:spPr>
-          <a:xfrm>
-            <a:off x="6984268" y="4437112"/>
-            <a:ext cx="1368152" cy="576064"/>
-          </a:xfrm>
-          <a:prstGeom prst="borderCallout1">
-            <a:avLst>
-              <a:gd name="adj1" fmla="val 18750"/>
-              <a:gd name="adj2" fmla="val -8333"/>
-              <a:gd name="adj3" fmla="val -237949"/>
-              <a:gd name="adj4" fmla="val 15148"/>
-            </a:avLst>
-          </a:prstGeom>
-        </p:spPr>
-        <p:style>
-          <a:lnRef idx="1">
-            <a:schemeClr val="accent4"/>
-          </a:lnRef>
-          <a:fillRef idx="2">
-            <a:schemeClr val="accent4"/>
-          </a:fillRef>
-          <a:effectRef idx="1">
-            <a:schemeClr val="accent4"/>
-          </a:effectRef>
-          <a:fontRef idx="minor">
-            <a:schemeClr val="dk1"/>
-          </a:fontRef>
-        </p:style>
-        <p:txBody>
-          <a:bodyPr bIns="0" rtlCol="0" anchor="ctr"/>
-          <a:lstStyle/>
-          <a:p>
-            <a:pPr algn="ctr"/>
-            <a:r>
-              <a:rPr lang="ja-JP" altLang="en-US" dirty="0">
-                <a:latin typeface="メイリオ" pitchFamily="50" charset="-128"/>
-                <a:ea typeface="メイリオ" pitchFamily="50" charset="-128"/>
-                <a:cs typeface="メイリオ" pitchFamily="50" charset="-128"/>
-              </a:rPr>
-              <a:t>目標</a:t>
-            </a:r>
-            <a:r>
-              <a:rPr lang="ja-JP" altLang="en-US" dirty="0" smtClean="0">
-                <a:latin typeface="メイリオ" pitchFamily="50" charset="-128"/>
-                <a:ea typeface="メイリオ" pitchFamily="50" charset="-128"/>
-                <a:cs typeface="メイリオ" pitchFamily="50" charset="-128"/>
-              </a:rPr>
-              <a:t>角度へ収束</a:t>
-            </a:r>
-            <a:endParaRPr kumimoji="1" lang="ja-JP" altLang="en-US" dirty="0">
-              <a:latin typeface="メイリオ" pitchFamily="50" charset="-128"/>
-              <a:ea typeface="メイリオ" pitchFamily="50" charset="-128"/>
-              <a:cs typeface="メイリオ" pitchFamily="50" charset="-128"/>
-            </a:endParaRPr>
           </a:p>
         </p:txBody>
       </p:sp>
@@ -12920,10 +13698,74 @@
           </a:p>
         </p:txBody>
       </p:sp>
+      <p:pic>
+        <p:nvPicPr>
+          <p:cNvPr id="1033" name="Picture 9"/>
+          <p:cNvPicPr>
+            <a:picLocks noChangeAspect="1" noChangeArrowheads="1"/>
+          </p:cNvPicPr>
+          <p:nvPr/>
+        </p:nvPicPr>
+        <p:blipFill>
+          <a:blip r:embed="rId3">
+            <a:extLst>
+              <a:ext uri="{28A0092B-C50C-407E-A947-70E740481C1C}">
+                <a14:useLocalDpi xmlns:a14="http://schemas.microsoft.com/office/drawing/2010/main" val="0"/>
+              </a:ext>
+            </a:extLst>
+          </a:blip>
+          <a:srcRect/>
+          <a:stretch>
+            <a:fillRect/>
+          </a:stretch>
+        </p:blipFill>
+        <p:spPr bwMode="auto">
+          <a:xfrm>
+            <a:off x="35496" y="2060848"/>
+            <a:ext cx="9042400" cy="4464964"/>
+          </a:xfrm>
+          <a:prstGeom prst="rect">
+            <a:avLst/>
+          </a:prstGeom>
+          <a:noFill/>
+          <a:ln>
+            <a:noFill/>
+          </a:ln>
+          <a:effectLst/>
+          <a:extLst>
+            <a:ext uri="{909E8E84-426E-40DD-AFC4-6F175D3DCCD1}">
+              <a14:hiddenFill xmlns:a14="http://schemas.microsoft.com/office/drawing/2010/main">
+                <a:solidFill>
+                  <a:schemeClr val="accent1"/>
+                </a:solidFill>
+              </a14:hiddenFill>
+            </a:ext>
+            <a:ext uri="{91240B29-F687-4F45-9708-019B960494DF}">
+              <a14:hiddenLine xmlns:a14="http://schemas.microsoft.com/office/drawing/2010/main" w="9525">
+                <a:solidFill>
+                  <a:schemeClr val="tx1"/>
+                </a:solidFill>
+                <a:miter lim="800000"/>
+                <a:headEnd/>
+                <a:tailEnd/>
+              </a14:hiddenLine>
+            </a:ext>
+            <a:ext uri="{AF507438-7753-43E0-B8FC-AC1667EBCBE1}">
+              <a14:hiddenEffects xmlns:a14="http://schemas.microsoft.com/office/drawing/2010/main">
+                <a:effectLst>
+                  <a:outerShdw dist="35921" dir="2700000" algn="ctr" rotWithShape="0">
+                    <a:schemeClr val="bg2"/>
+                  </a:outerShdw>
+                </a:effectLst>
+              </a14:hiddenEffects>
+            </a:ext>
+          </a:extLst>
+        </p:spPr>
+      </p:pic>
     </p:spTree>
     <p:extLst>
       <p:ext uri="{BB962C8B-B14F-4D97-AF65-F5344CB8AC3E}">
-        <p14:creationId xmlns:p14="http://schemas.microsoft.com/office/powerpoint/2010/main" val="4244878074"/>
+        <p14:creationId xmlns:p14="http://schemas.microsoft.com/office/powerpoint/2010/main" val="3973042538"/>
       </p:ext>
     </p:extLst>
   </p:cSld>
@@ -13126,7 +13968,23 @@
           <a:p>
             <a:r>
               <a:rPr kumimoji="1" lang="ja-JP" altLang="en-US" dirty="0" smtClean="0"/>
-              <a:t>今後の予定</a:t>
+              <a:t>進捗状況</a:t>
+            </a:r>
+            <a:r>
+              <a:rPr lang="ja-JP" altLang="en-US" dirty="0" smtClean="0"/>
+              <a:t>（</a:t>
+            </a:r>
+            <a:r>
+              <a:rPr lang="en-US" altLang="ja-JP" dirty="0" smtClean="0"/>
+              <a:t>5</a:t>
+            </a:r>
+            <a:r>
+              <a:rPr kumimoji="1" lang="en-US" altLang="ja-JP" dirty="0" smtClean="0"/>
+              <a:t>/6</a:t>
+            </a:r>
+            <a:r>
+              <a:rPr lang="ja-JP" altLang="en-US" dirty="0" smtClean="0"/>
+              <a:t>）</a:t>
             </a:r>
             <a:endParaRPr kumimoji="1" lang="ja-JP" altLang="en-US" dirty="0"/>
           </a:p>
@@ -13144,55 +14002,48 @@
         </p:nvSpPr>
         <p:spPr/>
         <p:txBody>
-          <a:bodyPr/>
+          <a:bodyPr>
+            <a:normAutofit/>
+          </a:bodyPr>
           <a:lstStyle/>
           <a:p>
             <a:r>
-              <a:rPr kumimoji="1" lang="ja-JP" altLang="en-US" dirty="0" smtClean="0"/>
-              <a:t>未完成プログラムの開発</a:t>
-            </a:r>
-            <a:endParaRPr kumimoji="1" lang="en-US" altLang="ja-JP" dirty="0" smtClean="0"/>
-          </a:p>
-          <a:p>
+              <a:rPr lang="ja-JP" altLang="en-US" smtClean="0"/>
+              <a:t>モデル</a:t>
+            </a:r>
+            <a:r>
+              <a:rPr lang="en-US" altLang="ja-JP" smtClean="0"/>
+              <a:t>:</a:t>
+            </a:r>
+            <a:r>
+              <a:rPr lang="ja-JP" altLang="en-US" smtClean="0"/>
+              <a:t>尻尾</a:t>
+            </a:r>
             <a:r>
               <a:rPr lang="ja-JP" altLang="en-US" dirty="0" smtClean="0"/>
-              <a:t>未実装機能の追加，検証</a:t>
+              <a:t>モータ角度制御モデル（クラス図）</a:t>
             </a:r>
             <a:endParaRPr lang="en-US" altLang="ja-JP" dirty="0" smtClean="0"/>
           </a:p>
           <a:p>
             <a:pPr lvl="1"/>
             <a:r>
+              <a:rPr lang="en-US" altLang="ja-JP" dirty="0"/>
+              <a:t>NXT LEGO </a:t>
+            </a:r>
+            <a:r>
+              <a:rPr lang="en-US" altLang="ja-JP" dirty="0" smtClean="0"/>
+              <a:t>MINDSTORMS(Java)</a:t>
+            </a:r>
+            <a:r>
+              <a:rPr lang="ja-JP" altLang="en-US" dirty="0"/>
+              <a:t>用</a:t>
+            </a:r>
+            <a:r>
               <a:rPr lang="ja-JP" altLang="en-US" dirty="0" smtClean="0"/>
-              <a:t>排他制御</a:t>
-            </a:r>
-            <a:endParaRPr lang="en-US" altLang="ja-JP" dirty="0" smtClean="0"/>
-          </a:p>
-          <a:p>
-            <a:pPr lvl="1"/>
-            <a:r>
-              <a:rPr lang="ja-JP" altLang="en-US" dirty="0" smtClean="0"/>
-              <a:t>制御監視リスナー</a:t>
-            </a:r>
-            <a:r>
-              <a:rPr lang="ja-JP" altLang="en-US" dirty="0"/>
-              <a:t>等</a:t>
-            </a:r>
-            <a:endParaRPr lang="en-US" altLang="ja-JP" dirty="0" smtClean="0"/>
-          </a:p>
-          <a:p>
-            <a:r>
-              <a:rPr lang="ja-JP" altLang="en-US" dirty="0" smtClean="0"/>
-              <a:t>二輪ロボット以外を対象とする制御プログラムの開発</a:t>
-            </a:r>
-            <a:endParaRPr lang="en-US" altLang="ja-JP" dirty="0" smtClean="0"/>
-          </a:p>
-          <a:p>
-            <a:r>
-              <a:rPr lang="ja-JP" altLang="en-US" dirty="0" smtClean="0"/>
-              <a:t>開発工程の資料化及び提供</a:t>
-            </a:r>
-            <a:endParaRPr lang="en-US" altLang="ja-JP" dirty="0" smtClean="0"/>
+              <a:t>モデル</a:t>
+            </a:r>
+            <a:endParaRPr lang="en-US" altLang="ja-JP" dirty="0"/>
           </a:p>
         </p:txBody>
       </p:sp>
@@ -13214,6 +14065,769 @@
             <a:fld id="{1B4CD1AD-35CE-4DA8-9CDB-2FA6D4A1B3F4}" type="slidenum">
               <a:rPr kumimoji="1" lang="ja-JP" altLang="en-US" smtClean="0"/>
               <a:t>20</a:t>
+            </a:fld>
+            <a:endParaRPr kumimoji="1" lang="ja-JP" altLang="en-US" dirty="0"/>
+          </a:p>
+        </p:txBody>
+      </p:sp>
+      <p:pic>
+        <p:nvPicPr>
+          <p:cNvPr id="2051" name="Picture 3"/>
+          <p:cNvPicPr>
+            <a:picLocks noChangeAspect="1" noChangeArrowheads="1"/>
+          </p:cNvPicPr>
+          <p:nvPr/>
+        </p:nvPicPr>
+        <p:blipFill>
+          <a:blip r:embed="rId3">
+            <a:extLst>
+              <a:ext uri="{28A0092B-C50C-407E-A947-70E740481C1C}">
+                <a14:useLocalDpi xmlns:a14="http://schemas.microsoft.com/office/drawing/2010/main" val="0"/>
+              </a:ext>
+            </a:extLst>
+          </a:blip>
+          <a:srcRect/>
+          <a:stretch>
+            <a:fillRect/>
+          </a:stretch>
+        </p:blipFill>
+        <p:spPr bwMode="auto">
+          <a:xfrm>
+            <a:off x="395536" y="2024971"/>
+            <a:ext cx="8281384" cy="4725936"/>
+          </a:xfrm>
+          <a:prstGeom prst="rect">
+            <a:avLst/>
+          </a:prstGeom>
+          <a:noFill/>
+          <a:ln>
+            <a:noFill/>
+          </a:ln>
+          <a:effectLst/>
+          <a:extLst>
+            <a:ext uri="{909E8E84-426E-40DD-AFC4-6F175D3DCCD1}">
+              <a14:hiddenFill xmlns:a14="http://schemas.microsoft.com/office/drawing/2010/main">
+                <a:solidFill>
+                  <a:schemeClr val="accent1"/>
+                </a:solidFill>
+              </a14:hiddenFill>
+            </a:ext>
+            <a:ext uri="{91240B29-F687-4F45-9708-019B960494DF}">
+              <a14:hiddenLine xmlns:a14="http://schemas.microsoft.com/office/drawing/2010/main" w="9525">
+                <a:solidFill>
+                  <a:schemeClr val="tx1"/>
+                </a:solidFill>
+                <a:miter lim="800000"/>
+                <a:headEnd/>
+                <a:tailEnd/>
+              </a14:hiddenLine>
+            </a:ext>
+            <a:ext uri="{AF507438-7753-43E0-B8FC-AC1667EBCBE1}">
+              <a14:hiddenEffects xmlns:a14="http://schemas.microsoft.com/office/drawing/2010/main">
+                <a:effectLst>
+                  <a:outerShdw dist="35921" dir="2700000" algn="ctr" rotWithShape="0">
+                    <a:schemeClr val="bg2"/>
+                  </a:outerShdw>
+                </a:effectLst>
+              </a14:hiddenEffects>
+            </a:ext>
+          </a:extLst>
+        </p:spPr>
+      </p:pic>
+    </p:spTree>
+    <p:extLst>
+      <p:ext uri="{BB962C8B-B14F-4D97-AF65-F5344CB8AC3E}">
+        <p14:creationId xmlns:p14="http://schemas.microsoft.com/office/powerpoint/2010/main" val="1192230044"/>
+      </p:ext>
+    </p:extLst>
+  </p:cSld>
+  <p:clrMapOvr>
+    <a:masterClrMapping/>
+  </p:clrMapOvr>
+  <mc:AlternateContent xmlns:mc="http://schemas.openxmlformats.org/markup-compatibility/2006" xmlns:p14="http://schemas.microsoft.com/office/powerpoint/2010/main">
+    <mc:Choice Requires="p14">
+      <p:transition spd="slow" p14:dur="2000"/>
+    </mc:Choice>
+    <mc:Fallback xmlns="">
+      <p:transition spd="slow"/>
+    </mc:Fallback>
+  </mc:AlternateContent>
+  <p:timing>
+    <p:tnLst>
+      <p:par>
+        <p:cTn id="1" dur="indefinite" restart="never" nodeType="tmRoot"/>
+      </p:par>
+    </p:tnLst>
+  </p:timing>
+</p:sld>
+</file>
+
+<file path=ppt/slides/slide21.xml><?xml version="1.0" encoding="utf-8"?>
+<p:sld xmlns:a="http://schemas.openxmlformats.org/drawingml/2006/main" xmlns:r="http://schemas.openxmlformats.org/officeDocument/2006/relationships" xmlns:p="http://schemas.openxmlformats.org/presentationml/2006/main" show="0">
+  <p:cSld>
+    <p:spTree>
+      <p:nvGrpSpPr>
+        <p:cNvPr id="1" name=""/>
+        <p:cNvGrpSpPr/>
+        <p:nvPr/>
+      </p:nvGrpSpPr>
+      <p:grpSpPr>
+        <a:xfrm>
+          <a:off x="0" y="0"/>
+          <a:ext cx="0" cy="0"/>
+          <a:chOff x="0" y="0"/>
+          <a:chExt cx="0" cy="0"/>
+        </a:xfrm>
+      </p:grpSpPr>
+      <p:sp>
+        <p:nvSpPr>
+          <p:cNvPr id="2" name="タイトル 1"/>
+          <p:cNvSpPr>
+            <a:spLocks noGrp="1"/>
+          </p:cNvSpPr>
+          <p:nvPr>
+            <p:ph type="title"/>
+          </p:nvPr>
+        </p:nvSpPr>
+        <p:spPr/>
+        <p:txBody>
+          <a:bodyPr/>
+          <a:lstStyle/>
+          <a:p>
+            <a:r>
+              <a:rPr kumimoji="1" lang="ja-JP" altLang="en-US" smtClean="0"/>
+              <a:t>進捗状況</a:t>
+            </a:r>
+            <a:endParaRPr kumimoji="1" lang="ja-JP" altLang="en-US"/>
+          </a:p>
+        </p:txBody>
+      </p:sp>
+      <p:sp>
+        <p:nvSpPr>
+          <p:cNvPr id="3" name="コンテンツ プレースホルダー 2"/>
+          <p:cNvSpPr>
+            <a:spLocks noGrp="1"/>
+          </p:cNvSpPr>
+          <p:nvPr>
+            <p:ph idx="1"/>
+          </p:nvPr>
+        </p:nvSpPr>
+        <p:spPr/>
+        <p:txBody>
+          <a:bodyPr/>
+          <a:lstStyle/>
+          <a:p>
+            <a:r>
+              <a:rPr kumimoji="1" lang="en-US" altLang="ja-JP" smtClean="0"/>
+              <a:t>PIM</a:t>
+            </a:r>
+            <a:r>
+              <a:rPr kumimoji="1" lang="ja-JP" altLang="en-US" smtClean="0"/>
+              <a:t>→</a:t>
+            </a:r>
+            <a:r>
+              <a:rPr kumimoji="1" lang="en-US" altLang="ja-JP" smtClean="0"/>
+              <a:t>PSM</a:t>
+            </a:r>
+            <a:r>
+              <a:rPr kumimoji="1" lang="ja-JP" altLang="en-US" smtClean="0"/>
+              <a:t>の流れ</a:t>
+            </a:r>
+            <a:endParaRPr lang="en-US" altLang="ja-JP" smtClean="0"/>
+          </a:p>
+          <a:p>
+            <a:pPr lvl="1"/>
+            <a:r>
+              <a:rPr kumimoji="1" lang="ja-JP" altLang="en-US" smtClean="0"/>
+              <a:t>どういう所に苦労したのか？</a:t>
+            </a:r>
+            <a:endParaRPr kumimoji="1" lang="en-US" altLang="ja-JP" smtClean="0"/>
+          </a:p>
+          <a:p>
+            <a:pPr lvl="1"/>
+            <a:r>
+              <a:rPr lang="ja-JP" altLang="en-US" smtClean="0"/>
+              <a:t>どの点でモデルカタログの良さを感じたか</a:t>
+            </a:r>
+            <a:endParaRPr kumimoji="1" lang="en-US" altLang="ja-JP" smtClean="0"/>
+          </a:p>
+        </p:txBody>
+      </p:sp>
+      <p:sp>
+        <p:nvSpPr>
+          <p:cNvPr id="4" name="スライド番号プレースホルダー 3"/>
+          <p:cNvSpPr>
+            <a:spLocks noGrp="1"/>
+          </p:cNvSpPr>
+          <p:nvPr>
+            <p:ph type="sldNum" sz="quarter" idx="12"/>
+          </p:nvPr>
+        </p:nvSpPr>
+        <p:spPr/>
+        <p:txBody>
+          <a:bodyPr/>
+          <a:lstStyle/>
+          <a:p>
+            <a:fld id="{1B4CD1AD-35CE-4DA8-9CDB-2FA6D4A1B3F4}" type="slidenum">
+              <a:rPr lang="ja-JP" altLang="en-US" smtClean="0"/>
+              <a:pPr/>
+              <a:t>21</a:t>
+            </a:fld>
+            <a:endParaRPr lang="ja-JP" altLang="en-US" dirty="0"/>
+          </a:p>
+        </p:txBody>
+      </p:sp>
+    </p:spTree>
+    <p:extLst>
+      <p:ext uri="{BB962C8B-B14F-4D97-AF65-F5344CB8AC3E}">
+        <p14:creationId xmlns:p14="http://schemas.microsoft.com/office/powerpoint/2010/main" val="915001288"/>
+      </p:ext>
+    </p:extLst>
+  </p:cSld>
+  <p:clrMapOvr>
+    <a:masterClrMapping/>
+  </p:clrMapOvr>
+  <mc:AlternateContent xmlns:mc="http://schemas.openxmlformats.org/markup-compatibility/2006">
+    <mc:Choice xmlns:p14="http://schemas.microsoft.com/office/powerpoint/2010/main" Requires="p14">
+      <p:transition spd="slow" p14:dur="2000"/>
+    </mc:Choice>
+    <mc:Fallback>
+      <p:transition spd="slow"/>
+    </mc:Fallback>
+  </mc:AlternateContent>
+  <p:timing>
+    <p:tnLst>
+      <p:par>
+        <p:cTn id="1" dur="indefinite" restart="never" nodeType="tmRoot"/>
+      </p:par>
+    </p:tnLst>
+  </p:timing>
+</p:sld>
+</file>
+
+<file path=ppt/slides/slide22.xml><?xml version="1.0" encoding="utf-8"?>
+<p:sld xmlns:a="http://schemas.openxmlformats.org/drawingml/2006/main" xmlns:r="http://schemas.openxmlformats.org/officeDocument/2006/relationships" xmlns:p="http://schemas.openxmlformats.org/presentationml/2006/main">
+  <p:cSld>
+    <p:spTree>
+      <p:nvGrpSpPr>
+        <p:cNvPr id="1" name=""/>
+        <p:cNvGrpSpPr/>
+        <p:nvPr/>
+      </p:nvGrpSpPr>
+      <p:grpSpPr>
+        <a:xfrm>
+          <a:off x="0" y="0"/>
+          <a:ext cx="0" cy="0"/>
+          <a:chOff x="0" y="0"/>
+          <a:chExt cx="0" cy="0"/>
+        </a:xfrm>
+      </p:grpSpPr>
+      <p:graphicFrame>
+        <p:nvGraphicFramePr>
+          <p:cNvPr id="10" name="グラフ 9"/>
+          <p:cNvGraphicFramePr>
+            <a:graphicFrameLocks/>
+          </p:cNvGraphicFramePr>
+          <p:nvPr>
+            <p:extLst>
+              <p:ext uri="{D42A27DB-BD31-4B8C-83A1-F6EECF244321}">
+                <p14:modId xmlns:p14="http://schemas.microsoft.com/office/powerpoint/2010/main" val="1778383694"/>
+              </p:ext>
+            </p:extLst>
+          </p:nvPr>
+        </p:nvGraphicFramePr>
+        <p:xfrm>
+          <a:off x="107504" y="2492896"/>
+          <a:ext cx="8496943" cy="4032448"/>
+        </p:xfrm>
+        <a:graphic>
+          <a:graphicData uri="http://schemas.openxmlformats.org/drawingml/2006/chart">
+            <c:chart xmlns:c="http://schemas.openxmlformats.org/drawingml/2006/chart" xmlns:r="http://schemas.openxmlformats.org/officeDocument/2006/relationships" r:id="rId3"/>
+          </a:graphicData>
+        </a:graphic>
+      </p:graphicFrame>
+      <p:sp>
+        <p:nvSpPr>
+          <p:cNvPr id="2" name="タイトル 1"/>
+          <p:cNvSpPr>
+            <a:spLocks noGrp="1"/>
+          </p:cNvSpPr>
+          <p:nvPr>
+            <p:ph type="title"/>
+          </p:nvPr>
+        </p:nvSpPr>
+        <p:spPr/>
+        <p:txBody>
+          <a:bodyPr/>
+          <a:lstStyle/>
+          <a:p>
+            <a:r>
+              <a:rPr kumimoji="1" lang="ja-JP" altLang="en-US" dirty="0" smtClean="0"/>
+              <a:t>進捗状況（</a:t>
+            </a:r>
+            <a:r>
+              <a:rPr lang="en-US" altLang="ja-JP" dirty="0"/>
+              <a:t>6</a:t>
+            </a:r>
+            <a:r>
+              <a:rPr kumimoji="1" lang="en-US" altLang="ja-JP" dirty="0" smtClean="0"/>
+              <a:t>/6</a:t>
+            </a:r>
+            <a:r>
+              <a:rPr lang="ja-JP" altLang="en-US" dirty="0" smtClean="0"/>
+              <a:t>）</a:t>
+            </a:r>
+            <a:endParaRPr kumimoji="1" lang="ja-JP" altLang="en-US" dirty="0"/>
+          </a:p>
+        </p:txBody>
+      </p:sp>
+      <p:sp>
+        <p:nvSpPr>
+          <p:cNvPr id="3" name="コンテンツ プレースホルダー 2"/>
+          <p:cNvSpPr>
+            <a:spLocks noGrp="1"/>
+          </p:cNvSpPr>
+          <p:nvPr>
+            <p:ph idx="1"/>
+          </p:nvPr>
+        </p:nvSpPr>
+        <p:spPr>
+          <a:xfrm>
+            <a:off x="304800" y="1020764"/>
+            <a:ext cx="8610600" cy="1184100"/>
+          </a:xfrm>
+        </p:spPr>
+        <p:txBody>
+          <a:bodyPr/>
+          <a:lstStyle/>
+          <a:p>
+            <a:r>
+              <a:rPr lang="ja-JP" altLang="en-US" smtClean="0"/>
+              <a:t>実装結果</a:t>
+            </a:r>
+            <a:r>
+              <a:rPr lang="en-US" altLang="ja-JP" smtClean="0"/>
+              <a:t>:</a:t>
+            </a:r>
+            <a:r>
+              <a:rPr lang="ja-JP" altLang="en-US" smtClean="0"/>
+              <a:t>尻尾</a:t>
+            </a:r>
+            <a:r>
+              <a:rPr lang="ja-JP" altLang="en-US" dirty="0" smtClean="0"/>
+              <a:t>モータ角度制御</a:t>
+            </a:r>
+            <a:endParaRPr lang="en-US" altLang="ja-JP" dirty="0" smtClean="0"/>
+          </a:p>
+          <a:p>
+            <a:pPr lvl="1"/>
+            <a:r>
+              <a:rPr lang="ja-JP" altLang="en-US" dirty="0" smtClean="0"/>
+              <a:t>プログラム実行時の</a:t>
+            </a:r>
+            <a:r>
+              <a:rPr lang="ja-JP" altLang="en-US" dirty="0"/>
+              <a:t>動作</a:t>
+            </a:r>
+            <a:r>
+              <a:rPr lang="ja-JP" altLang="en-US" dirty="0" smtClean="0"/>
+              <a:t>確認</a:t>
+            </a:r>
+            <a:endParaRPr lang="en-US" altLang="ja-JP" dirty="0" smtClean="0"/>
+          </a:p>
+          <a:p>
+            <a:pPr lvl="2"/>
+            <a:r>
+              <a:rPr lang="ja-JP" altLang="en-US" dirty="0" smtClean="0"/>
+              <a:t>初期値（</a:t>
+            </a:r>
+            <a:r>
+              <a:rPr lang="en-US" altLang="ja-JP" dirty="0" smtClean="0"/>
+              <a:t>0°</a:t>
+            </a:r>
+            <a:r>
+              <a:rPr lang="ja-JP" altLang="en-US" dirty="0" smtClean="0"/>
+              <a:t>）から目標角度（</a:t>
+            </a:r>
+            <a:r>
+              <a:rPr lang="en-US" altLang="ja-JP" dirty="0" smtClean="0"/>
+              <a:t>90°</a:t>
+            </a:r>
+            <a:r>
+              <a:rPr lang="ja-JP" altLang="en-US" dirty="0" smtClean="0"/>
+              <a:t>）まで尻尾を回転</a:t>
+            </a:r>
+            <a:endParaRPr lang="en-US" altLang="ja-JP" dirty="0" smtClean="0"/>
+          </a:p>
+          <a:p>
+            <a:pPr lvl="1"/>
+            <a:endParaRPr lang="en-US" altLang="ja-JP" dirty="0" smtClean="0"/>
+          </a:p>
+        </p:txBody>
+      </p:sp>
+      <p:sp>
+        <p:nvSpPr>
+          <p:cNvPr id="19" name="線吹き出し 1 (枠付き) 18"/>
+          <p:cNvSpPr/>
+          <p:nvPr/>
+        </p:nvSpPr>
+        <p:spPr>
+          <a:xfrm>
+            <a:off x="4067944" y="5301208"/>
+            <a:ext cx="1368152" cy="576064"/>
+          </a:xfrm>
+          <a:prstGeom prst="borderCallout1">
+            <a:avLst>
+              <a:gd name="adj1" fmla="val 18750"/>
+              <a:gd name="adj2" fmla="val -8333"/>
+              <a:gd name="adj3" fmla="val -134876"/>
+              <a:gd name="adj4" fmla="val -25647"/>
+            </a:avLst>
+          </a:prstGeom>
+        </p:spPr>
+        <p:style>
+          <a:lnRef idx="1">
+            <a:schemeClr val="accent4"/>
+          </a:lnRef>
+          <a:fillRef idx="2">
+            <a:schemeClr val="accent4"/>
+          </a:fillRef>
+          <a:effectRef idx="1">
+            <a:schemeClr val="accent4"/>
+          </a:effectRef>
+          <a:fontRef idx="minor">
+            <a:schemeClr val="dk1"/>
+          </a:fontRef>
+        </p:style>
+        <p:txBody>
+          <a:bodyPr bIns="0" rtlCol="0" anchor="ctr"/>
+          <a:lstStyle/>
+          <a:p>
+            <a:pPr algn="ctr"/>
+            <a:r>
+              <a:rPr lang="ja-JP" altLang="en-US" dirty="0">
+                <a:latin typeface="メイリオ" pitchFamily="50" charset="-128"/>
+                <a:ea typeface="メイリオ" pitchFamily="50" charset="-128"/>
+                <a:cs typeface="メイリオ" pitchFamily="50" charset="-128"/>
+              </a:rPr>
+              <a:t>目標</a:t>
+            </a:r>
+            <a:r>
+              <a:rPr lang="ja-JP" altLang="en-US" dirty="0" smtClean="0">
+                <a:latin typeface="メイリオ" pitchFamily="50" charset="-128"/>
+                <a:ea typeface="メイリオ" pitchFamily="50" charset="-128"/>
+                <a:cs typeface="メイリオ" pitchFamily="50" charset="-128"/>
+              </a:rPr>
+              <a:t>角度へ接近</a:t>
+            </a:r>
+            <a:endParaRPr kumimoji="1" lang="ja-JP" altLang="en-US" dirty="0">
+              <a:latin typeface="メイリオ" pitchFamily="50" charset="-128"/>
+              <a:ea typeface="メイリオ" pitchFamily="50" charset="-128"/>
+              <a:cs typeface="メイリオ" pitchFamily="50" charset="-128"/>
+            </a:endParaRPr>
+          </a:p>
+        </p:txBody>
+      </p:sp>
+      <p:sp>
+        <p:nvSpPr>
+          <p:cNvPr id="22" name="線吹き出し 1 (枠付き) 21"/>
+          <p:cNvSpPr/>
+          <p:nvPr/>
+        </p:nvSpPr>
+        <p:spPr>
+          <a:xfrm>
+            <a:off x="6984268" y="4437112"/>
+            <a:ext cx="1368152" cy="576064"/>
+          </a:xfrm>
+          <a:prstGeom prst="borderCallout1">
+            <a:avLst>
+              <a:gd name="adj1" fmla="val 18750"/>
+              <a:gd name="adj2" fmla="val -8333"/>
+              <a:gd name="adj3" fmla="val -237949"/>
+              <a:gd name="adj4" fmla="val 15148"/>
+            </a:avLst>
+          </a:prstGeom>
+        </p:spPr>
+        <p:style>
+          <a:lnRef idx="1">
+            <a:schemeClr val="accent4"/>
+          </a:lnRef>
+          <a:fillRef idx="2">
+            <a:schemeClr val="accent4"/>
+          </a:fillRef>
+          <a:effectRef idx="1">
+            <a:schemeClr val="accent4"/>
+          </a:effectRef>
+          <a:fontRef idx="minor">
+            <a:schemeClr val="dk1"/>
+          </a:fontRef>
+        </p:style>
+        <p:txBody>
+          <a:bodyPr bIns="0" rtlCol="0" anchor="ctr"/>
+          <a:lstStyle/>
+          <a:p>
+            <a:pPr algn="ctr"/>
+            <a:r>
+              <a:rPr lang="ja-JP" altLang="en-US" dirty="0">
+                <a:latin typeface="メイリオ" pitchFamily="50" charset="-128"/>
+                <a:ea typeface="メイリオ" pitchFamily="50" charset="-128"/>
+                <a:cs typeface="メイリオ" pitchFamily="50" charset="-128"/>
+              </a:rPr>
+              <a:t>目標</a:t>
+            </a:r>
+            <a:r>
+              <a:rPr lang="ja-JP" altLang="en-US" dirty="0" smtClean="0">
+                <a:latin typeface="メイリオ" pitchFamily="50" charset="-128"/>
+                <a:ea typeface="メイリオ" pitchFamily="50" charset="-128"/>
+                <a:cs typeface="メイリオ" pitchFamily="50" charset="-128"/>
+              </a:rPr>
+              <a:t>角度へ収束</a:t>
+            </a:r>
+            <a:endParaRPr kumimoji="1" lang="ja-JP" altLang="en-US" dirty="0">
+              <a:latin typeface="メイリオ" pitchFamily="50" charset="-128"/>
+              <a:ea typeface="メイリオ" pitchFamily="50" charset="-128"/>
+              <a:cs typeface="メイリオ" pitchFamily="50" charset="-128"/>
+            </a:endParaRPr>
+          </a:p>
+        </p:txBody>
+      </p:sp>
+      <p:sp>
+        <p:nvSpPr>
+          <p:cNvPr id="4" name="スライド番号プレースホルダー 3"/>
+          <p:cNvSpPr>
+            <a:spLocks noGrp="1"/>
+          </p:cNvSpPr>
+          <p:nvPr>
+            <p:ph type="sldNum" sz="quarter" idx="12"/>
+          </p:nvPr>
+        </p:nvSpPr>
+        <p:spPr/>
+        <p:txBody>
+          <a:bodyPr/>
+          <a:lstStyle/>
+          <a:p>
+            <a:fld id="{1B4CD1AD-35CE-4DA8-9CDB-2FA6D4A1B3F4}" type="slidenum">
+              <a:rPr kumimoji="1" lang="ja-JP" altLang="en-US" smtClean="0"/>
+              <a:t>22</a:t>
+            </a:fld>
+            <a:endParaRPr kumimoji="1" lang="ja-JP" altLang="en-US" dirty="0"/>
+          </a:p>
+        </p:txBody>
+      </p:sp>
+      <p:pic>
+        <p:nvPicPr>
+          <p:cNvPr id="3074" name="Picture 2"/>
+          <p:cNvPicPr>
+            <a:picLocks noChangeAspect="1" noChangeArrowheads="1"/>
+          </p:cNvPicPr>
+          <p:nvPr/>
+        </p:nvPicPr>
+        <p:blipFill>
+          <a:blip r:embed="rId4" cstate="print">
+            <a:extLst>
+              <a:ext uri="{28A0092B-C50C-407E-A947-70E740481C1C}">
+                <a14:useLocalDpi xmlns:a14="http://schemas.microsoft.com/office/drawing/2010/main" val="0"/>
+              </a:ext>
+            </a:extLst>
+          </a:blip>
+          <a:srcRect/>
+          <a:stretch>
+            <a:fillRect/>
+          </a:stretch>
+        </p:blipFill>
+        <p:spPr bwMode="auto">
+          <a:xfrm>
+            <a:off x="7440330" y="3174613"/>
+            <a:ext cx="456028" cy="679061"/>
+          </a:xfrm>
+          <a:prstGeom prst="rect">
+            <a:avLst/>
+          </a:prstGeom>
+          <a:noFill/>
+          <a:ln>
+            <a:noFill/>
+          </a:ln>
+          <a:effectLst/>
+          <a:extLst>
+            <a:ext uri="{909E8E84-426E-40DD-AFC4-6F175D3DCCD1}">
+              <a14:hiddenFill xmlns:a14="http://schemas.microsoft.com/office/drawing/2010/main">
+                <a:solidFill>
+                  <a:schemeClr val="accent1"/>
+                </a:solidFill>
+              </a14:hiddenFill>
+            </a:ext>
+            <a:ext uri="{91240B29-F687-4F45-9708-019B960494DF}">
+              <a14:hiddenLine xmlns:a14="http://schemas.microsoft.com/office/drawing/2010/main" w="9525">
+                <a:solidFill>
+                  <a:schemeClr val="tx1"/>
+                </a:solidFill>
+                <a:miter lim="800000"/>
+                <a:headEnd/>
+                <a:tailEnd/>
+              </a14:hiddenLine>
+            </a:ext>
+            <a:ext uri="{AF507438-7753-43E0-B8FC-AC1667EBCBE1}">
+              <a14:hiddenEffects xmlns:a14="http://schemas.microsoft.com/office/drawing/2010/main">
+                <a:effectLst>
+                  <a:outerShdw dist="35921" dir="2700000" algn="ctr" rotWithShape="0">
+                    <a:schemeClr val="bg2"/>
+                  </a:outerShdw>
+                </a:effectLst>
+              </a14:hiddenEffects>
+            </a:ext>
+          </a:extLst>
+        </p:spPr>
+      </p:pic>
+    </p:spTree>
+    <p:extLst>
+      <p:ext uri="{BB962C8B-B14F-4D97-AF65-F5344CB8AC3E}">
+        <p14:creationId xmlns:p14="http://schemas.microsoft.com/office/powerpoint/2010/main" val="4244878074"/>
+      </p:ext>
+    </p:extLst>
+  </p:cSld>
+  <p:clrMapOvr>
+    <a:masterClrMapping/>
+  </p:clrMapOvr>
+  <mc:AlternateContent xmlns:mc="http://schemas.openxmlformats.org/markup-compatibility/2006" xmlns:p14="http://schemas.microsoft.com/office/powerpoint/2010/main">
+    <mc:Choice Requires="p14">
+      <p:transition spd="slow" p14:dur="2000"/>
+    </mc:Choice>
+    <mc:Fallback xmlns="">
+      <p:transition spd="slow"/>
+    </mc:Fallback>
+  </mc:AlternateContent>
+  <p:timing>
+    <p:tnLst>
+      <p:par>
+        <p:cTn id="1" dur="indefinite" restart="never" nodeType="tmRoot"/>
+      </p:par>
+    </p:tnLst>
+  </p:timing>
+</p:sld>
+</file>
+
+<file path=ppt/slides/slide23.xml><?xml version="1.0" encoding="utf-8"?>
+<p:sld xmlns:a="http://schemas.openxmlformats.org/drawingml/2006/main" xmlns:r="http://schemas.openxmlformats.org/officeDocument/2006/relationships" xmlns:p="http://schemas.openxmlformats.org/presentationml/2006/main">
+  <p:cSld>
+    <p:spTree>
+      <p:nvGrpSpPr>
+        <p:cNvPr id="1" name=""/>
+        <p:cNvGrpSpPr/>
+        <p:nvPr/>
+      </p:nvGrpSpPr>
+      <p:grpSpPr>
+        <a:xfrm>
+          <a:off x="0" y="0"/>
+          <a:ext cx="0" cy="0"/>
+          <a:chOff x="0" y="0"/>
+          <a:chExt cx="0" cy="0"/>
+        </a:xfrm>
+      </p:grpSpPr>
+      <p:sp>
+        <p:nvSpPr>
+          <p:cNvPr id="2" name="タイトル 1"/>
+          <p:cNvSpPr>
+            <a:spLocks noGrp="1"/>
+          </p:cNvSpPr>
+          <p:nvPr>
+            <p:ph type="title"/>
+          </p:nvPr>
+        </p:nvSpPr>
+        <p:spPr/>
+        <p:txBody>
+          <a:bodyPr/>
+          <a:lstStyle/>
+          <a:p>
+            <a:r>
+              <a:rPr kumimoji="1" lang="ja-JP" altLang="en-US" dirty="0" smtClean="0"/>
+              <a:t>今後の予定</a:t>
+            </a:r>
+            <a:endParaRPr kumimoji="1" lang="ja-JP" altLang="en-US" dirty="0"/>
+          </a:p>
+        </p:txBody>
+      </p:sp>
+      <p:sp>
+        <p:nvSpPr>
+          <p:cNvPr id="3" name="コンテンツ プレースホルダー 2"/>
+          <p:cNvSpPr>
+            <a:spLocks noGrp="1"/>
+          </p:cNvSpPr>
+          <p:nvPr>
+            <p:ph idx="1"/>
+          </p:nvPr>
+        </p:nvSpPr>
+        <p:spPr/>
+        <p:txBody>
+          <a:bodyPr/>
+          <a:lstStyle/>
+          <a:p>
+            <a:r>
+              <a:rPr kumimoji="1" lang="ja-JP" altLang="en-US" dirty="0" smtClean="0"/>
+              <a:t>未完成プログラムの開発</a:t>
+            </a:r>
+            <a:endParaRPr kumimoji="1" lang="en-US" altLang="ja-JP" dirty="0" smtClean="0"/>
+          </a:p>
+          <a:p>
+            <a:r>
+              <a:rPr lang="ja-JP" altLang="en-US" dirty="0" smtClean="0"/>
+              <a:t>未実装機能の追加，検証</a:t>
+            </a:r>
+            <a:endParaRPr lang="en-US" altLang="ja-JP" dirty="0" smtClean="0"/>
+          </a:p>
+          <a:p>
+            <a:pPr lvl="1"/>
+            <a:r>
+              <a:rPr lang="ja-JP" altLang="en-US" dirty="0" smtClean="0"/>
+              <a:t>排他制御</a:t>
+            </a:r>
+            <a:endParaRPr lang="en-US" altLang="ja-JP" dirty="0" smtClean="0"/>
+          </a:p>
+          <a:p>
+            <a:pPr lvl="1"/>
+            <a:r>
+              <a:rPr lang="ja-JP" altLang="en-US" dirty="0" smtClean="0"/>
+              <a:t>制御監視リスナー</a:t>
+            </a:r>
+            <a:r>
+              <a:rPr lang="ja-JP" altLang="en-US" dirty="0"/>
+              <a:t>等</a:t>
+            </a:r>
+            <a:endParaRPr lang="en-US" altLang="ja-JP" dirty="0" smtClean="0"/>
+          </a:p>
+          <a:p>
+            <a:r>
+              <a:rPr lang="ja-JP" altLang="en-US" dirty="0" smtClean="0"/>
+              <a:t>二輪ロボット以外を対象とする制御プログラムの開発</a:t>
+            </a:r>
+            <a:endParaRPr lang="en-US" altLang="ja-JP" dirty="0" smtClean="0"/>
+          </a:p>
+          <a:p>
+            <a:r>
+              <a:rPr lang="ja-JP" altLang="en-US" dirty="0" smtClean="0"/>
+              <a:t>開発工程の資料化及び提供</a:t>
+            </a:r>
+            <a:endParaRPr lang="en-US" altLang="ja-JP" dirty="0" smtClean="0"/>
+          </a:p>
+        </p:txBody>
+      </p:sp>
+      <p:sp>
+        <p:nvSpPr>
+          <p:cNvPr id="4" name="スライド番号プレースホルダー 3"/>
+          <p:cNvSpPr>
+            <a:spLocks noGrp="1"/>
+          </p:cNvSpPr>
+          <p:nvPr>
+            <p:ph type="sldNum" sz="quarter" idx="12"/>
+          </p:nvPr>
+        </p:nvSpPr>
+        <p:spPr/>
+        <p:txBody>
+          <a:bodyPr/>
+          <a:lstStyle/>
+          <a:p>
+            <a:fld id="{1B4CD1AD-35CE-4DA8-9CDB-2FA6D4A1B3F4}" type="slidenum">
+              <a:rPr kumimoji="1" lang="ja-JP" altLang="en-US" smtClean="0"/>
+              <a:t>23</a:t>
             </a:fld>
             <a:endParaRPr kumimoji="1" lang="ja-JP" altLang="en-US" dirty="0"/>
           </a:p>
@@ -13239,7 +14853,7 @@
 </p:sld>
 </file>
 
-<file path=ppt/slides/slide21.xml><?xml version="1.0" encoding="utf-8"?>
+<file path=ppt/slides/slide24.xml><?xml version="1.0" encoding="utf-8"?>
 <p:sld xmlns:a="http://schemas.openxmlformats.org/drawingml/2006/main" xmlns:r="http://schemas.openxmlformats.org/officeDocument/2006/relationships" xmlns:p="http://schemas.openxmlformats.org/presentationml/2006/main">
   <p:cSld>
     <p:spTree>
@@ -13362,11 +14976,7 @@
             <a:pPr lvl="1"/>
             <a:r>
               <a:rPr lang="ja-JP" altLang="en-US" dirty="0" smtClean="0"/>
-              <a:t>モデルの分析，組込み機器に対する目標制御プログラム</a:t>
-            </a:r>
-            <a:r>
-              <a:rPr lang="ja-JP" altLang="en-US" dirty="0" smtClean="0"/>
-              <a:t>を開発中</a:t>
+              <a:t>モデルの分析，組込み機器に対する目標制御プログラムを開発中</a:t>
             </a:r>
             <a:endParaRPr lang="en-US" altLang="ja-JP" dirty="0" smtClean="0"/>
           </a:p>
@@ -13415,7 +15025,7 @@
           <a:p>
             <a:fld id="{1B4CD1AD-35CE-4DA8-9CDB-2FA6D4A1B3F4}" type="slidenum">
               <a:rPr kumimoji="1" lang="ja-JP" altLang="en-US" smtClean="0"/>
-              <a:t>21</a:t>
+              <a:t>24</a:t>
             </a:fld>
             <a:endParaRPr kumimoji="1" lang="ja-JP" altLang="en-US" dirty="0"/>
           </a:p>
@@ -14727,11 +16337,30 @@
             </a:r>
             <a:r>
               <a:rPr lang="ja-JP" altLang="en-US" sz="2800" dirty="0"/>
-              <a:t>システムの先端的モデルベース開発実態</a:t>
+              <a:t>システムの先端的</a:t>
+            </a:r>
+            <a:r>
+              <a:rPr lang="ja-JP" altLang="en-US" sz="2800"/>
+              <a:t>モデルベース</a:t>
+            </a:r>
+            <a:r>
+              <a:rPr lang="ja-JP" altLang="en-US" sz="2800" smtClean="0"/>
+              <a:t>開発</a:t>
+            </a:r>
+            <a:r>
+              <a:rPr lang="en-US" altLang="ja-JP" sz="2800" smtClean="0"/>
+              <a:t/>
+            </a:r>
+            <a:br>
+              <a:rPr lang="en-US" altLang="ja-JP" sz="2800" smtClean="0"/>
+            </a:br>
+            <a:r>
+              <a:rPr lang="ja-JP" altLang="en-US" sz="2800" smtClean="0"/>
+              <a:t>実態調査</a:t>
             </a:r>
             <a:r>
               <a:rPr lang="ja-JP" altLang="en-US" sz="2800" dirty="0" smtClean="0"/>
-              <a:t>調査（</a:t>
+              <a:t>（</a:t>
             </a:r>
             <a:r>
               <a:rPr lang="en-US" altLang="ja-JP" sz="2800" dirty="0" smtClean="0"/>
@@ -15002,15 +16631,7 @@
                 <a:ea typeface="メイリオ" pitchFamily="50" charset="-128"/>
                 <a:cs typeface="メイリオ" pitchFamily="50" charset="-128"/>
               </a:rPr>
-              <a:t>汎用ソフトウェア</a:t>
-            </a:r>
-            <a:r>
-              <a:rPr lang="ja-JP" altLang="en-US" dirty="0" smtClean="0">
-                <a:latin typeface="メイリオ" pitchFamily="50" charset="-128"/>
-                <a:ea typeface="メイリオ" pitchFamily="50" charset="-128"/>
-                <a:cs typeface="メイリオ" pitchFamily="50" charset="-128"/>
-              </a:rPr>
-              <a:t>開発教育</a:t>
+              <a:t>汎用ソフトウェア開発教育</a:t>
             </a:r>
             <a:endParaRPr lang="en-US" altLang="ja-JP" dirty="0" smtClean="0">
               <a:latin typeface="メイリオ" pitchFamily="50" charset="-128"/>
@@ -15188,15 +16809,7 @@
                 <a:ea typeface="メイリオ" pitchFamily="50" charset="-128"/>
                 <a:cs typeface="メイリオ" pitchFamily="50" charset="-128"/>
               </a:rPr>
-              <a:t>教育内容</a:t>
-            </a:r>
-            <a:r>
-              <a:rPr lang="ja-JP" altLang="en-US" sz="2800" dirty="0" smtClean="0">
-                <a:latin typeface="メイリオ" pitchFamily="50" charset="-128"/>
-                <a:ea typeface="メイリオ" pitchFamily="50" charset="-128"/>
-                <a:cs typeface="メイリオ" pitchFamily="50" charset="-128"/>
-              </a:rPr>
-              <a:t>の</a:t>
+              <a:t>教育内容の</a:t>
             </a:r>
             <a:r>
               <a:rPr lang="ja-JP" altLang="en-US" sz="2800" dirty="0">
@@ -16120,15 +17733,7 @@
                 <a:ea typeface="メイリオ" pitchFamily="50" charset="-128"/>
                 <a:cs typeface="メイリオ" pitchFamily="50" charset="-128"/>
               </a:rPr>
-              <a:t>UMTP </a:t>
-            </a:r>
-            <a:r>
-              <a:rPr lang="en-US" altLang="ja-JP" sz="2400" dirty="0" smtClean="0">
-                <a:latin typeface="メイリオ" pitchFamily="50" charset="-128"/>
-                <a:ea typeface="メイリオ" pitchFamily="50" charset="-128"/>
-                <a:cs typeface="メイリオ" pitchFamily="50" charset="-128"/>
-              </a:rPr>
-              <a:t>Japan</a:t>
+              <a:t>UMTP Japan</a:t>
             </a:r>
             <a:r>
               <a:rPr lang="ja-JP" altLang="en-US" sz="2400" dirty="0" smtClean="0">
@@ -16596,8 +18201,8 @@
         </p:blipFill>
         <p:spPr>
           <a:xfrm>
-            <a:off x="5575542" y="1559997"/>
-            <a:ext cx="3312368" cy="4685399"/>
+            <a:off x="5337691" y="1199957"/>
+            <a:ext cx="3477988" cy="4919669"/>
           </a:xfrm>
           <a:prstGeom prst="rect">
             <a:avLst/>
@@ -16626,8 +18231,8 @@
         </p:blipFill>
         <p:spPr>
           <a:xfrm>
-            <a:off x="5578991" y="1564876"/>
-            <a:ext cx="3308919" cy="4680520"/>
+            <a:off x="5341137" y="1204834"/>
+            <a:ext cx="3474364" cy="4914545"/>
           </a:xfrm>
           <a:prstGeom prst="rect">
             <a:avLst/>
@@ -16710,7 +18315,7 @@
         <p:spPr>
           <a:xfrm>
             <a:off x="457199" y="1020764"/>
-            <a:ext cx="4978897" cy="5145087"/>
+            <a:ext cx="4546849" cy="5145087"/>
           </a:xfrm>
         </p:spPr>
         <p:txBody>
@@ -16747,7 +18352,54 @@
                 <a:ea typeface="メイリオ" pitchFamily="50" charset="-128"/>
                 <a:cs typeface="メイリオ" pitchFamily="50" charset="-128"/>
               </a:rPr>
-              <a:t>組込みシステム開発にお</a:t>
+              <a:t>組込みシステム</a:t>
+            </a:r>
+            <a:r>
+              <a:rPr kumimoji="1" lang="ja-JP" altLang="en-US" smtClean="0">
+                <a:latin typeface="メイリオ" pitchFamily="50" charset="-128"/>
+                <a:ea typeface="メイリオ" pitchFamily="50" charset="-128"/>
+                <a:cs typeface="メイリオ" pitchFamily="50" charset="-128"/>
+              </a:rPr>
+              <a:t>開発</a:t>
+            </a:r>
+            <a:r>
+              <a:rPr kumimoji="1" lang="ja-JP" altLang="en-US" smtClean="0">
+                <a:latin typeface="メイリオ" pitchFamily="50" charset="-128"/>
+                <a:ea typeface="メイリオ" pitchFamily="50" charset="-128"/>
+                <a:cs typeface="メイリオ" pitchFamily="50" charset="-128"/>
+              </a:rPr>
+              <a:t>に</a:t>
+            </a:r>
+            <a:r>
+              <a:rPr kumimoji="1" lang="en-US" altLang="ja-JP" smtClean="0">
+                <a:latin typeface="メイリオ" pitchFamily="50" charset="-128"/>
+                <a:ea typeface="メイリオ" pitchFamily="50" charset="-128"/>
+                <a:cs typeface="メイリオ" pitchFamily="50" charset="-128"/>
+              </a:rPr>
+              <a:t/>
+            </a:r>
+            <a:br>
+              <a:rPr kumimoji="1" lang="en-US" altLang="ja-JP" smtClean="0">
+                <a:latin typeface="メイリオ" pitchFamily="50" charset="-128"/>
+                <a:ea typeface="メイリオ" pitchFamily="50" charset="-128"/>
+                <a:cs typeface="メイリオ" pitchFamily="50" charset="-128"/>
+              </a:rPr>
+            </a:br>
+            <a:r>
+              <a:rPr kumimoji="1" lang="ja-JP" altLang="en-US" smtClean="0">
+                <a:latin typeface="メイリオ" pitchFamily="50" charset="-128"/>
+                <a:ea typeface="メイリオ" pitchFamily="50" charset="-128"/>
+                <a:cs typeface="メイリオ" pitchFamily="50" charset="-128"/>
+              </a:rPr>
+              <a:t>お</a:t>
+            </a:r>
+            <a:r>
+              <a:rPr lang="ja-JP" altLang="en-US" smtClean="0">
+                <a:latin typeface="メイリオ" pitchFamily="50" charset="-128"/>
+                <a:ea typeface="メイリオ" pitchFamily="50" charset="-128"/>
+                <a:cs typeface="メイリオ" pitchFamily="50" charset="-128"/>
+              </a:rPr>
+              <a:t>いて</a:t>
             </a:r>
             <a:r>
               <a:rPr lang="ja-JP" altLang="en-US" dirty="0" smtClean="0">
@@ -16755,7 +18407,7 @@
                 <a:ea typeface="メイリオ" pitchFamily="50" charset="-128"/>
                 <a:cs typeface="メイリオ" pitchFamily="50" charset="-128"/>
               </a:rPr>
-              <a:t>いて参考になるようなモデルをカタログ化</a:t>
+              <a:t>参考になるようなモデルをカタログ化</a:t>
             </a:r>
             <a:endParaRPr lang="en-US" altLang="ja-JP" dirty="0" smtClean="0">
               <a:solidFill>
@@ -16842,7 +18494,54 @@
                 <a:ea typeface="メイリオ" pitchFamily="50" charset="-128"/>
                 <a:cs typeface="メイリオ" pitchFamily="50" charset="-128"/>
               </a:rPr>
-              <a:t>シーケンス図，ステートマシン図等</a:t>
+              <a:t>シーケンス図</a:t>
+            </a:r>
+            <a:r>
+              <a:rPr lang="ja-JP" altLang="en-US" smtClean="0">
+                <a:latin typeface="メイリオ" pitchFamily="50" charset="-128"/>
+                <a:ea typeface="メイリオ" pitchFamily="50" charset="-128"/>
+                <a:cs typeface="メイリオ" pitchFamily="50" charset="-128"/>
+              </a:rPr>
+              <a:t>，</a:t>
+            </a:r>
+            <a:r>
+              <a:rPr lang="ja-JP" altLang="en-US" smtClean="0">
+                <a:latin typeface="メイリオ" pitchFamily="50" charset="-128"/>
+                <a:ea typeface="メイリオ" pitchFamily="50" charset="-128"/>
+                <a:cs typeface="メイリオ" pitchFamily="50" charset="-128"/>
+              </a:rPr>
+              <a:t>ステート</a:t>
+            </a:r>
+            <a:r>
+              <a:rPr lang="en-US" altLang="ja-JP" smtClean="0">
+                <a:latin typeface="メイリオ" pitchFamily="50" charset="-128"/>
+                <a:ea typeface="メイリオ" pitchFamily="50" charset="-128"/>
+                <a:cs typeface="メイリオ" pitchFamily="50" charset="-128"/>
+              </a:rPr>
+              <a:t/>
+            </a:r>
+            <a:br>
+              <a:rPr lang="en-US" altLang="ja-JP" smtClean="0">
+                <a:latin typeface="メイリオ" pitchFamily="50" charset="-128"/>
+                <a:ea typeface="メイリオ" pitchFamily="50" charset="-128"/>
+                <a:cs typeface="メイリオ" pitchFamily="50" charset="-128"/>
+              </a:rPr>
+            </a:br>
+            <a:r>
+              <a:rPr lang="ja-JP" altLang="en-US" smtClean="0">
+                <a:latin typeface="メイリオ" pitchFamily="50" charset="-128"/>
+                <a:ea typeface="メイリオ" pitchFamily="50" charset="-128"/>
+                <a:cs typeface="メイリオ" pitchFamily="50" charset="-128"/>
+              </a:rPr>
+              <a:t>マシン図</a:t>
+            </a:r>
+            <a:r>
+              <a:rPr lang="ja-JP" altLang="en-US" dirty="0" smtClean="0">
+                <a:latin typeface="メイリオ" pitchFamily="50" charset="-128"/>
+                <a:ea typeface="メイリオ" pitchFamily="50" charset="-128"/>
+                <a:cs typeface="メイリオ" pitchFamily="50" charset="-128"/>
+              </a:rPr>
+              <a:t>等</a:t>
             </a:r>
             <a:endParaRPr kumimoji="1" lang="en-US" altLang="ja-JP" dirty="0" smtClean="0">
               <a:latin typeface="メイリオ" pitchFamily="50" charset="-128"/>
@@ -16884,8 +18583,8 @@
         </p:blipFill>
         <p:spPr>
           <a:xfrm>
-            <a:off x="5575542" y="1556792"/>
-            <a:ext cx="3316938" cy="4688604"/>
+            <a:off x="5337689" y="1196752"/>
+            <a:ext cx="3482783" cy="4923034"/>
           </a:xfrm>
         </p:spPr>
       </p:pic>
@@ -16897,7 +18596,7 @@
         </p:nvSpPr>
         <p:spPr>
           <a:xfrm>
-            <a:off x="755576" y="5338082"/>
+            <a:off x="755576" y="5589240"/>
             <a:ext cx="792088" cy="576064"/>
           </a:xfrm>
           <a:prstGeom prst="rightArrow">
@@ -16941,7 +18640,7 @@
         </p:nvSpPr>
         <p:spPr>
           <a:xfrm>
-            <a:off x="1619672" y="5236458"/>
+            <a:off x="1547664" y="5504599"/>
             <a:ext cx="3600400" cy="784830"/>
           </a:xfrm>
           <a:prstGeom prst="rect">
@@ -16961,15 +18660,23 @@
                 <a:ea typeface="メイリオ" pitchFamily="50" charset="-128"/>
                 <a:cs typeface="メイリオ" pitchFamily="50" charset="-128"/>
               </a:rPr>
-              <a:t>モデルベース開発教育</a:t>
-            </a:r>
-            <a:r>
-              <a:rPr kumimoji="1" lang="ja-JP" altLang="en-US" sz="2400" dirty="0" smtClean="0">
+              <a:t>モデルベース</a:t>
+            </a:r>
+            <a:r>
+              <a:rPr lang="ja-JP" altLang="en-US" sz="2400" smtClean="0">
                 <a:latin typeface="メイリオ" pitchFamily="50" charset="-128"/>
                 <a:ea typeface="メイリオ" pitchFamily="50" charset="-128"/>
                 <a:cs typeface="メイリオ" pitchFamily="50" charset="-128"/>
               </a:rPr>
-              <a:t>の</a:t>
+              <a:t>開発</a:t>
+            </a:r>
+            <a:r>
+              <a:rPr lang="ja-JP" altLang="en-US" sz="2400" smtClean="0">
+                <a:latin typeface="メイリオ" pitchFamily="50" charset="-128"/>
+                <a:ea typeface="メイリオ" pitchFamily="50" charset="-128"/>
+                <a:cs typeface="メイリオ" pitchFamily="50" charset="-128"/>
+              </a:rPr>
+              <a:t>教育に</a:t>
             </a:r>
             <a:endParaRPr kumimoji="1" lang="en-US" altLang="ja-JP" sz="2400" dirty="0" smtClean="0">
               <a:latin typeface="メイリオ" pitchFamily="50" charset="-128"/>
@@ -16979,12 +18686,12 @@
           </a:p>
           <a:p>
             <a:r>
-              <a:rPr lang="ja-JP" altLang="en-US" sz="2400" dirty="0" smtClean="0">
+              <a:rPr lang="ja-JP" altLang="en-US" sz="2400" smtClean="0">
                 <a:latin typeface="メイリオ" pitchFamily="50" charset="-128"/>
                 <a:ea typeface="メイリオ" pitchFamily="50" charset="-128"/>
                 <a:cs typeface="メイリオ" pitchFamily="50" charset="-128"/>
               </a:rPr>
-              <a:t>資料になる？</a:t>
+              <a:t>利用出来るのでは？</a:t>
             </a:r>
             <a:endParaRPr kumimoji="1" lang="ja-JP" altLang="en-US" sz="2400" dirty="0">
               <a:latin typeface="メイリオ" pitchFamily="50" charset="-128"/>
@@ -17004,7 +18711,12 @@
             <p:ph type="sldNum" sz="quarter" idx="12"/>
           </p:nvPr>
         </p:nvSpPr>
-        <p:spPr/>
+        <p:spPr>
+          <a:xfrm>
+            <a:off x="8405812" y="6619874"/>
+            <a:ext cx="585788" cy="193361"/>
+          </a:xfrm>
+        </p:spPr>
         <p:txBody>
           <a:bodyPr/>
           <a:lstStyle/>
@@ -17393,29 +19105,7 @@
                 <a:ea typeface="メイリオ" pitchFamily="50" charset="-128"/>
                 <a:cs typeface="メイリオ" pitchFamily="50" charset="-128"/>
               </a:rPr>
-              <a:t>環境</a:t>
-            </a:r>
-            <a:r>
-              <a:rPr lang="ja-JP" altLang="en-US" sz="2400" dirty="0" smtClean="0">
-                <a:solidFill>
-                  <a:srgbClr val="7030A0"/>
-                </a:solidFill>
-                <a:latin typeface="メイリオ" pitchFamily="50" charset="-128"/>
-                <a:ea typeface="メイリオ" pitchFamily="50" charset="-128"/>
-                <a:cs typeface="メイリオ" pitchFamily="50" charset="-128"/>
-              </a:rPr>
-              <a:t>に合わせた</a:t>
-            </a:r>
-            <a:r>
-              <a:rPr lang="ja-JP" altLang="en-US" sz="2400" dirty="0" smtClean="0">
-                <a:solidFill>
-                  <a:srgbClr val="7030A0"/>
-                </a:solidFill>
-                <a:latin typeface="メイリオ" pitchFamily="50" charset="-128"/>
-                <a:ea typeface="メイリオ" pitchFamily="50" charset="-128"/>
-                <a:cs typeface="メイリオ" pitchFamily="50" charset="-128"/>
-              </a:rPr>
-              <a:t>モデルの例が無い</a:t>
+              <a:t>環境に合わせたモデルの例が無い</a:t>
             </a:r>
             <a:endParaRPr lang="en-US" altLang="ja-JP" sz="2400" dirty="0">
               <a:solidFill>
@@ -17655,7 +19345,7 @@
         </p:nvSpPr>
         <p:spPr>
           <a:xfrm>
-            <a:off x="2195736" y="5421474"/>
+            <a:off x="2123728" y="5421474"/>
             <a:ext cx="6984776" cy="830997"/>
           </a:xfrm>
           <a:prstGeom prst="rect">
@@ -17917,6 +19607,140 @@
 </file>
 
 <file path=ppt/slides/slide8.xml><?xml version="1.0" encoding="utf-8"?>
+<p:sld xmlns:a="http://schemas.openxmlformats.org/drawingml/2006/main" xmlns:r="http://schemas.openxmlformats.org/officeDocument/2006/relationships" xmlns:p="http://schemas.openxmlformats.org/presentationml/2006/main" show="0">
+  <p:cSld>
+    <p:spTree>
+      <p:nvGrpSpPr>
+        <p:cNvPr id="1" name=""/>
+        <p:cNvGrpSpPr/>
+        <p:nvPr/>
+      </p:nvGrpSpPr>
+      <p:grpSpPr>
+        <a:xfrm>
+          <a:off x="0" y="0"/>
+          <a:ext cx="0" cy="0"/>
+          <a:chOff x="0" y="0"/>
+          <a:chExt cx="0" cy="0"/>
+        </a:xfrm>
+      </p:grpSpPr>
+      <p:sp>
+        <p:nvSpPr>
+          <p:cNvPr id="2" name="タイトル 1"/>
+          <p:cNvSpPr>
+            <a:spLocks noGrp="1"/>
+          </p:cNvSpPr>
+          <p:nvPr>
+            <p:ph type="title"/>
+          </p:nvPr>
+        </p:nvSpPr>
+        <p:spPr/>
+        <p:txBody>
+          <a:bodyPr/>
+          <a:lstStyle/>
+          <a:p>
+            <a:r>
+              <a:rPr kumimoji="1" lang="ja-JP" altLang="en-US" smtClean="0"/>
+              <a:t>研究背景</a:t>
+            </a:r>
+            <a:endParaRPr kumimoji="1" lang="ja-JP" altLang="en-US"/>
+          </a:p>
+        </p:txBody>
+      </p:sp>
+      <p:sp>
+        <p:nvSpPr>
+          <p:cNvPr id="3" name="コンテンツ プレースホルダー 2"/>
+          <p:cNvSpPr>
+            <a:spLocks noGrp="1"/>
+          </p:cNvSpPr>
+          <p:nvPr>
+            <p:ph idx="1"/>
+          </p:nvPr>
+        </p:nvSpPr>
+        <p:spPr/>
+        <p:txBody>
+          <a:bodyPr/>
+          <a:lstStyle/>
+          <a:p>
+            <a:r>
+              <a:rPr kumimoji="1" lang="ja-JP" altLang="en-US" smtClean="0"/>
+              <a:t>モデルベース開発における開発・実装環境との兼ね合い</a:t>
+            </a:r>
+            <a:endParaRPr kumimoji="1" lang="en-US" altLang="ja-JP" smtClean="0"/>
+          </a:p>
+          <a:p>
+            <a:r>
+              <a:rPr lang="ja-JP" altLang="en-US" smtClean="0"/>
+              <a:t>問題点</a:t>
+            </a:r>
+            <a:endParaRPr lang="en-US" altLang="ja-JP" smtClean="0"/>
+          </a:p>
+          <a:p>
+            <a:pPr lvl="1"/>
+            <a:r>
+              <a:rPr lang="ja-JP" altLang="en-US" smtClean="0"/>
+              <a:t>モデルの何処にハードウェアを関連付けするのか？</a:t>
+            </a:r>
+            <a:endParaRPr lang="en-US" altLang="ja-JP" smtClean="0"/>
+          </a:p>
+          <a:p>
+            <a:pPr lvl="1"/>
+            <a:endParaRPr lang="en-US" altLang="ja-JP" smtClean="0"/>
+          </a:p>
+        </p:txBody>
+      </p:sp>
+      <p:sp>
+        <p:nvSpPr>
+          <p:cNvPr id="4" name="スライド番号プレースホルダー 3"/>
+          <p:cNvSpPr>
+            <a:spLocks noGrp="1"/>
+          </p:cNvSpPr>
+          <p:nvPr>
+            <p:ph type="sldNum" sz="quarter" idx="12"/>
+          </p:nvPr>
+        </p:nvSpPr>
+        <p:spPr/>
+        <p:txBody>
+          <a:bodyPr/>
+          <a:lstStyle/>
+          <a:p>
+            <a:fld id="{1B4CD1AD-35CE-4DA8-9CDB-2FA6D4A1B3F4}" type="slidenum">
+              <a:rPr lang="ja-JP" altLang="en-US" smtClean="0"/>
+              <a:pPr/>
+              <a:t>8</a:t>
+            </a:fld>
+            <a:endParaRPr lang="ja-JP" altLang="en-US" dirty="0"/>
+          </a:p>
+        </p:txBody>
+      </p:sp>
+    </p:spTree>
+    <p:extLst>
+      <p:ext uri="{BB962C8B-B14F-4D97-AF65-F5344CB8AC3E}">
+        <p14:creationId xmlns:p14="http://schemas.microsoft.com/office/powerpoint/2010/main" val="3498192470"/>
+      </p:ext>
+    </p:extLst>
+  </p:cSld>
+  <p:clrMapOvr>
+    <a:masterClrMapping/>
+  </p:clrMapOvr>
+  <mc:AlternateContent xmlns:mc="http://schemas.openxmlformats.org/markup-compatibility/2006">
+    <mc:Choice xmlns:p14="http://schemas.microsoft.com/office/powerpoint/2010/main" Requires="p14">
+      <p:transition spd="slow" p14:dur="2000"/>
+    </mc:Choice>
+    <mc:Fallback>
+      <p:transition spd="slow"/>
+    </mc:Fallback>
+  </mc:AlternateContent>
+  <p:timing>
+    <p:tnLst>
+      <p:par>
+        <p:cTn id="1" dur="indefinite" restart="never" nodeType="tmRoot"/>
+      </p:par>
+    </p:tnLst>
+  </p:timing>
+</p:sld>
+</file>
+
+<file path=ppt/slides/slide9.xml><?xml version="1.0" encoding="utf-8"?>
 <p:sld xmlns:a="http://schemas.openxmlformats.org/drawingml/2006/main" xmlns:r="http://schemas.openxmlformats.org/officeDocument/2006/relationships" xmlns:p="http://schemas.openxmlformats.org/presentationml/2006/main">
   <p:cSld>
     <p:spTree>
@@ -18007,31 +19831,7 @@
                 <a:ea typeface="メイリオ" pitchFamily="50" charset="-128"/>
                 <a:cs typeface="メイリオ" pitchFamily="50" charset="-128"/>
               </a:rPr>
-              <a:t>環境</a:t>
-            </a:r>
-            <a:r>
-              <a:rPr lang="ja-JP" altLang="en-US" sz="2800" dirty="0" smtClean="0">
-                <a:latin typeface="メイリオ" pitchFamily="50" charset="-128"/>
-                <a:ea typeface="メイリオ" pitchFamily="50" charset="-128"/>
-                <a:cs typeface="メイリオ" pitchFamily="50" charset="-128"/>
-              </a:rPr>
-              <a:t>に</a:t>
-            </a:r>
-            <a:r>
-              <a:rPr lang="ja-JP" altLang="en-US" sz="2800" dirty="0" smtClean="0">
-                <a:latin typeface="メイリオ" pitchFamily="50" charset="-128"/>
-                <a:ea typeface="メイリオ" pitchFamily="50" charset="-128"/>
-                <a:cs typeface="メイリオ" pitchFamily="50" charset="-128"/>
-              </a:rPr>
-              <a:t>合わせたモデルの例</a:t>
-            </a:r>
-            <a:r>
-              <a:rPr lang="ja-JP" altLang="en-US" sz="2800" dirty="0" smtClean="0">
-                <a:latin typeface="メイリオ" pitchFamily="50" charset="-128"/>
-                <a:ea typeface="メイリオ" pitchFamily="50" charset="-128"/>
-                <a:cs typeface="メイリオ" pitchFamily="50" charset="-128"/>
-              </a:rPr>
-              <a:t>が無い</a:t>
+              <a:t>環境に合わせたモデルの例が無い</a:t>
             </a:r>
             <a:endParaRPr lang="en-US" altLang="ja-JP" sz="2800" dirty="0">
               <a:latin typeface="メイリオ" pitchFamily="50" charset="-128"/>
@@ -18121,15 +19921,7 @@
                 <a:ea typeface="メイリオ" pitchFamily="50" charset="-128"/>
                 <a:cs typeface="メイリオ" pitchFamily="50" charset="-128"/>
               </a:rPr>
-              <a:t>モデルの</a:t>
-            </a:r>
-            <a:r>
-              <a:rPr lang="ja-JP" altLang="en-US" sz="2800" dirty="0" smtClean="0">
-                <a:latin typeface="メイリオ" pitchFamily="50" charset="-128"/>
-                <a:ea typeface="メイリオ" pitchFamily="50" charset="-128"/>
-                <a:cs typeface="メイリオ" pitchFamily="50" charset="-128"/>
-              </a:rPr>
-              <a:t>有用性</a:t>
+              <a:t>モデルの有用性</a:t>
             </a:r>
             <a:r>
               <a:rPr lang="ja-JP" altLang="en-US" sz="2800" dirty="0">
@@ -18467,7 +20259,7 @@
           <a:p>
             <a:fld id="{1B4CD1AD-35CE-4DA8-9CDB-2FA6D4A1B3F4}" type="slidenum">
               <a:rPr kumimoji="1" lang="ja-JP" altLang="en-US" smtClean="0"/>
-              <a:t>8</a:t>
+              <a:t>9</a:t>
             </a:fld>
             <a:endParaRPr kumimoji="1" lang="ja-JP" altLang="en-US" dirty="0"/>
           </a:p>
@@ -18491,668 +20283,6 @@
       <p:transition spd="slow"/>
     </mc:Fallback>
   </mc:AlternateContent>
-  <p:timing>
-    <p:tnLst>
-      <p:par>
-        <p:cTn id="1" dur="indefinite" restart="never" nodeType="tmRoot"/>
-      </p:par>
-    </p:tnLst>
-  </p:timing>
-</p:sld>
-</file>
-
-<file path=ppt/slides/slide9.xml><?xml version="1.0" encoding="utf-8"?>
-<p:sld xmlns:a="http://schemas.openxmlformats.org/drawingml/2006/main" xmlns:r="http://schemas.openxmlformats.org/officeDocument/2006/relationships" xmlns:p="http://schemas.openxmlformats.org/presentationml/2006/main">
-  <p:cSld>
-    <p:spTree>
-      <p:nvGrpSpPr>
-        <p:cNvPr id="1" name=""/>
-        <p:cNvGrpSpPr/>
-        <p:nvPr/>
-      </p:nvGrpSpPr>
-      <p:grpSpPr>
-        <a:xfrm>
-          <a:off x="0" y="0"/>
-          <a:ext cx="0" cy="0"/>
-          <a:chOff x="0" y="0"/>
-          <a:chExt cx="0" cy="0"/>
-        </a:xfrm>
-      </p:grpSpPr>
-      <p:sp>
-        <p:nvSpPr>
-          <p:cNvPr id="2" name="タイトル 1"/>
-          <p:cNvSpPr>
-            <a:spLocks noGrp="1"/>
-          </p:cNvSpPr>
-          <p:nvPr>
-            <p:ph type="title"/>
-          </p:nvPr>
-        </p:nvSpPr>
-        <p:spPr/>
-        <p:txBody>
-          <a:bodyPr/>
-          <a:lstStyle/>
-          <a:p>
-            <a:r>
-              <a:rPr kumimoji="1" lang="ja-JP" altLang="en-US" dirty="0" smtClean="0"/>
-              <a:t>研究概要</a:t>
-            </a:r>
-            <a:r>
-              <a:rPr lang="ja-JP" altLang="en-US" dirty="0"/>
-              <a:t>（</a:t>
-            </a:r>
-            <a:r>
-              <a:rPr kumimoji="1" lang="en-US" altLang="ja-JP" dirty="0" smtClean="0"/>
-              <a:t>2/5</a:t>
-            </a:r>
-            <a:r>
-              <a:rPr lang="ja-JP" altLang="en-US" dirty="0" smtClean="0"/>
-              <a:t>）</a:t>
-            </a:r>
-            <a:endParaRPr kumimoji="1" lang="ja-JP" altLang="en-US" dirty="0"/>
-          </a:p>
-        </p:txBody>
-      </p:sp>
-      <p:sp>
-        <p:nvSpPr>
-          <p:cNvPr id="6" name="コンテンツ プレースホルダー 5"/>
-          <p:cNvSpPr>
-            <a:spLocks noGrp="1"/>
-          </p:cNvSpPr>
-          <p:nvPr>
-            <p:ph idx="1"/>
-          </p:nvPr>
-        </p:nvSpPr>
-        <p:spPr/>
-        <p:txBody>
-          <a:bodyPr/>
-          <a:lstStyle/>
-          <a:p>
-            <a:r>
-              <a:rPr lang="ja-JP" altLang="en-US" dirty="0" smtClean="0"/>
-              <a:t>モデルカタログ一覧</a:t>
-            </a:r>
-            <a:endParaRPr kumimoji="1" lang="ja-JP" altLang="en-US" dirty="0"/>
-          </a:p>
-        </p:txBody>
-      </p:sp>
-      <p:graphicFrame>
-        <p:nvGraphicFramePr>
-          <p:cNvPr id="4" name="表 3"/>
-          <p:cNvGraphicFramePr>
-            <a:graphicFrameLocks noGrp="1"/>
-          </p:cNvGraphicFramePr>
-          <p:nvPr>
-            <p:extLst>
-              <p:ext uri="{D42A27DB-BD31-4B8C-83A1-F6EECF244321}">
-                <p14:modId xmlns:p14="http://schemas.microsoft.com/office/powerpoint/2010/main" val="239475022"/>
-              </p:ext>
-            </p:extLst>
-          </p:nvPr>
-        </p:nvGraphicFramePr>
-        <p:xfrm>
-          <a:off x="395535" y="1708016"/>
-          <a:ext cx="8280921" cy="4673314"/>
-        </p:xfrm>
-        <a:graphic>
-          <a:graphicData uri="http://schemas.openxmlformats.org/drawingml/2006/table">
-            <a:tbl>
-              <a:tblPr firstRow="1" bandRow="1">
-                <a:tableStyleId>{00A15C55-8517-42AA-B614-E9B94910E393}</a:tableStyleId>
-              </a:tblPr>
-              <a:tblGrid>
-                <a:gridCol w="1296145"/>
-                <a:gridCol w="2016224"/>
-                <a:gridCol w="4968552"/>
-              </a:tblGrid>
-              <a:tr h="484591">
-                <a:tc>
-                  <a:txBody>
-                    <a:bodyPr/>
-                    <a:lstStyle/>
-                    <a:p>
-                      <a:pPr algn="ctr"/>
-                      <a:r>
-                        <a:rPr kumimoji="1" lang="ja-JP" altLang="en-US" sz="2000" dirty="0" smtClean="0">
-                          <a:latin typeface="メイリオ" pitchFamily="50" charset="-128"/>
-                          <a:ea typeface="メイリオ" pitchFamily="50" charset="-128"/>
-                          <a:cs typeface="メイリオ" pitchFamily="50" charset="-128"/>
-                        </a:rPr>
-                        <a:t>カテゴリ</a:t>
-                      </a:r>
-                      <a:endParaRPr kumimoji="1" lang="ja-JP" altLang="en-US" sz="2000" dirty="0">
-                        <a:latin typeface="メイリオ" pitchFamily="50" charset="-128"/>
-                        <a:ea typeface="メイリオ" pitchFamily="50" charset="-128"/>
-                        <a:cs typeface="メイリオ" pitchFamily="50" charset="-128"/>
-                      </a:endParaRPr>
-                    </a:p>
-                  </a:txBody>
-                  <a:tcPr anchor="ctr"/>
-                </a:tc>
-                <a:tc>
-                  <a:txBody>
-                    <a:bodyPr/>
-                    <a:lstStyle/>
-                    <a:p>
-                      <a:pPr algn="ctr"/>
-                      <a:r>
-                        <a:rPr kumimoji="1" lang="ja-JP" altLang="en-US" sz="2000" dirty="0" smtClean="0">
-                          <a:latin typeface="メイリオ" pitchFamily="50" charset="-128"/>
-                          <a:ea typeface="メイリオ" pitchFamily="50" charset="-128"/>
-                          <a:cs typeface="メイリオ" pitchFamily="50" charset="-128"/>
-                        </a:rPr>
-                        <a:t>要求仕様</a:t>
-                      </a:r>
-                      <a:endParaRPr kumimoji="1" lang="ja-JP" altLang="en-US" sz="2000" dirty="0">
-                        <a:latin typeface="メイリオ" pitchFamily="50" charset="-128"/>
-                        <a:ea typeface="メイリオ" pitchFamily="50" charset="-128"/>
-                        <a:cs typeface="メイリオ" pitchFamily="50" charset="-128"/>
-                      </a:endParaRPr>
-                    </a:p>
-                  </a:txBody>
-                  <a:tcPr anchor="ctr"/>
-                </a:tc>
-                <a:tc>
-                  <a:txBody>
-                    <a:bodyPr/>
-                    <a:lstStyle/>
-                    <a:p>
-                      <a:pPr algn="ctr"/>
-                      <a:r>
-                        <a:rPr kumimoji="1" lang="ja-JP" altLang="en-US" sz="2000" dirty="0" smtClean="0">
-                          <a:latin typeface="メイリオ" pitchFamily="50" charset="-128"/>
-                          <a:ea typeface="メイリオ" pitchFamily="50" charset="-128"/>
-                          <a:cs typeface="メイリオ" pitchFamily="50" charset="-128"/>
-                        </a:rPr>
-                        <a:t>概要</a:t>
-                      </a:r>
-                      <a:endParaRPr kumimoji="1" lang="ja-JP" altLang="en-US" sz="2000" dirty="0">
-                        <a:latin typeface="メイリオ" pitchFamily="50" charset="-128"/>
-                        <a:ea typeface="メイリオ" pitchFamily="50" charset="-128"/>
-                        <a:cs typeface="メイリオ" pitchFamily="50" charset="-128"/>
-                      </a:endParaRPr>
-                    </a:p>
-                  </a:txBody>
-                  <a:tcPr anchor="ctr"/>
-                </a:tc>
-              </a:tr>
-              <a:tr h="484591">
-                <a:tc rowSpan="2">
-                  <a:txBody>
-                    <a:bodyPr/>
-                    <a:lstStyle/>
-                    <a:p>
-                      <a:pPr algn="ctr"/>
-                      <a:r>
-                        <a:rPr kumimoji="1" lang="ja-JP" altLang="en-US" sz="2000" dirty="0" smtClean="0">
-                          <a:latin typeface="メイリオ" pitchFamily="50" charset="-128"/>
-                          <a:ea typeface="メイリオ" pitchFamily="50" charset="-128"/>
-                          <a:cs typeface="メイリオ" pitchFamily="50" charset="-128"/>
-                        </a:rPr>
-                        <a:t>製品</a:t>
-                      </a:r>
-                      <a:endParaRPr kumimoji="1" lang="ja-JP" altLang="en-US" sz="2000" dirty="0">
-                        <a:latin typeface="メイリオ" pitchFamily="50" charset="-128"/>
-                        <a:ea typeface="メイリオ" pitchFamily="50" charset="-128"/>
-                        <a:cs typeface="メイリオ" pitchFamily="50" charset="-128"/>
-                      </a:endParaRPr>
-                    </a:p>
-                  </a:txBody>
-                  <a:tcPr anchor="ctr"/>
-                </a:tc>
-                <a:tc>
-                  <a:txBody>
-                    <a:bodyPr/>
-                    <a:lstStyle/>
-                    <a:p>
-                      <a:pPr algn="ctr"/>
-                      <a:r>
-                        <a:rPr kumimoji="1" lang="ja-JP" altLang="en-US" sz="2000" dirty="0" smtClean="0">
-                          <a:latin typeface="メイリオ" pitchFamily="50" charset="-128"/>
-                          <a:ea typeface="メイリオ" pitchFamily="50" charset="-128"/>
-                          <a:cs typeface="メイリオ" pitchFamily="50" charset="-128"/>
-                        </a:rPr>
-                        <a:t>孔版印刷機</a:t>
-                      </a:r>
-                      <a:endParaRPr kumimoji="1" lang="ja-JP" altLang="en-US" sz="2000" dirty="0">
-                        <a:latin typeface="メイリオ" pitchFamily="50" charset="-128"/>
-                        <a:ea typeface="メイリオ" pitchFamily="50" charset="-128"/>
-                        <a:cs typeface="メイリオ" pitchFamily="50" charset="-128"/>
-                      </a:endParaRPr>
-                    </a:p>
-                  </a:txBody>
-                  <a:tcPr anchor="ctr"/>
-                </a:tc>
-                <a:tc>
-                  <a:txBody>
-                    <a:bodyPr/>
-                    <a:lstStyle/>
-                    <a:p>
-                      <a:pPr algn="ctr"/>
-                      <a:r>
-                        <a:rPr kumimoji="1" lang="ja-JP" altLang="en-US" sz="2000" dirty="0" smtClean="0">
-                          <a:latin typeface="メイリオ" pitchFamily="50" charset="-128"/>
-                          <a:ea typeface="メイリオ" pitchFamily="50" charset="-128"/>
-                          <a:cs typeface="メイリオ" pitchFamily="50" charset="-128"/>
-                        </a:rPr>
-                        <a:t>孔版</a:t>
-                      </a:r>
-                      <a:r>
-                        <a:rPr kumimoji="1" lang="ja-JP" altLang="en-US" sz="2000" dirty="0" smtClean="0">
-                          <a:latin typeface="メイリオ" pitchFamily="50" charset="-128"/>
-                          <a:ea typeface="メイリオ" pitchFamily="50" charset="-128"/>
-                          <a:cs typeface="メイリオ" pitchFamily="50" charset="-128"/>
-                        </a:rPr>
-                        <a:t>印刷の実現</a:t>
-                      </a:r>
-                      <a:endParaRPr kumimoji="1" lang="ja-JP" altLang="en-US" sz="2000" dirty="0">
-                        <a:latin typeface="メイリオ" pitchFamily="50" charset="-128"/>
-                        <a:ea typeface="メイリオ" pitchFamily="50" charset="-128"/>
-                        <a:cs typeface="メイリオ" pitchFamily="50" charset="-128"/>
-                      </a:endParaRPr>
-                    </a:p>
-                  </a:txBody>
-                  <a:tcPr anchor="ctr"/>
-                </a:tc>
-              </a:tr>
-              <a:tr h="836417">
-                <a:tc vMerge="1">
-                  <a:txBody>
-                    <a:bodyPr/>
-                    <a:lstStyle/>
-                    <a:p>
-                      <a:endParaRPr kumimoji="1" lang="ja-JP" altLang="en-US" dirty="0"/>
-                    </a:p>
-                  </a:txBody>
-                  <a:tcPr/>
-                </a:tc>
-                <a:tc>
-                  <a:txBody>
-                    <a:bodyPr/>
-                    <a:lstStyle/>
-                    <a:p>
-                      <a:pPr algn="ctr"/>
-                      <a:r>
-                        <a:rPr kumimoji="1" lang="ja-JP" altLang="en-US" sz="2000" dirty="0" smtClean="0">
-                          <a:latin typeface="メイリオ" pitchFamily="50" charset="-128"/>
-                          <a:ea typeface="メイリオ" pitchFamily="50" charset="-128"/>
-                          <a:cs typeface="メイリオ" pitchFamily="50" charset="-128"/>
-                        </a:rPr>
-                        <a:t>電子オルゴール</a:t>
-                      </a:r>
-                      <a:endParaRPr kumimoji="1" lang="ja-JP" altLang="en-US" sz="2000" dirty="0">
-                        <a:latin typeface="メイリオ" pitchFamily="50" charset="-128"/>
-                        <a:ea typeface="メイリオ" pitchFamily="50" charset="-128"/>
-                        <a:cs typeface="メイリオ" pitchFamily="50" charset="-128"/>
-                      </a:endParaRPr>
-                    </a:p>
-                  </a:txBody>
-                  <a:tcPr anchor="ctr"/>
-                </a:tc>
-                <a:tc>
-                  <a:txBody>
-                    <a:bodyPr/>
-                    <a:lstStyle/>
-                    <a:p>
-                      <a:pPr algn="ctr"/>
-                      <a:r>
-                        <a:rPr kumimoji="1" lang="ja-JP" altLang="en-US" sz="2000" dirty="0" smtClean="0">
-                          <a:latin typeface="メイリオ" pitchFamily="50" charset="-128"/>
-                          <a:ea typeface="メイリオ" pitchFamily="50" charset="-128"/>
-                          <a:cs typeface="メイリオ" pitchFamily="50" charset="-128"/>
-                        </a:rPr>
-                        <a:t>オルゴールの発音操作を</a:t>
-                      </a:r>
-                      <a:endParaRPr kumimoji="1" lang="en-US" altLang="ja-JP" sz="2000" dirty="0" smtClean="0">
-                        <a:latin typeface="メイリオ" pitchFamily="50" charset="-128"/>
-                        <a:ea typeface="メイリオ" pitchFamily="50" charset="-128"/>
-                        <a:cs typeface="メイリオ" pitchFamily="50" charset="-128"/>
-                      </a:endParaRPr>
-                    </a:p>
-                    <a:p>
-                      <a:pPr algn="ctr"/>
-                      <a:r>
-                        <a:rPr kumimoji="1" lang="ja-JP" altLang="en-US" sz="2000" dirty="0" smtClean="0">
-                          <a:latin typeface="メイリオ" pitchFamily="50" charset="-128"/>
-                          <a:ea typeface="メイリオ" pitchFamily="50" charset="-128"/>
-                          <a:cs typeface="メイリオ" pitchFamily="50" charset="-128"/>
-                        </a:rPr>
-                        <a:t>ソフトウェア制御</a:t>
-                      </a:r>
-                      <a:endParaRPr kumimoji="1" lang="ja-JP" altLang="en-US" sz="2000" dirty="0">
-                        <a:latin typeface="メイリオ" pitchFamily="50" charset="-128"/>
-                        <a:ea typeface="メイリオ" pitchFamily="50" charset="-128"/>
-                        <a:cs typeface="メイリオ" pitchFamily="50" charset="-128"/>
-                      </a:endParaRPr>
-                    </a:p>
-                  </a:txBody>
-                  <a:tcPr anchor="ctr"/>
-                </a:tc>
-              </a:tr>
-              <a:tr h="836417">
-                <a:tc rowSpan="2">
-                  <a:txBody>
-                    <a:bodyPr/>
-                    <a:lstStyle/>
-                    <a:p>
-                      <a:pPr algn="ctr"/>
-                      <a:r>
-                        <a:rPr kumimoji="1" lang="ja-JP" altLang="en-US" sz="2000" dirty="0" smtClean="0">
-                          <a:latin typeface="メイリオ" pitchFamily="50" charset="-128"/>
-                          <a:ea typeface="メイリオ" pitchFamily="50" charset="-128"/>
-                          <a:cs typeface="メイリオ" pitchFamily="50" charset="-128"/>
-                        </a:rPr>
-                        <a:t>機能</a:t>
-                      </a:r>
-                      <a:endParaRPr kumimoji="1" lang="ja-JP" altLang="en-US" sz="2000" dirty="0">
-                        <a:latin typeface="メイリオ" pitchFamily="50" charset="-128"/>
-                        <a:ea typeface="メイリオ" pitchFamily="50" charset="-128"/>
-                        <a:cs typeface="メイリオ" pitchFamily="50" charset="-128"/>
-                      </a:endParaRPr>
-                    </a:p>
-                  </a:txBody>
-                  <a:tcPr anchor="ctr"/>
-                </a:tc>
-                <a:tc>
-                  <a:txBody>
-                    <a:bodyPr/>
-                    <a:lstStyle/>
-                    <a:p>
-                      <a:pPr algn="ctr"/>
-                      <a:r>
-                        <a:rPr kumimoji="1" lang="ja-JP" altLang="en-US" sz="2000" dirty="0" smtClean="0">
-                          <a:latin typeface="メイリオ" pitchFamily="50" charset="-128"/>
-                          <a:ea typeface="メイリオ" pitchFamily="50" charset="-128"/>
-                          <a:cs typeface="メイリオ" pitchFamily="50" charset="-128"/>
-                        </a:rPr>
-                        <a:t>認証</a:t>
-                      </a:r>
-                      <a:endParaRPr kumimoji="1" lang="ja-JP" altLang="en-US" sz="2000" dirty="0">
-                        <a:latin typeface="メイリオ" pitchFamily="50" charset="-128"/>
-                        <a:ea typeface="メイリオ" pitchFamily="50" charset="-128"/>
-                        <a:cs typeface="メイリオ" pitchFamily="50" charset="-128"/>
-                      </a:endParaRPr>
-                    </a:p>
-                  </a:txBody>
-                  <a:tcPr anchor="ctr"/>
-                </a:tc>
-                <a:tc>
-                  <a:txBody>
-                    <a:bodyPr/>
-                    <a:lstStyle/>
-                    <a:p>
-                      <a:pPr algn="ctr"/>
-                      <a:r>
-                        <a:rPr kumimoji="1" lang="ja-JP" altLang="en-US" sz="2000" dirty="0" smtClean="0">
-                          <a:latin typeface="メイリオ" pitchFamily="50" charset="-128"/>
-                          <a:ea typeface="メイリオ" pitchFamily="50" charset="-128"/>
-                          <a:cs typeface="メイリオ" pitchFamily="50" charset="-128"/>
-                        </a:rPr>
-                        <a:t>ユーザを</a:t>
-                      </a:r>
-                      <a:r>
-                        <a:rPr kumimoji="1" lang="ja-JP" altLang="en-US" sz="2000" dirty="0" smtClean="0">
-                          <a:latin typeface="メイリオ" pitchFamily="50" charset="-128"/>
-                          <a:ea typeface="メイリオ" pitchFamily="50" charset="-128"/>
-                          <a:cs typeface="メイリオ" pitchFamily="50" charset="-128"/>
-                        </a:rPr>
-                        <a:t>識別，</a:t>
-                      </a:r>
-                      <a:r>
-                        <a:rPr kumimoji="1" lang="en-US" altLang="ja-JP" sz="2000" dirty="0" smtClean="0">
-                          <a:latin typeface="メイリオ" pitchFamily="50" charset="-128"/>
-                          <a:ea typeface="メイリオ" pitchFamily="50" charset="-128"/>
-                          <a:cs typeface="メイリオ" pitchFamily="50" charset="-128"/>
-                        </a:rPr>
-                        <a:t/>
-                      </a:r>
-                      <a:br>
-                        <a:rPr kumimoji="1" lang="en-US" altLang="ja-JP" sz="2000" dirty="0" smtClean="0">
-                          <a:latin typeface="メイリオ" pitchFamily="50" charset="-128"/>
-                          <a:ea typeface="メイリオ" pitchFamily="50" charset="-128"/>
-                          <a:cs typeface="メイリオ" pitchFamily="50" charset="-128"/>
-                        </a:rPr>
-                      </a:br>
-                      <a:r>
-                        <a:rPr kumimoji="1" lang="ja-JP" altLang="en-US" sz="2000" dirty="0" smtClean="0">
-                          <a:latin typeface="メイリオ" pitchFamily="50" charset="-128"/>
-                          <a:ea typeface="メイリオ" pitchFamily="50" charset="-128"/>
-                          <a:cs typeface="メイリオ" pitchFamily="50" charset="-128"/>
-                        </a:rPr>
-                        <a:t>ユーザ</a:t>
-                      </a:r>
-                      <a:r>
-                        <a:rPr kumimoji="1" lang="ja-JP" altLang="en-US" sz="2000" dirty="0" smtClean="0">
-                          <a:latin typeface="メイリオ" pitchFamily="50" charset="-128"/>
-                          <a:ea typeface="メイリオ" pitchFamily="50" charset="-128"/>
-                          <a:cs typeface="メイリオ" pitchFamily="50" charset="-128"/>
-                        </a:rPr>
-                        <a:t>毎</a:t>
-                      </a:r>
-                      <a:r>
-                        <a:rPr kumimoji="1" lang="ja-JP" altLang="en-US" sz="2000" dirty="0" smtClean="0">
-                          <a:latin typeface="メイリオ" pitchFamily="50" charset="-128"/>
-                          <a:ea typeface="メイリオ" pitchFamily="50" charset="-128"/>
-                          <a:cs typeface="メイリオ" pitchFamily="50" charset="-128"/>
-                        </a:rPr>
-                        <a:t>にサービス</a:t>
-                      </a:r>
-                      <a:r>
-                        <a:rPr kumimoji="1" lang="ja-JP" altLang="en-US" sz="2000" dirty="0" smtClean="0">
-                          <a:latin typeface="メイリオ" pitchFamily="50" charset="-128"/>
-                          <a:ea typeface="メイリオ" pitchFamily="50" charset="-128"/>
-                          <a:cs typeface="メイリオ" pitchFamily="50" charset="-128"/>
-                        </a:rPr>
-                        <a:t>を提供</a:t>
-                      </a:r>
-                      <a:endParaRPr kumimoji="1" lang="ja-JP" altLang="en-US" sz="2000" dirty="0">
-                        <a:latin typeface="メイリオ" pitchFamily="50" charset="-128"/>
-                        <a:ea typeface="メイリオ" pitchFamily="50" charset="-128"/>
-                        <a:cs typeface="メイリオ" pitchFamily="50" charset="-128"/>
-                      </a:endParaRPr>
-                    </a:p>
-                  </a:txBody>
-                  <a:tcPr anchor="ctr"/>
-                </a:tc>
-              </a:tr>
-              <a:tr h="1194881">
-                <a:tc vMerge="1">
-                  <a:txBody>
-                    <a:bodyPr/>
-                    <a:lstStyle/>
-                    <a:p>
-                      <a:endParaRPr kumimoji="1" lang="ja-JP" altLang="en-US" dirty="0"/>
-                    </a:p>
-                  </a:txBody>
-                  <a:tcPr/>
-                </a:tc>
-                <a:tc>
-                  <a:txBody>
-                    <a:bodyPr/>
-                    <a:lstStyle/>
-                    <a:p>
-                      <a:pPr algn="ctr"/>
-                      <a:r>
-                        <a:rPr kumimoji="1" lang="ja-JP" altLang="en-US" sz="2000" dirty="0" smtClean="0">
-                          <a:latin typeface="メイリオ" pitchFamily="50" charset="-128"/>
-                          <a:ea typeface="メイリオ" pitchFamily="50" charset="-128"/>
-                          <a:cs typeface="メイリオ" pitchFamily="50" charset="-128"/>
-                        </a:rPr>
-                        <a:t>自己診断</a:t>
-                      </a:r>
-                      <a:endParaRPr kumimoji="1" lang="ja-JP" altLang="en-US" sz="2000" dirty="0">
-                        <a:latin typeface="メイリオ" pitchFamily="50" charset="-128"/>
-                        <a:ea typeface="メイリオ" pitchFamily="50" charset="-128"/>
-                        <a:cs typeface="メイリオ" pitchFamily="50" charset="-128"/>
-                      </a:endParaRPr>
-                    </a:p>
-                  </a:txBody>
-                  <a:tcPr anchor="ctr"/>
-                </a:tc>
-                <a:tc>
-                  <a:txBody>
-                    <a:bodyPr/>
-                    <a:lstStyle/>
-                    <a:p>
-                      <a:pPr algn="ctr"/>
-                      <a:r>
-                        <a:rPr kumimoji="1" lang="ja-JP" altLang="en-US" sz="2000" dirty="0" smtClean="0">
-                          <a:latin typeface="メイリオ" pitchFamily="50" charset="-128"/>
-                          <a:ea typeface="メイリオ" pitchFamily="50" charset="-128"/>
-                          <a:cs typeface="メイリオ" pitchFamily="50" charset="-128"/>
-                        </a:rPr>
-                        <a:t>システムを構成するデバイスのチェック，</a:t>
-                      </a:r>
-                      <a:endParaRPr kumimoji="1" lang="en-US" altLang="ja-JP" sz="2000" dirty="0" smtClean="0">
-                        <a:latin typeface="メイリオ" pitchFamily="50" charset="-128"/>
-                        <a:ea typeface="メイリオ" pitchFamily="50" charset="-128"/>
-                        <a:cs typeface="メイリオ" pitchFamily="50" charset="-128"/>
-                      </a:endParaRPr>
-                    </a:p>
-                    <a:p>
-                      <a:pPr algn="ctr"/>
-                      <a:r>
-                        <a:rPr kumimoji="1" lang="ja-JP" altLang="en-US" sz="2000" dirty="0" smtClean="0">
-                          <a:latin typeface="メイリオ" pitchFamily="50" charset="-128"/>
-                          <a:ea typeface="メイリオ" pitchFamily="50" charset="-128"/>
-                          <a:cs typeface="メイリオ" pitchFamily="50" charset="-128"/>
-                        </a:rPr>
-                        <a:t>診断結果のレポート</a:t>
-                      </a:r>
-                      <a:endParaRPr kumimoji="1" lang="ja-JP" altLang="en-US" sz="2000" dirty="0">
-                        <a:latin typeface="メイリオ" pitchFamily="50" charset="-128"/>
-                        <a:ea typeface="メイリオ" pitchFamily="50" charset="-128"/>
-                        <a:cs typeface="メイリオ" pitchFamily="50" charset="-128"/>
-                      </a:endParaRPr>
-                    </a:p>
-                  </a:txBody>
-                  <a:tcPr anchor="ctr"/>
-                </a:tc>
-              </a:tr>
-              <a:tr h="836417">
-                <a:tc>
-                  <a:txBody>
-                    <a:bodyPr/>
-                    <a:lstStyle/>
-                    <a:p>
-                      <a:pPr algn="ctr"/>
-                      <a:r>
-                        <a:rPr kumimoji="1" lang="ja-JP" altLang="en-US" sz="2000" dirty="0" smtClean="0">
-                          <a:latin typeface="メイリオ" pitchFamily="50" charset="-128"/>
-                          <a:ea typeface="メイリオ" pitchFamily="50" charset="-128"/>
-                          <a:cs typeface="メイリオ" pitchFamily="50" charset="-128"/>
-                        </a:rPr>
-                        <a:t>部品</a:t>
-                      </a:r>
-                      <a:endParaRPr kumimoji="1" lang="ja-JP" altLang="en-US" sz="2000" dirty="0">
-                        <a:latin typeface="メイリオ" pitchFamily="50" charset="-128"/>
-                        <a:ea typeface="メイリオ" pitchFamily="50" charset="-128"/>
-                        <a:cs typeface="メイリオ" pitchFamily="50" charset="-128"/>
-                      </a:endParaRPr>
-                    </a:p>
-                  </a:txBody>
-                  <a:tcPr anchor="ctr"/>
-                </a:tc>
-                <a:tc>
-                  <a:txBody>
-                    <a:bodyPr/>
-                    <a:lstStyle/>
-                    <a:p>
-                      <a:pPr algn="ctr"/>
-                      <a:r>
-                        <a:rPr kumimoji="1" lang="ja-JP" altLang="en-US" sz="2000" dirty="0" smtClean="0">
-                          <a:latin typeface="メイリオ" pitchFamily="50" charset="-128"/>
-                          <a:ea typeface="メイリオ" pitchFamily="50" charset="-128"/>
-                          <a:cs typeface="メイリオ" pitchFamily="50" charset="-128"/>
-                        </a:rPr>
-                        <a:t>目標制御</a:t>
-                      </a:r>
-                      <a:endParaRPr kumimoji="1" lang="ja-JP" altLang="en-US" sz="2000" dirty="0">
-                        <a:latin typeface="メイリオ" pitchFamily="50" charset="-128"/>
-                        <a:ea typeface="メイリオ" pitchFamily="50" charset="-128"/>
-                        <a:cs typeface="メイリオ" pitchFamily="50" charset="-128"/>
-                      </a:endParaRPr>
-                    </a:p>
-                  </a:txBody>
-                  <a:tcPr anchor="ctr"/>
-                </a:tc>
-                <a:tc>
-                  <a:txBody>
-                    <a:bodyPr/>
-                    <a:lstStyle/>
-                    <a:p>
-                      <a:pPr algn="ctr"/>
-                      <a:r>
-                        <a:rPr kumimoji="1" lang="ja-JP" altLang="en-US" sz="2000" dirty="0" smtClean="0">
-                          <a:latin typeface="メイリオ" pitchFamily="50" charset="-128"/>
-                          <a:ea typeface="メイリオ" pitchFamily="50" charset="-128"/>
-                          <a:cs typeface="メイリオ" pitchFamily="50" charset="-128"/>
-                        </a:rPr>
-                        <a:t>制御対象の測定値を</a:t>
-                      </a:r>
-                      <a:endParaRPr kumimoji="1" lang="en-US" altLang="ja-JP" sz="2000" dirty="0" smtClean="0">
-                        <a:latin typeface="メイリオ" pitchFamily="50" charset="-128"/>
-                        <a:ea typeface="メイリオ" pitchFamily="50" charset="-128"/>
-                        <a:cs typeface="メイリオ" pitchFamily="50" charset="-128"/>
-                      </a:endParaRPr>
-                    </a:p>
-                    <a:p>
-                      <a:pPr algn="ctr"/>
-                      <a:r>
-                        <a:rPr kumimoji="1" lang="ja-JP" altLang="en-US" sz="2000" dirty="0" smtClean="0">
-                          <a:latin typeface="メイリオ" pitchFamily="50" charset="-128"/>
-                          <a:ea typeface="メイリオ" pitchFamily="50" charset="-128"/>
-                          <a:cs typeface="メイリオ" pitchFamily="50" charset="-128"/>
-                        </a:rPr>
-                        <a:t>目標値となるように制御</a:t>
-                      </a:r>
-                      <a:endParaRPr kumimoji="1" lang="ja-JP" altLang="en-US" sz="2000" dirty="0">
-                        <a:latin typeface="メイリオ" pitchFamily="50" charset="-128"/>
-                        <a:ea typeface="メイリオ" pitchFamily="50" charset="-128"/>
-                        <a:cs typeface="メイリオ" pitchFamily="50" charset="-128"/>
-                      </a:endParaRPr>
-                    </a:p>
-                  </a:txBody>
-                  <a:tcPr anchor="ctr"/>
-                </a:tc>
-              </a:tr>
-            </a:tbl>
-          </a:graphicData>
-        </a:graphic>
-      </p:graphicFrame>
-      <p:sp>
-        <p:nvSpPr>
-          <p:cNvPr id="3" name="スライド番号プレースホルダー 2"/>
-          <p:cNvSpPr>
-            <a:spLocks noGrp="1"/>
-          </p:cNvSpPr>
-          <p:nvPr>
-            <p:ph type="sldNum" sz="quarter" idx="12"/>
-          </p:nvPr>
-        </p:nvSpPr>
-        <p:spPr/>
-        <p:txBody>
-          <a:bodyPr/>
-          <a:lstStyle/>
-          <a:p>
-            <a:fld id="{1B4CD1AD-35CE-4DA8-9CDB-2FA6D4A1B3F4}" type="slidenum">
-              <a:rPr kumimoji="1" lang="ja-JP" altLang="en-US" smtClean="0"/>
-              <a:t>9</a:t>
-            </a:fld>
-            <a:endParaRPr kumimoji="1" lang="ja-JP" altLang="en-US" dirty="0"/>
-          </a:p>
-        </p:txBody>
-      </p:sp>
-    </p:spTree>
-    <p:extLst>
-      <p:ext uri="{BB962C8B-B14F-4D97-AF65-F5344CB8AC3E}">
-        <p14:creationId xmlns:p14="http://schemas.microsoft.com/office/powerpoint/2010/main" val="499421605"/>
-      </p:ext>
-    </p:extLst>
-  </p:cSld>
-  <p:clrMapOvr>
-    <a:masterClrMapping/>
-  </p:clrMapOvr>
   <p:timing>
     <p:tnLst>
       <p:par>

--- a/中間発表関連/5I25新村祐太 中間発表スライドver2.0.pptx
+++ b/中間発表関連/5I25新村祐太 中間発表スライドver2.0.pptx
@@ -5,10 +5,10 @@
     <p:sldMasterId id="2147483780" r:id="rId1"/>
   </p:sldMasterIdLst>
   <p:notesMasterIdLst>
-    <p:notesMasterId r:id="rId26"/>
+    <p:notesMasterId r:id="rId24"/>
   </p:notesMasterIdLst>
   <p:handoutMasterIdLst>
-    <p:handoutMasterId r:id="rId27"/>
+    <p:handoutMasterId r:id="rId25"/>
   </p:handoutMasterIdLst>
   <p:sldIdLst>
     <p:sldId id="256" r:id="rId2"/>
@@ -17,24 +17,22 @@
     <p:sldId id="258" r:id="rId5"/>
     <p:sldId id="260" r:id="rId6"/>
     <p:sldId id="261" r:id="rId7"/>
-    <p:sldId id="263" r:id="rId8"/>
-    <p:sldId id="294" r:id="rId9"/>
+    <p:sldId id="294" r:id="rId8"/>
+    <p:sldId id="263" r:id="rId9"/>
     <p:sldId id="264" r:id="rId10"/>
     <p:sldId id="283" r:id="rId11"/>
     <p:sldId id="284" r:id="rId12"/>
     <p:sldId id="265" r:id="rId13"/>
     <p:sldId id="266" r:id="rId14"/>
     <p:sldId id="293" r:id="rId15"/>
-    <p:sldId id="279" r:id="rId16"/>
-    <p:sldId id="267" r:id="rId17"/>
-    <p:sldId id="287" r:id="rId18"/>
-    <p:sldId id="268" r:id="rId19"/>
-    <p:sldId id="292" r:id="rId20"/>
-    <p:sldId id="288" r:id="rId21"/>
-    <p:sldId id="295" r:id="rId22"/>
-    <p:sldId id="290" r:id="rId23"/>
-    <p:sldId id="291" r:id="rId24"/>
-    <p:sldId id="271" r:id="rId25"/>
+    <p:sldId id="267" r:id="rId16"/>
+    <p:sldId id="287" r:id="rId17"/>
+    <p:sldId id="268" r:id="rId18"/>
+    <p:sldId id="292" r:id="rId19"/>
+    <p:sldId id="288" r:id="rId20"/>
+    <p:sldId id="290" r:id="rId21"/>
+    <p:sldId id="291" r:id="rId22"/>
+    <p:sldId id="271" r:id="rId23"/>
   </p:sldIdLst>
   <p:sldSz cx="9144000" cy="6858000" type="screen4x3"/>
   <p:notesSz cx="6669088" cy="9926638"/>
@@ -1036,11 +1034,11 @@
           <c:showPercent val="0"/>
           <c:showBubbleSize val="0"/>
         </c:dLbls>
-        <c:axId val="38675968"/>
-        <c:axId val="38677888"/>
+        <c:axId val="97415680"/>
+        <c:axId val="97416256"/>
       </c:scatterChart>
       <c:valAx>
-        <c:axId val="38675968"/>
+        <c:axId val="97415680"/>
         <c:scaling>
           <c:orientation val="minMax"/>
           <c:max val="450"/>
@@ -1074,12 +1072,12 @@
         <c:majorTickMark val="out"/>
         <c:minorTickMark val="none"/>
         <c:tickLblPos val="nextTo"/>
-        <c:crossAx val="38677888"/>
+        <c:crossAx val="97416256"/>
         <c:crosses val="autoZero"/>
         <c:crossBetween val="midCat"/>
       </c:valAx>
       <c:valAx>
-        <c:axId val="38677888"/>
+        <c:axId val="97416256"/>
         <c:scaling>
           <c:orientation val="minMax"/>
         </c:scaling>
@@ -1113,7 +1111,7 @@
         <c:majorTickMark val="out"/>
         <c:minorTickMark val="none"/>
         <c:tickLblPos val="nextTo"/>
-        <c:crossAx val="38675968"/>
+        <c:crossAx val="97415680"/>
         <c:crosses val="autoZero"/>
         <c:crossBetween val="midCat"/>
       </c:valAx>
@@ -1142,6 +1140,3065 @@
 </c:chartSpace>
 </file>
 
+<file path=ppt/diagrams/colors1.xml><?xml version="1.0" encoding="utf-8"?>
+<dgm:colorsDef xmlns:dgm="http://schemas.openxmlformats.org/drawingml/2006/diagram" xmlns:a="http://schemas.openxmlformats.org/drawingml/2006/main" uniqueId="urn:microsoft.com/office/officeart/2005/8/colors/accent1_5">
+  <dgm:title val=""/>
+  <dgm:desc val=""/>
+  <dgm:catLst>
+    <dgm:cat type="accent1" pri="11500"/>
+  </dgm:catLst>
+  <dgm:styleLbl name="node0">
+    <dgm:fillClrLst meth="cycle">
+      <a:schemeClr val="accent1">
+        <a:alpha val="80000"/>
+      </a:schemeClr>
+    </dgm:fillClrLst>
+    <dgm:linClrLst meth="repeat">
+      <a:schemeClr val="lt1"/>
+    </dgm:linClrLst>
+    <dgm:effectClrLst/>
+    <dgm:txLinClrLst/>
+    <dgm:txFillClrLst/>
+    <dgm:txEffectClrLst/>
+  </dgm:styleLbl>
+  <dgm:styleLbl name="node1">
+    <dgm:fillClrLst>
+      <a:schemeClr val="accent1">
+        <a:alpha val="90000"/>
+      </a:schemeClr>
+      <a:schemeClr val="accent1">
+        <a:alpha val="50000"/>
+      </a:schemeClr>
+    </dgm:fillClrLst>
+    <dgm:linClrLst meth="repeat">
+      <a:schemeClr val="lt1"/>
+    </dgm:linClrLst>
+    <dgm:effectClrLst/>
+    <dgm:txLinClrLst/>
+    <dgm:txFillClrLst/>
+    <dgm:txEffectClrLst/>
+  </dgm:styleLbl>
+  <dgm:styleLbl name="alignNode1">
+    <dgm:fillClrLst>
+      <a:schemeClr val="accent1">
+        <a:alpha val="90000"/>
+      </a:schemeClr>
+      <a:schemeClr val="accent1">
+        <a:alpha val="50000"/>
+      </a:schemeClr>
+    </dgm:fillClrLst>
+    <dgm:linClrLst>
+      <a:schemeClr val="accent1">
+        <a:alpha val="90000"/>
+      </a:schemeClr>
+      <a:schemeClr val="accent1">
+        <a:alpha val="50000"/>
+      </a:schemeClr>
+    </dgm:linClrLst>
+    <dgm:effectClrLst/>
+    <dgm:txLinClrLst/>
+    <dgm:txFillClrLst/>
+    <dgm:txEffectClrLst/>
+  </dgm:styleLbl>
+  <dgm:styleLbl name="lnNode1">
+    <dgm:fillClrLst>
+      <a:schemeClr val="accent1">
+        <a:shade val="90000"/>
+      </a:schemeClr>
+      <a:schemeClr val="accent1">
+        <a:alpha val="50000"/>
+        <a:tint val="50000"/>
+      </a:schemeClr>
+    </dgm:fillClrLst>
+    <dgm:linClrLst meth="repeat">
+      <a:schemeClr val="lt1"/>
+    </dgm:linClrLst>
+    <dgm:effectClrLst/>
+    <dgm:txLinClrLst/>
+    <dgm:txFillClrLst/>
+    <dgm:txEffectClrLst/>
+  </dgm:styleLbl>
+  <dgm:styleLbl name="vennNode1">
+    <dgm:fillClrLst>
+      <a:schemeClr val="accent1">
+        <a:shade val="80000"/>
+        <a:alpha val="50000"/>
+      </a:schemeClr>
+      <a:schemeClr val="accent1">
+        <a:alpha val="80000"/>
+      </a:schemeClr>
+    </dgm:fillClrLst>
+    <dgm:linClrLst meth="repeat">
+      <a:schemeClr val="lt1"/>
+    </dgm:linClrLst>
+    <dgm:effectClrLst/>
+    <dgm:txLinClrLst/>
+    <dgm:txFillClrLst/>
+    <dgm:txEffectClrLst/>
+  </dgm:styleLbl>
+  <dgm:styleLbl name="node2">
+    <dgm:fillClrLst>
+      <a:schemeClr val="accent1">
+        <a:alpha val="70000"/>
+      </a:schemeClr>
+    </dgm:fillClrLst>
+    <dgm:linClrLst meth="repeat">
+      <a:schemeClr val="lt1"/>
+    </dgm:linClrLst>
+    <dgm:effectClrLst/>
+    <dgm:txLinClrLst/>
+    <dgm:txFillClrLst/>
+    <dgm:txEffectClrLst/>
+  </dgm:styleLbl>
+  <dgm:styleLbl name="node3">
+    <dgm:fillClrLst>
+      <a:schemeClr val="accent1">
+        <a:alpha val="50000"/>
+      </a:schemeClr>
+    </dgm:fillClrLst>
+    <dgm:linClrLst meth="repeat">
+      <a:schemeClr val="lt1"/>
+    </dgm:linClrLst>
+    <dgm:effectClrLst/>
+    <dgm:txLinClrLst/>
+    <dgm:txFillClrLst/>
+    <dgm:txEffectClrLst/>
+  </dgm:styleLbl>
+  <dgm:styleLbl name="node4">
+    <dgm:fillClrLst>
+      <a:schemeClr val="accent1">
+        <a:alpha val="30000"/>
+      </a:schemeClr>
+    </dgm:fillClrLst>
+    <dgm:linClrLst meth="repeat">
+      <a:schemeClr val="lt1"/>
+    </dgm:linClrLst>
+    <dgm:effectClrLst/>
+    <dgm:txLinClrLst/>
+    <dgm:txFillClrLst/>
+    <dgm:txEffectClrLst/>
+  </dgm:styleLbl>
+  <dgm:styleLbl name="fgImgPlace1">
+    <dgm:fillClrLst>
+      <a:schemeClr val="accent1">
+        <a:tint val="50000"/>
+        <a:alpha val="90000"/>
+      </a:schemeClr>
+      <a:schemeClr val="accent1">
+        <a:tint val="20000"/>
+        <a:alpha val="50000"/>
+      </a:schemeClr>
+    </dgm:fillClrLst>
+    <dgm:linClrLst meth="repeat">
+      <a:schemeClr val="lt1"/>
+    </dgm:linClrLst>
+    <dgm:effectClrLst/>
+    <dgm:txLinClrLst/>
+    <dgm:txFillClrLst meth="repeat">
+      <a:schemeClr val="lt1"/>
+    </dgm:txFillClrLst>
+    <dgm:txEffectClrLst/>
+  </dgm:styleLbl>
+  <dgm:styleLbl name="alignImgPlace1">
+    <dgm:fillClrLst>
+      <a:schemeClr val="accent1">
+        <a:tint val="50000"/>
+      </a:schemeClr>
+      <a:schemeClr val="accent1">
+        <a:tint val="20000"/>
+      </a:schemeClr>
+    </dgm:fillClrLst>
+    <dgm:linClrLst meth="repeat">
+      <a:schemeClr val="lt1"/>
+    </dgm:linClrLst>
+    <dgm:effectClrLst/>
+    <dgm:txLinClrLst/>
+    <dgm:txFillClrLst meth="repeat">
+      <a:schemeClr val="lt1"/>
+    </dgm:txFillClrLst>
+    <dgm:txEffectClrLst/>
+  </dgm:styleLbl>
+  <dgm:styleLbl name="bgImgPlace1">
+    <dgm:fillClrLst>
+      <a:schemeClr val="accent1">
+        <a:tint val="50000"/>
+      </a:schemeClr>
+      <a:schemeClr val="accent1">
+        <a:tint val="20000"/>
+      </a:schemeClr>
+    </dgm:fillClrLst>
+    <dgm:linClrLst meth="repeat">
+      <a:schemeClr val="lt1"/>
+    </dgm:linClrLst>
+    <dgm:effectClrLst/>
+    <dgm:txLinClrLst/>
+    <dgm:txFillClrLst meth="repeat">
+      <a:schemeClr val="lt1"/>
+    </dgm:txFillClrLst>
+    <dgm:txEffectClrLst/>
+  </dgm:styleLbl>
+  <dgm:styleLbl name="sibTrans2D1">
+    <dgm:fillClrLst>
+      <a:schemeClr val="accent1">
+        <a:shade val="90000"/>
+      </a:schemeClr>
+      <a:schemeClr val="accent1">
+        <a:tint val="50000"/>
+      </a:schemeClr>
+    </dgm:fillClrLst>
+    <dgm:linClrLst>
+      <a:schemeClr val="accent1">
+        <a:shade val="90000"/>
+      </a:schemeClr>
+      <a:schemeClr val="accent1">
+        <a:tint val="50000"/>
+      </a:schemeClr>
+    </dgm:linClrLst>
+    <dgm:effectClrLst/>
+    <dgm:txLinClrLst/>
+    <dgm:txFillClrLst/>
+    <dgm:txEffectClrLst/>
+  </dgm:styleLbl>
+  <dgm:styleLbl name="fgSibTrans2D1">
+    <dgm:fillClrLst>
+      <a:schemeClr val="accent1">
+        <a:shade val="90000"/>
+      </a:schemeClr>
+      <a:schemeClr val="accent1">
+        <a:tint val="50000"/>
+      </a:schemeClr>
+    </dgm:fillClrLst>
+    <dgm:linClrLst>
+      <a:schemeClr val="accent1">
+        <a:shade val="90000"/>
+      </a:schemeClr>
+      <a:schemeClr val="accent1">
+        <a:tint val="50000"/>
+      </a:schemeClr>
+    </dgm:linClrLst>
+    <dgm:effectClrLst/>
+    <dgm:txLinClrLst/>
+    <dgm:txFillClrLst/>
+    <dgm:txEffectClrLst/>
+  </dgm:styleLbl>
+  <dgm:styleLbl name="bgSibTrans2D1">
+    <dgm:fillClrLst>
+      <a:schemeClr val="accent1">
+        <a:shade val="90000"/>
+      </a:schemeClr>
+      <a:schemeClr val="accent1">
+        <a:tint val="50000"/>
+      </a:schemeClr>
+    </dgm:fillClrLst>
+    <dgm:linClrLst>
+      <a:schemeClr val="accent1">
+        <a:shade val="90000"/>
+      </a:schemeClr>
+      <a:schemeClr val="accent1">
+        <a:tint val="50000"/>
+      </a:schemeClr>
+    </dgm:linClrLst>
+    <dgm:effectClrLst/>
+    <dgm:txLinClrLst/>
+    <dgm:txFillClrLst/>
+    <dgm:txEffectClrLst/>
+  </dgm:styleLbl>
+  <dgm:styleLbl name="sibTrans1D1">
+    <dgm:fillClrLst>
+      <a:schemeClr val="accent1">
+        <a:shade val="90000"/>
+      </a:schemeClr>
+      <a:schemeClr val="accent1">
+        <a:tint val="50000"/>
+      </a:schemeClr>
+    </dgm:fillClrLst>
+    <dgm:linClrLst>
+      <a:schemeClr val="accent1">
+        <a:shade val="90000"/>
+      </a:schemeClr>
+      <a:schemeClr val="accent1">
+        <a:tint val="50000"/>
+      </a:schemeClr>
+    </dgm:linClrLst>
+    <dgm:effectClrLst/>
+    <dgm:txLinClrLst/>
+    <dgm:txFillClrLst meth="repeat">
+      <a:schemeClr val="tx1"/>
+    </dgm:txFillClrLst>
+    <dgm:txEffectClrLst/>
+  </dgm:styleLbl>
+  <dgm:styleLbl name="callout">
+    <dgm:fillClrLst meth="repeat">
+      <a:schemeClr val="accent1"/>
+    </dgm:fillClrLst>
+    <dgm:linClrLst meth="repeat">
+      <a:schemeClr val="accent1"/>
+    </dgm:linClrLst>
+    <dgm:effectClrLst/>
+    <dgm:txLinClrLst/>
+    <dgm:txFillClrLst meth="repeat">
+      <a:schemeClr val="tx1"/>
+    </dgm:txFillClrLst>
+    <dgm:txEffectClrLst/>
+  </dgm:styleLbl>
+  <dgm:styleLbl name="asst0">
+    <dgm:fillClrLst meth="repeat">
+      <a:schemeClr val="accent1">
+        <a:alpha val="90000"/>
+      </a:schemeClr>
+    </dgm:fillClrLst>
+    <dgm:linClrLst meth="repeat">
+      <a:schemeClr val="lt1"/>
+    </dgm:linClrLst>
+    <dgm:effectClrLst/>
+    <dgm:txLinClrLst/>
+    <dgm:txFillClrLst/>
+    <dgm:txEffectClrLst/>
+  </dgm:styleLbl>
+  <dgm:styleLbl name="asst1">
+    <dgm:fillClrLst meth="repeat">
+      <a:schemeClr val="accent1">
+        <a:alpha val="90000"/>
+      </a:schemeClr>
+    </dgm:fillClrLst>
+    <dgm:linClrLst meth="repeat">
+      <a:schemeClr val="lt1"/>
+    </dgm:linClrLst>
+    <dgm:effectClrLst/>
+    <dgm:txLinClrLst/>
+    <dgm:txFillClrLst/>
+    <dgm:txEffectClrLst/>
+  </dgm:styleLbl>
+  <dgm:styleLbl name="asst2">
+    <dgm:fillClrLst>
+      <a:schemeClr val="accent1">
+        <a:alpha val="90000"/>
+      </a:schemeClr>
+    </dgm:fillClrLst>
+    <dgm:linClrLst meth="repeat">
+      <a:schemeClr val="lt1"/>
+    </dgm:linClrLst>
+    <dgm:effectClrLst/>
+    <dgm:txLinClrLst/>
+    <dgm:txFillClrLst/>
+    <dgm:txEffectClrLst/>
+  </dgm:styleLbl>
+  <dgm:styleLbl name="asst3">
+    <dgm:fillClrLst>
+      <a:schemeClr val="accent1">
+        <a:alpha val="70000"/>
+      </a:schemeClr>
+    </dgm:fillClrLst>
+    <dgm:linClrLst meth="repeat">
+      <a:schemeClr val="lt1"/>
+    </dgm:linClrLst>
+    <dgm:effectClrLst/>
+    <dgm:txLinClrLst/>
+    <dgm:txFillClrLst/>
+    <dgm:txEffectClrLst/>
+  </dgm:styleLbl>
+  <dgm:styleLbl name="asst4">
+    <dgm:fillClrLst>
+      <a:schemeClr val="accent1">
+        <a:alpha val="50000"/>
+      </a:schemeClr>
+    </dgm:fillClrLst>
+    <dgm:linClrLst meth="repeat">
+      <a:schemeClr val="lt1"/>
+    </dgm:linClrLst>
+    <dgm:effectClrLst/>
+    <dgm:txLinClrLst/>
+    <dgm:txFillClrLst/>
+    <dgm:txEffectClrLst/>
+  </dgm:styleLbl>
+  <dgm:styleLbl name="parChTrans2D1">
+    <dgm:fillClrLst meth="repeat">
+      <a:schemeClr val="accent1">
+        <a:shade val="80000"/>
+      </a:schemeClr>
+    </dgm:fillClrLst>
+    <dgm:linClrLst meth="repeat">
+      <a:schemeClr val="accent1">
+        <a:shade val="80000"/>
+      </a:schemeClr>
+    </dgm:linClrLst>
+    <dgm:effectClrLst/>
+    <dgm:txLinClrLst/>
+    <dgm:txFillClrLst/>
+    <dgm:txEffectClrLst/>
+  </dgm:styleLbl>
+  <dgm:styleLbl name="parChTrans2D2">
+    <dgm:fillClrLst meth="repeat">
+      <a:schemeClr val="accent1">
+        <a:tint val="90000"/>
+      </a:schemeClr>
+    </dgm:fillClrLst>
+    <dgm:linClrLst meth="repeat">
+      <a:schemeClr val="accent1">
+        <a:tint val="90000"/>
+      </a:schemeClr>
+    </dgm:linClrLst>
+    <dgm:effectClrLst/>
+    <dgm:txLinClrLst/>
+    <dgm:txFillClrLst/>
+    <dgm:txEffectClrLst/>
+  </dgm:styleLbl>
+  <dgm:styleLbl name="parChTrans2D3">
+    <dgm:fillClrLst meth="repeat">
+      <a:schemeClr val="accent1">
+        <a:tint val="70000"/>
+      </a:schemeClr>
+    </dgm:fillClrLst>
+    <dgm:linClrLst meth="repeat">
+      <a:schemeClr val="accent1">
+        <a:tint val="70000"/>
+      </a:schemeClr>
+    </dgm:linClrLst>
+    <dgm:effectClrLst/>
+    <dgm:txLinClrLst/>
+    <dgm:txFillClrLst/>
+    <dgm:txEffectClrLst/>
+  </dgm:styleLbl>
+  <dgm:styleLbl name="parChTrans2D4">
+    <dgm:fillClrLst meth="repeat">
+      <a:schemeClr val="accent1">
+        <a:tint val="50000"/>
+      </a:schemeClr>
+    </dgm:fillClrLst>
+    <dgm:linClrLst meth="repeat">
+      <a:schemeClr val="accent1">
+        <a:tint val="50000"/>
+      </a:schemeClr>
+    </dgm:linClrLst>
+    <dgm:effectClrLst/>
+    <dgm:txLinClrLst/>
+    <dgm:txFillClrLst meth="repeat">
+      <a:schemeClr val="dk1"/>
+    </dgm:txFillClrLst>
+    <dgm:txEffectClrLst/>
+  </dgm:styleLbl>
+  <dgm:styleLbl name="parChTrans1D1">
+    <dgm:fillClrLst meth="repeat">
+      <a:schemeClr val="accent1">
+        <a:shade val="80000"/>
+      </a:schemeClr>
+    </dgm:fillClrLst>
+    <dgm:linClrLst meth="repeat">
+      <a:schemeClr val="accent1">
+        <a:shade val="80000"/>
+      </a:schemeClr>
+    </dgm:linClrLst>
+    <dgm:effectClrLst/>
+    <dgm:txLinClrLst/>
+    <dgm:txFillClrLst meth="repeat">
+      <a:schemeClr val="tx1"/>
+    </dgm:txFillClrLst>
+    <dgm:txEffectClrLst/>
+  </dgm:styleLbl>
+  <dgm:styleLbl name="parChTrans1D2">
+    <dgm:fillClrLst meth="repeat">
+      <a:schemeClr val="accent1">
+        <a:tint val="90000"/>
+      </a:schemeClr>
+    </dgm:fillClrLst>
+    <dgm:linClrLst meth="repeat">
+      <a:schemeClr val="accent1">
+        <a:tint val="90000"/>
+      </a:schemeClr>
+    </dgm:linClrLst>
+    <dgm:effectClrLst/>
+    <dgm:txLinClrLst/>
+    <dgm:txFillClrLst meth="repeat">
+      <a:schemeClr val="tx1"/>
+    </dgm:txFillClrLst>
+    <dgm:txEffectClrLst/>
+  </dgm:styleLbl>
+  <dgm:styleLbl name="parChTrans1D3">
+    <dgm:fillClrLst meth="repeat">
+      <a:schemeClr val="accent1">
+        <a:tint val="70000"/>
+      </a:schemeClr>
+    </dgm:fillClrLst>
+    <dgm:linClrLst meth="repeat">
+      <a:schemeClr val="accent1">
+        <a:tint val="70000"/>
+      </a:schemeClr>
+    </dgm:linClrLst>
+    <dgm:effectClrLst/>
+    <dgm:txLinClrLst/>
+    <dgm:txFillClrLst meth="repeat">
+      <a:schemeClr val="tx1"/>
+    </dgm:txFillClrLst>
+    <dgm:txEffectClrLst/>
+  </dgm:styleLbl>
+  <dgm:styleLbl name="parChTrans1D4">
+    <dgm:fillClrLst meth="repeat">
+      <a:schemeClr val="accent1">
+        <a:tint val="50000"/>
+      </a:schemeClr>
+    </dgm:fillClrLst>
+    <dgm:linClrLst meth="repeat">
+      <a:schemeClr val="accent1">
+        <a:tint val="50000"/>
+      </a:schemeClr>
+    </dgm:linClrLst>
+    <dgm:effectClrLst/>
+    <dgm:txLinClrLst/>
+    <dgm:txFillClrLst meth="repeat">
+      <a:schemeClr val="tx1"/>
+    </dgm:txFillClrLst>
+    <dgm:txEffectClrLst/>
+  </dgm:styleLbl>
+  <dgm:styleLbl name="fgAcc1">
+    <dgm:fillClrLst meth="repeat">
+      <a:schemeClr val="lt1">
+        <a:alpha val="90000"/>
+      </a:schemeClr>
+    </dgm:fillClrLst>
+    <dgm:linClrLst>
+      <a:schemeClr val="accent1">
+        <a:alpha val="90000"/>
+      </a:schemeClr>
+      <a:schemeClr val="accent1">
+        <a:alpha val="50000"/>
+      </a:schemeClr>
+    </dgm:linClrLst>
+    <dgm:effectClrLst/>
+    <dgm:txLinClrLst/>
+    <dgm:txFillClrLst meth="repeat">
+      <a:schemeClr val="dk1"/>
+    </dgm:txFillClrLst>
+    <dgm:txEffectClrLst/>
+  </dgm:styleLbl>
+  <dgm:styleLbl name="conFgAcc1">
+    <dgm:fillClrLst meth="repeat">
+      <a:schemeClr val="lt1">
+        <a:alpha val="90000"/>
+      </a:schemeClr>
+    </dgm:fillClrLst>
+    <dgm:linClrLst>
+      <a:schemeClr val="accent1">
+        <a:alpha val="90000"/>
+      </a:schemeClr>
+      <a:schemeClr val="accent1">
+        <a:alpha val="50000"/>
+      </a:schemeClr>
+    </dgm:linClrLst>
+    <dgm:effectClrLst/>
+    <dgm:txLinClrLst/>
+    <dgm:txFillClrLst meth="repeat">
+      <a:schemeClr val="dk1"/>
+    </dgm:txFillClrLst>
+    <dgm:txEffectClrLst/>
+  </dgm:styleLbl>
+  <dgm:styleLbl name="alignAcc1">
+    <dgm:fillClrLst meth="repeat">
+      <a:schemeClr val="lt1">
+        <a:alpha val="90000"/>
+      </a:schemeClr>
+    </dgm:fillClrLst>
+    <dgm:linClrLst>
+      <a:schemeClr val="accent1">
+        <a:alpha val="90000"/>
+      </a:schemeClr>
+      <a:schemeClr val="accent1">
+        <a:alpha val="50000"/>
+      </a:schemeClr>
+    </dgm:linClrLst>
+    <dgm:effectClrLst/>
+    <dgm:txLinClrLst/>
+    <dgm:txFillClrLst meth="repeat">
+      <a:schemeClr val="dk1"/>
+    </dgm:txFillClrLst>
+    <dgm:txEffectClrLst/>
+  </dgm:styleLbl>
+  <dgm:styleLbl name="trAlignAcc1">
+    <dgm:fillClrLst meth="repeat">
+      <a:schemeClr val="lt1">
+        <a:alpha val="40000"/>
+      </a:schemeClr>
+    </dgm:fillClrLst>
+    <dgm:linClrLst>
+      <a:schemeClr val="accent1">
+        <a:alpha val="90000"/>
+      </a:schemeClr>
+      <a:schemeClr val="accent1">
+        <a:alpha val="50000"/>
+      </a:schemeClr>
+    </dgm:linClrLst>
+    <dgm:effectClrLst/>
+    <dgm:txLinClrLst/>
+    <dgm:txFillClrLst meth="repeat">
+      <a:schemeClr val="dk1"/>
+    </dgm:txFillClrLst>
+    <dgm:txEffectClrLst/>
+  </dgm:styleLbl>
+  <dgm:styleLbl name="bgAcc1">
+    <dgm:fillClrLst meth="repeat">
+      <a:schemeClr val="lt1">
+        <a:alpha val="90000"/>
+      </a:schemeClr>
+    </dgm:fillClrLst>
+    <dgm:linClrLst>
+      <a:schemeClr val="accent1">
+        <a:alpha val="90000"/>
+      </a:schemeClr>
+      <a:schemeClr val="accent1">
+        <a:alpha val="50000"/>
+      </a:schemeClr>
+    </dgm:linClrLst>
+    <dgm:effectClrLst/>
+    <dgm:txLinClrLst/>
+    <dgm:txFillClrLst meth="repeat">
+      <a:schemeClr val="dk1"/>
+    </dgm:txFillClrLst>
+    <dgm:txEffectClrLst/>
+  </dgm:styleLbl>
+  <dgm:styleLbl name="solidFgAcc1">
+    <dgm:fillClrLst meth="repeat">
+      <a:schemeClr val="lt1"/>
+    </dgm:fillClrLst>
+    <dgm:linClrLst>
+      <a:schemeClr val="accent1">
+        <a:alpha val="90000"/>
+      </a:schemeClr>
+      <a:schemeClr val="accent1">
+        <a:alpha val="50000"/>
+      </a:schemeClr>
+    </dgm:linClrLst>
+    <dgm:effectClrLst/>
+    <dgm:txLinClrLst/>
+    <dgm:txFillClrLst meth="repeat">
+      <a:schemeClr val="dk1"/>
+    </dgm:txFillClrLst>
+    <dgm:txEffectClrLst/>
+  </dgm:styleLbl>
+  <dgm:styleLbl name="solidAlignAcc1">
+    <dgm:fillClrLst meth="repeat">
+      <a:schemeClr val="lt1"/>
+    </dgm:fillClrLst>
+    <dgm:linClrLst meth="repeat">
+      <a:schemeClr val="accent1"/>
+    </dgm:linClrLst>
+    <dgm:effectClrLst/>
+    <dgm:txLinClrLst/>
+    <dgm:txFillClrLst meth="repeat">
+      <a:schemeClr val="dk1"/>
+    </dgm:txFillClrLst>
+    <dgm:txEffectClrLst/>
+  </dgm:styleLbl>
+  <dgm:styleLbl name="solidBgAcc1">
+    <dgm:fillClrLst meth="repeat">
+      <a:schemeClr val="lt1"/>
+    </dgm:fillClrLst>
+    <dgm:linClrLst meth="repeat">
+      <a:schemeClr val="accent1"/>
+    </dgm:linClrLst>
+    <dgm:effectClrLst/>
+    <dgm:txLinClrLst/>
+    <dgm:txFillClrLst meth="repeat">
+      <a:schemeClr val="dk1"/>
+    </dgm:txFillClrLst>
+    <dgm:txEffectClrLst/>
+  </dgm:styleLbl>
+  <dgm:styleLbl name="fgAccFollowNode1">
+    <dgm:fillClrLst>
+      <a:schemeClr val="accent1">
+        <a:alpha val="90000"/>
+        <a:tint val="40000"/>
+      </a:schemeClr>
+      <a:schemeClr val="accent1">
+        <a:alpha val="50000"/>
+        <a:tint val="40000"/>
+      </a:schemeClr>
+    </dgm:fillClrLst>
+    <dgm:linClrLst meth="repeat">
+      <a:schemeClr val="accent1">
+        <a:alpha val="90000"/>
+        <a:tint val="40000"/>
+      </a:schemeClr>
+    </dgm:linClrLst>
+    <dgm:effectClrLst/>
+    <dgm:txLinClrLst/>
+    <dgm:txFillClrLst meth="repeat">
+      <a:schemeClr val="dk1"/>
+    </dgm:txFillClrLst>
+    <dgm:txEffectClrLst/>
+  </dgm:styleLbl>
+  <dgm:styleLbl name="alignAccFollowNode1">
+    <dgm:fillClrLst meth="repeat">
+      <a:schemeClr val="accent1">
+        <a:alpha val="90000"/>
+        <a:tint val="40000"/>
+      </a:schemeClr>
+    </dgm:fillClrLst>
+    <dgm:linClrLst meth="repeat">
+      <a:schemeClr val="accent1">
+        <a:alpha val="90000"/>
+        <a:tint val="40000"/>
+      </a:schemeClr>
+    </dgm:linClrLst>
+    <dgm:effectClrLst/>
+    <dgm:txLinClrLst/>
+    <dgm:txFillClrLst meth="repeat">
+      <a:schemeClr val="dk1"/>
+    </dgm:txFillClrLst>
+    <dgm:txEffectClrLst/>
+  </dgm:styleLbl>
+  <dgm:styleLbl name="bgAccFollowNode1">
+    <dgm:fillClrLst meth="repeat">
+      <a:schemeClr val="accent1">
+        <a:alpha val="90000"/>
+        <a:tint val="40000"/>
+      </a:schemeClr>
+    </dgm:fillClrLst>
+    <dgm:linClrLst meth="repeat">
+      <a:schemeClr val="lt1"/>
+    </dgm:linClrLst>
+    <dgm:effectClrLst/>
+    <dgm:txLinClrLst/>
+    <dgm:txFillClrLst meth="repeat">
+      <a:schemeClr val="dk1"/>
+    </dgm:txFillClrLst>
+    <dgm:txEffectClrLst/>
+  </dgm:styleLbl>
+  <dgm:styleLbl name="fgAcc0">
+    <dgm:fillClrLst meth="repeat">
+      <a:schemeClr val="lt1">
+        <a:alpha val="90000"/>
+      </a:schemeClr>
+    </dgm:fillClrLst>
+    <dgm:linClrLst meth="repeat">
+      <a:schemeClr val="accent1">
+        <a:shade val="80000"/>
+      </a:schemeClr>
+    </dgm:linClrLst>
+    <dgm:effectClrLst/>
+    <dgm:txLinClrLst/>
+    <dgm:txFillClrLst meth="repeat">
+      <a:schemeClr val="dk1"/>
+    </dgm:txFillClrLst>
+    <dgm:txEffectClrLst/>
+  </dgm:styleLbl>
+  <dgm:styleLbl name="fgAcc2">
+    <dgm:fillClrLst meth="repeat">
+      <a:schemeClr val="lt1">
+        <a:alpha val="90000"/>
+      </a:schemeClr>
+    </dgm:fillClrLst>
+    <dgm:linClrLst meth="repeat">
+      <a:schemeClr val="accent1">
+        <a:tint val="90000"/>
+      </a:schemeClr>
+    </dgm:linClrLst>
+    <dgm:effectClrLst/>
+    <dgm:txLinClrLst/>
+    <dgm:txFillClrLst meth="repeat">
+      <a:schemeClr val="dk1"/>
+    </dgm:txFillClrLst>
+    <dgm:txEffectClrLst/>
+  </dgm:styleLbl>
+  <dgm:styleLbl name="fgAcc3">
+    <dgm:fillClrLst meth="repeat">
+      <a:schemeClr val="lt1">
+        <a:alpha val="90000"/>
+      </a:schemeClr>
+    </dgm:fillClrLst>
+    <dgm:linClrLst meth="repeat">
+      <a:schemeClr val="accent1">
+        <a:tint val="70000"/>
+      </a:schemeClr>
+    </dgm:linClrLst>
+    <dgm:effectClrLst/>
+    <dgm:txLinClrLst/>
+    <dgm:txFillClrLst meth="repeat">
+      <a:schemeClr val="dk1"/>
+    </dgm:txFillClrLst>
+    <dgm:txEffectClrLst/>
+  </dgm:styleLbl>
+  <dgm:styleLbl name="fgAcc4">
+    <dgm:fillClrLst meth="repeat">
+      <a:schemeClr val="lt1">
+        <a:alpha val="90000"/>
+      </a:schemeClr>
+    </dgm:fillClrLst>
+    <dgm:linClrLst meth="repeat">
+      <a:schemeClr val="accent1">
+        <a:tint val="50000"/>
+      </a:schemeClr>
+    </dgm:linClrLst>
+    <dgm:effectClrLst/>
+    <dgm:txLinClrLst/>
+    <dgm:txFillClrLst meth="repeat">
+      <a:schemeClr val="dk1"/>
+    </dgm:txFillClrLst>
+    <dgm:txEffectClrLst/>
+  </dgm:styleLbl>
+  <dgm:styleLbl name="bgShp">
+    <dgm:fillClrLst meth="repeat">
+      <a:schemeClr val="accent1">
+        <a:tint val="40000"/>
+      </a:schemeClr>
+    </dgm:fillClrLst>
+    <dgm:linClrLst meth="repeat">
+      <a:schemeClr val="dk1"/>
+    </dgm:linClrLst>
+    <dgm:effectClrLst/>
+    <dgm:txLinClrLst/>
+    <dgm:txFillClrLst meth="repeat">
+      <a:schemeClr val="dk1"/>
+    </dgm:txFillClrLst>
+    <dgm:txEffectClrLst/>
+  </dgm:styleLbl>
+  <dgm:styleLbl name="dkBgShp">
+    <dgm:fillClrLst meth="repeat">
+      <a:schemeClr val="accent1">
+        <a:shade val="90000"/>
+      </a:schemeClr>
+    </dgm:fillClrLst>
+    <dgm:linClrLst meth="repeat">
+      <a:schemeClr val="dk1"/>
+    </dgm:linClrLst>
+    <dgm:effectClrLst/>
+    <dgm:txLinClrLst/>
+    <dgm:txFillClrLst meth="repeat">
+      <a:schemeClr val="lt1"/>
+    </dgm:txFillClrLst>
+    <dgm:txEffectClrLst/>
+  </dgm:styleLbl>
+  <dgm:styleLbl name="trBgShp">
+    <dgm:fillClrLst meth="repeat">
+      <a:schemeClr val="accent1">
+        <a:tint val="50000"/>
+        <a:alpha val="40000"/>
+      </a:schemeClr>
+    </dgm:fillClrLst>
+    <dgm:linClrLst meth="repeat">
+      <a:schemeClr val="accent1"/>
+    </dgm:linClrLst>
+    <dgm:effectClrLst/>
+    <dgm:txLinClrLst/>
+    <dgm:txFillClrLst meth="repeat">
+      <a:schemeClr val="lt1"/>
+    </dgm:txFillClrLst>
+    <dgm:txEffectClrLst/>
+  </dgm:styleLbl>
+  <dgm:styleLbl name="fgShp">
+    <dgm:fillClrLst meth="repeat">
+      <a:schemeClr val="accent1">
+        <a:tint val="40000"/>
+      </a:schemeClr>
+    </dgm:fillClrLst>
+    <dgm:linClrLst meth="repeat">
+      <a:schemeClr val="lt1"/>
+    </dgm:linClrLst>
+    <dgm:effectClrLst/>
+    <dgm:txLinClrLst/>
+    <dgm:txFillClrLst meth="repeat">
+      <a:schemeClr val="dk1"/>
+    </dgm:txFillClrLst>
+    <dgm:txEffectClrLst/>
+  </dgm:styleLbl>
+  <dgm:styleLbl name="revTx">
+    <dgm:fillClrLst meth="repeat">
+      <a:schemeClr val="lt1">
+        <a:alpha val="0"/>
+      </a:schemeClr>
+    </dgm:fillClrLst>
+    <dgm:linClrLst meth="repeat">
+      <a:schemeClr val="dk1">
+        <a:alpha val="0"/>
+      </a:schemeClr>
+    </dgm:linClrLst>
+    <dgm:effectClrLst/>
+    <dgm:txLinClrLst/>
+    <dgm:txFillClrLst meth="repeat">
+      <a:schemeClr val="tx1"/>
+    </dgm:txFillClrLst>
+    <dgm:txEffectClrLst/>
+  </dgm:styleLbl>
+</dgm:colorsDef>
+</file>
+
+<file path=ppt/diagrams/data1.xml><?xml version="1.0" encoding="utf-8"?>
+<dgm:dataModel xmlns:dgm="http://schemas.openxmlformats.org/drawingml/2006/diagram" xmlns:a="http://schemas.openxmlformats.org/drawingml/2006/main">
+  <dgm:ptLst>
+    <dgm:pt modelId="{6181B7C2-61CF-43B8-8229-AF1360D7A9D4}" type="doc">
+      <dgm:prSet loTypeId="urn:microsoft.com/office/officeart/2005/8/layout/vList5" loCatId="list" qsTypeId="urn:microsoft.com/office/officeart/2005/8/quickstyle/simple3" qsCatId="simple" csTypeId="urn:microsoft.com/office/officeart/2005/8/colors/accent1_5" csCatId="accent1" phldr="1"/>
+      <dgm:spPr/>
+      <dgm:t>
+        <a:bodyPr/>
+        <a:lstStyle/>
+        <a:p>
+          <a:endParaRPr kumimoji="1" lang="ja-JP" altLang="en-US"/>
+        </a:p>
+      </dgm:t>
+    </dgm:pt>
+    <dgm:pt modelId="{0AD08BE3-07D5-4674-A53F-FE9D5E2C8526}">
+      <dgm:prSet phldrT="[テキスト]" custT="1"/>
+      <dgm:spPr/>
+      <dgm:t>
+        <a:bodyPr/>
+        <a:lstStyle/>
+        <a:p>
+          <a:r>
+            <a:rPr kumimoji="1" lang="ja-JP" altLang="en-US" sz="3600" dirty="0" smtClean="0"/>
+            <a:t>メリット</a:t>
+          </a:r>
+          <a:endParaRPr kumimoji="1" lang="ja-JP" altLang="en-US" sz="3600" dirty="0"/>
+        </a:p>
+      </dgm:t>
+    </dgm:pt>
+    <dgm:pt modelId="{31F73BDF-1A3E-44EA-8388-35C2B94DCAB1}" type="parTrans" cxnId="{E31DE1B3-A249-4B7B-A1A5-2253F4429E9A}">
+      <dgm:prSet/>
+      <dgm:spPr/>
+      <dgm:t>
+        <a:bodyPr/>
+        <a:lstStyle/>
+        <a:p>
+          <a:endParaRPr kumimoji="1" lang="ja-JP" altLang="en-US" sz="2000"/>
+        </a:p>
+      </dgm:t>
+    </dgm:pt>
+    <dgm:pt modelId="{DEB54011-35F0-4D35-B996-8AB76354E7B5}" type="sibTrans" cxnId="{E31DE1B3-A249-4B7B-A1A5-2253F4429E9A}">
+      <dgm:prSet/>
+      <dgm:spPr/>
+      <dgm:t>
+        <a:bodyPr/>
+        <a:lstStyle/>
+        <a:p>
+          <a:endParaRPr kumimoji="1" lang="ja-JP" altLang="en-US" sz="2000"/>
+        </a:p>
+      </dgm:t>
+    </dgm:pt>
+    <dgm:pt modelId="{A9DBF446-E129-4468-97A2-4A67CA48A082}">
+      <dgm:prSet phldrT="[テキスト]" custT="1"/>
+      <dgm:spPr/>
+      <dgm:t>
+        <a:bodyPr/>
+        <a:lstStyle/>
+        <a:p>
+          <a:r>
+            <a:rPr kumimoji="1" lang="ja-JP" altLang="en-US" sz="2200" dirty="0" smtClean="0"/>
+            <a:t>組込みシステム開発において実際に有効な</a:t>
+          </a:r>
+          <a:r>
+            <a:rPr kumimoji="1" lang="en-US" altLang="ja-JP" sz="2200" dirty="0" smtClean="0"/>
+            <a:t/>
+          </a:r>
+          <a:br>
+            <a:rPr kumimoji="1" lang="en-US" altLang="ja-JP" sz="2200" dirty="0" smtClean="0"/>
+          </a:br>
+          <a:r>
+            <a:rPr kumimoji="1" lang="ja-JP" altLang="en-US" sz="2200" dirty="0" smtClean="0"/>
+            <a:t>モデルである</a:t>
+          </a:r>
+          <a:endParaRPr kumimoji="1" lang="ja-JP" altLang="en-US" sz="2200" dirty="0"/>
+        </a:p>
+      </dgm:t>
+    </dgm:pt>
+    <dgm:pt modelId="{0386BC08-9350-4A4C-92FB-29C9F0085482}" type="parTrans" cxnId="{4B88174D-7B98-430F-A307-A6CCCD71D7A8}">
+      <dgm:prSet/>
+      <dgm:spPr/>
+      <dgm:t>
+        <a:bodyPr/>
+        <a:lstStyle/>
+        <a:p>
+          <a:endParaRPr kumimoji="1" lang="ja-JP" altLang="en-US" sz="2000"/>
+        </a:p>
+      </dgm:t>
+    </dgm:pt>
+    <dgm:pt modelId="{EE3E04C0-8E53-483B-89B1-1BBF1080105D}" type="sibTrans" cxnId="{4B88174D-7B98-430F-A307-A6CCCD71D7A8}">
+      <dgm:prSet/>
+      <dgm:spPr/>
+      <dgm:t>
+        <a:bodyPr/>
+        <a:lstStyle/>
+        <a:p>
+          <a:endParaRPr kumimoji="1" lang="ja-JP" altLang="en-US" sz="2000"/>
+        </a:p>
+      </dgm:t>
+    </dgm:pt>
+    <dgm:pt modelId="{CF28A5D9-BCE9-47B2-84F8-CBEDD24A512D}">
+      <dgm:prSet phldrT="[テキスト]" custT="1"/>
+      <dgm:spPr/>
+      <dgm:t>
+        <a:bodyPr/>
+        <a:lstStyle/>
+        <a:p>
+          <a:r>
+            <a:rPr kumimoji="1" lang="ja-JP" altLang="en-US" sz="3600" dirty="0" smtClean="0"/>
+            <a:t>デメリット</a:t>
+          </a:r>
+          <a:endParaRPr kumimoji="1" lang="ja-JP" altLang="en-US" sz="3600" dirty="0"/>
+        </a:p>
+      </dgm:t>
+    </dgm:pt>
+    <dgm:pt modelId="{6459D5B2-7714-475A-9670-656D144B76FA}" type="parTrans" cxnId="{9B62B5E1-25A7-4FFD-8103-295A84509C43}">
+      <dgm:prSet/>
+      <dgm:spPr/>
+      <dgm:t>
+        <a:bodyPr/>
+        <a:lstStyle/>
+        <a:p>
+          <a:endParaRPr kumimoji="1" lang="ja-JP" altLang="en-US" sz="2000"/>
+        </a:p>
+      </dgm:t>
+    </dgm:pt>
+    <dgm:pt modelId="{692FEA9C-7B8F-4C44-A2D2-140F4B552947}" type="sibTrans" cxnId="{9B62B5E1-25A7-4FFD-8103-295A84509C43}">
+      <dgm:prSet/>
+      <dgm:spPr/>
+      <dgm:t>
+        <a:bodyPr/>
+        <a:lstStyle/>
+        <a:p>
+          <a:endParaRPr kumimoji="1" lang="ja-JP" altLang="en-US" sz="2000"/>
+        </a:p>
+      </dgm:t>
+    </dgm:pt>
+    <dgm:pt modelId="{0BED9EFA-74F5-41B5-B429-569707212DBB}">
+      <dgm:prSet phldrT="[テキスト]" custT="1"/>
+      <dgm:spPr/>
+      <dgm:t>
+        <a:bodyPr/>
+        <a:lstStyle/>
+        <a:p>
+          <a:r>
+            <a:rPr kumimoji="1" lang="ja-JP" altLang="en-US" sz="2200" dirty="0" smtClean="0"/>
+            <a:t>抽象的なモデルのみが提供されており，</a:t>
+          </a:r>
+          <a:r>
+            <a:rPr kumimoji="1" lang="en-US" altLang="ja-JP" sz="2200" dirty="0" smtClean="0"/>
+            <a:t/>
+          </a:r>
+          <a:br>
+            <a:rPr kumimoji="1" lang="en-US" altLang="ja-JP" sz="2200" dirty="0" smtClean="0"/>
+          </a:br>
+          <a:r>
+            <a:rPr kumimoji="1" lang="ja-JP" altLang="en-US" sz="2200" dirty="0" smtClean="0">
+              <a:solidFill>
+                <a:srgbClr val="7030A0"/>
+              </a:solidFill>
+            </a:rPr>
+            <a:t>環境に合わせたモデルの例が出回っていない</a:t>
+          </a:r>
+          <a:endParaRPr kumimoji="1" lang="ja-JP" altLang="en-US" sz="2200" dirty="0">
+            <a:solidFill>
+              <a:srgbClr val="7030A0"/>
+            </a:solidFill>
+          </a:endParaRPr>
+        </a:p>
+      </dgm:t>
+    </dgm:pt>
+    <dgm:pt modelId="{0A1C4933-BD8B-4F14-872E-76E0146C9294}" type="parTrans" cxnId="{810CAA76-2355-4B6B-9FDB-D4BC663D7820}">
+      <dgm:prSet/>
+      <dgm:spPr/>
+      <dgm:t>
+        <a:bodyPr/>
+        <a:lstStyle/>
+        <a:p>
+          <a:endParaRPr kumimoji="1" lang="ja-JP" altLang="en-US" sz="2000"/>
+        </a:p>
+      </dgm:t>
+    </dgm:pt>
+    <dgm:pt modelId="{CD01AF91-9A88-4DF8-9B9F-55AA01893F76}" type="sibTrans" cxnId="{810CAA76-2355-4B6B-9FDB-D4BC663D7820}">
+      <dgm:prSet/>
+      <dgm:spPr/>
+      <dgm:t>
+        <a:bodyPr/>
+        <a:lstStyle/>
+        <a:p>
+          <a:endParaRPr kumimoji="1" lang="ja-JP" altLang="en-US" sz="2000"/>
+        </a:p>
+      </dgm:t>
+    </dgm:pt>
+    <dgm:pt modelId="{35104699-789C-423B-BB91-21E7C376B0A3}">
+      <dgm:prSet phldrT="[テキスト]" custT="1"/>
+      <dgm:spPr/>
+      <dgm:t>
+        <a:bodyPr/>
+        <a:lstStyle/>
+        <a:p>
+          <a:r>
+            <a:rPr kumimoji="1" lang="ja-JP" altLang="en-US" sz="2200" dirty="0" smtClean="0"/>
+            <a:t>実践報告が無く，</a:t>
+          </a:r>
+          <a:r>
+            <a:rPr kumimoji="1" lang="ja-JP" altLang="en-US" sz="2200" dirty="0" smtClean="0">
+              <a:solidFill>
+                <a:srgbClr val="7030A0"/>
+              </a:solidFill>
+            </a:rPr>
+            <a:t>モデルの有用性が不明</a:t>
+          </a:r>
+          <a:endParaRPr kumimoji="1" lang="ja-JP" altLang="en-US" sz="2200" dirty="0">
+            <a:solidFill>
+              <a:srgbClr val="7030A0"/>
+            </a:solidFill>
+          </a:endParaRPr>
+        </a:p>
+      </dgm:t>
+    </dgm:pt>
+    <dgm:pt modelId="{594F9988-D233-43FE-94BF-B31313676162}" type="parTrans" cxnId="{E915BE6D-F97C-4F14-8F69-EA22C57D94F8}">
+      <dgm:prSet/>
+      <dgm:spPr/>
+      <dgm:t>
+        <a:bodyPr/>
+        <a:lstStyle/>
+        <a:p>
+          <a:endParaRPr kumimoji="1" lang="ja-JP" altLang="en-US" sz="2000"/>
+        </a:p>
+      </dgm:t>
+    </dgm:pt>
+    <dgm:pt modelId="{A45E4366-7D61-4C3E-8499-CF03750EB311}" type="sibTrans" cxnId="{E915BE6D-F97C-4F14-8F69-EA22C57D94F8}">
+      <dgm:prSet/>
+      <dgm:spPr/>
+      <dgm:t>
+        <a:bodyPr/>
+        <a:lstStyle/>
+        <a:p>
+          <a:endParaRPr kumimoji="1" lang="ja-JP" altLang="en-US" sz="2000"/>
+        </a:p>
+      </dgm:t>
+    </dgm:pt>
+    <dgm:pt modelId="{5BB1E37E-D960-41E2-95AB-B6551862F256}">
+      <dgm:prSet phldrT="[テキスト]" custT="1"/>
+      <dgm:spPr/>
+      <dgm:t>
+        <a:bodyPr/>
+        <a:lstStyle/>
+        <a:p>
+          <a:r>
+            <a:rPr kumimoji="1" lang="ja-JP" altLang="en-US" sz="2200" dirty="0" smtClean="0"/>
+            <a:t>抽象的なモデルであり，様々な用途に</a:t>
+          </a:r>
+          <a:r>
+            <a:rPr kumimoji="1" lang="en-US" altLang="ja-JP" sz="2200" dirty="0" smtClean="0"/>
+            <a:t/>
+          </a:r>
+          <a:br>
+            <a:rPr kumimoji="1" lang="en-US" altLang="ja-JP" sz="2200" dirty="0" smtClean="0"/>
+          </a:br>
+          <a:r>
+            <a:rPr kumimoji="1" lang="ja-JP" altLang="en-US" sz="2200" dirty="0" smtClean="0"/>
+            <a:t>用いる事が可能</a:t>
+          </a:r>
+          <a:endParaRPr kumimoji="1" lang="ja-JP" altLang="en-US" sz="2200" dirty="0"/>
+        </a:p>
+      </dgm:t>
+    </dgm:pt>
+    <dgm:pt modelId="{E75FE4AE-BD78-4E14-84D5-27FE7EE29952}" type="parTrans" cxnId="{46A8928B-D7B6-4DD6-A330-D6C84A42F722}">
+      <dgm:prSet/>
+      <dgm:spPr/>
+      <dgm:t>
+        <a:bodyPr/>
+        <a:lstStyle/>
+        <a:p>
+          <a:endParaRPr kumimoji="1" lang="ja-JP" altLang="en-US"/>
+        </a:p>
+      </dgm:t>
+    </dgm:pt>
+    <dgm:pt modelId="{F96C879B-552F-48CD-92C4-71FB546B53D8}" type="sibTrans" cxnId="{46A8928B-D7B6-4DD6-A330-D6C84A42F722}">
+      <dgm:prSet/>
+      <dgm:spPr/>
+      <dgm:t>
+        <a:bodyPr/>
+        <a:lstStyle/>
+        <a:p>
+          <a:endParaRPr kumimoji="1" lang="ja-JP" altLang="en-US"/>
+        </a:p>
+      </dgm:t>
+    </dgm:pt>
+    <dgm:pt modelId="{BDD5C34D-BBC4-4AC3-949A-1C77E565D0D2}" type="pres">
+      <dgm:prSet presAssocID="{6181B7C2-61CF-43B8-8229-AF1360D7A9D4}" presName="Name0" presStyleCnt="0">
+        <dgm:presLayoutVars>
+          <dgm:dir/>
+          <dgm:animLvl val="lvl"/>
+          <dgm:resizeHandles val="exact"/>
+        </dgm:presLayoutVars>
+      </dgm:prSet>
+      <dgm:spPr/>
+    </dgm:pt>
+    <dgm:pt modelId="{F7E58AD4-9321-4E83-9EC4-B80BA03978D4}" type="pres">
+      <dgm:prSet presAssocID="{0AD08BE3-07D5-4674-A53F-FE9D5E2C8526}" presName="linNode" presStyleCnt="0"/>
+      <dgm:spPr/>
+    </dgm:pt>
+    <dgm:pt modelId="{1AA8AAD9-7BF6-4D36-B05C-34C733964128}" type="pres">
+      <dgm:prSet presAssocID="{0AD08BE3-07D5-4674-A53F-FE9D5E2C8526}" presName="parentText" presStyleLbl="node1" presStyleIdx="0" presStyleCnt="2" custScaleX="84453" custScaleY="46371" custLinFactNeighborY="-434">
+        <dgm:presLayoutVars>
+          <dgm:chMax val="1"/>
+          <dgm:bulletEnabled val="1"/>
+        </dgm:presLayoutVars>
+      </dgm:prSet>
+      <dgm:spPr/>
+      <dgm:t>
+        <a:bodyPr/>
+        <a:lstStyle/>
+        <a:p>
+          <a:endParaRPr kumimoji="1" lang="ja-JP" altLang="en-US"/>
+        </a:p>
+      </dgm:t>
+    </dgm:pt>
+    <dgm:pt modelId="{D5502AE9-3ADA-4517-9126-6C0D34C6C75B}" type="pres">
+      <dgm:prSet presAssocID="{0AD08BE3-07D5-4674-A53F-FE9D5E2C8526}" presName="descendantText" presStyleLbl="alignAccFollowNode1" presStyleIdx="0" presStyleCnt="2" custScaleX="118229" custScaleY="52946" custLinFactNeighborX="-285">
+        <dgm:presLayoutVars>
+          <dgm:bulletEnabled val="1"/>
+        </dgm:presLayoutVars>
+      </dgm:prSet>
+      <dgm:spPr/>
+      <dgm:t>
+        <a:bodyPr/>
+        <a:lstStyle/>
+        <a:p>
+          <a:endParaRPr kumimoji="1" lang="ja-JP" altLang="en-US"/>
+        </a:p>
+      </dgm:t>
+    </dgm:pt>
+    <dgm:pt modelId="{0713FE9A-EF3B-4159-BCDB-AD66EC2AEEE6}" type="pres">
+      <dgm:prSet presAssocID="{DEB54011-35F0-4D35-B996-8AB76354E7B5}" presName="sp" presStyleCnt="0"/>
+      <dgm:spPr/>
+    </dgm:pt>
+    <dgm:pt modelId="{C327CFA5-2AAC-4083-BA7C-D182CBF87C0F}" type="pres">
+      <dgm:prSet presAssocID="{CF28A5D9-BCE9-47B2-84F8-CBEDD24A512D}" presName="linNode" presStyleCnt="0"/>
+      <dgm:spPr/>
+    </dgm:pt>
+    <dgm:pt modelId="{2C9C14E4-11CB-47F6-991F-F638FDCE8F52}" type="pres">
+      <dgm:prSet presAssocID="{CF28A5D9-BCE9-47B2-84F8-CBEDD24A512D}" presName="parentText" presStyleLbl="node1" presStyleIdx="1" presStyleCnt="2" custScaleX="81380" custScaleY="43821">
+        <dgm:presLayoutVars>
+          <dgm:chMax val="1"/>
+          <dgm:bulletEnabled val="1"/>
+        </dgm:presLayoutVars>
+      </dgm:prSet>
+      <dgm:spPr/>
+    </dgm:pt>
+    <dgm:pt modelId="{5B70856B-7A45-47C4-94A2-1A9CA4B04FEE}" type="pres">
+      <dgm:prSet presAssocID="{CF28A5D9-BCE9-47B2-84F8-CBEDD24A512D}" presName="descendantText" presStyleLbl="alignAccFollowNode1" presStyleIdx="1" presStyleCnt="2" custScaleX="113355" custScaleY="55190">
+        <dgm:presLayoutVars>
+          <dgm:bulletEnabled val="1"/>
+        </dgm:presLayoutVars>
+      </dgm:prSet>
+      <dgm:spPr/>
+      <dgm:t>
+        <a:bodyPr/>
+        <a:lstStyle/>
+        <a:p>
+          <a:endParaRPr kumimoji="1" lang="ja-JP" altLang="en-US"/>
+        </a:p>
+      </dgm:t>
+    </dgm:pt>
+  </dgm:ptLst>
+  <dgm:cxnLst>
+    <dgm:cxn modelId="{46A8928B-D7B6-4DD6-A330-D6C84A42F722}" srcId="{0AD08BE3-07D5-4674-A53F-FE9D5E2C8526}" destId="{5BB1E37E-D960-41E2-95AB-B6551862F256}" srcOrd="1" destOrd="0" parTransId="{E75FE4AE-BD78-4E14-84D5-27FE7EE29952}" sibTransId="{F96C879B-552F-48CD-92C4-71FB546B53D8}"/>
+    <dgm:cxn modelId="{928DEFBF-7131-40DC-AEFF-FB6F1ABA70DC}" type="presOf" srcId="{5BB1E37E-D960-41E2-95AB-B6551862F256}" destId="{D5502AE9-3ADA-4517-9126-6C0D34C6C75B}" srcOrd="0" destOrd="1" presId="urn:microsoft.com/office/officeart/2005/8/layout/vList5"/>
+    <dgm:cxn modelId="{290E7128-7D2A-4817-9E60-7A168611BC50}" type="presOf" srcId="{0BED9EFA-74F5-41B5-B429-569707212DBB}" destId="{5B70856B-7A45-47C4-94A2-1A9CA4B04FEE}" srcOrd="0" destOrd="0" presId="urn:microsoft.com/office/officeart/2005/8/layout/vList5"/>
+    <dgm:cxn modelId="{E915BE6D-F97C-4F14-8F69-EA22C57D94F8}" srcId="{CF28A5D9-BCE9-47B2-84F8-CBEDD24A512D}" destId="{35104699-789C-423B-BB91-21E7C376B0A3}" srcOrd="1" destOrd="0" parTransId="{594F9988-D233-43FE-94BF-B31313676162}" sibTransId="{A45E4366-7D61-4C3E-8499-CF03750EB311}"/>
+    <dgm:cxn modelId="{46FABFD7-C9BA-4C66-9891-C8FC318F3236}" type="presOf" srcId="{0AD08BE3-07D5-4674-A53F-FE9D5E2C8526}" destId="{1AA8AAD9-7BF6-4D36-B05C-34C733964128}" srcOrd="0" destOrd="0" presId="urn:microsoft.com/office/officeart/2005/8/layout/vList5"/>
+    <dgm:cxn modelId="{9C549CB7-93AA-4CEB-80E6-8B26BB37B557}" type="presOf" srcId="{6181B7C2-61CF-43B8-8229-AF1360D7A9D4}" destId="{BDD5C34D-BBC4-4AC3-949A-1C77E565D0D2}" srcOrd="0" destOrd="0" presId="urn:microsoft.com/office/officeart/2005/8/layout/vList5"/>
+    <dgm:cxn modelId="{88CDBC5B-1A92-40DB-854C-E589D8359A74}" type="presOf" srcId="{35104699-789C-423B-BB91-21E7C376B0A3}" destId="{5B70856B-7A45-47C4-94A2-1A9CA4B04FEE}" srcOrd="0" destOrd="1" presId="urn:microsoft.com/office/officeart/2005/8/layout/vList5"/>
+    <dgm:cxn modelId="{810CAA76-2355-4B6B-9FDB-D4BC663D7820}" srcId="{CF28A5D9-BCE9-47B2-84F8-CBEDD24A512D}" destId="{0BED9EFA-74F5-41B5-B429-569707212DBB}" srcOrd="0" destOrd="0" parTransId="{0A1C4933-BD8B-4F14-872E-76E0146C9294}" sibTransId="{CD01AF91-9A88-4DF8-9B9F-55AA01893F76}"/>
+    <dgm:cxn modelId="{82D2C239-203F-47E5-A3A5-B40D4B291BE3}" type="presOf" srcId="{A9DBF446-E129-4468-97A2-4A67CA48A082}" destId="{D5502AE9-3ADA-4517-9126-6C0D34C6C75B}" srcOrd="0" destOrd="0" presId="urn:microsoft.com/office/officeart/2005/8/layout/vList5"/>
+    <dgm:cxn modelId="{4B88174D-7B98-430F-A307-A6CCCD71D7A8}" srcId="{0AD08BE3-07D5-4674-A53F-FE9D5E2C8526}" destId="{A9DBF446-E129-4468-97A2-4A67CA48A082}" srcOrd="0" destOrd="0" parTransId="{0386BC08-9350-4A4C-92FB-29C9F0085482}" sibTransId="{EE3E04C0-8E53-483B-89B1-1BBF1080105D}"/>
+    <dgm:cxn modelId="{9B62B5E1-25A7-4FFD-8103-295A84509C43}" srcId="{6181B7C2-61CF-43B8-8229-AF1360D7A9D4}" destId="{CF28A5D9-BCE9-47B2-84F8-CBEDD24A512D}" srcOrd="1" destOrd="0" parTransId="{6459D5B2-7714-475A-9670-656D144B76FA}" sibTransId="{692FEA9C-7B8F-4C44-A2D2-140F4B552947}"/>
+    <dgm:cxn modelId="{6C4F6F6D-F83E-4E0D-BEA9-B4B43B2B1340}" type="presOf" srcId="{CF28A5D9-BCE9-47B2-84F8-CBEDD24A512D}" destId="{2C9C14E4-11CB-47F6-991F-F638FDCE8F52}" srcOrd="0" destOrd="0" presId="urn:microsoft.com/office/officeart/2005/8/layout/vList5"/>
+    <dgm:cxn modelId="{E31DE1B3-A249-4B7B-A1A5-2253F4429E9A}" srcId="{6181B7C2-61CF-43B8-8229-AF1360D7A9D4}" destId="{0AD08BE3-07D5-4674-A53F-FE9D5E2C8526}" srcOrd="0" destOrd="0" parTransId="{31F73BDF-1A3E-44EA-8388-35C2B94DCAB1}" sibTransId="{DEB54011-35F0-4D35-B996-8AB76354E7B5}"/>
+    <dgm:cxn modelId="{9C9BEE9B-8A39-419D-A00D-4CE96665E590}" type="presParOf" srcId="{BDD5C34D-BBC4-4AC3-949A-1C77E565D0D2}" destId="{F7E58AD4-9321-4E83-9EC4-B80BA03978D4}" srcOrd="0" destOrd="0" presId="urn:microsoft.com/office/officeart/2005/8/layout/vList5"/>
+    <dgm:cxn modelId="{08BA0FED-7515-4AAC-8769-FEA854F6C0CF}" type="presParOf" srcId="{F7E58AD4-9321-4E83-9EC4-B80BA03978D4}" destId="{1AA8AAD9-7BF6-4D36-B05C-34C733964128}" srcOrd="0" destOrd="0" presId="urn:microsoft.com/office/officeart/2005/8/layout/vList5"/>
+    <dgm:cxn modelId="{F8C31112-C519-4B3E-A9A5-A166CC8A0CC8}" type="presParOf" srcId="{F7E58AD4-9321-4E83-9EC4-B80BA03978D4}" destId="{D5502AE9-3ADA-4517-9126-6C0D34C6C75B}" srcOrd="1" destOrd="0" presId="urn:microsoft.com/office/officeart/2005/8/layout/vList5"/>
+    <dgm:cxn modelId="{D34BDDD0-4315-4984-A989-0AEEDE0D3F8E}" type="presParOf" srcId="{BDD5C34D-BBC4-4AC3-949A-1C77E565D0D2}" destId="{0713FE9A-EF3B-4159-BCDB-AD66EC2AEEE6}" srcOrd="1" destOrd="0" presId="urn:microsoft.com/office/officeart/2005/8/layout/vList5"/>
+    <dgm:cxn modelId="{293CE75F-6C40-480E-82CC-7B68E23969F8}" type="presParOf" srcId="{BDD5C34D-BBC4-4AC3-949A-1C77E565D0D2}" destId="{C327CFA5-2AAC-4083-BA7C-D182CBF87C0F}" srcOrd="2" destOrd="0" presId="urn:microsoft.com/office/officeart/2005/8/layout/vList5"/>
+    <dgm:cxn modelId="{68FA9272-EAEA-47E5-B740-7A893E540B2B}" type="presParOf" srcId="{C327CFA5-2AAC-4083-BA7C-D182CBF87C0F}" destId="{2C9C14E4-11CB-47F6-991F-F638FDCE8F52}" srcOrd="0" destOrd="0" presId="urn:microsoft.com/office/officeart/2005/8/layout/vList5"/>
+    <dgm:cxn modelId="{5621A3AF-F2D2-4C8A-8BF0-E22D57A78639}" type="presParOf" srcId="{C327CFA5-2AAC-4083-BA7C-D182CBF87C0F}" destId="{5B70856B-7A45-47C4-94A2-1A9CA4B04FEE}" srcOrd="1" destOrd="0" presId="urn:microsoft.com/office/officeart/2005/8/layout/vList5"/>
+  </dgm:cxnLst>
+  <dgm:bg/>
+  <dgm:whole/>
+  <dgm:extLst>
+    <a:ext uri="http://schemas.microsoft.com/office/drawing/2008/diagram">
+      <dsp:dataModelExt xmlns:dsp="http://schemas.microsoft.com/office/drawing/2008/diagram" relId="rId7" minVer="http://schemas.openxmlformats.org/drawingml/2006/diagram"/>
+    </a:ext>
+  </dgm:extLst>
+</dgm:dataModel>
+</file>
+
+<file path=ppt/diagrams/drawing1.xml><?xml version="1.0" encoding="utf-8"?>
+<dsp:drawing xmlns:dgm="http://schemas.openxmlformats.org/drawingml/2006/diagram" xmlns:dsp="http://schemas.microsoft.com/office/drawing/2008/diagram" xmlns:a="http://schemas.openxmlformats.org/drawingml/2006/main">
+  <dsp:spTree>
+    <dsp:nvGrpSpPr>
+      <dsp:cNvPr id="0" name=""/>
+      <dsp:cNvGrpSpPr/>
+    </dsp:nvGrpSpPr>
+    <dsp:grpSpPr/>
+    <dsp:sp modelId="{D5502AE9-3ADA-4517-9126-6C0D34C6C75B}">
+      <dsp:nvSpPr>
+        <dsp:cNvPr id="0" name=""/>
+        <dsp:cNvSpPr/>
+      </dsp:nvSpPr>
+      <dsp:spPr>
+        <a:xfrm rot="5400000">
+          <a:off x="4871977" y="-2250523"/>
+          <a:ext cx="1401642" cy="6186908"/>
+        </a:xfrm>
+        <a:prstGeom prst="round2SameRect">
+          <a:avLst/>
+        </a:prstGeom>
+        <a:solidFill>
+          <a:schemeClr val="accent1">
+            <a:alpha val="90000"/>
+            <a:tint val="40000"/>
+            <a:hueOff val="0"/>
+            <a:satOff val="0"/>
+            <a:lumOff val="0"/>
+            <a:alphaOff val="0"/>
+          </a:schemeClr>
+        </a:solidFill>
+        <a:ln w="9525" cap="flat" cmpd="sng" algn="ctr">
+          <a:solidFill>
+            <a:schemeClr val="accent1">
+              <a:alpha val="90000"/>
+              <a:tint val="40000"/>
+              <a:hueOff val="0"/>
+              <a:satOff val="0"/>
+              <a:lumOff val="0"/>
+              <a:alphaOff val="0"/>
+            </a:schemeClr>
+          </a:solidFill>
+          <a:prstDash val="solid"/>
+        </a:ln>
+        <a:effectLst/>
+      </dsp:spPr>
+      <dsp:style>
+        <a:lnRef idx="1">
+          <a:scrgbClr r="0" g="0" b="0"/>
+        </a:lnRef>
+        <a:fillRef idx="1">
+          <a:scrgbClr r="0" g="0" b="0"/>
+        </a:fillRef>
+        <a:effectRef idx="0">
+          <a:scrgbClr r="0" g="0" b="0"/>
+        </a:effectRef>
+        <a:fontRef idx="minor"/>
+      </dsp:style>
+      <dsp:txBody>
+        <a:bodyPr spcFirstLastPara="0" vert="horz" wrap="square" lIns="247650" tIns="123825" rIns="247650" bIns="123825" numCol="1" spcCol="1270" anchor="ctr" anchorCtr="0">
+          <a:noAutofit/>
+        </a:bodyPr>
+        <a:lstStyle/>
+        <a:p>
+          <a:pPr marL="228600" lvl="1" indent="-228600" algn="l" defTabSz="977900">
+            <a:lnSpc>
+              <a:spcPct val="90000"/>
+            </a:lnSpc>
+            <a:spcBef>
+              <a:spcPct val="0"/>
+            </a:spcBef>
+            <a:spcAft>
+              <a:spcPct val="15000"/>
+            </a:spcAft>
+            <a:buChar char="••"/>
+          </a:pPr>
+          <a:r>
+            <a:rPr kumimoji="1" lang="ja-JP" altLang="en-US" sz="2200" kern="1200" dirty="0" smtClean="0"/>
+            <a:t>組込みシステム開発において実際に有効な</a:t>
+          </a:r>
+          <a:r>
+            <a:rPr kumimoji="1" lang="en-US" altLang="ja-JP" sz="2200" kern="1200" dirty="0" smtClean="0"/>
+            <a:t/>
+          </a:r>
+          <a:br>
+            <a:rPr kumimoji="1" lang="en-US" altLang="ja-JP" sz="2200" kern="1200" dirty="0" smtClean="0"/>
+          </a:br>
+          <a:r>
+            <a:rPr kumimoji="1" lang="ja-JP" altLang="en-US" sz="2200" kern="1200" dirty="0" smtClean="0"/>
+            <a:t>モデルである</a:t>
+          </a:r>
+          <a:endParaRPr kumimoji="1" lang="ja-JP" altLang="en-US" sz="2200" kern="1200" dirty="0"/>
+        </a:p>
+        <a:p>
+          <a:pPr marL="228600" lvl="1" indent="-228600" algn="l" defTabSz="977900">
+            <a:lnSpc>
+              <a:spcPct val="90000"/>
+            </a:lnSpc>
+            <a:spcBef>
+              <a:spcPct val="0"/>
+            </a:spcBef>
+            <a:spcAft>
+              <a:spcPct val="15000"/>
+            </a:spcAft>
+            <a:buChar char="••"/>
+          </a:pPr>
+          <a:r>
+            <a:rPr kumimoji="1" lang="ja-JP" altLang="en-US" sz="2200" kern="1200" dirty="0" smtClean="0"/>
+            <a:t>抽象的なモデルであり，様々な用途に</a:t>
+          </a:r>
+          <a:r>
+            <a:rPr kumimoji="1" lang="en-US" altLang="ja-JP" sz="2200" kern="1200" dirty="0" smtClean="0"/>
+            <a:t/>
+          </a:r>
+          <a:br>
+            <a:rPr kumimoji="1" lang="en-US" altLang="ja-JP" sz="2200" kern="1200" dirty="0" smtClean="0"/>
+          </a:br>
+          <a:r>
+            <a:rPr kumimoji="1" lang="ja-JP" altLang="en-US" sz="2200" kern="1200" dirty="0" smtClean="0"/>
+            <a:t>用いる事が可能</a:t>
+          </a:r>
+          <a:endParaRPr kumimoji="1" lang="ja-JP" altLang="en-US" sz="2200" kern="1200" dirty="0"/>
+        </a:p>
+      </dsp:txBody>
+      <dsp:txXfrm rot="-5400000">
+        <a:off x="2479345" y="210532"/>
+        <a:ext cx="6118485" cy="1264796"/>
+      </dsp:txXfrm>
+    </dsp:sp>
+    <dsp:sp modelId="{1AA8AAD9-7BF6-4D36-B05C-34C733964128}">
+      <dsp:nvSpPr>
+        <dsp:cNvPr id="0" name=""/>
+        <dsp:cNvSpPr/>
+      </dsp:nvSpPr>
+      <dsp:spPr>
+        <a:xfrm>
+          <a:off x="1813" y="61330"/>
+          <a:ext cx="2485920" cy="1534478"/>
+        </a:xfrm>
+        <a:prstGeom prst="roundRect">
+          <a:avLst/>
+        </a:prstGeom>
+        <a:gradFill rotWithShape="0">
+          <a:gsLst>
+            <a:gs pos="0">
+              <a:schemeClr val="accent1">
+                <a:alpha val="90000"/>
+                <a:hueOff val="0"/>
+                <a:satOff val="0"/>
+                <a:lumOff val="0"/>
+                <a:alphaOff val="0"/>
+                <a:tint val="50000"/>
+                <a:satMod val="300000"/>
+              </a:schemeClr>
+            </a:gs>
+            <a:gs pos="35000">
+              <a:schemeClr val="accent1">
+                <a:alpha val="90000"/>
+                <a:hueOff val="0"/>
+                <a:satOff val="0"/>
+                <a:lumOff val="0"/>
+                <a:alphaOff val="0"/>
+                <a:tint val="37000"/>
+                <a:satMod val="300000"/>
+              </a:schemeClr>
+            </a:gs>
+            <a:gs pos="100000">
+              <a:schemeClr val="accent1">
+                <a:alpha val="90000"/>
+                <a:hueOff val="0"/>
+                <a:satOff val="0"/>
+                <a:lumOff val="0"/>
+                <a:alphaOff val="0"/>
+                <a:tint val="15000"/>
+                <a:satMod val="350000"/>
+              </a:schemeClr>
+            </a:gs>
+          </a:gsLst>
+          <a:lin ang="16200000" scaled="1"/>
+        </a:gradFill>
+        <a:ln>
+          <a:noFill/>
+        </a:ln>
+        <a:effectLst>
+          <a:outerShdw blurRad="40000" dist="20000" dir="5400000" rotWithShape="0">
+            <a:srgbClr val="000000">
+              <a:alpha val="38000"/>
+            </a:srgbClr>
+          </a:outerShdw>
+        </a:effectLst>
+        <a:scene3d>
+          <a:camera prst="orthographicFront"/>
+          <a:lightRig rig="flat" dir="t"/>
+        </a:scene3d>
+        <a:sp3d prstMaterial="dkEdge">
+          <a:bevelT w="8200" h="38100"/>
+        </a:sp3d>
+      </dsp:spPr>
+      <dsp:style>
+        <a:lnRef idx="0">
+          <a:scrgbClr r="0" g="0" b="0"/>
+        </a:lnRef>
+        <a:fillRef idx="2">
+          <a:scrgbClr r="0" g="0" b="0"/>
+        </a:fillRef>
+        <a:effectRef idx="1">
+          <a:scrgbClr r="0" g="0" b="0"/>
+        </a:effectRef>
+        <a:fontRef idx="minor">
+          <a:schemeClr val="dk1"/>
+        </a:fontRef>
+      </dsp:style>
+      <dsp:txBody>
+        <a:bodyPr spcFirstLastPara="0" vert="horz" wrap="square" lIns="137160" tIns="68580" rIns="137160" bIns="68580" numCol="1" spcCol="1270" anchor="ctr" anchorCtr="0">
+          <a:noAutofit/>
+        </a:bodyPr>
+        <a:lstStyle/>
+        <a:p>
+          <a:pPr lvl="0" algn="ctr" defTabSz="1600200">
+            <a:lnSpc>
+              <a:spcPct val="90000"/>
+            </a:lnSpc>
+            <a:spcBef>
+              <a:spcPct val="0"/>
+            </a:spcBef>
+            <a:spcAft>
+              <a:spcPct val="35000"/>
+            </a:spcAft>
+          </a:pPr>
+          <a:r>
+            <a:rPr kumimoji="1" lang="ja-JP" altLang="en-US" sz="3600" kern="1200" dirty="0" smtClean="0"/>
+            <a:t>メリット</a:t>
+          </a:r>
+          <a:endParaRPr kumimoji="1" lang="ja-JP" altLang="en-US" sz="3600" kern="1200" dirty="0"/>
+        </a:p>
+      </dsp:txBody>
+      <dsp:txXfrm>
+        <a:off x="76720" y="136237"/>
+        <a:ext cx="2336106" cy="1384664"/>
+      </dsp:txXfrm>
+    </dsp:sp>
+    <dsp:sp modelId="{5B70856B-7A45-47C4-94A2-1A9CA4B04FEE}">
+      <dsp:nvSpPr>
+        <dsp:cNvPr id="0" name=""/>
+        <dsp:cNvSpPr/>
+      </dsp:nvSpPr>
+      <dsp:spPr>
+        <a:xfrm rot="5400000">
+          <a:off x="4854914" y="-582715"/>
+          <a:ext cx="1461048" cy="6177732"/>
+        </a:xfrm>
+        <a:prstGeom prst="round2SameRect">
+          <a:avLst/>
+        </a:prstGeom>
+        <a:solidFill>
+          <a:schemeClr val="accent1">
+            <a:alpha val="90000"/>
+            <a:tint val="40000"/>
+            <a:hueOff val="0"/>
+            <a:satOff val="0"/>
+            <a:lumOff val="0"/>
+            <a:alphaOff val="0"/>
+          </a:schemeClr>
+        </a:solidFill>
+        <a:ln w="9525" cap="flat" cmpd="sng" algn="ctr">
+          <a:solidFill>
+            <a:schemeClr val="accent1">
+              <a:alpha val="90000"/>
+              <a:tint val="40000"/>
+              <a:hueOff val="0"/>
+              <a:satOff val="0"/>
+              <a:lumOff val="0"/>
+              <a:alphaOff val="0"/>
+            </a:schemeClr>
+          </a:solidFill>
+          <a:prstDash val="solid"/>
+        </a:ln>
+        <a:effectLst/>
+      </dsp:spPr>
+      <dsp:style>
+        <a:lnRef idx="1">
+          <a:scrgbClr r="0" g="0" b="0"/>
+        </a:lnRef>
+        <a:fillRef idx="1">
+          <a:scrgbClr r="0" g="0" b="0"/>
+        </a:fillRef>
+        <a:effectRef idx="0">
+          <a:scrgbClr r="0" g="0" b="0"/>
+        </a:effectRef>
+        <a:fontRef idx="minor"/>
+      </dsp:style>
+      <dsp:txBody>
+        <a:bodyPr spcFirstLastPara="0" vert="horz" wrap="square" lIns="247650" tIns="123825" rIns="247650" bIns="123825" numCol="1" spcCol="1270" anchor="ctr" anchorCtr="0">
+          <a:noAutofit/>
+        </a:bodyPr>
+        <a:lstStyle/>
+        <a:p>
+          <a:pPr marL="228600" lvl="1" indent="-228600" algn="l" defTabSz="977900">
+            <a:lnSpc>
+              <a:spcPct val="90000"/>
+            </a:lnSpc>
+            <a:spcBef>
+              <a:spcPct val="0"/>
+            </a:spcBef>
+            <a:spcAft>
+              <a:spcPct val="15000"/>
+            </a:spcAft>
+            <a:buChar char="••"/>
+          </a:pPr>
+          <a:r>
+            <a:rPr kumimoji="1" lang="ja-JP" altLang="en-US" sz="2200" kern="1200" dirty="0" smtClean="0"/>
+            <a:t>抽象的なモデルのみが提供されており，</a:t>
+          </a:r>
+          <a:r>
+            <a:rPr kumimoji="1" lang="en-US" altLang="ja-JP" sz="2200" kern="1200" dirty="0" smtClean="0"/>
+            <a:t/>
+          </a:r>
+          <a:br>
+            <a:rPr kumimoji="1" lang="en-US" altLang="ja-JP" sz="2200" kern="1200" dirty="0" smtClean="0"/>
+          </a:br>
+          <a:r>
+            <a:rPr kumimoji="1" lang="ja-JP" altLang="en-US" sz="2200" kern="1200" dirty="0" smtClean="0">
+              <a:solidFill>
+                <a:srgbClr val="7030A0"/>
+              </a:solidFill>
+            </a:rPr>
+            <a:t>環境に合わせたモデルの例が出回っていない</a:t>
+          </a:r>
+          <a:endParaRPr kumimoji="1" lang="ja-JP" altLang="en-US" sz="2200" kern="1200" dirty="0">
+            <a:solidFill>
+              <a:srgbClr val="7030A0"/>
+            </a:solidFill>
+          </a:endParaRPr>
+        </a:p>
+        <a:p>
+          <a:pPr marL="228600" lvl="1" indent="-228600" algn="l" defTabSz="977900">
+            <a:lnSpc>
+              <a:spcPct val="90000"/>
+            </a:lnSpc>
+            <a:spcBef>
+              <a:spcPct val="0"/>
+            </a:spcBef>
+            <a:spcAft>
+              <a:spcPct val="15000"/>
+            </a:spcAft>
+            <a:buChar char="••"/>
+          </a:pPr>
+          <a:r>
+            <a:rPr kumimoji="1" lang="ja-JP" altLang="en-US" sz="2200" kern="1200" dirty="0" smtClean="0"/>
+            <a:t>実践報告が無く，</a:t>
+          </a:r>
+          <a:r>
+            <a:rPr kumimoji="1" lang="ja-JP" altLang="en-US" sz="2200" kern="1200" dirty="0" smtClean="0">
+              <a:solidFill>
+                <a:srgbClr val="7030A0"/>
+              </a:solidFill>
+            </a:rPr>
+            <a:t>モデルの有用性が不明</a:t>
+          </a:r>
+          <a:endParaRPr kumimoji="1" lang="ja-JP" altLang="en-US" sz="2200" kern="1200" dirty="0">
+            <a:solidFill>
+              <a:srgbClr val="7030A0"/>
+            </a:solidFill>
+          </a:endParaRPr>
+        </a:p>
+      </dsp:txBody>
+      <dsp:txXfrm rot="-5400000">
+        <a:off x="2496572" y="1846949"/>
+        <a:ext cx="6106410" cy="1318404"/>
+      </dsp:txXfrm>
+    </dsp:sp>
+    <dsp:sp modelId="{2C9C14E4-11CB-47F6-991F-F638FDCE8F52}">
+      <dsp:nvSpPr>
+        <dsp:cNvPr id="0" name=""/>
+        <dsp:cNvSpPr/>
+      </dsp:nvSpPr>
+      <dsp:spPr>
+        <a:xfrm>
+          <a:off x="1813" y="1781103"/>
+          <a:ext cx="2494759" cy="1450095"/>
+        </a:xfrm>
+        <a:prstGeom prst="roundRect">
+          <a:avLst/>
+        </a:prstGeom>
+        <a:gradFill rotWithShape="0">
+          <a:gsLst>
+            <a:gs pos="0">
+              <a:schemeClr val="accent1">
+                <a:alpha val="90000"/>
+                <a:hueOff val="0"/>
+                <a:satOff val="0"/>
+                <a:lumOff val="0"/>
+                <a:alphaOff val="-40000"/>
+                <a:tint val="50000"/>
+                <a:satMod val="300000"/>
+              </a:schemeClr>
+            </a:gs>
+            <a:gs pos="35000">
+              <a:schemeClr val="accent1">
+                <a:alpha val="90000"/>
+                <a:hueOff val="0"/>
+                <a:satOff val="0"/>
+                <a:lumOff val="0"/>
+                <a:alphaOff val="-40000"/>
+                <a:tint val="37000"/>
+                <a:satMod val="300000"/>
+              </a:schemeClr>
+            </a:gs>
+            <a:gs pos="100000">
+              <a:schemeClr val="accent1">
+                <a:alpha val="90000"/>
+                <a:hueOff val="0"/>
+                <a:satOff val="0"/>
+                <a:lumOff val="0"/>
+                <a:alphaOff val="-40000"/>
+                <a:tint val="15000"/>
+                <a:satMod val="350000"/>
+              </a:schemeClr>
+            </a:gs>
+          </a:gsLst>
+          <a:lin ang="16200000" scaled="1"/>
+        </a:gradFill>
+        <a:ln>
+          <a:noFill/>
+        </a:ln>
+        <a:effectLst>
+          <a:outerShdw blurRad="40000" dist="20000" dir="5400000" rotWithShape="0">
+            <a:srgbClr val="000000">
+              <a:alpha val="38000"/>
+            </a:srgbClr>
+          </a:outerShdw>
+        </a:effectLst>
+        <a:scene3d>
+          <a:camera prst="orthographicFront"/>
+          <a:lightRig rig="flat" dir="t"/>
+        </a:scene3d>
+        <a:sp3d prstMaterial="dkEdge">
+          <a:bevelT w="8200" h="38100"/>
+        </a:sp3d>
+      </dsp:spPr>
+      <dsp:style>
+        <a:lnRef idx="0">
+          <a:scrgbClr r="0" g="0" b="0"/>
+        </a:lnRef>
+        <a:fillRef idx="2">
+          <a:scrgbClr r="0" g="0" b="0"/>
+        </a:fillRef>
+        <a:effectRef idx="1">
+          <a:scrgbClr r="0" g="0" b="0"/>
+        </a:effectRef>
+        <a:fontRef idx="minor">
+          <a:schemeClr val="dk1"/>
+        </a:fontRef>
+      </dsp:style>
+      <dsp:txBody>
+        <a:bodyPr spcFirstLastPara="0" vert="horz" wrap="square" lIns="137160" tIns="68580" rIns="137160" bIns="68580" numCol="1" spcCol="1270" anchor="ctr" anchorCtr="0">
+          <a:noAutofit/>
+        </a:bodyPr>
+        <a:lstStyle/>
+        <a:p>
+          <a:pPr lvl="0" algn="ctr" defTabSz="1600200">
+            <a:lnSpc>
+              <a:spcPct val="90000"/>
+            </a:lnSpc>
+            <a:spcBef>
+              <a:spcPct val="0"/>
+            </a:spcBef>
+            <a:spcAft>
+              <a:spcPct val="35000"/>
+            </a:spcAft>
+          </a:pPr>
+          <a:r>
+            <a:rPr kumimoji="1" lang="ja-JP" altLang="en-US" sz="3600" kern="1200" dirty="0" smtClean="0"/>
+            <a:t>デメリット</a:t>
+          </a:r>
+          <a:endParaRPr kumimoji="1" lang="ja-JP" altLang="en-US" sz="3600" kern="1200" dirty="0"/>
+        </a:p>
+      </dsp:txBody>
+      <dsp:txXfrm>
+        <a:off x="72601" y="1851891"/>
+        <a:ext cx="2353183" cy="1308519"/>
+      </dsp:txXfrm>
+    </dsp:sp>
+  </dsp:spTree>
+</dsp:drawing>
+</file>
+
+<file path=ppt/diagrams/layout1.xml><?xml version="1.0" encoding="utf-8"?>
+<dgm:layoutDef xmlns:dgm="http://schemas.openxmlformats.org/drawingml/2006/diagram" xmlns:a="http://schemas.openxmlformats.org/drawingml/2006/main" uniqueId="urn:microsoft.com/office/officeart/2005/8/layout/vList5">
+  <dgm:title val=""/>
+  <dgm:desc val=""/>
+  <dgm:catLst>
+    <dgm:cat type="list" pri="15000"/>
+    <dgm:cat type="convert" pri="2000"/>
+  </dgm:catLst>
+  <dgm:sampData>
+    <dgm:dataModel>
+      <dgm:ptLst>
+        <dgm:pt modelId="0" type="doc"/>
+        <dgm:pt modelId="1">
+          <dgm:prSet phldr="1"/>
+        </dgm:pt>
+        <dgm:pt modelId="11">
+          <dgm:prSet phldr="1"/>
+        </dgm:pt>
+        <dgm:pt modelId="12">
+          <dgm:prSet phldr="1"/>
+        </dgm:pt>
+        <dgm:pt modelId="2">
+          <dgm:prSet phldr="1"/>
+        </dgm:pt>
+        <dgm:pt modelId="21">
+          <dgm:prSet phldr="1"/>
+        </dgm:pt>
+        <dgm:pt modelId="22">
+          <dgm:prSet phldr="1"/>
+        </dgm:pt>
+        <dgm:pt modelId="3">
+          <dgm:prSet phldr="1"/>
+        </dgm:pt>
+        <dgm:pt modelId="31">
+          <dgm:prSet phldr="1"/>
+        </dgm:pt>
+        <dgm:pt modelId="32">
+          <dgm:prSet phldr="1"/>
+        </dgm:pt>
+      </dgm:ptLst>
+      <dgm:cxnLst>
+        <dgm:cxn modelId="4" srcId="0" destId="1" srcOrd="0" destOrd="0"/>
+        <dgm:cxn modelId="5" srcId="0" destId="2" srcOrd="1" destOrd="0"/>
+        <dgm:cxn modelId="6" srcId="0" destId="3" srcOrd="2" destOrd="0"/>
+        <dgm:cxn modelId="13" srcId="1" destId="11" srcOrd="0" destOrd="0"/>
+        <dgm:cxn modelId="14" srcId="1" destId="12" srcOrd="1" destOrd="0"/>
+        <dgm:cxn modelId="23" srcId="2" destId="21" srcOrd="0" destOrd="0"/>
+        <dgm:cxn modelId="24" srcId="2" destId="22" srcOrd="1" destOrd="0"/>
+        <dgm:cxn modelId="33" srcId="3" destId="31" srcOrd="0" destOrd="0"/>
+        <dgm:cxn modelId="34" srcId="3" destId="32" srcOrd="1" destOrd="0"/>
+      </dgm:cxnLst>
+      <dgm:bg/>
+      <dgm:whole/>
+    </dgm:dataModel>
+  </dgm:sampData>
+  <dgm:styleData>
+    <dgm:dataModel>
+      <dgm:ptLst>
+        <dgm:pt modelId="0" type="doc"/>
+        <dgm:pt modelId="1"/>
+        <dgm:pt modelId="11"/>
+        <dgm:pt modelId="2"/>
+        <dgm:pt modelId="21"/>
+      </dgm:ptLst>
+      <dgm:cxnLst>
+        <dgm:cxn modelId="4" srcId="0" destId="1" srcOrd="0" destOrd="0"/>
+        <dgm:cxn modelId="5" srcId="0" destId="2" srcOrd="1" destOrd="0"/>
+        <dgm:cxn modelId="13" srcId="1" destId="11" srcOrd="0" destOrd="0"/>
+        <dgm:cxn modelId="23" srcId="2" destId="21" srcOrd="0" destOrd="0"/>
+      </dgm:cxnLst>
+      <dgm:bg/>
+      <dgm:whole/>
+    </dgm:dataModel>
+  </dgm:styleData>
+  <dgm:clrData>
+    <dgm:dataModel>
+      <dgm:ptLst>
+        <dgm:pt modelId="0" type="doc"/>
+        <dgm:pt modelId="1"/>
+        <dgm:pt modelId="11"/>
+        <dgm:pt modelId="2"/>
+        <dgm:pt modelId="21"/>
+        <dgm:pt modelId="3"/>
+        <dgm:pt modelId="31"/>
+        <dgm:pt modelId="4"/>
+        <dgm:pt modelId="41"/>
+      </dgm:ptLst>
+      <dgm:cxnLst>
+        <dgm:cxn modelId="5" srcId="0" destId="1" srcOrd="0" destOrd="0"/>
+        <dgm:cxn modelId="6" srcId="0" destId="2" srcOrd="1" destOrd="0"/>
+        <dgm:cxn modelId="7" srcId="0" destId="3" srcOrd="2" destOrd="0"/>
+        <dgm:cxn modelId="8" srcId="0" destId="4" srcOrd="3" destOrd="0"/>
+        <dgm:cxn modelId="13" srcId="1" destId="11" srcOrd="0" destOrd="0"/>
+        <dgm:cxn modelId="23" srcId="2" destId="21" srcOrd="0" destOrd="0"/>
+        <dgm:cxn modelId="33" srcId="3" destId="31" srcOrd="0" destOrd="0"/>
+        <dgm:cxn modelId="43" srcId="4" destId="41" srcOrd="0" destOrd="0"/>
+      </dgm:cxnLst>
+      <dgm:bg/>
+      <dgm:whole/>
+    </dgm:dataModel>
+  </dgm:clrData>
+  <dgm:layoutNode name="Name0">
+    <dgm:varLst>
+      <dgm:dir/>
+      <dgm:animLvl val="lvl"/>
+      <dgm:resizeHandles val="exact"/>
+    </dgm:varLst>
+    <dgm:choose name="Name1">
+      <dgm:if name="Name2" func="var" arg="dir" op="equ" val="norm">
+        <dgm:alg type="lin">
+          <dgm:param type="linDir" val="fromT"/>
+          <dgm:param type="nodeHorzAlign" val="l"/>
+        </dgm:alg>
+      </dgm:if>
+      <dgm:else name="Name3">
+        <dgm:alg type="lin">
+          <dgm:param type="linDir" val="fromT"/>
+          <dgm:param type="nodeHorzAlign" val="r"/>
+        </dgm:alg>
+      </dgm:else>
+    </dgm:choose>
+    <dgm:shape xmlns:r="http://schemas.openxmlformats.org/officeDocument/2006/relationships" r:blip="">
+      <dgm:adjLst/>
+    </dgm:shape>
+    <dgm:presOf/>
+    <dgm:constrLst>
+      <dgm:constr type="h" for="ch" forName="linNode" refType="h"/>
+      <dgm:constr type="w" for="ch" forName="linNode" refType="w"/>
+      <dgm:constr type="h" for="ch" forName="sp" refType="h" fact="0.05"/>
+      <dgm:constr type="primFontSz" for="des" forName="parentText" op="equ" val="65"/>
+      <dgm:constr type="secFontSz" for="des" forName="descendantText" op="equ"/>
+    </dgm:constrLst>
+    <dgm:ruleLst/>
+    <dgm:forEach name="Name4" axis="ch" ptType="node">
+      <dgm:layoutNode name="linNode">
+        <dgm:choose name="Name5">
+          <dgm:if name="Name6" func="var" arg="dir" op="equ" val="norm">
+            <dgm:alg type="lin">
+              <dgm:param type="linDir" val="fromL"/>
+            </dgm:alg>
+          </dgm:if>
+          <dgm:else name="Name7">
+            <dgm:alg type="lin">
+              <dgm:param type="linDir" val="fromR"/>
+            </dgm:alg>
+          </dgm:else>
+        </dgm:choose>
+        <dgm:shape xmlns:r="http://schemas.openxmlformats.org/officeDocument/2006/relationships" r:blip="">
+          <dgm:adjLst/>
+        </dgm:shape>
+        <dgm:presOf/>
+        <dgm:constrLst>
+          <dgm:constr type="w" for="ch" forName="parentText" refType="w" fact="0.36"/>
+          <dgm:constr type="w" for="ch" forName="descendantText" refType="w" fact="0.64"/>
+          <dgm:constr type="h" for="ch" forName="parentText" refType="h"/>
+          <dgm:constr type="h" for="ch" forName="descendantText" refType="h" refFor="ch" refForName="parentText" fact="0.8"/>
+        </dgm:constrLst>
+        <dgm:ruleLst/>
+        <dgm:layoutNode name="parentText">
+          <dgm:varLst>
+            <dgm:chMax val="1"/>
+            <dgm:bulletEnabled val="1"/>
+          </dgm:varLst>
+          <dgm:alg type="tx"/>
+          <dgm:shape xmlns:r="http://schemas.openxmlformats.org/officeDocument/2006/relationships" type="roundRect" r:blip="" zOrderOff="3">
+            <dgm:adjLst/>
+          </dgm:shape>
+          <dgm:presOf axis="self" ptType="node"/>
+          <dgm:constrLst>
+            <dgm:constr type="tMarg" refType="primFontSz" fact="0.15"/>
+            <dgm:constr type="bMarg" refType="primFontSz" fact="0.15"/>
+            <dgm:constr type="lMarg" refType="primFontSz" fact="0.3"/>
+            <dgm:constr type="rMarg" refType="primFontSz" fact="0.3"/>
+          </dgm:constrLst>
+          <dgm:ruleLst>
+            <dgm:rule type="primFontSz" val="5" fact="NaN" max="NaN"/>
+          </dgm:ruleLst>
+        </dgm:layoutNode>
+        <dgm:choose name="Name8">
+          <dgm:if name="Name9" axis="ch" ptType="node" func="cnt" op="gte" val="1">
+            <dgm:layoutNode name="descendantText" styleLbl="alignAccFollowNode1">
+              <dgm:varLst>
+                <dgm:bulletEnabled val="1"/>
+              </dgm:varLst>
+              <dgm:alg type="tx">
+                <dgm:param type="stBulletLvl" val="1"/>
+                <dgm:param type="txAnchorVertCh" val="mid"/>
+              </dgm:alg>
+              <dgm:choose name="Name10">
+                <dgm:if name="Name11" func="var" arg="dir" op="equ" val="norm">
+                  <dgm:shape xmlns:r="http://schemas.openxmlformats.org/officeDocument/2006/relationships" rot="90" type="round2SameRect" r:blip="">
+                    <dgm:adjLst/>
+                  </dgm:shape>
+                </dgm:if>
+                <dgm:else name="Name12">
+                  <dgm:shape xmlns:r="http://schemas.openxmlformats.org/officeDocument/2006/relationships" rot="-90" type="round2SameRect" r:blip="">
+                    <dgm:adjLst/>
+                  </dgm:shape>
+                </dgm:else>
+              </dgm:choose>
+              <dgm:presOf axis="des" ptType="node"/>
+              <dgm:constrLst>
+                <dgm:constr type="secFontSz" val="65"/>
+                <dgm:constr type="primFontSz" refType="secFontSz"/>
+                <dgm:constr type="lMarg" refType="secFontSz" fact="0.3"/>
+                <dgm:constr type="rMarg" refType="secFontSz" fact="0.3"/>
+                <dgm:constr type="tMarg" refType="secFontSz" fact="0.15"/>
+                <dgm:constr type="bMarg" refType="secFontSz" fact="0.15"/>
+              </dgm:constrLst>
+              <dgm:ruleLst>
+                <dgm:rule type="secFontSz" val="5" fact="NaN" max="NaN"/>
+              </dgm:ruleLst>
+            </dgm:layoutNode>
+          </dgm:if>
+          <dgm:else name="Name13"/>
+        </dgm:choose>
+      </dgm:layoutNode>
+      <dgm:forEach name="Name14" axis="followSib" ptType="sibTrans" cnt="1">
+        <dgm:layoutNode name="sp">
+          <dgm:alg type="sp"/>
+          <dgm:shape xmlns:r="http://schemas.openxmlformats.org/officeDocument/2006/relationships" r:blip="">
+            <dgm:adjLst/>
+          </dgm:shape>
+          <dgm:presOf/>
+          <dgm:constrLst/>
+          <dgm:ruleLst/>
+        </dgm:layoutNode>
+      </dgm:forEach>
+    </dgm:forEach>
+  </dgm:layoutNode>
+</dgm:layoutDef>
+</file>
+
+<file path=ppt/diagrams/quickStyle1.xml><?xml version="1.0" encoding="utf-8"?>
+<dgm:styleDef xmlns:dgm="http://schemas.openxmlformats.org/drawingml/2006/diagram" xmlns:a="http://schemas.openxmlformats.org/drawingml/2006/main" uniqueId="urn:microsoft.com/office/officeart/2005/8/quickstyle/simple3">
+  <dgm:title val=""/>
+  <dgm:desc val=""/>
+  <dgm:catLst>
+    <dgm:cat type="simple" pri="10300"/>
+  </dgm:catLst>
+  <dgm:scene3d>
+    <a:camera prst="orthographicFront"/>
+    <a:lightRig rig="threePt" dir="t"/>
+  </dgm:scene3d>
+  <dgm:styleLbl name="node0">
+    <dgm:scene3d>
+      <a:camera prst="orthographicFront"/>
+      <a:lightRig rig="flat" dir="t"/>
+    </dgm:scene3d>
+    <dgm:sp3d prstMaterial="dkEdge">
+      <a:bevelT w="8200" h="38100"/>
+    </dgm:sp3d>
+    <dgm:txPr/>
+    <dgm:style>
+      <a:lnRef idx="0">
+        <a:scrgbClr r="0" g="0" b="0"/>
+      </a:lnRef>
+      <a:fillRef idx="2">
+        <a:scrgbClr r="0" g="0" b="0"/>
+      </a:fillRef>
+      <a:effectRef idx="1">
+        <a:scrgbClr r="0" g="0" b="0"/>
+      </a:effectRef>
+      <a:fontRef idx="minor">
+        <a:schemeClr val="dk1"/>
+      </a:fontRef>
+    </dgm:style>
+  </dgm:styleLbl>
+  <dgm:styleLbl name="lnNode1">
+    <dgm:scene3d>
+      <a:camera prst="orthographicFront"/>
+      <a:lightRig rig="flat" dir="t"/>
+    </dgm:scene3d>
+    <dgm:sp3d prstMaterial="dkEdge">
+      <a:bevelT w="8200" h="38100"/>
+    </dgm:sp3d>
+    <dgm:txPr/>
+    <dgm:style>
+      <a:lnRef idx="1">
+        <a:scrgbClr r="0" g="0" b="0"/>
+      </a:lnRef>
+      <a:fillRef idx="2">
+        <a:scrgbClr r="0" g="0" b="0"/>
+      </a:fillRef>
+      <a:effectRef idx="0">
+        <a:scrgbClr r="0" g="0" b="0"/>
+      </a:effectRef>
+      <a:fontRef idx="minor">
+        <a:schemeClr val="dk1"/>
+      </a:fontRef>
+    </dgm:style>
+  </dgm:styleLbl>
+  <dgm:styleLbl name="vennNode1">
+    <dgm:scene3d>
+      <a:camera prst="orthographicFront"/>
+      <a:lightRig rig="flat" dir="t"/>
+    </dgm:scene3d>
+    <dgm:sp3d prstMaterial="dkEdge">
+      <a:bevelT w="8200" h="38100"/>
+    </dgm:sp3d>
+    <dgm:txPr/>
+    <dgm:style>
+      <a:lnRef idx="0">
+        <a:scrgbClr r="0" g="0" b="0"/>
+      </a:lnRef>
+      <a:fillRef idx="2">
+        <a:scrgbClr r="0" g="0" b="0"/>
+      </a:fillRef>
+      <a:effectRef idx="0">
+        <a:scrgbClr r="0" g="0" b="0"/>
+      </a:effectRef>
+      <a:fontRef idx="minor">
+        <a:schemeClr val="tx1"/>
+      </a:fontRef>
+    </dgm:style>
+  </dgm:styleLbl>
+  <dgm:styleLbl name="alignNode1">
+    <dgm:scene3d>
+      <a:camera prst="orthographicFront"/>
+      <a:lightRig rig="threePt" dir="t"/>
+    </dgm:scene3d>
+    <dgm:sp3d/>
+    <dgm:txPr/>
+    <dgm:style>
+      <a:lnRef idx="1">
+        <a:scrgbClr r="0" g="0" b="0"/>
+      </a:lnRef>
+      <a:fillRef idx="2">
+        <a:scrgbClr r="0" g="0" b="0"/>
+      </a:fillRef>
+      <a:effectRef idx="1">
+        <a:scrgbClr r="0" g="0" b="0"/>
+      </a:effectRef>
+      <a:fontRef idx="minor">
+        <a:schemeClr val="dk1"/>
+      </a:fontRef>
+    </dgm:style>
+  </dgm:styleLbl>
+  <dgm:styleLbl name="node1">
+    <dgm:scene3d>
+      <a:camera prst="orthographicFront"/>
+      <a:lightRig rig="flat" dir="t"/>
+    </dgm:scene3d>
+    <dgm:sp3d prstMaterial="dkEdge">
+      <a:bevelT w="8200" h="38100"/>
+    </dgm:sp3d>
+    <dgm:txPr/>
+    <dgm:style>
+      <a:lnRef idx="0">
+        <a:scrgbClr r="0" g="0" b="0"/>
+      </a:lnRef>
+      <a:fillRef idx="2">
+        <a:scrgbClr r="0" g="0" b="0"/>
+      </a:fillRef>
+      <a:effectRef idx="1">
+        <a:scrgbClr r="0" g="0" b="0"/>
+      </a:effectRef>
+      <a:fontRef idx="minor">
+        <a:schemeClr val="dk1"/>
+      </a:fontRef>
+    </dgm:style>
+  </dgm:styleLbl>
+  <dgm:styleLbl name="node2">
+    <dgm:scene3d>
+      <a:camera prst="orthographicFront"/>
+      <a:lightRig rig="flat" dir="t"/>
+    </dgm:scene3d>
+    <dgm:sp3d prstMaterial="dkEdge">
+      <a:bevelT w="8200" h="38100"/>
+    </dgm:sp3d>
+    <dgm:txPr/>
+    <dgm:style>
+      <a:lnRef idx="0">
+        <a:scrgbClr r="0" g="0" b="0"/>
+      </a:lnRef>
+      <a:fillRef idx="2">
+        <a:scrgbClr r="0" g="0" b="0"/>
+      </a:fillRef>
+      <a:effectRef idx="1">
+        <a:scrgbClr r="0" g="0" b="0"/>
+      </a:effectRef>
+      <a:fontRef idx="minor">
+        <a:schemeClr val="dk1"/>
+      </a:fontRef>
+    </dgm:style>
+  </dgm:styleLbl>
+  <dgm:styleLbl name="node3">
+    <dgm:scene3d>
+      <a:camera prst="orthographicFront"/>
+      <a:lightRig rig="flat" dir="t"/>
+    </dgm:scene3d>
+    <dgm:sp3d prstMaterial="dkEdge">
+      <a:bevelT w="8200" h="38100"/>
+    </dgm:sp3d>
+    <dgm:txPr/>
+    <dgm:style>
+      <a:lnRef idx="0">
+        <a:scrgbClr r="0" g="0" b="0"/>
+      </a:lnRef>
+      <a:fillRef idx="2">
+        <a:scrgbClr r="0" g="0" b="0"/>
+      </a:fillRef>
+      <a:effectRef idx="1">
+        <a:scrgbClr r="0" g="0" b="0"/>
+      </a:effectRef>
+      <a:fontRef idx="minor">
+        <a:schemeClr val="dk1"/>
+      </a:fontRef>
+    </dgm:style>
+  </dgm:styleLbl>
+  <dgm:styleLbl name="node4">
+    <dgm:scene3d>
+      <a:camera prst="orthographicFront"/>
+      <a:lightRig rig="flat" dir="t"/>
+    </dgm:scene3d>
+    <dgm:sp3d prstMaterial="dkEdge">
+      <a:bevelT w="8200" h="38100"/>
+    </dgm:sp3d>
+    <dgm:txPr/>
+    <dgm:style>
+      <a:lnRef idx="0">
+        <a:scrgbClr r="0" g="0" b="0"/>
+      </a:lnRef>
+      <a:fillRef idx="2">
+        <a:scrgbClr r="0" g="0" b="0"/>
+      </a:fillRef>
+      <a:effectRef idx="1">
+        <a:scrgbClr r="0" g="0" b="0"/>
+      </a:effectRef>
+      <a:fontRef idx="minor">
+        <a:schemeClr val="dk1"/>
+      </a:fontRef>
+    </dgm:style>
+  </dgm:styleLbl>
+  <dgm:styleLbl name="fgImgPlace1">
+    <dgm:scene3d>
+      <a:camera prst="orthographicFront"/>
+      <a:lightRig rig="threePt" dir="t"/>
+    </dgm:scene3d>
+    <dgm:sp3d/>
+    <dgm:txPr/>
+    <dgm:style>
+      <a:lnRef idx="1">
+        <a:scrgbClr r="0" g="0" b="0"/>
+      </a:lnRef>
+      <a:fillRef idx="1">
+        <a:scrgbClr r="0" g="0" b="0"/>
+      </a:fillRef>
+      <a:effectRef idx="1">
+        <a:scrgbClr r="0" g="0" b="0"/>
+      </a:effectRef>
+      <a:fontRef idx="minor"/>
+    </dgm:style>
+  </dgm:styleLbl>
+  <dgm:styleLbl name="alignImgPlace1">
+    <dgm:scene3d>
+      <a:camera prst="orthographicFront"/>
+      <a:lightRig rig="threePt" dir="t"/>
+    </dgm:scene3d>
+    <dgm:sp3d/>
+    <dgm:txPr/>
+    <dgm:style>
+      <a:lnRef idx="1">
+        <a:scrgbClr r="0" g="0" b="0"/>
+      </a:lnRef>
+      <a:fillRef idx="1">
+        <a:scrgbClr r="0" g="0" b="0"/>
+      </a:fillRef>
+      <a:effectRef idx="1">
+        <a:scrgbClr r="0" g="0" b="0"/>
+      </a:effectRef>
+      <a:fontRef idx="minor"/>
+    </dgm:style>
+  </dgm:styleLbl>
+  <dgm:styleLbl name="bgImgPlace1">
+    <dgm:scene3d>
+      <a:camera prst="orthographicFront"/>
+      <a:lightRig rig="threePt" dir="t"/>
+    </dgm:scene3d>
+    <dgm:sp3d/>
+    <dgm:txPr/>
+    <dgm:style>
+      <a:lnRef idx="1">
+        <a:scrgbClr r="0" g="0" b="0"/>
+      </a:lnRef>
+      <a:fillRef idx="1">
+        <a:scrgbClr r="0" g="0" b="0"/>
+      </a:fillRef>
+      <a:effectRef idx="1">
+        <a:scrgbClr r="0" g="0" b="0"/>
+      </a:effectRef>
+      <a:fontRef idx="minor"/>
+    </dgm:style>
+  </dgm:styleLbl>
+  <dgm:styleLbl name="sibTrans2D1">
+    <dgm:scene3d>
+      <a:camera prst="orthographicFront"/>
+      <a:lightRig rig="threePt" dir="t"/>
+    </dgm:scene3d>
+    <dgm:sp3d/>
+    <dgm:txPr/>
+    <dgm:style>
+      <a:lnRef idx="0">
+        <a:scrgbClr r="0" g="0" b="0"/>
+      </a:lnRef>
+      <a:fillRef idx="2">
+        <a:scrgbClr r="0" g="0" b="0"/>
+      </a:fillRef>
+      <a:effectRef idx="1">
+        <a:scrgbClr r="0" g="0" b="0"/>
+      </a:effectRef>
+      <a:fontRef idx="minor">
+        <a:schemeClr val="dk1"/>
+      </a:fontRef>
+    </dgm:style>
+  </dgm:styleLbl>
+  <dgm:styleLbl name="fgSibTrans2D1">
+    <dgm:scene3d>
+      <a:camera prst="orthographicFront"/>
+      <a:lightRig rig="threePt" dir="t"/>
+    </dgm:scene3d>
+    <dgm:sp3d/>
+    <dgm:txPr/>
+    <dgm:style>
+      <a:lnRef idx="0">
+        <a:scrgbClr r="0" g="0" b="0"/>
+      </a:lnRef>
+      <a:fillRef idx="2">
+        <a:scrgbClr r="0" g="0" b="0"/>
+      </a:fillRef>
+      <a:effectRef idx="1">
+        <a:scrgbClr r="0" g="0" b="0"/>
+      </a:effectRef>
+      <a:fontRef idx="minor">
+        <a:schemeClr val="dk1"/>
+      </a:fontRef>
+    </dgm:style>
+  </dgm:styleLbl>
+  <dgm:styleLbl name="bgSibTrans2D1">
+    <dgm:scene3d>
+      <a:camera prst="orthographicFront"/>
+      <a:lightRig rig="threePt" dir="t"/>
+    </dgm:scene3d>
+    <dgm:sp3d/>
+    <dgm:txPr/>
+    <dgm:style>
+      <a:lnRef idx="0">
+        <a:scrgbClr r="0" g="0" b="0"/>
+      </a:lnRef>
+      <a:fillRef idx="2">
+        <a:scrgbClr r="0" g="0" b="0"/>
+      </a:fillRef>
+      <a:effectRef idx="1">
+        <a:scrgbClr r="0" g="0" b="0"/>
+      </a:effectRef>
+      <a:fontRef idx="minor">
+        <a:schemeClr val="dk1"/>
+      </a:fontRef>
+    </dgm:style>
+  </dgm:styleLbl>
+  <dgm:styleLbl name="sibTrans1D1">
+    <dgm:scene3d>
+      <a:camera prst="orthographicFront"/>
+      <a:lightRig rig="threePt" dir="t"/>
+    </dgm:scene3d>
+    <dgm:sp3d/>
+    <dgm:txPr/>
+    <dgm:style>
+      <a:lnRef idx="1">
+        <a:scrgbClr r="0" g="0" b="0"/>
+      </a:lnRef>
+      <a:fillRef idx="0">
+        <a:scrgbClr r="0" g="0" b="0"/>
+      </a:fillRef>
+      <a:effectRef idx="0">
+        <a:scrgbClr r="0" g="0" b="0"/>
+      </a:effectRef>
+      <a:fontRef idx="minor"/>
+    </dgm:style>
+  </dgm:styleLbl>
+  <dgm:styleLbl name="callout">
+    <dgm:scene3d>
+      <a:camera prst="orthographicFront"/>
+      <a:lightRig rig="threePt" dir="t"/>
+    </dgm:scene3d>
+    <dgm:sp3d/>
+    <dgm:txPr/>
+    <dgm:style>
+      <a:lnRef idx="1">
+        <a:scrgbClr r="0" g="0" b="0"/>
+      </a:lnRef>
+      <a:fillRef idx="2">
+        <a:scrgbClr r="0" g="0" b="0"/>
+      </a:fillRef>
+      <a:effectRef idx="1">
+        <a:scrgbClr r="0" g="0" b="0"/>
+      </a:effectRef>
+      <a:fontRef idx="minor"/>
+    </dgm:style>
+  </dgm:styleLbl>
+  <dgm:styleLbl name="asst0">
+    <dgm:scene3d>
+      <a:camera prst="orthographicFront"/>
+      <a:lightRig rig="flat" dir="t"/>
+    </dgm:scene3d>
+    <dgm:sp3d prstMaterial="dkEdge">
+      <a:bevelT w="8200" h="38100"/>
+    </dgm:sp3d>
+    <dgm:txPr/>
+    <dgm:style>
+      <a:lnRef idx="0">
+        <a:scrgbClr r="0" g="0" b="0"/>
+      </a:lnRef>
+      <a:fillRef idx="2">
+        <a:scrgbClr r="0" g="0" b="0"/>
+      </a:fillRef>
+      <a:effectRef idx="1">
+        <a:scrgbClr r="0" g="0" b="0"/>
+      </a:effectRef>
+      <a:fontRef idx="minor">
+        <a:schemeClr val="dk1"/>
+      </a:fontRef>
+    </dgm:style>
+  </dgm:styleLbl>
+  <dgm:styleLbl name="asst1">
+    <dgm:scene3d>
+      <a:camera prst="orthographicFront"/>
+      <a:lightRig rig="flat" dir="t"/>
+    </dgm:scene3d>
+    <dgm:sp3d prstMaterial="dkEdge">
+      <a:bevelT w="8200" h="38100"/>
+    </dgm:sp3d>
+    <dgm:txPr/>
+    <dgm:style>
+      <a:lnRef idx="0">
+        <a:scrgbClr r="0" g="0" b="0"/>
+      </a:lnRef>
+      <a:fillRef idx="2">
+        <a:scrgbClr r="0" g="0" b="0"/>
+      </a:fillRef>
+      <a:effectRef idx="1">
+        <a:scrgbClr r="0" g="0" b="0"/>
+      </a:effectRef>
+      <a:fontRef idx="minor">
+        <a:schemeClr val="dk1"/>
+      </a:fontRef>
+    </dgm:style>
+  </dgm:styleLbl>
+  <dgm:styleLbl name="asst2">
+    <dgm:scene3d>
+      <a:camera prst="orthographicFront"/>
+      <a:lightRig rig="flat" dir="t"/>
+    </dgm:scene3d>
+    <dgm:sp3d prstMaterial="dkEdge">
+      <a:bevelT w="8200" h="38100"/>
+    </dgm:sp3d>
+    <dgm:txPr/>
+    <dgm:style>
+      <a:lnRef idx="0">
+        <a:scrgbClr r="0" g="0" b="0"/>
+      </a:lnRef>
+      <a:fillRef idx="2">
+        <a:scrgbClr r="0" g="0" b="0"/>
+      </a:fillRef>
+      <a:effectRef idx="1">
+        <a:scrgbClr r="0" g="0" b="0"/>
+      </a:effectRef>
+      <a:fontRef idx="minor">
+        <a:schemeClr val="dk1"/>
+      </a:fontRef>
+    </dgm:style>
+  </dgm:styleLbl>
+  <dgm:styleLbl name="asst3">
+    <dgm:scene3d>
+      <a:camera prst="orthographicFront"/>
+      <a:lightRig rig="flat" dir="t"/>
+    </dgm:scene3d>
+    <dgm:sp3d prstMaterial="dkEdge">
+      <a:bevelT w="8200" h="38100"/>
+    </dgm:sp3d>
+    <dgm:txPr/>
+    <dgm:style>
+      <a:lnRef idx="0">
+        <a:scrgbClr r="0" g="0" b="0"/>
+      </a:lnRef>
+      <a:fillRef idx="2">
+        <a:scrgbClr r="0" g="0" b="0"/>
+      </a:fillRef>
+      <a:effectRef idx="1">
+        <a:scrgbClr r="0" g="0" b="0"/>
+      </a:effectRef>
+      <a:fontRef idx="minor">
+        <a:schemeClr val="dk1"/>
+      </a:fontRef>
+    </dgm:style>
+  </dgm:styleLbl>
+  <dgm:styleLbl name="asst4">
+    <dgm:scene3d>
+      <a:camera prst="orthographicFront"/>
+      <a:lightRig rig="flat" dir="t"/>
+    </dgm:scene3d>
+    <dgm:sp3d prstMaterial="dkEdge">
+      <a:bevelT w="8200" h="38100"/>
+    </dgm:sp3d>
+    <dgm:txPr/>
+    <dgm:style>
+      <a:lnRef idx="0">
+        <a:scrgbClr r="0" g="0" b="0"/>
+      </a:lnRef>
+      <a:fillRef idx="2">
+        <a:scrgbClr r="0" g="0" b="0"/>
+      </a:fillRef>
+      <a:effectRef idx="1">
+        <a:scrgbClr r="0" g="0" b="0"/>
+      </a:effectRef>
+      <a:fontRef idx="minor">
+        <a:schemeClr val="dk1"/>
+      </a:fontRef>
+    </dgm:style>
+  </dgm:styleLbl>
+  <dgm:styleLbl name="parChTrans2D1">
+    <dgm:scene3d>
+      <a:camera prst="orthographicFront"/>
+      <a:lightRig rig="threePt" dir="t"/>
+    </dgm:scene3d>
+    <dgm:sp3d/>
+    <dgm:txPr/>
+    <dgm:style>
+      <a:lnRef idx="1">
+        <a:scrgbClr r="0" g="0" b="0"/>
+      </a:lnRef>
+      <a:fillRef idx="2">
+        <a:scrgbClr r="0" g="0" b="0"/>
+      </a:fillRef>
+      <a:effectRef idx="1">
+        <a:scrgbClr r="0" g="0" b="0"/>
+      </a:effectRef>
+      <a:fontRef idx="minor">
+        <a:schemeClr val="dk1"/>
+      </a:fontRef>
+    </dgm:style>
+  </dgm:styleLbl>
+  <dgm:styleLbl name="parChTrans2D2">
+    <dgm:scene3d>
+      <a:camera prst="orthographicFront"/>
+      <a:lightRig rig="threePt" dir="t"/>
+    </dgm:scene3d>
+    <dgm:sp3d/>
+    <dgm:txPr/>
+    <dgm:style>
+      <a:lnRef idx="1">
+        <a:scrgbClr r="0" g="0" b="0"/>
+      </a:lnRef>
+      <a:fillRef idx="2">
+        <a:scrgbClr r="0" g="0" b="0"/>
+      </a:fillRef>
+      <a:effectRef idx="1">
+        <a:scrgbClr r="0" g="0" b="0"/>
+      </a:effectRef>
+      <a:fontRef idx="minor">
+        <a:schemeClr val="dk1"/>
+      </a:fontRef>
+    </dgm:style>
+  </dgm:styleLbl>
+  <dgm:styleLbl name="parChTrans2D3">
+    <dgm:scene3d>
+      <a:camera prst="orthographicFront"/>
+      <a:lightRig rig="threePt" dir="t"/>
+    </dgm:scene3d>
+    <dgm:sp3d/>
+    <dgm:txPr/>
+    <dgm:style>
+      <a:lnRef idx="1">
+        <a:scrgbClr r="0" g="0" b="0"/>
+      </a:lnRef>
+      <a:fillRef idx="2">
+        <a:scrgbClr r="0" g="0" b="0"/>
+      </a:fillRef>
+      <a:effectRef idx="1">
+        <a:scrgbClr r="0" g="0" b="0"/>
+      </a:effectRef>
+      <a:fontRef idx="minor">
+        <a:schemeClr val="dk1"/>
+      </a:fontRef>
+    </dgm:style>
+  </dgm:styleLbl>
+  <dgm:styleLbl name="parChTrans2D4">
+    <dgm:scene3d>
+      <a:camera prst="orthographicFront"/>
+      <a:lightRig rig="threePt" dir="t"/>
+    </dgm:scene3d>
+    <dgm:sp3d/>
+    <dgm:txPr/>
+    <dgm:style>
+      <a:lnRef idx="1">
+        <a:scrgbClr r="0" g="0" b="0"/>
+      </a:lnRef>
+      <a:fillRef idx="2">
+        <a:scrgbClr r="0" g="0" b="0"/>
+      </a:fillRef>
+      <a:effectRef idx="1">
+        <a:scrgbClr r="0" g="0" b="0"/>
+      </a:effectRef>
+      <a:fontRef idx="minor">
+        <a:schemeClr val="dk1"/>
+      </a:fontRef>
+    </dgm:style>
+  </dgm:styleLbl>
+  <dgm:styleLbl name="parChTrans1D1">
+    <dgm:scene3d>
+      <a:camera prst="orthographicFront"/>
+      <a:lightRig rig="threePt" dir="t"/>
+    </dgm:scene3d>
+    <dgm:sp3d/>
+    <dgm:txPr/>
+    <dgm:style>
+      <a:lnRef idx="2">
+        <a:scrgbClr r="0" g="0" b="0"/>
+      </a:lnRef>
+      <a:fillRef idx="0">
+        <a:scrgbClr r="0" g="0" b="0"/>
+      </a:fillRef>
+      <a:effectRef idx="0">
+        <a:scrgbClr r="0" g="0" b="0"/>
+      </a:effectRef>
+      <a:fontRef idx="minor"/>
+    </dgm:style>
+  </dgm:styleLbl>
+  <dgm:styleLbl name="parChTrans1D2">
+    <dgm:scene3d>
+      <a:camera prst="orthographicFront"/>
+      <a:lightRig rig="threePt" dir="t"/>
+    </dgm:scene3d>
+    <dgm:sp3d/>
+    <dgm:txPr/>
+    <dgm:style>
+      <a:lnRef idx="2">
+        <a:scrgbClr r="0" g="0" b="0"/>
+      </a:lnRef>
+      <a:fillRef idx="0">
+        <a:scrgbClr r="0" g="0" b="0"/>
+      </a:fillRef>
+      <a:effectRef idx="0">
+        <a:scrgbClr r="0" g="0" b="0"/>
+      </a:effectRef>
+      <a:fontRef idx="minor"/>
+    </dgm:style>
+  </dgm:styleLbl>
+  <dgm:styleLbl name="parChTrans1D3">
+    <dgm:scene3d>
+      <a:camera prst="orthographicFront"/>
+      <a:lightRig rig="threePt" dir="t"/>
+    </dgm:scene3d>
+    <dgm:sp3d/>
+    <dgm:txPr/>
+    <dgm:style>
+      <a:lnRef idx="2">
+        <a:scrgbClr r="0" g="0" b="0"/>
+      </a:lnRef>
+      <a:fillRef idx="0">
+        <a:scrgbClr r="0" g="0" b="0"/>
+      </a:fillRef>
+      <a:effectRef idx="0">
+        <a:scrgbClr r="0" g="0" b="0"/>
+      </a:effectRef>
+      <a:fontRef idx="minor"/>
+    </dgm:style>
+  </dgm:styleLbl>
+  <dgm:styleLbl name="parChTrans1D4">
+    <dgm:scene3d>
+      <a:camera prst="orthographicFront"/>
+      <a:lightRig rig="threePt" dir="t"/>
+    </dgm:scene3d>
+    <dgm:sp3d/>
+    <dgm:txPr/>
+    <dgm:style>
+      <a:lnRef idx="2">
+        <a:scrgbClr r="0" g="0" b="0"/>
+      </a:lnRef>
+      <a:fillRef idx="0">
+        <a:scrgbClr r="0" g="0" b="0"/>
+      </a:fillRef>
+      <a:effectRef idx="0">
+        <a:scrgbClr r="0" g="0" b="0"/>
+      </a:effectRef>
+      <a:fontRef idx="minor"/>
+    </dgm:style>
+  </dgm:styleLbl>
+  <dgm:styleLbl name="fgAcc1">
+    <dgm:scene3d>
+      <a:camera prst="orthographicFront"/>
+      <a:lightRig rig="threePt" dir="t"/>
+    </dgm:scene3d>
+    <dgm:sp3d/>
+    <dgm:txPr/>
+    <dgm:style>
+      <a:lnRef idx="1">
+        <a:scrgbClr r="0" g="0" b="0"/>
+      </a:lnRef>
+      <a:fillRef idx="1">
+        <a:scrgbClr r="0" g="0" b="0"/>
+      </a:fillRef>
+      <a:effectRef idx="0">
+        <a:scrgbClr r="0" g="0" b="0"/>
+      </a:effectRef>
+      <a:fontRef idx="minor"/>
+    </dgm:style>
+  </dgm:styleLbl>
+  <dgm:styleLbl name="conFgAcc1">
+    <dgm:scene3d>
+      <a:camera prst="orthographicFront"/>
+      <a:lightRig rig="threePt" dir="t"/>
+    </dgm:scene3d>
+    <dgm:sp3d/>
+    <dgm:txPr/>
+    <dgm:style>
+      <a:lnRef idx="1">
+        <a:scrgbClr r="0" g="0" b="0"/>
+      </a:lnRef>
+      <a:fillRef idx="1">
+        <a:scrgbClr r="0" g="0" b="0"/>
+      </a:fillRef>
+      <a:effectRef idx="0">
+        <a:scrgbClr r="0" g="0" b="0"/>
+      </a:effectRef>
+      <a:fontRef idx="minor"/>
+    </dgm:style>
+  </dgm:styleLbl>
+  <dgm:styleLbl name="alignAcc1">
+    <dgm:scene3d>
+      <a:camera prst="orthographicFront"/>
+      <a:lightRig rig="threePt" dir="t"/>
+    </dgm:scene3d>
+    <dgm:sp3d/>
+    <dgm:txPr/>
+    <dgm:style>
+      <a:lnRef idx="1">
+        <a:scrgbClr r="0" g="0" b="0"/>
+      </a:lnRef>
+      <a:fillRef idx="1">
+        <a:scrgbClr r="0" g="0" b="0"/>
+      </a:fillRef>
+      <a:effectRef idx="0">
+        <a:scrgbClr r="0" g="0" b="0"/>
+      </a:effectRef>
+      <a:fontRef idx="minor"/>
+    </dgm:style>
+  </dgm:styleLbl>
+  <dgm:styleLbl name="trAlignAcc1">
+    <dgm:scene3d>
+      <a:camera prst="orthographicFront"/>
+      <a:lightRig rig="threePt" dir="t"/>
+    </dgm:scene3d>
+    <dgm:sp3d/>
+    <dgm:txPr/>
+    <dgm:style>
+      <a:lnRef idx="1">
+        <a:scrgbClr r="0" g="0" b="0"/>
+      </a:lnRef>
+      <a:fillRef idx="1">
+        <a:scrgbClr r="0" g="0" b="0"/>
+      </a:fillRef>
+      <a:effectRef idx="0">
+        <a:scrgbClr r="0" g="0" b="0"/>
+      </a:effectRef>
+      <a:fontRef idx="minor"/>
+    </dgm:style>
+  </dgm:styleLbl>
+  <dgm:styleLbl name="bgAcc1">
+    <dgm:scene3d>
+      <a:camera prst="orthographicFront"/>
+      <a:lightRig rig="threePt" dir="t"/>
+    </dgm:scene3d>
+    <dgm:sp3d/>
+    <dgm:txPr/>
+    <dgm:style>
+      <a:lnRef idx="1">
+        <a:scrgbClr r="0" g="0" b="0"/>
+      </a:lnRef>
+      <a:fillRef idx="1">
+        <a:scrgbClr r="0" g="0" b="0"/>
+      </a:fillRef>
+      <a:effectRef idx="0">
+        <a:scrgbClr r="0" g="0" b="0"/>
+      </a:effectRef>
+      <a:fontRef idx="minor"/>
+    </dgm:style>
+  </dgm:styleLbl>
+  <dgm:styleLbl name="solidFgAcc1">
+    <dgm:scene3d>
+      <a:camera prst="orthographicFront"/>
+      <a:lightRig rig="threePt" dir="t"/>
+    </dgm:scene3d>
+    <dgm:sp3d/>
+    <dgm:txPr/>
+    <dgm:style>
+      <a:lnRef idx="1">
+        <a:scrgbClr r="0" g="0" b="0"/>
+      </a:lnRef>
+      <a:fillRef idx="2">
+        <a:scrgbClr r="0" g="0" b="0"/>
+      </a:fillRef>
+      <a:effectRef idx="0">
+        <a:scrgbClr r="0" g="0" b="0"/>
+      </a:effectRef>
+      <a:fontRef idx="minor"/>
+    </dgm:style>
+  </dgm:styleLbl>
+  <dgm:styleLbl name="solidAlignAcc1">
+    <dgm:scene3d>
+      <a:camera prst="orthographicFront"/>
+      <a:lightRig rig="threePt" dir="t"/>
+    </dgm:scene3d>
+    <dgm:sp3d/>
+    <dgm:txPr/>
+    <dgm:style>
+      <a:lnRef idx="1">
+        <a:scrgbClr r="0" g="0" b="0"/>
+      </a:lnRef>
+      <a:fillRef idx="1">
+        <a:scrgbClr r="0" g="0" b="0"/>
+      </a:fillRef>
+      <a:effectRef idx="0">
+        <a:scrgbClr r="0" g="0" b="0"/>
+      </a:effectRef>
+      <a:fontRef idx="minor"/>
+    </dgm:style>
+  </dgm:styleLbl>
+  <dgm:styleLbl name="solidBgAcc1">
+    <dgm:scene3d>
+      <a:camera prst="orthographicFront"/>
+      <a:lightRig rig="threePt" dir="t"/>
+    </dgm:scene3d>
+    <dgm:sp3d/>
+    <dgm:txPr/>
+    <dgm:style>
+      <a:lnRef idx="1">
+        <a:scrgbClr r="0" g="0" b="0"/>
+      </a:lnRef>
+      <a:fillRef idx="1">
+        <a:scrgbClr r="0" g="0" b="0"/>
+      </a:fillRef>
+      <a:effectRef idx="0">
+        <a:scrgbClr r="0" g="0" b="0"/>
+      </a:effectRef>
+      <a:fontRef idx="minor"/>
+    </dgm:style>
+  </dgm:styleLbl>
+  <dgm:styleLbl name="fgAccFollowNode1">
+    <dgm:scene3d>
+      <a:camera prst="orthographicFront"/>
+      <a:lightRig rig="threePt" dir="t"/>
+    </dgm:scene3d>
+    <dgm:sp3d/>
+    <dgm:txPr/>
+    <dgm:style>
+      <a:lnRef idx="1">
+        <a:scrgbClr r="0" g="0" b="0"/>
+      </a:lnRef>
+      <a:fillRef idx="1">
+        <a:scrgbClr r="0" g="0" b="0"/>
+      </a:fillRef>
+      <a:effectRef idx="0">
+        <a:scrgbClr r="0" g="0" b="0"/>
+      </a:effectRef>
+      <a:fontRef idx="minor"/>
+    </dgm:style>
+  </dgm:styleLbl>
+  <dgm:styleLbl name="alignAccFollowNode1">
+    <dgm:scene3d>
+      <a:camera prst="orthographicFront"/>
+      <a:lightRig rig="threePt" dir="t"/>
+    </dgm:scene3d>
+    <dgm:sp3d/>
+    <dgm:txPr/>
+    <dgm:style>
+      <a:lnRef idx="1">
+        <a:scrgbClr r="0" g="0" b="0"/>
+      </a:lnRef>
+      <a:fillRef idx="1">
+        <a:scrgbClr r="0" g="0" b="0"/>
+      </a:fillRef>
+      <a:effectRef idx="0">
+        <a:scrgbClr r="0" g="0" b="0"/>
+      </a:effectRef>
+      <a:fontRef idx="minor"/>
+    </dgm:style>
+  </dgm:styleLbl>
+  <dgm:styleLbl name="bgAccFollowNode1">
+    <dgm:scene3d>
+      <a:camera prst="orthographicFront"/>
+      <a:lightRig rig="threePt" dir="t"/>
+    </dgm:scene3d>
+    <dgm:sp3d/>
+    <dgm:txPr/>
+    <dgm:style>
+      <a:lnRef idx="1">
+        <a:scrgbClr r="0" g="0" b="0"/>
+      </a:lnRef>
+      <a:fillRef idx="1">
+        <a:scrgbClr r="0" g="0" b="0"/>
+      </a:fillRef>
+      <a:effectRef idx="0">
+        <a:scrgbClr r="0" g="0" b="0"/>
+      </a:effectRef>
+      <a:fontRef idx="minor"/>
+    </dgm:style>
+  </dgm:styleLbl>
+  <dgm:styleLbl name="fgAcc0">
+    <dgm:scene3d>
+      <a:camera prst="orthographicFront"/>
+      <a:lightRig rig="threePt" dir="t"/>
+    </dgm:scene3d>
+    <dgm:sp3d/>
+    <dgm:txPr/>
+    <dgm:style>
+      <a:lnRef idx="1">
+        <a:scrgbClr r="0" g="0" b="0"/>
+      </a:lnRef>
+      <a:fillRef idx="1">
+        <a:scrgbClr r="0" g="0" b="0"/>
+      </a:fillRef>
+      <a:effectRef idx="0">
+        <a:scrgbClr r="0" g="0" b="0"/>
+      </a:effectRef>
+      <a:fontRef idx="minor"/>
+    </dgm:style>
+  </dgm:styleLbl>
+  <dgm:styleLbl name="fgAcc2">
+    <dgm:scene3d>
+      <a:camera prst="orthographicFront"/>
+      <a:lightRig rig="threePt" dir="t"/>
+    </dgm:scene3d>
+    <dgm:sp3d/>
+    <dgm:txPr/>
+    <dgm:style>
+      <a:lnRef idx="1">
+        <a:scrgbClr r="0" g="0" b="0"/>
+      </a:lnRef>
+      <a:fillRef idx="1">
+        <a:scrgbClr r="0" g="0" b="0"/>
+      </a:fillRef>
+      <a:effectRef idx="0">
+        <a:scrgbClr r="0" g="0" b="0"/>
+      </a:effectRef>
+      <a:fontRef idx="minor"/>
+    </dgm:style>
+  </dgm:styleLbl>
+  <dgm:styleLbl name="fgAcc3">
+    <dgm:scene3d>
+      <a:camera prst="orthographicFront"/>
+      <a:lightRig rig="threePt" dir="t"/>
+    </dgm:scene3d>
+    <dgm:sp3d/>
+    <dgm:txPr/>
+    <dgm:style>
+      <a:lnRef idx="1">
+        <a:scrgbClr r="0" g="0" b="0"/>
+      </a:lnRef>
+      <a:fillRef idx="1">
+        <a:scrgbClr r="0" g="0" b="0"/>
+      </a:fillRef>
+      <a:effectRef idx="0">
+        <a:scrgbClr r="0" g="0" b="0"/>
+      </a:effectRef>
+      <a:fontRef idx="minor"/>
+    </dgm:style>
+  </dgm:styleLbl>
+  <dgm:styleLbl name="fgAcc4">
+    <dgm:scene3d>
+      <a:camera prst="orthographicFront"/>
+      <a:lightRig rig="threePt" dir="t"/>
+    </dgm:scene3d>
+    <dgm:sp3d/>
+    <dgm:txPr/>
+    <dgm:style>
+      <a:lnRef idx="1">
+        <a:scrgbClr r="0" g="0" b="0"/>
+      </a:lnRef>
+      <a:fillRef idx="1">
+        <a:scrgbClr r="0" g="0" b="0"/>
+      </a:fillRef>
+      <a:effectRef idx="0">
+        <a:scrgbClr r="0" g="0" b="0"/>
+      </a:effectRef>
+      <a:fontRef idx="minor"/>
+    </dgm:style>
+  </dgm:styleLbl>
+  <dgm:styleLbl name="bgShp">
+    <dgm:scene3d>
+      <a:camera prst="orthographicFront"/>
+      <a:lightRig rig="threePt" dir="t"/>
+    </dgm:scene3d>
+    <dgm:sp3d/>
+    <dgm:txPr/>
+    <dgm:style>
+      <a:lnRef idx="0">
+        <a:scrgbClr r="0" g="0" b="0"/>
+      </a:lnRef>
+      <a:fillRef idx="1">
+        <a:scrgbClr r="0" g="0" b="0"/>
+      </a:fillRef>
+      <a:effectRef idx="1">
+        <a:scrgbClr r="0" g="0" b="0"/>
+      </a:effectRef>
+      <a:fontRef idx="minor"/>
+    </dgm:style>
+  </dgm:styleLbl>
+  <dgm:styleLbl name="dkBgShp">
+    <dgm:scene3d>
+      <a:camera prst="orthographicFront"/>
+      <a:lightRig rig="threePt" dir="t"/>
+    </dgm:scene3d>
+    <dgm:sp3d/>
+    <dgm:txPr/>
+    <dgm:style>
+      <a:lnRef idx="0">
+        <a:scrgbClr r="0" g="0" b="0"/>
+      </a:lnRef>
+      <a:fillRef idx="1">
+        <a:scrgbClr r="0" g="0" b="0"/>
+      </a:fillRef>
+      <a:effectRef idx="1">
+        <a:scrgbClr r="0" g="0" b="0"/>
+      </a:effectRef>
+      <a:fontRef idx="minor"/>
+    </dgm:style>
+  </dgm:styleLbl>
+  <dgm:styleLbl name="trBgShp">
+    <dgm:scene3d>
+      <a:camera prst="orthographicFront"/>
+      <a:lightRig rig="threePt" dir="t"/>
+    </dgm:scene3d>
+    <dgm:sp3d/>
+    <dgm:txPr/>
+    <dgm:style>
+      <a:lnRef idx="0">
+        <a:scrgbClr r="0" g="0" b="0"/>
+      </a:lnRef>
+      <a:fillRef idx="1">
+        <a:scrgbClr r="0" g="0" b="0"/>
+      </a:fillRef>
+      <a:effectRef idx="0">
+        <a:scrgbClr r="0" g="0" b="0"/>
+      </a:effectRef>
+      <a:fontRef idx="minor"/>
+    </dgm:style>
+  </dgm:styleLbl>
+  <dgm:styleLbl name="fgShp">
+    <dgm:scene3d>
+      <a:camera prst="orthographicFront"/>
+      <a:lightRig rig="flat" dir="t"/>
+    </dgm:scene3d>
+    <dgm:sp3d prstMaterial="dkEdge">
+      <a:bevelT w="8200" h="38100"/>
+    </dgm:sp3d>
+    <dgm:txPr/>
+    <dgm:style>
+      <a:lnRef idx="1">
+        <a:scrgbClr r="0" g="0" b="0"/>
+      </a:lnRef>
+      <a:fillRef idx="2">
+        <a:scrgbClr r="0" g="0" b="0"/>
+      </a:fillRef>
+      <a:effectRef idx="1">
+        <a:scrgbClr r="0" g="0" b="0"/>
+      </a:effectRef>
+      <a:fontRef idx="minor"/>
+    </dgm:style>
+  </dgm:styleLbl>
+  <dgm:styleLbl name="revTx">
+    <dgm:scene3d>
+      <a:camera prst="orthographicFront"/>
+      <a:lightRig rig="threePt" dir="t"/>
+    </dgm:scene3d>
+    <dgm:sp3d/>
+    <dgm:txPr/>
+    <dgm:style>
+      <a:lnRef idx="0">
+        <a:scrgbClr r="0" g="0" b="0"/>
+      </a:lnRef>
+      <a:fillRef idx="0">
+        <a:scrgbClr r="0" g="0" b="0"/>
+      </a:fillRef>
+      <a:effectRef idx="0">
+        <a:scrgbClr r="0" g="0" b="0"/>
+      </a:effectRef>
+      <a:fontRef idx="minor"/>
+    </dgm:style>
+  </dgm:styleLbl>
+</dgm:styleDef>
+</file>
+
 <file path=ppt/handoutMasters/handoutMaster1.xml><?xml version="1.0" encoding="utf-8"?>
 <p:handoutMaster xmlns:a="http://schemas.openxmlformats.org/drawingml/2006/main" xmlns:r="http://schemas.openxmlformats.org/officeDocument/2006/relationships" xmlns:p="http://schemas.openxmlformats.org/presentationml/2006/main">
   <p:cSld>
@@ -1224,7 +4281,7 @@
           <a:p>
             <a:fld id="{6FC5AA08-D47C-4E2A-99A0-E2E2A035503A}" type="datetimeFigureOut">
               <a:rPr kumimoji="1" lang="ja-JP" altLang="en-US" smtClean="0"/>
-              <a:t>2012/12/5</a:t>
+              <a:t>2012/12/6</a:t>
             </a:fld>
             <a:endParaRPr kumimoji="1" lang="ja-JP" altLang="en-US"/>
           </a:p>
@@ -1389,7 +4446,7 @@
           <a:p>
             <a:fld id="{2391553C-C418-45F3-9060-1557D7683ECD}" type="datetimeFigureOut">
               <a:rPr kumimoji="1" lang="ja-JP" altLang="en-US" smtClean="0"/>
-              <a:t>2012/12/5</a:t>
+              <a:t>2012/12/6</a:t>
             </a:fld>
             <a:endParaRPr kumimoji="1" lang="ja-JP" altLang="en-US"/>
           </a:p>
@@ -2082,10 +5139,39 @@
           <a:lstStyle/>
           <a:p>
             <a:r>
-              <a:rPr kumimoji="1" lang="ja-JP" altLang="en-US" smtClean="0"/>
-              <a:t>目標値制御とは？</a:t>
-            </a:r>
-            <a:endParaRPr kumimoji="1" lang="ja-JP" altLang="en-US"/>
+              <a:rPr kumimoji="1" lang="en-US" altLang="ja-JP" dirty="0" smtClean="0"/>
+              <a:t>NXT LEGO MINDSTORMS</a:t>
+            </a:r>
+            <a:r>
+              <a:rPr kumimoji="1" lang="ja-JP" altLang="en-US" dirty="0" smtClean="0"/>
+              <a:t>のどの部分に利用出来るか</a:t>
+            </a:r>
+          </a:p>
+          <a:p>
+            <a:r>
+              <a:rPr kumimoji="1" lang="ja-JP" altLang="en-US" dirty="0" smtClean="0"/>
+              <a:t>結果、輝度値制御、尻尾モータ角度制御、曲率半径制御に利用出来そう</a:t>
+            </a:r>
+          </a:p>
+          <a:p>
+            <a:r>
+              <a:rPr kumimoji="1" lang="ja-JP" altLang="en-US" dirty="0" smtClean="0"/>
+              <a:t>いくつか気になるポイントがあった</a:t>
+            </a:r>
+          </a:p>
+          <a:p>
+            <a:r>
+              <a:rPr kumimoji="1" lang="ja-JP" altLang="en-US" dirty="0" smtClean="0"/>
+              <a:t>粒度、使</a:t>
+            </a:r>
+            <a:r>
+              <a:rPr kumimoji="1" lang="ja-JP" altLang="en-US" dirty="0" err="1" smtClean="0"/>
+              <a:t>わ</a:t>
+            </a:r>
+            <a:r>
+              <a:rPr kumimoji="1" lang="ja-JP" altLang="en-US" dirty="0" smtClean="0"/>
+              <a:t>なそうなクラスの存在</a:t>
+            </a:r>
           </a:p>
         </p:txBody>
       </p:sp>
@@ -2115,7 +5201,7 @@
     </p:spTree>
     <p:extLst>
       <p:ext uri="{BB962C8B-B14F-4D97-AF65-F5344CB8AC3E}">
-        <p14:creationId xmlns:p14="http://schemas.microsoft.com/office/powerpoint/2010/main" val="3436690406"/>
+        <p14:creationId xmlns:p14="http://schemas.microsoft.com/office/powerpoint/2010/main" val="1207813319"/>
       </p:ext>
     </p:extLst>
   </p:cSld>
@@ -2287,39 +5373,14 @@
           <a:lstStyle/>
           <a:p>
             <a:r>
-              <a:rPr kumimoji="1" lang="en-US" altLang="ja-JP" dirty="0" smtClean="0"/>
-              <a:t>NXT LEGO MINDSTORMS</a:t>
-            </a:r>
-            <a:r>
-              <a:rPr kumimoji="1" lang="ja-JP" altLang="en-US" dirty="0" smtClean="0"/>
-              <a:t>のどの部分に利用出来るか</a:t>
-            </a:r>
-          </a:p>
-          <a:p>
-            <a:r>
-              <a:rPr kumimoji="1" lang="ja-JP" altLang="en-US" dirty="0" smtClean="0"/>
-              <a:t>結果、輝度値制御、尻尾モータ角度制御、曲率半径制御に利用出来そう</a:t>
-            </a:r>
-          </a:p>
-          <a:p>
-            <a:r>
-              <a:rPr kumimoji="1" lang="ja-JP" altLang="en-US" dirty="0" smtClean="0"/>
-              <a:t>いくつか気になるポイントがあった</a:t>
-            </a:r>
-          </a:p>
-          <a:p>
-            <a:r>
-              <a:rPr kumimoji="1" lang="ja-JP" altLang="en-US" dirty="0" smtClean="0"/>
-              <a:t>粒度、使</a:t>
-            </a:r>
-            <a:r>
-              <a:rPr kumimoji="1" lang="ja-JP" altLang="en-US" dirty="0" err="1" smtClean="0"/>
-              <a:t>わ</a:t>
-            </a:r>
-            <a:r>
-              <a:rPr kumimoji="1" lang="ja-JP" altLang="en-US" dirty="0" smtClean="0"/>
-              <a:t>なそうなクラスの存在</a:t>
-            </a:r>
+              <a:rPr kumimoji="1" lang="en-US" altLang="ja-JP" smtClean="0"/>
+              <a:t>nxt</a:t>
+            </a:r>
+            <a:r>
+              <a:rPr kumimoji="1" lang="ja-JP" altLang="en-US" smtClean="0"/>
+              <a:t>用輝度値制御モデルの作成</a:t>
+            </a:r>
+            <a:endParaRPr kumimoji="1" lang="ja-JP" altLang="en-US"/>
           </a:p>
         </p:txBody>
       </p:sp>
@@ -2349,7 +5410,7 @@
     </p:spTree>
     <p:extLst>
       <p:ext uri="{BB962C8B-B14F-4D97-AF65-F5344CB8AC3E}">
-        <p14:creationId xmlns:p14="http://schemas.microsoft.com/office/powerpoint/2010/main" val="1207813319"/>
+        <p14:creationId xmlns:p14="http://schemas.microsoft.com/office/powerpoint/2010/main" val="345897966"/>
       </p:ext>
     </p:extLst>
   </p:cSld>
@@ -2404,14 +5465,10 @@
           <a:lstStyle/>
           <a:p>
             <a:r>
-              <a:rPr kumimoji="1" lang="en-US" altLang="ja-JP" smtClean="0"/>
-              <a:t>nxt</a:t>
-            </a:r>
-            <a:r>
-              <a:rPr kumimoji="1" lang="ja-JP" altLang="en-US" smtClean="0"/>
-              <a:t>用輝度値制御モデルの作成</a:t>
-            </a:r>
-            <a:endParaRPr kumimoji="1" lang="ja-JP" altLang="en-US"/>
+              <a:rPr kumimoji="1" lang="ja-JP" altLang="en-US" dirty="0" smtClean="0"/>
+              <a:t>目標値制御のモデルカタログ</a:t>
+            </a:r>
+            <a:endParaRPr kumimoji="1" lang="ja-JP" altLang="en-US" dirty="0"/>
           </a:p>
         </p:txBody>
       </p:sp>
@@ -2441,7 +5498,7 @@
     </p:spTree>
     <p:extLst>
       <p:ext uri="{BB962C8B-B14F-4D97-AF65-F5344CB8AC3E}">
-        <p14:creationId xmlns:p14="http://schemas.microsoft.com/office/powerpoint/2010/main" val="345897966"/>
+        <p14:creationId xmlns:p14="http://schemas.microsoft.com/office/powerpoint/2010/main" val="2681205565"/>
       </p:ext>
     </p:extLst>
   </p:cSld>
@@ -2496,10 +5553,14 @@
           <a:lstStyle/>
           <a:p>
             <a:r>
-              <a:rPr kumimoji="1" lang="ja-JP" altLang="en-US" dirty="0" smtClean="0"/>
-              <a:t>目標値制御のモデルカタログ</a:t>
-            </a:r>
-            <a:endParaRPr kumimoji="1" lang="ja-JP" altLang="en-US" dirty="0"/>
+              <a:rPr kumimoji="1" lang="en-US" altLang="ja-JP" smtClean="0"/>
+              <a:t>nxt</a:t>
+            </a:r>
+            <a:r>
+              <a:rPr kumimoji="1" lang="ja-JP" altLang="en-US" smtClean="0"/>
+              <a:t>用輝度値制御モデルの作成</a:t>
+            </a:r>
+            <a:endParaRPr kumimoji="1" lang="ja-JP" altLang="en-US"/>
           </a:p>
         </p:txBody>
       </p:sp>
@@ -2529,7 +5590,7 @@
     </p:spTree>
     <p:extLst>
       <p:ext uri="{BB962C8B-B14F-4D97-AF65-F5344CB8AC3E}">
-        <p14:creationId xmlns:p14="http://schemas.microsoft.com/office/powerpoint/2010/main" val="2681205565"/>
+        <p14:creationId xmlns:p14="http://schemas.microsoft.com/office/powerpoint/2010/main" val="345897966"/>
       </p:ext>
     </p:extLst>
   </p:cSld>
@@ -2584,14 +5645,39 @@
           <a:lstStyle/>
           <a:p>
             <a:r>
-              <a:rPr kumimoji="1" lang="en-US" altLang="ja-JP" smtClean="0"/>
-              <a:t>nxt</a:t>
-            </a:r>
-            <a:r>
-              <a:rPr kumimoji="1" lang="ja-JP" altLang="en-US" smtClean="0"/>
-              <a:t>用輝度値制御モデルの作成</a:t>
-            </a:r>
-            <a:endParaRPr kumimoji="1" lang="ja-JP" altLang="en-US"/>
+              <a:rPr kumimoji="1" lang="en-US" altLang="ja-JP" dirty="0" smtClean="0"/>
+              <a:t>NXT LEGO MINDSTORMS</a:t>
+            </a:r>
+            <a:r>
+              <a:rPr kumimoji="1" lang="ja-JP" altLang="en-US" dirty="0" smtClean="0"/>
+              <a:t>のどの部分に利用出来るか</a:t>
+            </a:r>
+          </a:p>
+          <a:p>
+            <a:r>
+              <a:rPr kumimoji="1" lang="ja-JP" altLang="en-US" dirty="0" smtClean="0"/>
+              <a:t>結果、輝度値制御、尻尾モータ角度制御、曲率半径制御に利用出来そう</a:t>
+            </a:r>
+          </a:p>
+          <a:p>
+            <a:r>
+              <a:rPr kumimoji="1" lang="ja-JP" altLang="en-US" dirty="0" smtClean="0"/>
+              <a:t>いくつか気になるポイントがあった</a:t>
+            </a:r>
+          </a:p>
+          <a:p>
+            <a:r>
+              <a:rPr kumimoji="1" lang="ja-JP" altLang="en-US" dirty="0" smtClean="0"/>
+              <a:t>粒度、使</a:t>
+            </a:r>
+            <a:r>
+              <a:rPr kumimoji="1" lang="ja-JP" altLang="en-US" dirty="0" err="1" smtClean="0"/>
+              <a:t>わ</a:t>
+            </a:r>
+            <a:r>
+              <a:rPr kumimoji="1" lang="ja-JP" altLang="en-US" dirty="0" smtClean="0"/>
+              <a:t>なそうなクラスの存在</a:t>
+            </a:r>
           </a:p>
         </p:txBody>
       </p:sp>
@@ -2621,7 +5707,7 @@
     </p:spTree>
     <p:extLst>
       <p:ext uri="{BB962C8B-B14F-4D97-AF65-F5344CB8AC3E}">
-        <p14:creationId xmlns:p14="http://schemas.microsoft.com/office/powerpoint/2010/main" val="345897966"/>
+        <p14:creationId xmlns:p14="http://schemas.microsoft.com/office/powerpoint/2010/main" val="1207813319"/>
       </p:ext>
     </p:extLst>
   </p:cSld>
@@ -2676,39 +5762,10 @@
           <a:lstStyle/>
           <a:p>
             <a:r>
-              <a:rPr kumimoji="1" lang="en-US" altLang="ja-JP" dirty="0" smtClean="0"/>
-              <a:t>NXT LEGO MINDSTORMS</a:t>
-            </a:r>
-            <a:r>
-              <a:rPr kumimoji="1" lang="ja-JP" altLang="en-US" dirty="0" smtClean="0"/>
-              <a:t>のどの部分に利用出来るか</a:t>
-            </a:r>
-          </a:p>
-          <a:p>
-            <a:r>
-              <a:rPr kumimoji="1" lang="ja-JP" altLang="en-US" dirty="0" smtClean="0"/>
-              <a:t>結果、輝度値制御、尻尾モータ角度制御、曲率半径制御に利用出来そう</a:t>
-            </a:r>
-          </a:p>
-          <a:p>
-            <a:r>
-              <a:rPr kumimoji="1" lang="ja-JP" altLang="en-US" dirty="0" smtClean="0"/>
-              <a:t>いくつか気になるポイントがあった</a:t>
-            </a:r>
-          </a:p>
-          <a:p>
-            <a:r>
-              <a:rPr kumimoji="1" lang="ja-JP" altLang="en-US" dirty="0" smtClean="0"/>
-              <a:t>粒度、使</a:t>
-            </a:r>
-            <a:r>
-              <a:rPr kumimoji="1" lang="ja-JP" altLang="en-US" dirty="0" err="1" smtClean="0"/>
-              <a:t>わ</a:t>
-            </a:r>
-            <a:r>
-              <a:rPr kumimoji="1" lang="ja-JP" altLang="en-US" dirty="0" smtClean="0"/>
-              <a:t>なそうなクラスの存在</a:t>
-            </a:r>
+              <a:rPr kumimoji="1" lang="ja-JP" altLang="en-US" smtClean="0"/>
+              <a:t>今後の予定</a:t>
+            </a:r>
+            <a:endParaRPr kumimoji="1" lang="ja-JP" altLang="en-US"/>
           </a:p>
         </p:txBody>
       </p:sp>
@@ -2729,7 +5786,7 @@
           <a:p>
             <a:fld id="{36B36527-D379-4589-94AB-3E8AB1F08336}" type="slidenum">
               <a:rPr kumimoji="1" lang="ja-JP" altLang="en-US" smtClean="0"/>
-              <a:t>22</a:t>
+              <a:t>21</a:t>
             </a:fld>
             <a:endParaRPr kumimoji="1" lang="ja-JP" altLang="en-US"/>
           </a:p>
@@ -2738,7 +5795,7 @@
     </p:spTree>
     <p:extLst>
       <p:ext uri="{BB962C8B-B14F-4D97-AF65-F5344CB8AC3E}">
-        <p14:creationId xmlns:p14="http://schemas.microsoft.com/office/powerpoint/2010/main" val="1207813319"/>
+        <p14:creationId xmlns:p14="http://schemas.microsoft.com/office/powerpoint/2010/main" val="4133551927"/>
       </p:ext>
     </p:extLst>
   </p:cSld>
@@ -2937,7 +5994,7 @@
           <a:p>
             <a:r>
               <a:rPr kumimoji="1" lang="ja-JP" altLang="en-US" smtClean="0"/>
-              <a:t>今後の予定</a:t>
+              <a:t>まとめ</a:t>
             </a:r>
             <a:endParaRPr kumimoji="1" lang="ja-JP" altLang="en-US"/>
           </a:p>
@@ -2960,95 +6017,7 @@
           <a:p>
             <a:fld id="{36B36527-D379-4589-94AB-3E8AB1F08336}" type="slidenum">
               <a:rPr kumimoji="1" lang="ja-JP" altLang="en-US" smtClean="0"/>
-              <a:t>23</a:t>
-            </a:fld>
-            <a:endParaRPr kumimoji="1" lang="ja-JP" altLang="en-US"/>
-          </a:p>
-        </p:txBody>
-      </p:sp>
-    </p:spTree>
-    <p:extLst>
-      <p:ext uri="{BB962C8B-B14F-4D97-AF65-F5344CB8AC3E}">
-        <p14:creationId xmlns:p14="http://schemas.microsoft.com/office/powerpoint/2010/main" val="4133551927"/>
-      </p:ext>
-    </p:extLst>
-  </p:cSld>
-  <p:clrMapOvr>
-    <a:masterClrMapping/>
-  </p:clrMapOvr>
-</p:notes>
-</file>
-
-<file path=ppt/notesSlides/notesSlide21.xml><?xml version="1.0" encoding="utf-8"?>
-<p:notes xmlns:a="http://schemas.openxmlformats.org/drawingml/2006/main" xmlns:r="http://schemas.openxmlformats.org/officeDocument/2006/relationships" xmlns:p="http://schemas.openxmlformats.org/presentationml/2006/main">
-  <p:cSld>
-    <p:spTree>
-      <p:nvGrpSpPr>
-        <p:cNvPr id="1" name=""/>
-        <p:cNvGrpSpPr/>
-        <p:nvPr/>
-      </p:nvGrpSpPr>
-      <p:grpSpPr>
-        <a:xfrm>
-          <a:off x="0" y="0"/>
-          <a:ext cx="0" cy="0"/>
-          <a:chOff x="0" y="0"/>
-          <a:chExt cx="0" cy="0"/>
-        </a:xfrm>
-      </p:grpSpPr>
-      <p:sp>
-        <p:nvSpPr>
-          <p:cNvPr id="2" name="スライド イメージ プレースホルダー 1"/>
-          <p:cNvSpPr>
-            <a:spLocks noGrp="1" noRot="1" noChangeAspect="1"/>
-          </p:cNvSpPr>
-          <p:nvPr>
-            <p:ph type="sldImg"/>
-          </p:nvPr>
-        </p:nvSpPr>
-        <p:spPr/>
-      </p:sp>
-      <p:sp>
-        <p:nvSpPr>
-          <p:cNvPr id="3" name="ノート プレースホルダー 2"/>
-          <p:cNvSpPr>
-            <a:spLocks noGrp="1"/>
-          </p:cNvSpPr>
-          <p:nvPr>
-            <p:ph type="body" idx="1"/>
-          </p:nvPr>
-        </p:nvSpPr>
-        <p:spPr/>
-        <p:txBody>
-          <a:bodyPr/>
-          <a:lstStyle/>
-          <a:p>
-            <a:r>
-              <a:rPr kumimoji="1" lang="ja-JP" altLang="en-US" smtClean="0"/>
-              <a:t>まとめ</a:t>
-            </a:r>
-            <a:endParaRPr kumimoji="1" lang="ja-JP" altLang="en-US"/>
-          </a:p>
-        </p:txBody>
-      </p:sp>
-      <p:sp>
-        <p:nvSpPr>
-          <p:cNvPr id="4" name="スライド番号プレースホルダー 3"/>
-          <p:cNvSpPr>
-            <a:spLocks noGrp="1"/>
-          </p:cNvSpPr>
-          <p:nvPr>
-            <p:ph type="sldNum" sz="quarter" idx="10"/>
-          </p:nvPr>
-        </p:nvSpPr>
-        <p:spPr/>
-        <p:txBody>
-          <a:bodyPr/>
-          <a:lstStyle/>
-          <a:p>
-            <a:fld id="{36B36527-D379-4589-94AB-3E8AB1F08336}" type="slidenum">
-              <a:rPr kumimoji="1" lang="ja-JP" altLang="en-US" smtClean="0"/>
-              <a:t>24</a:t>
+              <a:t>22</a:t>
             </a:fld>
             <a:endParaRPr kumimoji="1" lang="ja-JP" altLang="en-US"/>
           </a:p>
@@ -3427,7 +6396,7 @@
           <a:p>
             <a:fld id="{36B36527-D379-4589-94AB-3E8AB1F08336}" type="slidenum">
               <a:rPr kumimoji="1" lang="ja-JP" altLang="en-US" smtClean="0"/>
-              <a:t>7</a:t>
+              <a:t>8</a:t>
             </a:fld>
             <a:endParaRPr kumimoji="1" lang="ja-JP" altLang="en-US"/>
           </a:p>
@@ -3962,7 +6931,7 @@
             <a:fld id="{5A25345E-62C9-4201-8DC4-F6F41D7FDBF8}" type="datetime1">
               <a:rPr lang="ja-JP" altLang="en-US" smtClean="0"/>
               <a:pPr/>
-              <a:t>2012/12/5</a:t>
+              <a:t>2012/12/6</a:t>
             </a:fld>
             <a:endParaRPr lang="ja-JP" altLang="en-US"/>
           </a:p>
@@ -4163,7 +7132,7 @@
           <a:p>
             <a:fld id="{EDAA77EC-A7E2-42CD-9A5A-7B158F96592D}" type="datetime1">
               <a:rPr kumimoji="1" lang="ja-JP" altLang="en-US" smtClean="0"/>
-              <a:t>2012/12/5</a:t>
+              <a:t>2012/12/6</a:t>
             </a:fld>
             <a:endParaRPr kumimoji="1" lang="ja-JP" altLang="en-US"/>
           </a:p>
@@ -4389,7 +7358,7 @@
           <a:p>
             <a:fld id="{8A525932-E9C6-4066-97BF-DCA319ADD1C2}" type="datetime1">
               <a:rPr kumimoji="1" lang="ja-JP" altLang="en-US" smtClean="0"/>
-              <a:t>2012/12/5</a:t>
+              <a:t>2012/12/6</a:t>
             </a:fld>
             <a:endParaRPr kumimoji="1" lang="ja-JP" altLang="en-US"/>
           </a:p>
@@ -4928,7 +7897,7 @@
               </a:defRPr>
             </a:lvl2pPr>
             <a:lvl3pPr>
-              <a:defRPr>
+              <a:defRPr sz="2200">
                 <a:latin typeface="メイリオ" pitchFamily="50" charset="-128"/>
                 <a:ea typeface="メイリオ" pitchFamily="50" charset="-128"/>
                 <a:cs typeface="メイリオ" pitchFamily="50" charset="-128"/>
@@ -5045,7 +8014,7 @@
             <a:fld id="{012F7C7E-D492-484D-9A23-4E7B9D5A6B4E}" type="datetime1">
               <a:rPr lang="ja-JP" altLang="en-US" smtClean="0"/>
               <a:pPr/>
-              <a:t>2012/12/5</a:t>
+              <a:t>2012/12/6</a:t>
             </a:fld>
             <a:endParaRPr lang="ja-JP" altLang="en-US"/>
           </a:p>
@@ -5264,7 +8233,7 @@
           <a:p>
             <a:fld id="{303F3482-E06C-42FA-A822-570A15CD6E0B}" type="datetime1">
               <a:rPr kumimoji="1" lang="ja-JP" altLang="en-US" smtClean="0"/>
-              <a:t>2012/12/5</a:t>
+              <a:t>2012/12/6</a:t>
             </a:fld>
             <a:endParaRPr kumimoji="1" lang="ja-JP" altLang="en-US"/>
           </a:p>
@@ -5642,7 +8611,7 @@
           <a:p>
             <a:fld id="{381EC38E-3129-4477-8AA6-0EC057E77581}" type="datetime1">
               <a:rPr kumimoji="1" lang="ja-JP" altLang="en-US" smtClean="0"/>
-              <a:t>2012/12/5</a:t>
+              <a:t>2012/12/6</a:t>
             </a:fld>
             <a:endParaRPr kumimoji="1" lang="ja-JP" altLang="en-US"/>
           </a:p>
@@ -6147,7 +9116,7 @@
           <a:p>
             <a:fld id="{E7F47C26-CCD4-492D-B664-C0B7F4F29259}" type="datetime1">
               <a:rPr kumimoji="1" lang="ja-JP" altLang="en-US" smtClean="0"/>
-              <a:t>2012/12/5</a:t>
+              <a:t>2012/12/6</a:t>
             </a:fld>
             <a:endParaRPr kumimoji="1" lang="ja-JP" altLang="en-US"/>
           </a:p>
@@ -6279,7 +9248,7 @@
           <a:p>
             <a:fld id="{45F9D6AA-0590-4212-9F33-AAE7CD84CE09}" type="datetime1">
               <a:rPr kumimoji="1" lang="ja-JP" altLang="en-US" smtClean="0"/>
-              <a:t>2012/12/5</a:t>
+              <a:t>2012/12/6</a:t>
             </a:fld>
             <a:endParaRPr kumimoji="1" lang="ja-JP" altLang="en-US"/>
           </a:p>
@@ -6388,7 +9357,7 @@
           <a:p>
             <a:fld id="{A7A574ED-A5B5-4FBE-BC7C-D5C2F9CB05E9}" type="datetime1">
               <a:rPr kumimoji="1" lang="ja-JP" altLang="en-US" smtClean="0"/>
-              <a:t>2012/12/5</a:t>
+              <a:t>2012/12/6</a:t>
             </a:fld>
             <a:endParaRPr kumimoji="1" lang="ja-JP" altLang="en-US"/>
           </a:p>
@@ -6711,7 +9680,7 @@
           <a:p>
             <a:fld id="{0B7FF823-5203-4355-BE69-02CB957BD07D}" type="datetime1">
               <a:rPr kumimoji="1" lang="ja-JP" altLang="en-US" smtClean="0"/>
-              <a:t>2012/12/5</a:t>
+              <a:t>2012/12/6</a:t>
             </a:fld>
             <a:endParaRPr kumimoji="1" lang="ja-JP" altLang="en-US"/>
           </a:p>
@@ -6975,7 +9944,7 @@
           <a:p>
             <a:fld id="{78F248E3-99BA-427E-9E73-DD06A50391B2}" type="datetime1">
               <a:rPr kumimoji="1" lang="ja-JP" altLang="en-US" smtClean="0"/>
-              <a:t>2012/12/5</a:t>
+              <a:t>2012/12/6</a:t>
             </a:fld>
             <a:endParaRPr kumimoji="1" lang="ja-JP" altLang="en-US"/>
           </a:p>
@@ -7348,7 +10317,7 @@
           <a:p>
             <a:fld id="{5D139355-94E3-48AE-ADE1-F8018D1B5280}" type="datetime1">
               <a:rPr kumimoji="1" lang="ja-JP" altLang="en-US" smtClean="0"/>
-              <a:t>2012/12/5</a:t>
+              <a:t>2012/12/6</a:t>
             </a:fld>
             <a:endParaRPr kumimoji="1" lang="ja-JP" altLang="en-US"/>
           </a:p>
@@ -8240,19 +11209,11 @@
           <a:p>
             <a:r>
               <a:rPr kumimoji="1" lang="ja-JP" altLang="en-US" dirty="0" smtClean="0"/>
-              <a:t>研究概要</a:t>
-            </a:r>
-            <a:r>
-              <a:rPr lang="ja-JP" altLang="en-US" dirty="0"/>
-              <a:t>（</a:t>
-            </a:r>
-            <a:r>
-              <a:rPr kumimoji="1" lang="en-US" altLang="ja-JP" dirty="0" smtClean="0"/>
-              <a:t>2/5</a:t>
-            </a:r>
-            <a:r>
-              <a:rPr lang="ja-JP" altLang="en-US" dirty="0" smtClean="0"/>
-              <a:t>）</a:t>
+              <a:t>研究</a:t>
+            </a:r>
+            <a:r>
+              <a:rPr kumimoji="1" lang="ja-JP" altLang="en-US" dirty="0" smtClean="0"/>
+              <a:t>概要</a:t>
             </a:r>
             <a:endParaRPr kumimoji="1" lang="ja-JP" altLang="en-US" dirty="0"/>
           </a:p>
@@ -8275,11 +11236,7 @@
           <a:p>
             <a:r>
               <a:rPr lang="ja-JP" altLang="en-US" smtClean="0"/>
-              <a:t>モデルカタログ</a:t>
-            </a:r>
-            <a:r>
-              <a:rPr lang="ja-JP" altLang="en-US" smtClean="0"/>
-              <a:t>一覧（現在全</a:t>
+              <a:t>モデルカタログ一覧（現在全</a:t>
             </a:r>
             <a:r>
               <a:rPr lang="en-US" altLang="ja-JP" smtClean="0"/>
@@ -8874,19 +11831,11 @@
           <a:p>
             <a:r>
               <a:rPr kumimoji="1" lang="ja-JP" altLang="en-US" dirty="0" smtClean="0"/>
-              <a:t>研究概要</a:t>
-            </a:r>
-            <a:r>
-              <a:rPr lang="ja-JP" altLang="en-US" dirty="0"/>
-              <a:t>（</a:t>
-            </a:r>
-            <a:r>
-              <a:rPr kumimoji="1" lang="en-US" altLang="ja-JP" dirty="0" smtClean="0"/>
-              <a:t>2/5</a:t>
-            </a:r>
-            <a:r>
-              <a:rPr lang="ja-JP" altLang="en-US" dirty="0" smtClean="0"/>
-              <a:t>）</a:t>
+              <a:t>研究</a:t>
+            </a:r>
+            <a:r>
+              <a:rPr kumimoji="1" lang="ja-JP" altLang="en-US" dirty="0" smtClean="0"/>
+              <a:t>概要</a:t>
             </a:r>
             <a:endParaRPr kumimoji="1" lang="ja-JP" altLang="en-US" dirty="0"/>
           </a:p>
@@ -8909,11 +11858,7 @@
           <a:p>
             <a:r>
               <a:rPr lang="ja-JP" altLang="en-US" smtClean="0"/>
-              <a:t>モデルカタログ</a:t>
-            </a:r>
-            <a:r>
-              <a:rPr lang="ja-JP" altLang="en-US" smtClean="0"/>
-              <a:t>一覧（現在全</a:t>
+              <a:t>モデルカタログ一覧（現在全</a:t>
             </a:r>
             <a:r>
               <a:rPr lang="en-US" altLang="ja-JP" smtClean="0"/>
@@ -9687,19 +12632,11 @@
           <a:p>
             <a:r>
               <a:rPr kumimoji="1" lang="ja-JP" altLang="en-US" dirty="0" smtClean="0"/>
-              <a:t>研究概要</a:t>
-            </a:r>
-            <a:r>
-              <a:rPr lang="ja-JP" altLang="en-US" dirty="0"/>
-              <a:t>（</a:t>
-            </a:r>
-            <a:r>
-              <a:rPr kumimoji="1" lang="en-US" altLang="ja-JP" dirty="0" smtClean="0"/>
-              <a:t>3/5</a:t>
-            </a:r>
-            <a:r>
-              <a:rPr lang="ja-JP" altLang="en-US" dirty="0" smtClean="0"/>
-              <a:t>）</a:t>
+              <a:t>研究</a:t>
+            </a:r>
+            <a:r>
+              <a:rPr kumimoji="1" lang="ja-JP" altLang="en-US" dirty="0" smtClean="0"/>
+              <a:t>概要</a:t>
             </a:r>
             <a:endParaRPr kumimoji="1" lang="ja-JP" altLang="en-US" dirty="0"/>
           </a:p>
@@ -9735,31 +12672,27 @@
             <a:pPr lvl="1"/>
             <a:r>
               <a:rPr lang="ja-JP" altLang="en-US" dirty="0" smtClean="0"/>
-              <a:t>制御対象の計測値が目標値となるよう</a:t>
-            </a:r>
-            <a:r>
-              <a:rPr lang="ja-JP" altLang="en-US" smtClean="0"/>
-              <a:t>に</a:t>
-            </a:r>
-            <a:r>
-              <a:rPr lang="ja-JP" altLang="en-US" smtClean="0"/>
-              <a:t>制御</a:t>
-            </a:r>
-            <a:endParaRPr lang="en-US" altLang="ja-JP"/>
+              <a:t>制御対象の計測値が目標値となるように</a:t>
+            </a:r>
+            <a:r>
+              <a:rPr lang="ja-JP" altLang="en-US" dirty="0" smtClean="0"/>
+              <a:t>制御する方式</a:t>
+            </a:r>
+            <a:endParaRPr lang="en-US" altLang="ja-JP" dirty="0"/>
           </a:p>
           <a:p>
             <a:pPr lvl="1"/>
             <a:r>
-              <a:rPr kumimoji="1" lang="ja-JP" altLang="en-US" smtClean="0"/>
-              <a:t>例</a:t>
-            </a:r>
-            <a:r>
-              <a:rPr lang="en-US" altLang="ja-JP" smtClean="0"/>
-              <a:t>:</a:t>
-            </a:r>
-            <a:r>
-              <a:rPr lang="ja-JP" altLang="en-US" smtClean="0"/>
-              <a:t>エアコンの温度制御，車の速度制御等</a:t>
+              <a:rPr lang="ja-JP" altLang="en-US" dirty="0" smtClean="0"/>
+              <a:t>エアコン</a:t>
+            </a:r>
+            <a:r>
+              <a:rPr lang="ja-JP" altLang="en-US" dirty="0" smtClean="0"/>
+              <a:t>の温度制御，車の速度</a:t>
+            </a:r>
+            <a:r>
+              <a:rPr lang="ja-JP" altLang="en-US" dirty="0" smtClean="0"/>
+              <a:t>制御等の様々な分野で使用</a:t>
             </a:r>
             <a:endParaRPr kumimoji="1" lang="en-US" altLang="ja-JP" dirty="0" smtClean="0"/>
           </a:p>
@@ -9773,7 +12706,7 @@
         </p:nvGrpSpPr>
         <p:grpSpPr>
           <a:xfrm>
-            <a:off x="1007983" y="3615408"/>
+            <a:off x="1007983" y="3068960"/>
             <a:ext cx="6804377" cy="2693912"/>
             <a:chOff x="1007983" y="2607295"/>
             <a:chExt cx="6804377" cy="2693912"/>
@@ -10530,23 +13463,11 @@
           <a:p>
             <a:r>
               <a:rPr kumimoji="1" lang="ja-JP" altLang="en-US" dirty="0" smtClean="0"/>
-              <a:t>研究概要</a:t>
-            </a:r>
-            <a:r>
-              <a:rPr lang="ja-JP" altLang="en-US" dirty="0" smtClean="0"/>
-              <a:t>（</a:t>
-            </a:r>
-            <a:r>
-              <a:rPr lang="en-US" altLang="ja-JP" dirty="0"/>
-              <a:t>4</a:t>
-            </a:r>
-            <a:r>
-              <a:rPr kumimoji="1" lang="en-US" altLang="ja-JP" dirty="0" smtClean="0"/>
-              <a:t>/5</a:t>
-            </a:r>
-            <a:r>
-              <a:rPr lang="ja-JP" altLang="en-US" dirty="0" smtClean="0"/>
-              <a:t>）</a:t>
+              <a:t>研究</a:t>
+            </a:r>
+            <a:r>
+              <a:rPr kumimoji="1" lang="ja-JP" altLang="en-US" dirty="0" smtClean="0"/>
+              <a:t>概要</a:t>
             </a:r>
             <a:endParaRPr kumimoji="1" lang="ja-JP" altLang="en-US" dirty="0"/>
           </a:p>
@@ -10590,11 +13511,7 @@
             </a:r>
             <a:r>
               <a:rPr lang="en-US" altLang="ja-JP" smtClean="0"/>
-              <a:t>LEGO </a:t>
-            </a:r>
-            <a:r>
-              <a:rPr lang="en-US" altLang="ja-JP" smtClean="0"/>
-              <a:t>MINDSTORMS</a:t>
+              <a:t>LEGO MINDSTORMS</a:t>
             </a:r>
           </a:p>
           <a:p>
@@ -10856,112 +13773,109 @@
           </a:lstStyle>
           <a:p>
             <a:r>
-              <a:rPr lang="ja-JP" altLang="en-US" sz="2000" smtClean="0"/>
+              <a:rPr lang="ja-JP" altLang="en-US" sz="2000" dirty="0" smtClean="0"/>
               <a:t>組込みプログラムによって</a:t>
             </a:r>
             <a:r>
-              <a:rPr lang="en-US" altLang="ja-JP" sz="2000"/>
+              <a:rPr lang="en-US" altLang="ja-JP" sz="2000" dirty="0"/>
               <a:t/>
             </a:r>
             <a:br>
-              <a:rPr lang="en-US" altLang="ja-JP" sz="2000"/>
+              <a:rPr lang="en-US" altLang="ja-JP" sz="2000" dirty="0"/>
             </a:br>
             <a:r>
-              <a:rPr lang="ja-JP" altLang="en-US" sz="2000" smtClean="0"/>
-              <a:t>制御可能な二輪制御ロボット</a:t>
-            </a:r>
-            <a:endParaRPr lang="en-US" altLang="ja-JP" sz="2000" smtClean="0"/>
-          </a:p>
-          <a:p>
-            <a:r>
-              <a:rPr lang="ja-JP" altLang="en-US" sz="2000" smtClean="0"/>
-              <a:t>組込みシステムの教育目的</a:t>
-            </a:r>
-            <a:endParaRPr lang="en-US" altLang="ja-JP" sz="2000" smtClean="0"/>
-          </a:p>
-          <a:p>
-            <a:r>
-              <a:rPr lang="ja-JP" altLang="en-US" sz="2000" smtClean="0"/>
+              <a:rPr lang="ja-JP" altLang="en-US" sz="2000" dirty="0" smtClean="0"/>
+              <a:t>制御可能な</a:t>
+            </a:r>
+            <a:r>
+              <a:rPr lang="ja-JP" altLang="en-US" sz="2000" dirty="0" smtClean="0"/>
+              <a:t>二輪ロボット</a:t>
+            </a:r>
+            <a:endParaRPr lang="en-US" altLang="ja-JP" sz="2000" dirty="0" smtClean="0"/>
+          </a:p>
+          <a:p>
+            <a:r>
+              <a:rPr lang="ja-JP" altLang="en-US" sz="2000" dirty="0" smtClean="0"/>
               <a:t>使用可能言語</a:t>
             </a:r>
-            <a:endParaRPr lang="en-US" altLang="ja-JP" sz="2000" smtClean="0"/>
+            <a:endParaRPr lang="en-US" altLang="ja-JP" sz="2000" dirty="0" smtClean="0"/>
           </a:p>
           <a:p>
             <a:pPr lvl="1"/>
             <a:r>
-              <a:rPr lang="en-US" altLang="ja-JP" sz="1800" smtClean="0"/>
+              <a:rPr lang="en-US" altLang="ja-JP" sz="1800" dirty="0" smtClean="0"/>
               <a:t>C</a:t>
             </a:r>
             <a:r>
-              <a:rPr lang="ja-JP" altLang="en-US" sz="1800" smtClean="0"/>
+              <a:rPr lang="ja-JP" altLang="en-US" sz="1800" dirty="0" smtClean="0"/>
               <a:t>言語，</a:t>
             </a:r>
             <a:r>
-              <a:rPr lang="en-US" altLang="ja-JP" sz="1800" smtClean="0"/>
+              <a:rPr lang="en-US" altLang="ja-JP" sz="1800" dirty="0" smtClean="0"/>
               <a:t>C++</a:t>
             </a:r>
             <a:r>
-              <a:rPr lang="ja-JP" altLang="en-US" sz="1800" smtClean="0"/>
+              <a:rPr lang="ja-JP" altLang="en-US" sz="1800" dirty="0" err="1" smtClean="0"/>
               <a:t>，</a:t>
             </a:r>
             <a:r>
-              <a:rPr lang="en-US" altLang="ja-JP" sz="1800" smtClean="0"/>
+              <a:rPr lang="en-US" altLang="ja-JP" sz="1800" dirty="0" smtClean="0"/>
               <a:t>Java</a:t>
             </a:r>
           </a:p>
           <a:p>
             <a:r>
-              <a:rPr lang="ja-JP" altLang="en-US" sz="2000"/>
+              <a:rPr lang="ja-JP" altLang="en-US" sz="2000" dirty="0"/>
               <a:t>計測</a:t>
             </a:r>
             <a:r>
-              <a:rPr lang="ja-JP" altLang="en-US" sz="2000" smtClean="0"/>
+              <a:rPr lang="ja-JP" altLang="en-US" sz="2000" dirty="0" smtClean="0"/>
               <a:t>器</a:t>
             </a:r>
-            <a:endParaRPr lang="en-US" altLang="ja-JP" sz="2000" smtClean="0"/>
+            <a:endParaRPr lang="en-US" altLang="ja-JP" sz="2000" dirty="0" smtClean="0"/>
           </a:p>
           <a:p>
             <a:pPr lvl="1"/>
             <a:r>
-              <a:rPr lang="ja-JP" altLang="en-US" sz="1800" smtClean="0"/>
+              <a:rPr lang="ja-JP" altLang="en-US" sz="1800" dirty="0" smtClean="0"/>
               <a:t>モータ回転角度計</a:t>
             </a:r>
-            <a:endParaRPr lang="en-US" altLang="ja-JP" sz="1800" smtClean="0"/>
+            <a:endParaRPr lang="en-US" altLang="ja-JP" sz="1800" dirty="0" smtClean="0"/>
           </a:p>
           <a:p>
             <a:pPr lvl="1"/>
             <a:r>
-              <a:rPr lang="ja-JP" altLang="en-US" sz="1800" smtClean="0"/>
+              <a:rPr lang="ja-JP" altLang="en-US" sz="1800" dirty="0" smtClean="0"/>
               <a:t>光センサ等の各種センサ</a:t>
             </a:r>
-            <a:endParaRPr lang="en-US" altLang="ja-JP" sz="1800" smtClean="0"/>
-          </a:p>
-          <a:p>
-            <a:r>
-              <a:rPr lang="ja-JP" altLang="en-US" sz="2000" smtClean="0"/>
+            <a:endParaRPr lang="en-US" altLang="ja-JP" sz="1800" dirty="0" smtClean="0"/>
+          </a:p>
+          <a:p>
+            <a:r>
+              <a:rPr lang="ja-JP" altLang="en-US" sz="2000" dirty="0" smtClean="0"/>
               <a:t>操作器</a:t>
             </a:r>
-            <a:endParaRPr lang="en-US" altLang="ja-JP" sz="2000" smtClean="0"/>
+            <a:endParaRPr lang="en-US" altLang="ja-JP" sz="2000" dirty="0" smtClean="0"/>
           </a:p>
           <a:p>
             <a:pPr lvl="1"/>
             <a:r>
-              <a:rPr lang="ja-JP" altLang="en-US" sz="1800" smtClean="0"/>
+              <a:rPr lang="ja-JP" altLang="en-US" sz="1800" dirty="0" smtClean="0"/>
               <a:t>車輪モータ（左右一つずつ）</a:t>
             </a:r>
-            <a:endParaRPr lang="en-US" altLang="ja-JP" sz="1800" smtClean="0"/>
+            <a:endParaRPr lang="en-US" altLang="ja-JP" sz="1800" dirty="0" smtClean="0"/>
           </a:p>
           <a:p>
             <a:pPr lvl="1"/>
             <a:r>
-              <a:rPr lang="ja-JP" altLang="en-US" sz="1800" smtClean="0"/>
+              <a:rPr lang="ja-JP" altLang="en-US" sz="1800" dirty="0" smtClean="0"/>
               <a:t>尻尾モータ</a:t>
             </a:r>
-            <a:endParaRPr lang="en-US" altLang="ja-JP" sz="1800" smtClean="0"/>
+            <a:endParaRPr lang="en-US" altLang="ja-JP" sz="1800" dirty="0" smtClean="0"/>
           </a:p>
           <a:p>
             <a:pPr lvl="1"/>
-            <a:endParaRPr lang="en-US" altLang="ja-JP" sz="1800" smtClean="0"/>
+            <a:endParaRPr lang="en-US" altLang="ja-JP" sz="1800" dirty="0" smtClean="0"/>
           </a:p>
           <a:p>
             <a:pPr lvl="1"/>
@@ -11023,23 +13937,11 @@
           <a:p>
             <a:r>
               <a:rPr kumimoji="1" lang="ja-JP" altLang="en-US" dirty="0" smtClean="0"/>
-              <a:t>研究概要</a:t>
-            </a:r>
-            <a:r>
-              <a:rPr lang="ja-JP" altLang="en-US" dirty="0" smtClean="0"/>
-              <a:t>（</a:t>
-            </a:r>
-            <a:r>
-              <a:rPr lang="en-US" altLang="ja-JP" dirty="0"/>
-              <a:t>4</a:t>
-            </a:r>
-            <a:r>
-              <a:rPr kumimoji="1" lang="en-US" altLang="ja-JP" dirty="0" smtClean="0"/>
-              <a:t>/5</a:t>
-            </a:r>
-            <a:r>
-              <a:rPr lang="ja-JP" altLang="en-US" dirty="0" smtClean="0"/>
-              <a:t>）</a:t>
+              <a:t>研究</a:t>
+            </a:r>
+            <a:r>
+              <a:rPr kumimoji="1" lang="ja-JP" altLang="en-US" dirty="0" smtClean="0"/>
+              <a:t>概要</a:t>
             </a:r>
             <a:endParaRPr kumimoji="1" lang="ja-JP" altLang="en-US" dirty="0"/>
           </a:p>
@@ -11067,11 +13969,7 @@
           <a:p>
             <a:r>
               <a:rPr lang="ja-JP" altLang="en-US" smtClean="0"/>
-              <a:t>実装</a:t>
-            </a:r>
-            <a:r>
-              <a:rPr lang="ja-JP" altLang="en-US" smtClean="0"/>
-              <a:t>環境</a:t>
+              <a:t>実装環境</a:t>
             </a:r>
             <a:r>
               <a:rPr lang="en-US" altLang="ja-JP"/>
@@ -11129,7 +14027,7 @@
         </p:nvSpPr>
         <p:spPr bwMode="gray">
           <a:xfrm>
-            <a:off x="4458344" y="1916832"/>
+            <a:off x="4427984" y="1844824"/>
             <a:ext cx="8610600" cy="4392488"/>
           </a:xfrm>
           <a:prstGeom prst="rect">
@@ -11315,100 +14213,86 @@
           </a:lstStyle>
           <a:p>
             <a:r>
-              <a:rPr lang="ja-JP" altLang="en-US" sz="2000" smtClean="0"/>
+              <a:rPr lang="ja-JP" altLang="en-US" sz="2000" dirty="0" smtClean="0"/>
               <a:t>組込みプログラムによって</a:t>
             </a:r>
             <a:r>
-              <a:rPr lang="en-US" altLang="ja-JP" sz="2000"/>
+              <a:rPr lang="en-US" altLang="ja-JP" sz="2000" dirty="0"/>
               <a:t/>
             </a:r>
             <a:br>
-              <a:rPr lang="en-US" altLang="ja-JP" sz="2000"/>
+              <a:rPr lang="en-US" altLang="ja-JP" sz="2000" dirty="0"/>
             </a:br>
             <a:r>
-              <a:rPr lang="ja-JP" altLang="en-US" sz="2000" smtClean="0"/>
-              <a:t>制御可能な二輪制御ロボット</a:t>
-            </a:r>
-            <a:endParaRPr lang="en-US" altLang="ja-JP" sz="2000" smtClean="0"/>
-          </a:p>
-          <a:p>
-            <a:r>
-              <a:rPr lang="ja-JP" altLang="en-US" sz="2000" smtClean="0"/>
-              <a:t>マイコンや制御，各センサの</a:t>
-            </a:r>
-            <a:r>
-              <a:rPr lang="en-US" altLang="ja-JP" sz="2000" smtClean="0"/>
-              <a:t/>
-            </a:r>
-            <a:br>
-              <a:rPr lang="en-US" altLang="ja-JP" sz="2000" smtClean="0"/>
-            </a:br>
-            <a:r>
-              <a:rPr lang="ja-JP" altLang="en-US" sz="2000" smtClean="0"/>
-              <a:t>教育用</a:t>
-            </a:r>
-            <a:endParaRPr lang="en-US" altLang="ja-JP" sz="2000" smtClean="0"/>
-          </a:p>
-          <a:p>
-            <a:r>
-              <a:rPr lang="ja-JP" altLang="en-US" sz="2000" smtClean="0"/>
+              <a:rPr lang="ja-JP" altLang="en-US" sz="2000" dirty="0" smtClean="0"/>
+              <a:t>制御可能な</a:t>
+            </a:r>
+            <a:r>
+              <a:rPr lang="ja-JP" altLang="en-US" sz="2000" dirty="0" smtClean="0"/>
+              <a:t>二輪ロボット</a:t>
+            </a:r>
+            <a:endParaRPr lang="en-US" altLang="ja-JP" sz="2000" dirty="0" smtClean="0"/>
+          </a:p>
+          <a:p>
+            <a:r>
+              <a:rPr lang="ja-JP" altLang="en-US" sz="2000" dirty="0" smtClean="0"/>
               <a:t>使用可能言語</a:t>
             </a:r>
-            <a:endParaRPr lang="en-US" altLang="ja-JP" sz="2000" smtClean="0"/>
+            <a:endParaRPr lang="en-US" altLang="ja-JP" sz="2000" dirty="0" smtClean="0"/>
           </a:p>
           <a:p>
             <a:pPr lvl="1"/>
             <a:r>
-              <a:rPr lang="en-US" altLang="ja-JP" sz="1800" smtClean="0"/>
+              <a:rPr lang="en-US" altLang="ja-JP" sz="1800" dirty="0" smtClean="0"/>
               <a:t>C</a:t>
             </a:r>
             <a:r>
-              <a:rPr lang="ja-JP" altLang="en-US" sz="1800" smtClean="0"/>
+              <a:rPr lang="ja-JP" altLang="en-US" sz="1800" dirty="0" smtClean="0"/>
               <a:t>言語</a:t>
             </a:r>
-            <a:endParaRPr lang="en-US" altLang="ja-JP" sz="1800" smtClean="0"/>
-          </a:p>
-          <a:p>
-            <a:r>
-              <a:rPr lang="ja-JP" altLang="en-US" sz="2000"/>
+            <a:endParaRPr lang="en-US" altLang="ja-JP" sz="1800" dirty="0" smtClean="0"/>
+          </a:p>
+          <a:p>
+            <a:r>
+              <a:rPr lang="ja-JP" altLang="en-US" sz="2000" dirty="0"/>
               <a:t>計測</a:t>
             </a:r>
             <a:r>
-              <a:rPr lang="ja-JP" altLang="en-US" sz="2000" smtClean="0"/>
+              <a:rPr lang="ja-JP" altLang="en-US" sz="2000" dirty="0" smtClean="0"/>
               <a:t>器</a:t>
             </a:r>
-            <a:endParaRPr lang="en-US" altLang="ja-JP" sz="2000" smtClean="0"/>
+            <a:endParaRPr lang="en-US" altLang="ja-JP" sz="2000" dirty="0" smtClean="0"/>
           </a:p>
           <a:p>
             <a:pPr lvl="1"/>
             <a:r>
-              <a:rPr lang="ja-JP" altLang="en-US" sz="1800" smtClean="0"/>
-              <a:t>モータ速度計</a:t>
-            </a:r>
-            <a:endParaRPr lang="en-US" altLang="ja-JP" sz="1800" smtClean="0"/>
+              <a:rPr lang="ja-JP" altLang="en-US" sz="1800" dirty="0" smtClean="0"/>
+              <a:t>モータ回転角度計</a:t>
+            </a:r>
+            <a:endParaRPr lang="en-US" altLang="ja-JP" sz="1800" dirty="0" smtClean="0"/>
           </a:p>
           <a:p>
             <a:pPr lvl="1"/>
             <a:r>
-              <a:rPr lang="ja-JP" altLang="en-US" sz="1800" smtClean="0"/>
+              <a:rPr lang="ja-JP" altLang="en-US" sz="1800" dirty="0" smtClean="0"/>
               <a:t>超音波センサ等の各種センサ</a:t>
             </a:r>
-            <a:endParaRPr lang="en-US" altLang="ja-JP" sz="1800" smtClean="0"/>
-          </a:p>
-          <a:p>
-            <a:r>
-              <a:rPr lang="ja-JP" altLang="en-US" sz="2000" smtClean="0"/>
+            <a:endParaRPr lang="en-US" altLang="ja-JP" sz="1800" dirty="0" smtClean="0"/>
+          </a:p>
+          <a:p>
+            <a:r>
+              <a:rPr lang="ja-JP" altLang="en-US" sz="2000" dirty="0" smtClean="0"/>
               <a:t>操作器</a:t>
             </a:r>
-            <a:endParaRPr lang="en-US" altLang="ja-JP" sz="2000" smtClean="0"/>
+            <a:endParaRPr lang="en-US" altLang="ja-JP" sz="2000" dirty="0" smtClean="0"/>
           </a:p>
           <a:p>
             <a:pPr lvl="1"/>
             <a:r>
-              <a:rPr lang="ja-JP" altLang="en-US" sz="1800" smtClean="0"/>
+              <a:rPr lang="ja-JP" altLang="en-US" sz="1800" dirty="0" smtClean="0"/>
               <a:t>車輪モータ（左右一つずつ）</a:t>
             </a:r>
-            <a:endParaRPr lang="en-US" altLang="ja-JP" sz="1800" smtClean="0"/>
+            <a:endParaRPr lang="en-US" altLang="ja-JP" sz="1800" dirty="0" smtClean="0"/>
           </a:p>
           <a:p>
             <a:pPr lvl="1"/>
@@ -11500,23 +14384,11 @@
           <a:p>
             <a:r>
               <a:rPr kumimoji="1" lang="ja-JP" altLang="en-US" dirty="0" smtClean="0"/>
-              <a:t>研究概要</a:t>
-            </a:r>
-            <a:r>
-              <a:rPr lang="ja-JP" altLang="en-US" dirty="0" smtClean="0"/>
-              <a:t>（</a:t>
-            </a:r>
-            <a:r>
-              <a:rPr lang="en-US" altLang="ja-JP" dirty="0"/>
-              <a:t>5</a:t>
-            </a:r>
-            <a:r>
-              <a:rPr kumimoji="1" lang="en-US" altLang="ja-JP" dirty="0" smtClean="0"/>
-              <a:t>/5</a:t>
-            </a:r>
-            <a:r>
-              <a:rPr lang="ja-JP" altLang="en-US" dirty="0" smtClean="0"/>
-              <a:t>）</a:t>
+              <a:t>進捗</a:t>
+            </a:r>
+            <a:r>
+              <a:rPr kumimoji="1" lang="ja-JP" altLang="en-US" dirty="0" smtClean="0"/>
+              <a:t>状況</a:t>
             </a:r>
             <a:endParaRPr kumimoji="1" lang="ja-JP" altLang="en-US" dirty="0"/>
           </a:p>
@@ -11532,64 +14404,131 @@
             <p:ph idx="1"/>
           </p:nvPr>
         </p:nvSpPr>
-        <p:spPr/>
+        <p:spPr>
+          <a:xfrm>
+            <a:off x="304800" y="997100"/>
+            <a:ext cx="8610600" cy="5456236"/>
+          </a:xfrm>
+        </p:spPr>
         <p:txBody>
           <a:bodyPr/>
           <a:lstStyle/>
           <a:p>
             <a:r>
               <a:rPr kumimoji="1" lang="ja-JP" altLang="en-US" dirty="0" smtClean="0"/>
-              <a:t>実装環境</a:t>
-            </a:r>
-            <a:r>
-              <a:rPr kumimoji="1" lang="en-US" altLang="ja-JP" dirty="0" smtClean="0"/>
-              <a:t>2 </a:t>
-            </a:r>
-            <a:r>
-              <a:rPr lang="en-US" altLang="ja-JP" smtClean="0"/>
-              <a:t>: </a:t>
-            </a:r>
-            <a:r>
-              <a:rPr lang="en-US" altLang="ja-JP" smtClean="0"/>
-              <a:t>DONKEY</a:t>
+              <a:t>モデルカタログ</a:t>
+            </a:r>
+            <a:r>
+              <a:rPr lang="ja-JP" altLang="en-US" dirty="0" smtClean="0"/>
+              <a:t>の読み合わせ</a:t>
             </a:r>
             <a:endParaRPr lang="en-US" altLang="ja-JP" dirty="0" smtClean="0"/>
           </a:p>
+          <a:p>
+            <a:pPr lvl="1"/>
+            <a:r>
+              <a:rPr lang="ja-JP" altLang="en-US" dirty="0" smtClean="0"/>
+              <a:t>モデルカタログの概要の</a:t>
+            </a:r>
+            <a:r>
+              <a:rPr lang="ja-JP" altLang="en-US" dirty="0" smtClean="0"/>
+              <a:t>確認</a:t>
+            </a:r>
+            <a:endParaRPr lang="en-US" altLang="ja-JP" dirty="0" smtClean="0"/>
+          </a:p>
+          <a:p>
+            <a:pPr lvl="1"/>
+            <a:r>
+              <a:rPr lang="ja-JP" altLang="en-US" dirty="0" smtClean="0"/>
+              <a:t>目標制御モデルカタログを利用した実装内容の決定</a:t>
+            </a:r>
+            <a:endParaRPr lang="en-US" altLang="ja-JP" dirty="0" smtClean="0"/>
+          </a:p>
+          <a:p>
+            <a:pPr lvl="3"/>
+            <a:r>
+              <a:rPr lang="ja-JP" altLang="en-US" sz="2200" dirty="0" smtClean="0"/>
+              <a:t>輝度値</a:t>
+            </a:r>
+            <a:r>
+              <a:rPr lang="ja-JP" altLang="en-US" sz="2200" dirty="0" smtClean="0"/>
+              <a:t>制御</a:t>
+            </a:r>
+            <a:endParaRPr lang="en-US" altLang="ja-JP" sz="2200" dirty="0" smtClean="0"/>
+          </a:p>
+          <a:p>
+            <a:pPr lvl="4"/>
+            <a:r>
+              <a:rPr lang="ja-JP" altLang="en-US" dirty="0" smtClean="0"/>
+              <a:t>ラインをなぞる走行の実現</a:t>
+            </a:r>
+            <a:endParaRPr lang="en-US" altLang="ja-JP" dirty="0" smtClean="0"/>
+          </a:p>
+          <a:p>
+            <a:pPr lvl="3"/>
+            <a:r>
+              <a:rPr lang="ja-JP" altLang="en-US" sz="2200" dirty="0" smtClean="0"/>
+              <a:t>尻尾</a:t>
+            </a:r>
+            <a:r>
+              <a:rPr lang="ja-JP" altLang="en-US" sz="2200" dirty="0" smtClean="0"/>
+              <a:t>モータ角度</a:t>
+            </a:r>
+            <a:r>
+              <a:rPr lang="ja-JP" altLang="en-US" sz="2200" dirty="0" smtClean="0"/>
+              <a:t>制御</a:t>
+            </a:r>
+            <a:endParaRPr lang="en-US" altLang="ja-JP" sz="2200" dirty="0" smtClean="0"/>
+          </a:p>
+          <a:p>
+            <a:pPr lvl="4"/>
+            <a:r>
+              <a:rPr lang="ja-JP" altLang="en-US" dirty="0" smtClean="0"/>
+              <a:t>車体を尻尾で支える動作の実現</a:t>
+            </a:r>
+            <a:endParaRPr lang="en-US" altLang="ja-JP" dirty="0"/>
+          </a:p>
+          <a:p>
+            <a:pPr lvl="3"/>
+            <a:r>
+              <a:rPr lang="ja-JP" altLang="en-US" sz="2200" dirty="0"/>
+              <a:t>曲率半径制御</a:t>
+            </a:r>
+            <a:endParaRPr lang="en-US" altLang="ja-JP" sz="2200" dirty="0"/>
+          </a:p>
+          <a:p>
+            <a:pPr lvl="4"/>
+            <a:r>
+              <a:rPr lang="ja-JP" altLang="en-US" dirty="0" smtClean="0"/>
+              <a:t>カーブ走行の実現</a:t>
+            </a:r>
+            <a:endParaRPr lang="en-US" altLang="ja-JP" dirty="0" smtClean="0"/>
+          </a:p>
+          <a:p>
+            <a:pPr lvl="3"/>
+            <a:r>
+              <a:rPr lang="ja-JP" altLang="en-US" sz="2200" dirty="0" smtClean="0"/>
+              <a:t>速度</a:t>
+            </a:r>
+            <a:r>
+              <a:rPr lang="ja-JP" altLang="en-US" sz="2200" dirty="0" smtClean="0"/>
+              <a:t>制御</a:t>
+            </a:r>
+            <a:endParaRPr lang="en-US" altLang="ja-JP" sz="2200" dirty="0" smtClean="0"/>
+          </a:p>
+          <a:p>
+            <a:pPr lvl="4"/>
+            <a:r>
+              <a:rPr lang="ja-JP" altLang="en-US" dirty="0" smtClean="0"/>
+              <a:t>走行の加減速の実現</a:t>
+            </a:r>
+            <a:endParaRPr lang="en-US" altLang="ja-JP" dirty="0" smtClean="0"/>
+          </a:p>
         </p:txBody>
       </p:sp>
-      <p:pic>
-        <p:nvPicPr>
-          <p:cNvPr id="4" name="図 3"/>
-          <p:cNvPicPr>
-            <a:picLocks noChangeAspect="1"/>
-          </p:cNvPicPr>
-          <p:nvPr/>
-        </p:nvPicPr>
-        <p:blipFill>
-          <a:blip r:embed="rId3" cstate="print">
-            <a:extLst>
-              <a:ext uri="{28A0092B-C50C-407E-A947-70E740481C1C}">
-                <a14:useLocalDpi xmlns:a14="http://schemas.microsoft.com/office/drawing/2010/main" val="0"/>
-              </a:ext>
-            </a:extLst>
-          </a:blip>
-          <a:stretch>
-            <a:fillRect/>
-          </a:stretch>
-        </p:blipFill>
-        <p:spPr>
-          <a:xfrm>
-            <a:off x="2555776" y="3501008"/>
-            <a:ext cx="4283968" cy="2303957"/>
-          </a:xfrm>
-          <a:prstGeom prst="rect">
-            <a:avLst/>
-          </a:prstGeom>
-        </p:spPr>
-      </p:pic>
-      <p:sp>
-        <p:nvSpPr>
-          <p:cNvPr id="6" name="スライド番号プレースホルダー 5"/>
+      <p:sp>
+        <p:nvSpPr>
+          <p:cNvPr id="4" name="スライド番号プレースホルダー 3"/>
           <p:cNvSpPr>
             <a:spLocks noGrp="1"/>
           </p:cNvSpPr>
@@ -11613,7 +14552,7 @@
     </p:spTree>
     <p:extLst>
       <p:ext uri="{BB962C8B-B14F-4D97-AF65-F5344CB8AC3E}">
-        <p14:creationId xmlns:p14="http://schemas.microsoft.com/office/powerpoint/2010/main" val="1417085034"/>
+        <p14:creationId xmlns:p14="http://schemas.microsoft.com/office/powerpoint/2010/main" val="1686144605"/>
       </p:ext>
     </p:extLst>
   </p:cSld>
@@ -11664,15 +14603,11 @@
           <a:p>
             <a:r>
               <a:rPr kumimoji="1" lang="ja-JP" altLang="en-US" dirty="0" smtClean="0"/>
-              <a:t>進捗状況（</a:t>
-            </a:r>
-            <a:r>
-              <a:rPr kumimoji="1" lang="en-US" altLang="ja-JP" dirty="0" smtClean="0"/>
-              <a:t>1/6</a:t>
-            </a:r>
-            <a:r>
-              <a:rPr lang="ja-JP" altLang="en-US" dirty="0" smtClean="0"/>
-              <a:t>）</a:t>
+              <a:t>進捗</a:t>
+            </a:r>
+            <a:r>
+              <a:rPr kumimoji="1" lang="ja-JP" altLang="en-US" dirty="0" smtClean="0"/>
+              <a:t>状況</a:t>
             </a:r>
             <a:endParaRPr kumimoji="1" lang="ja-JP" altLang="en-US" dirty="0"/>
           </a:p>
@@ -11688,299 +14623,11 @@
             <p:ph idx="1"/>
           </p:nvPr>
         </p:nvSpPr>
-        <p:spPr>
-          <a:xfrm>
-            <a:off x="304800" y="997100"/>
-            <a:ext cx="8610600" cy="5456236"/>
-          </a:xfrm>
-        </p:spPr>
-        <p:txBody>
-          <a:bodyPr/>
-          <a:lstStyle/>
-          <a:p>
-            <a:r>
-              <a:rPr kumimoji="1" lang="ja-JP" altLang="en-US" dirty="0" smtClean="0"/>
-              <a:t>モデルカタログ</a:t>
-            </a:r>
-            <a:r>
-              <a:rPr lang="ja-JP" altLang="en-US" dirty="0" smtClean="0"/>
-              <a:t>の読み合わせ</a:t>
-            </a:r>
-            <a:endParaRPr lang="en-US" altLang="ja-JP" dirty="0" smtClean="0"/>
-          </a:p>
-          <a:p>
-            <a:pPr lvl="1"/>
-            <a:r>
-              <a:rPr lang="ja-JP" altLang="en-US" smtClean="0"/>
-              <a:t>モデルカタログの概要の確認</a:t>
-            </a:r>
-            <a:endParaRPr lang="en-US" altLang="ja-JP" smtClean="0"/>
-          </a:p>
-          <a:p>
-            <a:pPr lvl="1"/>
-            <a:endParaRPr lang="en-US" altLang="ja-JP" smtClean="0"/>
-          </a:p>
-          <a:p>
-            <a:pPr lvl="1"/>
-            <a:r>
-              <a:rPr lang="ja-JP" altLang="en-US" smtClean="0"/>
-              <a:t>目標制御</a:t>
-            </a:r>
-            <a:r>
-              <a:rPr lang="ja-JP" altLang="en-US" smtClean="0"/>
-              <a:t>モデルカタログを利用した</a:t>
-            </a:r>
-            <a:r>
-              <a:rPr lang="ja-JP" altLang="en-US" smtClean="0"/>
-              <a:t>実装</a:t>
-            </a:r>
-            <a:r>
-              <a:rPr lang="ja-JP" altLang="en-US" dirty="0" smtClean="0"/>
-              <a:t>内容の決定</a:t>
-            </a:r>
-            <a:endParaRPr lang="en-US" altLang="ja-JP" dirty="0" smtClean="0"/>
-          </a:p>
-          <a:p>
-            <a:pPr lvl="3"/>
-            <a:r>
-              <a:rPr lang="ja-JP" altLang="en-US" dirty="0" smtClean="0"/>
-              <a:t>輝度値制御（</a:t>
-            </a:r>
-            <a:r>
-              <a:rPr lang="en-US" altLang="ja-JP" dirty="0" smtClean="0"/>
-              <a:t>NXT LEGO MINDSTORMS</a:t>
-            </a:r>
-            <a:r>
-              <a:rPr lang="ja-JP" altLang="en-US" dirty="0" smtClean="0"/>
-              <a:t>）</a:t>
-            </a:r>
-            <a:endParaRPr lang="en-US" altLang="ja-JP" dirty="0" smtClean="0"/>
-          </a:p>
-          <a:p>
-            <a:pPr lvl="3"/>
-            <a:r>
-              <a:rPr lang="ja-JP" altLang="en-US" dirty="0"/>
-              <a:t>曲率半径制御</a:t>
-            </a:r>
-            <a:r>
-              <a:rPr lang="ja-JP" altLang="en-US" dirty="0" smtClean="0"/>
-              <a:t>（</a:t>
-            </a:r>
-            <a:r>
-              <a:rPr lang="en-US" altLang="ja-JP" dirty="0" smtClean="0"/>
-              <a:t>NXT LEGO MINDSTORMS</a:t>
-            </a:r>
-            <a:r>
-              <a:rPr lang="ja-JP" altLang="en-US" dirty="0" smtClean="0"/>
-              <a:t>）</a:t>
-            </a:r>
-            <a:endParaRPr lang="en-US" altLang="ja-JP" dirty="0" smtClean="0"/>
-          </a:p>
-          <a:p>
-            <a:pPr lvl="3"/>
-            <a:r>
-              <a:rPr lang="ja-JP" altLang="en-US" dirty="0" smtClean="0"/>
-              <a:t>尻尾モータ角度制御（</a:t>
-            </a:r>
-            <a:r>
-              <a:rPr lang="en-US" altLang="ja-JP" dirty="0" smtClean="0"/>
-              <a:t>NXT LEGO MINDSTORMS</a:t>
-            </a:r>
-            <a:r>
-              <a:rPr lang="ja-JP" altLang="en-US" dirty="0" smtClean="0"/>
-              <a:t>）</a:t>
-            </a:r>
-            <a:endParaRPr lang="en-US" altLang="ja-JP" dirty="0" smtClean="0"/>
-          </a:p>
-          <a:p>
-            <a:pPr lvl="3"/>
-            <a:r>
-              <a:rPr lang="ja-JP" altLang="en-US" dirty="0" smtClean="0"/>
-              <a:t>速度制御（</a:t>
-            </a:r>
-            <a:r>
-              <a:rPr lang="en-US" altLang="ja-JP" dirty="0" smtClean="0"/>
-              <a:t>NXT LEGO MINDSTORMS,DONKEY</a:t>
-            </a:r>
-            <a:r>
-              <a:rPr lang="ja-JP" altLang="en-US" dirty="0" smtClean="0"/>
-              <a:t>）</a:t>
-            </a:r>
-            <a:endParaRPr lang="en-US" altLang="ja-JP" dirty="0" smtClean="0"/>
-          </a:p>
-          <a:p>
-            <a:pPr marL="1371600" lvl="3" indent="0">
-              <a:buNone/>
-            </a:pPr>
-            <a:r>
-              <a:rPr lang="ja-JP" altLang="en-US" dirty="0" smtClean="0"/>
-              <a:t>（</a:t>
-            </a:r>
-            <a:r>
-              <a:rPr lang="en-US" altLang="ja-JP" dirty="0" smtClean="0"/>
-              <a:t>NXT LEGO MINDSTORMS</a:t>
-            </a:r>
-            <a:r>
-              <a:rPr lang="ja-JP" altLang="en-US" dirty="0" smtClean="0"/>
-              <a:t>は</a:t>
-            </a:r>
-            <a:r>
-              <a:rPr lang="en-US" altLang="ja-JP" smtClean="0"/>
-              <a:t>C</a:t>
-            </a:r>
-            <a:r>
-              <a:rPr lang="ja-JP" altLang="en-US" smtClean="0"/>
-              <a:t>言語と</a:t>
-            </a:r>
-            <a:r>
-              <a:rPr lang="en-US" altLang="ja-JP" smtClean="0"/>
-              <a:t>Java</a:t>
-            </a:r>
-            <a:r>
-              <a:rPr lang="ja-JP" altLang="en-US" dirty="0" err="1" smtClean="0"/>
-              <a:t>，</a:t>
-            </a:r>
-            <a:r>
-              <a:rPr lang="en-US" altLang="ja-JP" dirty="0" smtClean="0"/>
-              <a:t>DONKEY</a:t>
-            </a:r>
-            <a:r>
-              <a:rPr lang="ja-JP" altLang="en-US" dirty="0" smtClean="0"/>
-              <a:t>は</a:t>
-            </a:r>
-            <a:r>
-              <a:rPr lang="en-US" altLang="ja-JP" dirty="0" smtClean="0"/>
-              <a:t/>
-            </a:r>
-            <a:br>
-              <a:rPr lang="en-US" altLang="ja-JP" dirty="0" smtClean="0"/>
-            </a:br>
-            <a:r>
-              <a:rPr lang="en-US" altLang="ja-JP" dirty="0" smtClean="0"/>
-              <a:t>C</a:t>
-            </a:r>
-            <a:r>
-              <a:rPr lang="ja-JP" altLang="en-US" dirty="0" smtClean="0"/>
-              <a:t>言語で実装）</a:t>
-            </a:r>
-            <a:endParaRPr lang="en-US" altLang="ja-JP" dirty="0" smtClean="0"/>
-          </a:p>
-          <a:p>
-            <a:pPr lvl="2"/>
-            <a:endParaRPr lang="en-US" altLang="ja-JP" dirty="0" smtClean="0"/>
-          </a:p>
-        </p:txBody>
-      </p:sp>
-      <p:sp>
-        <p:nvSpPr>
-          <p:cNvPr id="4" name="スライド番号プレースホルダー 3"/>
-          <p:cNvSpPr>
-            <a:spLocks noGrp="1"/>
-          </p:cNvSpPr>
-          <p:nvPr>
-            <p:ph type="sldNum" sz="quarter" idx="12"/>
-          </p:nvPr>
-        </p:nvSpPr>
         <p:spPr/>
         <p:txBody>
           <a:bodyPr/>
           <a:lstStyle/>
           <a:p>
-            <a:fld id="{1B4CD1AD-35CE-4DA8-9CDB-2FA6D4A1B3F4}" type="slidenum">
-              <a:rPr kumimoji="1" lang="ja-JP" altLang="en-US" smtClean="0"/>
-              <a:t>16</a:t>
-            </a:fld>
-            <a:endParaRPr kumimoji="1" lang="ja-JP" altLang="en-US" dirty="0"/>
-          </a:p>
-        </p:txBody>
-      </p:sp>
-    </p:spTree>
-    <p:extLst>
-      <p:ext uri="{BB962C8B-B14F-4D97-AF65-F5344CB8AC3E}">
-        <p14:creationId xmlns:p14="http://schemas.microsoft.com/office/powerpoint/2010/main" val="1686144605"/>
-      </p:ext>
-    </p:extLst>
-  </p:cSld>
-  <p:clrMapOvr>
-    <a:masterClrMapping/>
-  </p:clrMapOvr>
-  <p:timing>
-    <p:tnLst>
-      <p:par>
-        <p:cTn id="1" dur="indefinite" restart="never" nodeType="tmRoot"/>
-      </p:par>
-    </p:tnLst>
-  </p:timing>
-</p:sld>
-</file>
-
-<file path=ppt/slides/slide17.xml><?xml version="1.0" encoding="utf-8"?>
-<p:sld xmlns:a="http://schemas.openxmlformats.org/drawingml/2006/main" xmlns:r="http://schemas.openxmlformats.org/officeDocument/2006/relationships" xmlns:p="http://schemas.openxmlformats.org/presentationml/2006/main">
-  <p:cSld>
-    <p:spTree>
-      <p:nvGrpSpPr>
-        <p:cNvPr id="1" name=""/>
-        <p:cNvGrpSpPr/>
-        <p:nvPr/>
-      </p:nvGrpSpPr>
-      <p:grpSpPr>
-        <a:xfrm>
-          <a:off x="0" y="0"/>
-          <a:ext cx="0" cy="0"/>
-          <a:chOff x="0" y="0"/>
-          <a:chExt cx="0" cy="0"/>
-        </a:xfrm>
-      </p:grpSpPr>
-      <p:sp>
-        <p:nvSpPr>
-          <p:cNvPr id="2" name="タイトル 1"/>
-          <p:cNvSpPr>
-            <a:spLocks noGrp="1"/>
-          </p:cNvSpPr>
-          <p:nvPr>
-            <p:ph type="title"/>
-          </p:nvPr>
-        </p:nvSpPr>
-        <p:spPr/>
-        <p:txBody>
-          <a:bodyPr/>
-          <a:lstStyle/>
-          <a:p>
-            <a:r>
-              <a:rPr kumimoji="1" lang="ja-JP" altLang="en-US" dirty="0" smtClean="0"/>
-              <a:t>進捗状況</a:t>
-            </a:r>
-            <a:r>
-              <a:rPr lang="ja-JP" altLang="en-US" dirty="0" smtClean="0"/>
-              <a:t>（</a:t>
-            </a:r>
-            <a:r>
-              <a:rPr kumimoji="1" lang="en-US" altLang="ja-JP" dirty="0" smtClean="0"/>
-              <a:t>2/6</a:t>
-            </a:r>
-            <a:r>
-              <a:rPr lang="ja-JP" altLang="en-US" dirty="0" smtClean="0"/>
-              <a:t>）</a:t>
-            </a:r>
-            <a:endParaRPr kumimoji="1" lang="ja-JP" altLang="en-US" dirty="0"/>
-          </a:p>
-        </p:txBody>
-      </p:sp>
-      <p:sp>
-        <p:nvSpPr>
-          <p:cNvPr id="3" name="コンテンツ プレースホルダー 2"/>
-          <p:cNvSpPr>
-            <a:spLocks noGrp="1"/>
-          </p:cNvSpPr>
-          <p:nvPr>
-            <p:ph idx="1"/>
-          </p:nvPr>
-        </p:nvSpPr>
-        <p:spPr/>
-        <p:txBody>
-          <a:bodyPr/>
-          <a:lstStyle/>
-          <a:p>
             <a:r>
               <a:rPr lang="ja-JP" altLang="en-US" dirty="0" smtClean="0"/>
               <a:t>制御プログラムの開発</a:t>
@@ -11991,39 +14638,15 @@
             <a:pPr lvl="1"/>
             <a:r>
               <a:rPr lang="ja-JP" altLang="en-US" dirty="0" smtClean="0"/>
-              <a:t>モデルカタログを</a:t>
-            </a:r>
-            <a:r>
-              <a:rPr lang="ja-JP" altLang="en-US" smtClean="0"/>
-              <a:t>元</a:t>
-            </a:r>
-            <a:r>
-              <a:rPr lang="ja-JP" altLang="en-US" smtClean="0"/>
-              <a:t>に制御対象や環境</a:t>
-            </a:r>
+              <a:t>モデルカタログを元に制御対象や環境に応じたモデルの作成</a:t>
+            </a:r>
+            <a:endParaRPr lang="en-US" altLang="ja-JP" dirty="0" smtClean="0"/>
+          </a:p>
+          <a:p>
+            <a:pPr lvl="1"/>
             <a:r>
               <a:rPr lang="ja-JP" altLang="en-US" dirty="0" smtClean="0"/>
-              <a:t>に応じたモデルの作成</a:t>
-            </a:r>
-            <a:endParaRPr lang="en-US" altLang="ja-JP" dirty="0" smtClean="0"/>
-          </a:p>
-          <a:p>
-            <a:pPr lvl="1"/>
-            <a:r>
-              <a:rPr lang="ja-JP" altLang="en-US" smtClean="0"/>
-              <a:t>作成したモデルから開発</a:t>
-            </a:r>
-            <a:r>
-              <a:rPr lang="ja-JP" altLang="en-US" dirty="0" smtClean="0"/>
-              <a:t>したプログラムに対して</a:t>
-            </a:r>
-            <a:r>
-              <a:rPr lang="ja-JP" altLang="en-US" dirty="0"/>
-              <a:t>の</a:t>
-            </a:r>
-            <a:r>
-              <a:rPr lang="ja-JP" altLang="en-US" dirty="0" smtClean="0"/>
-              <a:t>動作</a:t>
+              <a:t>プログラムの実装及び動作</a:t>
             </a:r>
             <a:r>
               <a:rPr lang="ja-JP" altLang="en-US" dirty="0"/>
@@ -12042,14 +14665,14 @@
           <p:nvPr>
             <p:extLst>
               <p:ext uri="{D42A27DB-BD31-4B8C-83A1-F6EECF244321}">
-                <p14:modId xmlns:p14="http://schemas.microsoft.com/office/powerpoint/2010/main" val="4219571669"/>
+                <p14:modId xmlns:p14="http://schemas.microsoft.com/office/powerpoint/2010/main" val="915356147"/>
               </p:ext>
             </p:extLst>
           </p:nvPr>
         </p:nvGraphicFramePr>
         <p:xfrm>
-          <a:off x="827585" y="2636912"/>
-          <a:ext cx="7488830" cy="3708400"/>
+          <a:off x="1115617" y="2636912"/>
+          <a:ext cx="6912767" cy="3708400"/>
         </p:xfrm>
         <a:graphic>
           <a:graphicData uri="http://schemas.openxmlformats.org/drawingml/2006/table">
@@ -12058,11 +14681,11 @@
                 <a:tableStyleId>{21E4AEA4-8DFA-4A89-87EB-49C32662AFE0}</a:tableStyleId>
               </a:tblPr>
               <a:tblGrid>
-                <a:gridCol w="2376263"/>
-                <a:gridCol w="1368152"/>
-                <a:gridCol w="1296144"/>
-                <a:gridCol w="1224136"/>
-                <a:gridCol w="1224135"/>
+                <a:gridCol w="2193474"/>
+                <a:gridCol w="1262910"/>
+                <a:gridCol w="1196441"/>
+                <a:gridCol w="1129971"/>
+                <a:gridCol w="1129971"/>
               </a:tblGrid>
               <a:tr h="370840">
                 <a:tc>
@@ -12333,6 +14956,14 @@
                         </a:rPr>
                         <a:t>C</a:t>
                       </a:r>
+                      <a:r>
+                        <a:rPr kumimoji="1" lang="ja-JP" altLang="en-US" sz="1800" dirty="0" smtClean="0">
+                          <a:latin typeface="メイリオ" pitchFamily="50" charset="-128"/>
+                          <a:ea typeface="メイリオ" pitchFamily="50" charset="-128"/>
+                          <a:cs typeface="メイリオ" pitchFamily="50" charset="-128"/>
+                        </a:rPr>
+                        <a:t>言語</a:t>
+                      </a:r>
                       <a:endParaRPr kumimoji="1" lang="ja-JP" altLang="en-US" sz="1800" dirty="0">
                         <a:latin typeface="メイリオ" pitchFamily="50" charset="-128"/>
                         <a:ea typeface="メイリオ" pitchFamily="50" charset="-128"/>
@@ -12541,6 +15172,14 @@
                         </a:rPr>
                         <a:t>C</a:t>
                       </a:r>
+                      <a:r>
+                        <a:rPr kumimoji="1" lang="ja-JP" altLang="en-US" sz="1800" dirty="0" smtClean="0">
+                          <a:latin typeface="メイリオ" pitchFamily="50" charset="-128"/>
+                          <a:ea typeface="メイリオ" pitchFamily="50" charset="-128"/>
+                          <a:cs typeface="メイリオ" pitchFamily="50" charset="-128"/>
+                        </a:rPr>
+                        <a:t>言語</a:t>
+                      </a:r>
                       <a:endParaRPr kumimoji="1" lang="ja-JP" altLang="en-US" sz="1800" dirty="0">
                         <a:latin typeface="メイリオ" pitchFamily="50" charset="-128"/>
                         <a:ea typeface="メイリオ" pitchFamily="50" charset="-128"/>
@@ -12610,7 +15249,7 @@
                           <a:ea typeface="メイリオ" pitchFamily="50" charset="-128"/>
                           <a:cs typeface="メイリオ" pitchFamily="50" charset="-128"/>
                         </a:rPr>
-                        <a:t>曲率</a:t>
+                        <a:t>曲率半径</a:t>
                       </a:r>
                       <a:endParaRPr kumimoji="1" lang="ja-JP" altLang="en-US" sz="1800" dirty="0">
                         <a:latin typeface="メイリオ" pitchFamily="50" charset="-128"/>
@@ -12748,6 +15387,14 @@
                           <a:cs typeface="メイリオ" pitchFamily="50" charset="-128"/>
                         </a:rPr>
                         <a:t>C</a:t>
+                      </a:r>
+                      <a:r>
+                        <a:rPr kumimoji="1" lang="ja-JP" altLang="en-US" sz="1800" dirty="0" smtClean="0">
+                          <a:latin typeface="メイリオ" pitchFamily="50" charset="-128"/>
+                          <a:ea typeface="メイリオ" pitchFamily="50" charset="-128"/>
+                          <a:cs typeface="メイリオ" pitchFamily="50" charset="-128"/>
+                        </a:rPr>
+                        <a:t>言語</a:t>
                       </a:r>
                       <a:endParaRPr kumimoji="1" lang="ja-JP" altLang="en-US" sz="1800" dirty="0">
                         <a:latin typeface="メイリオ" pitchFamily="50" charset="-128"/>
@@ -12957,6 +15604,14 @@
                         </a:rPr>
                         <a:t>C</a:t>
                       </a:r>
+                      <a:r>
+                        <a:rPr kumimoji="1" lang="ja-JP" altLang="en-US" sz="1800" dirty="0" smtClean="0">
+                          <a:latin typeface="メイリオ" pitchFamily="50" charset="-128"/>
+                          <a:ea typeface="メイリオ" pitchFamily="50" charset="-128"/>
+                          <a:cs typeface="メイリオ" pitchFamily="50" charset="-128"/>
+                        </a:rPr>
+                        <a:t>言語</a:t>
+                      </a:r>
                       <a:endParaRPr kumimoji="1" lang="ja-JP" altLang="en-US" sz="1800" dirty="0">
                         <a:latin typeface="メイリオ" pitchFamily="50" charset="-128"/>
                         <a:ea typeface="メイリオ" pitchFamily="50" charset="-128"/>
@@ -13061,6 +15716,14 @@
                         </a:rPr>
                         <a:t>C</a:t>
                       </a:r>
+                      <a:r>
+                        <a:rPr kumimoji="1" lang="ja-JP" altLang="en-US" sz="1800" dirty="0" smtClean="0">
+                          <a:latin typeface="メイリオ" pitchFamily="50" charset="-128"/>
+                          <a:ea typeface="メイリオ" pitchFamily="50" charset="-128"/>
+                          <a:cs typeface="メイリオ" pitchFamily="50" charset="-128"/>
+                        </a:rPr>
+                        <a:t>言語</a:t>
+                      </a:r>
                       <a:endParaRPr kumimoji="1" lang="ja-JP" altLang="en-US" sz="1800" dirty="0">
                         <a:latin typeface="メイリオ" pitchFamily="50" charset="-128"/>
                         <a:ea typeface="メイリオ" pitchFamily="50" charset="-128"/>
@@ -13138,7 +15801,7 @@
           <a:p>
             <a:fld id="{1B4CD1AD-35CE-4DA8-9CDB-2FA6D4A1B3F4}" type="slidenum">
               <a:rPr kumimoji="1" lang="ja-JP" altLang="en-US" smtClean="0"/>
-              <a:t>17</a:t>
+              <a:t>16</a:t>
             </a:fld>
             <a:endParaRPr kumimoji="1" lang="ja-JP" altLang="en-US" dirty="0"/>
           </a:p>
@@ -13164,7 +15827,7 @@
 </p:sld>
 </file>
 
-<file path=ppt/slides/slide18.xml><?xml version="1.0" encoding="utf-8"?>
+<file path=ppt/slides/slide17.xml><?xml version="1.0" encoding="utf-8"?>
 <p:sld xmlns:a="http://schemas.openxmlformats.org/drawingml/2006/main" xmlns:r="http://schemas.openxmlformats.org/officeDocument/2006/relationships" xmlns:p="http://schemas.openxmlformats.org/presentationml/2006/main">
   <p:cSld>
     <p:spTree>
@@ -13198,19 +15861,11 @@
           <a:p>
             <a:r>
               <a:rPr kumimoji="1" lang="ja-JP" altLang="en-US" dirty="0" smtClean="0"/>
-              <a:t>進捗状況</a:t>
-            </a:r>
-            <a:r>
-              <a:rPr lang="ja-JP" altLang="en-US" dirty="0"/>
-              <a:t>（</a:t>
-            </a:r>
-            <a:r>
-              <a:rPr kumimoji="1" lang="en-US" altLang="ja-JP" dirty="0" smtClean="0"/>
-              <a:t>3/6</a:t>
-            </a:r>
-            <a:r>
-              <a:rPr lang="ja-JP" altLang="en-US" dirty="0" smtClean="0"/>
-              <a:t>）</a:t>
+              <a:t>進捗</a:t>
+            </a:r>
+            <a:r>
+              <a:rPr kumimoji="1" lang="ja-JP" altLang="en-US" dirty="0" smtClean="0"/>
+              <a:t>状況</a:t>
             </a:r>
             <a:endParaRPr kumimoji="1" lang="ja-JP" altLang="en-US" dirty="0"/>
           </a:p>
@@ -13262,8 +15917,8 @@
               <a:t>:</a:t>
             </a:r>
             <a:r>
-              <a:rPr lang="ja-JP" altLang="en-US" smtClean="0"/>
-              <a:t>尻尾モータ角度</a:t>
+              <a:rPr lang="ja-JP" altLang="en-US" dirty="0" smtClean="0"/>
+              <a:t>回転角度</a:t>
             </a:r>
             <a:endParaRPr lang="en-US" altLang="ja-JP" dirty="0" smtClean="0"/>
           </a:p>
@@ -13274,16 +15929,16 @@
               <a:t>計</a:t>
             </a:r>
             <a:r>
-              <a:rPr lang="ja-JP" altLang="en-US" smtClean="0"/>
+              <a:rPr lang="ja-JP" altLang="en-US" dirty="0" smtClean="0"/>
               <a:t>測器</a:t>
             </a:r>
             <a:r>
-              <a:rPr lang="en-US" altLang="ja-JP" smtClean="0"/>
+              <a:rPr lang="en-US" altLang="ja-JP" dirty="0" smtClean="0"/>
               <a:t>:</a:t>
             </a:r>
             <a:r>
-              <a:rPr lang="ja-JP" altLang="en-US" smtClean="0"/>
-              <a:t>尻尾モータ</a:t>
+              <a:rPr lang="ja-JP" altLang="en-US" dirty="0" smtClean="0"/>
+              <a:t>回転角度計</a:t>
             </a:r>
             <a:endParaRPr lang="en-US" altLang="ja-JP" dirty="0" smtClean="0"/>
           </a:p>
@@ -13295,30 +15950,27 @@
             </a:r>
             <a:r>
               <a:rPr lang="en-US" altLang="ja-JP" dirty="0" smtClean="0"/>
-              <a:t>:	</a:t>
+              <a:t>:</a:t>
             </a:r>
             <a:r>
               <a:rPr lang="ja-JP" altLang="en-US" dirty="0" smtClean="0"/>
-              <a:t>　　　</a:t>
+              <a:t>モータ</a:t>
+            </a:r>
+            <a:endParaRPr lang="en-US" altLang="ja-JP" dirty="0" smtClean="0"/>
+          </a:p>
+          <a:p>
+            <a:pPr lvl="1"/>
+            <a:r>
+              <a:rPr lang="ja-JP" altLang="en-US" dirty="0" smtClean="0"/>
+              <a:t>計測値</a:t>
             </a:r>
             <a:r>
               <a:rPr lang="en-US" altLang="ja-JP" dirty="0" smtClean="0"/>
-              <a:t>〃</a:t>
-            </a:r>
-          </a:p>
-          <a:p>
-            <a:pPr lvl="1"/>
-            <a:r>
-              <a:rPr lang="ja-JP" altLang="en-US" smtClean="0"/>
-              <a:t>計測値</a:t>
-            </a:r>
-            <a:r>
-              <a:rPr lang="en-US" altLang="ja-JP" smtClean="0"/>
               <a:t>:</a:t>
             </a:r>
             <a:r>
-              <a:rPr lang="ja-JP" altLang="en-US" smtClean="0"/>
-              <a:t>尻尾モータ回転</a:t>
+              <a:rPr lang="ja-JP" altLang="en-US" dirty="0" smtClean="0"/>
+              <a:t>回転</a:t>
             </a:r>
             <a:r>
               <a:rPr lang="ja-JP" altLang="en-US" dirty="0" smtClean="0"/>
@@ -13329,16 +15981,16 @@
           <a:p>
             <a:pPr lvl="1"/>
             <a:r>
-              <a:rPr lang="ja-JP" altLang="en-US" smtClean="0"/>
+              <a:rPr lang="ja-JP" altLang="en-US" dirty="0" smtClean="0"/>
               <a:t>目標値</a:t>
             </a:r>
             <a:r>
-              <a:rPr lang="en-US" altLang="ja-JP" smtClean="0"/>
+              <a:rPr lang="en-US" altLang="ja-JP" dirty="0" smtClean="0"/>
               <a:t>:</a:t>
             </a:r>
             <a:r>
-              <a:rPr lang="ja-JP" altLang="en-US" smtClean="0"/>
-              <a:t>尻尾モータ目標</a:t>
+              <a:rPr lang="ja-JP" altLang="en-US" dirty="0" smtClean="0"/>
+              <a:t>目標</a:t>
             </a:r>
             <a:r>
               <a:rPr lang="ja-JP" altLang="en-US" dirty="0" smtClean="0"/>
@@ -13549,7 +16201,7 @@
           <a:p>
             <a:fld id="{1B4CD1AD-35CE-4DA8-9CDB-2FA6D4A1B3F4}" type="slidenum">
               <a:rPr kumimoji="1" lang="ja-JP" altLang="en-US" smtClean="0"/>
-              <a:t>18</a:t>
+              <a:t>17</a:t>
             </a:fld>
             <a:endParaRPr kumimoji="1" lang="ja-JP" altLang="en-US" dirty="0"/>
           </a:p>
@@ -13583,7 +16235,7 @@
 </p:sld>
 </file>
 
-<file path=ppt/slides/slide19.xml><?xml version="1.0" encoding="utf-8"?>
+<file path=ppt/slides/slide18.xml><?xml version="1.0" encoding="utf-8"?>
 <p:sld xmlns:a="http://schemas.openxmlformats.org/drawingml/2006/main" xmlns:r="http://schemas.openxmlformats.org/officeDocument/2006/relationships" xmlns:p="http://schemas.openxmlformats.org/presentationml/2006/main">
   <p:cSld>
     <p:spTree>
@@ -13617,23 +16269,11 @@
           <a:p>
             <a:r>
               <a:rPr lang="ja-JP" altLang="en-US" dirty="0"/>
-              <a:t>進捗状況</a:t>
-            </a:r>
-            <a:r>
-              <a:rPr kumimoji="1" lang="ja-JP" altLang="en-US" dirty="0" smtClean="0"/>
-              <a:t>（</a:t>
-            </a:r>
-            <a:r>
-              <a:rPr lang="en-US" altLang="ja-JP" dirty="0" smtClean="0"/>
-              <a:t>4</a:t>
-            </a:r>
-            <a:r>
-              <a:rPr kumimoji="1" lang="en-US" altLang="ja-JP" dirty="0" smtClean="0"/>
-              <a:t>/6</a:t>
-            </a:r>
-            <a:r>
-              <a:rPr kumimoji="1" lang="ja-JP" altLang="en-US" dirty="0" smtClean="0"/>
-              <a:t>）</a:t>
+              <a:t>進捗</a:t>
+            </a:r>
+            <a:r>
+              <a:rPr lang="ja-JP" altLang="en-US" dirty="0" smtClean="0"/>
+              <a:t>状況</a:t>
             </a:r>
             <a:endParaRPr kumimoji="1" lang="ja-JP" altLang="en-US" dirty="0"/>
           </a:p>
@@ -13661,15 +16301,7 @@
           <a:p>
             <a:r>
               <a:rPr lang="ja-JP" altLang="en-US" dirty="0" smtClean="0"/>
-              <a:t>目標制御モデルカタログ（</a:t>
-            </a:r>
-            <a:r>
-              <a:rPr lang="ja-JP" altLang="en-US" smtClean="0"/>
-              <a:t>クラス図</a:t>
-            </a:r>
-            <a:r>
-              <a:rPr lang="ja-JP" altLang="en-US" smtClean="0"/>
-              <a:t>）</a:t>
+              <a:t>目標制御モデルカタログ（クラス図）</a:t>
             </a:r>
             <a:endParaRPr lang="en-US" altLang="ja-JP" dirty="0" smtClean="0"/>
           </a:p>
@@ -13692,15 +16324,168 @@
           <a:p>
             <a:fld id="{1B4CD1AD-35CE-4DA8-9CDB-2FA6D4A1B3F4}" type="slidenum">
               <a:rPr kumimoji="1" lang="ja-JP" altLang="en-US" smtClean="0"/>
-              <a:t>19</a:t>
+              <a:t>18</a:t>
             </a:fld>
             <a:endParaRPr kumimoji="1" lang="ja-JP" altLang="en-US" dirty="0"/>
           </a:p>
         </p:txBody>
       </p:sp>
+      <p:sp>
+        <p:nvSpPr>
+          <p:cNvPr id="5" name="正方形/長方形 4"/>
+          <p:cNvSpPr/>
+          <p:nvPr/>
+        </p:nvSpPr>
+        <p:spPr>
+          <a:xfrm>
+            <a:off x="1619672" y="2348880"/>
+            <a:ext cx="3024336" cy="1589420"/>
+          </a:xfrm>
+          <a:prstGeom prst="rect">
+            <a:avLst/>
+          </a:prstGeom>
+          <a:ln/>
+        </p:spPr>
+        <p:style>
+          <a:lnRef idx="2">
+            <a:schemeClr val="accent2"/>
+          </a:lnRef>
+          <a:fillRef idx="1">
+            <a:schemeClr val="lt1"/>
+          </a:fillRef>
+          <a:effectRef idx="0">
+            <a:schemeClr val="accent2"/>
+          </a:effectRef>
+          <a:fontRef idx="minor">
+            <a:schemeClr val="dk1"/>
+          </a:fontRef>
+        </p:style>
+        <p:txBody>
+          <a:bodyPr rtlCol="0" anchor="b"/>
+          <a:lstStyle/>
+          <a:p>
+            <a:pPr algn="r"/>
+            <a:r>
+              <a:rPr kumimoji="1" lang="ja-JP" altLang="en-US" dirty="0" smtClean="0"/>
+              <a:t>周期的な動作</a:t>
+            </a:r>
+            <a:endParaRPr kumimoji="1" lang="ja-JP" altLang="en-US" dirty="0"/>
+          </a:p>
+        </p:txBody>
+      </p:sp>
+      <p:sp>
+        <p:nvSpPr>
+          <p:cNvPr id="11" name="正方形/長方形 10"/>
+          <p:cNvSpPr/>
+          <p:nvPr/>
+        </p:nvSpPr>
+        <p:spPr>
+          <a:xfrm>
+            <a:off x="6804247" y="3356992"/>
+            <a:ext cx="2160241" cy="1296144"/>
+          </a:xfrm>
+          <a:prstGeom prst="rect">
+            <a:avLst/>
+          </a:prstGeom>
+          <a:ln>
+            <a:solidFill>
+              <a:srgbClr val="00B050"/>
+            </a:solidFill>
+          </a:ln>
+        </p:spPr>
+        <p:style>
+          <a:lnRef idx="2">
+            <a:schemeClr val="accent1"/>
+          </a:lnRef>
+          <a:fillRef idx="1">
+            <a:schemeClr val="lt1"/>
+          </a:fillRef>
+          <a:effectRef idx="0">
+            <a:schemeClr val="accent1"/>
+          </a:effectRef>
+          <a:fontRef idx="minor">
+            <a:schemeClr val="dk1"/>
+          </a:fontRef>
+        </p:style>
+        <p:txBody>
+          <a:bodyPr rtlCol="0" anchor="b"/>
+          <a:lstStyle/>
+          <a:p>
+            <a:pPr algn="r"/>
+            <a:r>
+              <a:rPr kumimoji="1" lang="ja-JP" altLang="en-US" sz="2000" dirty="0" smtClean="0">
+                <a:solidFill>
+                  <a:schemeClr val="tx1"/>
+                </a:solidFill>
+              </a:rPr>
+              <a:t>入出力</a:t>
+            </a:r>
+            <a:endParaRPr kumimoji="1" lang="ja-JP" altLang="en-US" sz="2000" dirty="0">
+              <a:solidFill>
+                <a:schemeClr val="tx1"/>
+              </a:solidFill>
+            </a:endParaRPr>
+          </a:p>
+        </p:txBody>
+      </p:sp>
+      <p:sp>
+        <p:nvSpPr>
+          <p:cNvPr id="10" name="正方形/長方形 9"/>
+          <p:cNvSpPr/>
+          <p:nvPr/>
+        </p:nvSpPr>
+        <p:spPr>
+          <a:xfrm>
+            <a:off x="3067896" y="4869160"/>
+            <a:ext cx="5528488" cy="936104"/>
+          </a:xfrm>
+          <a:prstGeom prst="rect">
+            <a:avLst/>
+          </a:prstGeom>
+          <a:ln>
+            <a:solidFill>
+              <a:srgbClr val="FFC000"/>
+            </a:solidFill>
+          </a:ln>
+        </p:spPr>
+        <p:style>
+          <a:lnRef idx="2">
+            <a:schemeClr val="dk1"/>
+          </a:lnRef>
+          <a:fillRef idx="1">
+            <a:schemeClr val="lt1"/>
+          </a:fillRef>
+          <a:effectRef idx="0">
+            <a:schemeClr val="dk1"/>
+          </a:effectRef>
+          <a:fontRef idx="minor">
+            <a:schemeClr val="dk1"/>
+          </a:fontRef>
+        </p:style>
+        <p:txBody>
+          <a:bodyPr rtlCol="0" anchor="b"/>
+          <a:lstStyle/>
+          <a:p>
+            <a:pPr algn="r"/>
+            <a:r>
+              <a:rPr lang="ja-JP" altLang="en-US" sz="2000" dirty="0" smtClean="0">
+                <a:solidFill>
+                  <a:schemeClr val="tx1"/>
+                </a:solidFill>
+              </a:rPr>
+              <a:t>制御のアルゴリズム</a:t>
+            </a:r>
+            <a:endParaRPr kumimoji="1" lang="ja-JP" altLang="en-US" sz="2000" dirty="0">
+              <a:solidFill>
+                <a:schemeClr val="tx1"/>
+              </a:solidFill>
+            </a:endParaRPr>
+          </a:p>
+        </p:txBody>
+      </p:sp>
       <p:pic>
         <p:nvPicPr>
-          <p:cNvPr id="1033" name="Picture 9"/>
+          <p:cNvPr id="3076" name="Picture 4"/>
           <p:cNvPicPr>
             <a:picLocks noChangeAspect="1" noChangeArrowheads="1"/>
           </p:cNvPicPr>
@@ -13721,8 +16506,8 @@
         </p:blipFill>
         <p:spPr bwMode="auto">
           <a:xfrm>
-            <a:off x="35496" y="2060848"/>
-            <a:ext cx="9042400" cy="4464964"/>
+            <a:off x="547616" y="2348880"/>
+            <a:ext cx="8048768" cy="3322856"/>
           </a:xfrm>
           <a:prstGeom prst="rect">
             <a:avLst/>
@@ -13783,14 +16568,177 @@
   <p:timing>
     <p:tnLst>
       <p:par>
-        <p:cTn id="1" dur="indefinite" restart="never" nodeType="tmRoot"/>
+        <p:cTn id="1" dur="indefinite" restart="never" nodeType="tmRoot">
+          <p:childTnLst>
+            <p:seq concurrent="1" nextAc="seek">
+              <p:cTn id="2" dur="indefinite" nodeType="mainSeq">
+                <p:childTnLst>
+                  <p:par>
+                    <p:cTn id="3" fill="hold">
+                      <p:stCondLst>
+                        <p:cond delay="indefinite"/>
+                      </p:stCondLst>
+                      <p:childTnLst>
+                        <p:par>
+                          <p:cTn id="4" fill="hold">
+                            <p:stCondLst>
+                              <p:cond delay="0"/>
+                            </p:stCondLst>
+                            <p:childTnLst>
+                              <p:par>
+                                <p:cTn id="5" presetID="1" presetClass="entr" presetSubtype="0" fill="hold" grpId="0" nodeType="clickEffect">
+                                  <p:stCondLst>
+                                    <p:cond delay="0"/>
+                                  </p:stCondLst>
+                                  <p:childTnLst>
+                                    <p:set>
+                                      <p:cBhvr>
+                                        <p:cTn id="6" dur="1" fill="hold">
+                                          <p:stCondLst>
+                                            <p:cond delay="0"/>
+                                          </p:stCondLst>
+                                        </p:cTn>
+                                        <p:tgtEl>
+                                          <p:spTgt spid="5"/>
+                                        </p:tgtEl>
+                                        <p:attrNameLst>
+                                          <p:attrName>style.visibility</p:attrName>
+                                        </p:attrNameLst>
+                                      </p:cBhvr>
+                                      <p:to>
+                                        <p:strVal val="visible"/>
+                                      </p:to>
+                                    </p:set>
+                                  </p:childTnLst>
+                                </p:cTn>
+                              </p:par>
+                            </p:childTnLst>
+                          </p:cTn>
+                        </p:par>
+                      </p:childTnLst>
+                    </p:cTn>
+                  </p:par>
+                  <p:par>
+                    <p:cTn id="7" fill="hold">
+                      <p:stCondLst>
+                        <p:cond delay="indefinite"/>
+                      </p:stCondLst>
+                      <p:childTnLst>
+                        <p:par>
+                          <p:cTn id="8" fill="hold">
+                            <p:stCondLst>
+                              <p:cond delay="0"/>
+                            </p:stCondLst>
+                            <p:childTnLst>
+                              <p:par>
+                                <p:cTn id="9" presetID="1" presetClass="entr" presetSubtype="0" fill="hold" grpId="0" nodeType="clickEffect">
+                                  <p:stCondLst>
+                                    <p:cond delay="0"/>
+                                  </p:stCondLst>
+                                  <p:childTnLst>
+                                    <p:set>
+                                      <p:cBhvr>
+                                        <p:cTn id="10" dur="1" fill="hold">
+                                          <p:stCondLst>
+                                            <p:cond delay="0"/>
+                                          </p:stCondLst>
+                                        </p:cTn>
+                                        <p:tgtEl>
+                                          <p:spTgt spid="11"/>
+                                        </p:tgtEl>
+                                        <p:attrNameLst>
+                                          <p:attrName>style.visibility</p:attrName>
+                                        </p:attrNameLst>
+                                      </p:cBhvr>
+                                      <p:to>
+                                        <p:strVal val="visible"/>
+                                      </p:to>
+                                    </p:set>
+                                  </p:childTnLst>
+                                </p:cTn>
+                              </p:par>
+                            </p:childTnLst>
+                          </p:cTn>
+                        </p:par>
+                      </p:childTnLst>
+                    </p:cTn>
+                  </p:par>
+                  <p:par>
+                    <p:cTn id="11" fill="hold">
+                      <p:stCondLst>
+                        <p:cond delay="indefinite"/>
+                      </p:stCondLst>
+                      <p:childTnLst>
+                        <p:par>
+                          <p:cTn id="12" fill="hold">
+                            <p:stCondLst>
+                              <p:cond delay="0"/>
+                            </p:stCondLst>
+                            <p:childTnLst>
+                              <p:par>
+                                <p:cTn id="13" presetID="1" presetClass="entr" presetSubtype="0" fill="hold" grpId="0" nodeType="clickEffect">
+                                  <p:stCondLst>
+                                    <p:cond delay="0"/>
+                                  </p:stCondLst>
+                                  <p:childTnLst>
+                                    <p:set>
+                                      <p:cBhvr>
+                                        <p:cTn id="14" dur="1" fill="hold">
+                                          <p:stCondLst>
+                                            <p:cond delay="0"/>
+                                          </p:stCondLst>
+                                        </p:cTn>
+                                        <p:tgtEl>
+                                          <p:spTgt spid="10"/>
+                                        </p:tgtEl>
+                                        <p:attrNameLst>
+                                          <p:attrName>style.visibility</p:attrName>
+                                        </p:attrNameLst>
+                                      </p:cBhvr>
+                                      <p:to>
+                                        <p:strVal val="visible"/>
+                                      </p:to>
+                                    </p:set>
+                                  </p:childTnLst>
+                                </p:cTn>
+                              </p:par>
+                            </p:childTnLst>
+                          </p:cTn>
+                        </p:par>
+                      </p:childTnLst>
+                    </p:cTn>
+                  </p:par>
+                </p:childTnLst>
+              </p:cTn>
+              <p:prevCondLst>
+                <p:cond evt="onPrev" delay="0">
+                  <p:tgtEl>
+                    <p:sldTgt/>
+                  </p:tgtEl>
+                </p:cond>
+              </p:prevCondLst>
+              <p:nextCondLst>
+                <p:cond evt="onNext" delay="0">
+                  <p:tgtEl>
+                    <p:sldTgt/>
+                  </p:tgtEl>
+                </p:cond>
+              </p:nextCondLst>
+            </p:seq>
+          </p:childTnLst>
+        </p:cTn>
       </p:par>
     </p:tnLst>
+    <p:bldLst>
+      <p:bldP spid="5" grpId="0" animBg="1"/>
+      <p:bldP spid="11" grpId="0" animBg="1"/>
+      <p:bldP spid="10" grpId="0" animBg="1"/>
+    </p:bldLst>
   </p:timing>
 </p:sld>
 </file>
 
-<file path=ppt/slides/slide2.xml><?xml version="1.0" encoding="utf-8"?>
+<file path=ppt/slides/slide19.xml><?xml version="1.0" encoding="utf-8"?>
 <p:sld xmlns:a="http://schemas.openxmlformats.org/drawingml/2006/main" xmlns:r="http://schemas.openxmlformats.org/officeDocument/2006/relationships" xmlns:p="http://schemas.openxmlformats.org/presentationml/2006/main">
   <p:cSld>
     <p:spTree>
@@ -13824,7 +16772,11 @@
           <a:p>
             <a:r>
               <a:rPr kumimoji="1" lang="ja-JP" altLang="en-US" dirty="0" smtClean="0"/>
-              <a:t>発表内容</a:t>
+              <a:t>進捗</a:t>
+            </a:r>
+            <a:r>
+              <a:rPr kumimoji="1" lang="ja-JP" altLang="en-US" dirty="0" smtClean="0"/>
+              <a:t>状況</a:t>
             </a:r>
             <a:endParaRPr kumimoji="1" lang="ja-JP" altLang="en-US" dirty="0"/>
           </a:p>
@@ -13848,46 +16800,38 @@
           <a:lstStyle/>
           <a:p>
             <a:r>
-              <a:rPr kumimoji="1" lang="ja-JP" altLang="en-US" sz="3200" dirty="0" smtClean="0"/>
-              <a:t>研究背景</a:t>
-            </a:r>
-            <a:endParaRPr kumimoji="1" lang="en-US" altLang="ja-JP" sz="3200" dirty="0" smtClean="0"/>
-          </a:p>
-          <a:p>
-            <a:r>
-              <a:rPr lang="ja-JP" altLang="en-US" sz="3200" dirty="0"/>
-              <a:t>研究</a:t>
-            </a:r>
-            <a:r>
-              <a:rPr lang="ja-JP" altLang="en-US" sz="3200" dirty="0" smtClean="0"/>
-              <a:t>概要</a:t>
-            </a:r>
-            <a:endParaRPr lang="en-US" altLang="ja-JP" sz="3200" dirty="0" smtClean="0"/>
-          </a:p>
-          <a:p>
-            <a:r>
-              <a:rPr kumimoji="1" lang="ja-JP" altLang="en-US" sz="3200" dirty="0" smtClean="0"/>
-              <a:t>進捗状況</a:t>
-            </a:r>
-            <a:endParaRPr kumimoji="1" lang="en-US" altLang="ja-JP" sz="3200" dirty="0" smtClean="0"/>
-          </a:p>
-          <a:p>
-            <a:r>
-              <a:rPr lang="ja-JP" altLang="en-US" sz="3200" dirty="0"/>
-              <a:t>今後</a:t>
-            </a:r>
-            <a:r>
-              <a:rPr lang="ja-JP" altLang="en-US" sz="3200" dirty="0" smtClean="0"/>
-              <a:t>の予定</a:t>
-            </a:r>
-            <a:endParaRPr kumimoji="1" lang="en-US" altLang="ja-JP" sz="3200" dirty="0" smtClean="0"/>
-          </a:p>
-          <a:p>
-            <a:r>
-              <a:rPr lang="ja-JP" altLang="en-US" sz="3200" dirty="0"/>
-              <a:t>まとめ</a:t>
-            </a:r>
-            <a:endParaRPr kumimoji="1" lang="en-US" altLang="ja-JP" sz="3200" dirty="0" smtClean="0"/>
+              <a:rPr lang="ja-JP" altLang="en-US" dirty="0" smtClean="0"/>
+              <a:t>モデル例</a:t>
+            </a:r>
+            <a:r>
+              <a:rPr lang="en-US" altLang="ja-JP" dirty="0" smtClean="0"/>
+              <a:t>:</a:t>
+            </a:r>
+            <a:r>
+              <a:rPr lang="ja-JP" altLang="en-US" dirty="0" smtClean="0"/>
+              <a:t>尻尾モータ角度制御モデル（クラス図）</a:t>
+            </a:r>
+            <a:endParaRPr lang="en-US" altLang="ja-JP" dirty="0" smtClean="0"/>
+          </a:p>
+          <a:p>
+            <a:pPr lvl="1"/>
+            <a:r>
+              <a:rPr lang="en-US" altLang="ja-JP" dirty="0"/>
+              <a:t>NXT LEGO </a:t>
+            </a:r>
+            <a:r>
+              <a:rPr lang="en-US" altLang="ja-JP" dirty="0" smtClean="0"/>
+              <a:t>MINDSTORMS(Java)</a:t>
+            </a:r>
+            <a:r>
+              <a:rPr lang="ja-JP" altLang="en-US" dirty="0"/>
+              <a:t>用</a:t>
+            </a:r>
+            <a:r>
+              <a:rPr lang="ja-JP" altLang="en-US" dirty="0" smtClean="0"/>
+              <a:t>モデル</a:t>
+            </a:r>
+            <a:endParaRPr lang="en-US" altLang="ja-JP" dirty="0"/>
           </a:p>
         </p:txBody>
       </p:sp>
@@ -13908,171 +16852,15 @@
           <a:p>
             <a:fld id="{1B4CD1AD-35CE-4DA8-9CDB-2FA6D4A1B3F4}" type="slidenum">
               <a:rPr kumimoji="1" lang="ja-JP" altLang="en-US" smtClean="0"/>
-              <a:t>2</a:t>
+              <a:t>19</a:t>
             </a:fld>
             <a:endParaRPr kumimoji="1" lang="ja-JP" altLang="en-US" dirty="0"/>
           </a:p>
         </p:txBody>
       </p:sp>
-    </p:spTree>
-    <p:extLst>
-      <p:ext uri="{BB962C8B-B14F-4D97-AF65-F5344CB8AC3E}">
-        <p14:creationId xmlns:p14="http://schemas.microsoft.com/office/powerpoint/2010/main" val="1637910124"/>
-      </p:ext>
-    </p:extLst>
-  </p:cSld>
-  <p:clrMapOvr>
-    <a:masterClrMapping/>
-  </p:clrMapOvr>
-  <p:timing>
-    <p:tnLst>
-      <p:par>
-        <p:cTn id="1" dur="indefinite" restart="never" nodeType="tmRoot"/>
-      </p:par>
-    </p:tnLst>
-  </p:timing>
-</p:sld>
-</file>
-
-<file path=ppt/slides/slide20.xml><?xml version="1.0" encoding="utf-8"?>
-<p:sld xmlns:a="http://schemas.openxmlformats.org/drawingml/2006/main" xmlns:r="http://schemas.openxmlformats.org/officeDocument/2006/relationships" xmlns:p="http://schemas.openxmlformats.org/presentationml/2006/main">
-  <p:cSld>
-    <p:spTree>
-      <p:nvGrpSpPr>
-        <p:cNvPr id="1" name=""/>
-        <p:cNvGrpSpPr/>
-        <p:nvPr/>
-      </p:nvGrpSpPr>
-      <p:grpSpPr>
-        <a:xfrm>
-          <a:off x="0" y="0"/>
-          <a:ext cx="0" cy="0"/>
-          <a:chOff x="0" y="0"/>
-          <a:chExt cx="0" cy="0"/>
-        </a:xfrm>
-      </p:grpSpPr>
-      <p:sp>
-        <p:nvSpPr>
-          <p:cNvPr id="2" name="タイトル 1"/>
-          <p:cNvSpPr>
-            <a:spLocks noGrp="1"/>
-          </p:cNvSpPr>
-          <p:nvPr>
-            <p:ph type="title"/>
-          </p:nvPr>
-        </p:nvSpPr>
-        <p:spPr/>
-        <p:txBody>
-          <a:bodyPr/>
-          <a:lstStyle/>
-          <a:p>
-            <a:r>
-              <a:rPr kumimoji="1" lang="ja-JP" altLang="en-US" dirty="0" smtClean="0"/>
-              <a:t>進捗状況</a:t>
-            </a:r>
-            <a:r>
-              <a:rPr lang="ja-JP" altLang="en-US" dirty="0" smtClean="0"/>
-              <a:t>（</a:t>
-            </a:r>
-            <a:r>
-              <a:rPr lang="en-US" altLang="ja-JP" dirty="0" smtClean="0"/>
-              <a:t>5</a:t>
-            </a:r>
-            <a:r>
-              <a:rPr kumimoji="1" lang="en-US" altLang="ja-JP" dirty="0" smtClean="0"/>
-              <a:t>/6</a:t>
-            </a:r>
-            <a:r>
-              <a:rPr lang="ja-JP" altLang="en-US" dirty="0" smtClean="0"/>
-              <a:t>）</a:t>
-            </a:r>
-            <a:endParaRPr kumimoji="1" lang="ja-JP" altLang="en-US" dirty="0"/>
-          </a:p>
-        </p:txBody>
-      </p:sp>
-      <p:sp>
-        <p:nvSpPr>
-          <p:cNvPr id="3" name="コンテンツ プレースホルダー 2"/>
-          <p:cNvSpPr>
-            <a:spLocks noGrp="1"/>
-          </p:cNvSpPr>
-          <p:nvPr>
-            <p:ph idx="1"/>
-          </p:nvPr>
-        </p:nvSpPr>
-        <p:spPr/>
-        <p:txBody>
-          <a:bodyPr>
-            <a:normAutofit/>
-          </a:bodyPr>
-          <a:lstStyle/>
-          <a:p>
-            <a:r>
-              <a:rPr lang="ja-JP" altLang="en-US" smtClean="0"/>
-              <a:t>モデル</a:t>
-            </a:r>
-            <a:r>
-              <a:rPr lang="en-US" altLang="ja-JP" smtClean="0"/>
-              <a:t>:</a:t>
-            </a:r>
-            <a:r>
-              <a:rPr lang="ja-JP" altLang="en-US" smtClean="0"/>
-              <a:t>尻尾</a:t>
-            </a:r>
-            <a:r>
-              <a:rPr lang="ja-JP" altLang="en-US" dirty="0" smtClean="0"/>
-              <a:t>モータ角度制御モデル（クラス図）</a:t>
-            </a:r>
-            <a:endParaRPr lang="en-US" altLang="ja-JP" dirty="0" smtClean="0"/>
-          </a:p>
-          <a:p>
-            <a:pPr lvl="1"/>
-            <a:r>
-              <a:rPr lang="en-US" altLang="ja-JP" dirty="0"/>
-              <a:t>NXT LEGO </a:t>
-            </a:r>
-            <a:r>
-              <a:rPr lang="en-US" altLang="ja-JP" dirty="0" smtClean="0"/>
-              <a:t>MINDSTORMS(Java)</a:t>
-            </a:r>
-            <a:r>
-              <a:rPr lang="ja-JP" altLang="en-US" dirty="0"/>
-              <a:t>用</a:t>
-            </a:r>
-            <a:r>
-              <a:rPr lang="ja-JP" altLang="en-US" dirty="0" smtClean="0"/>
-              <a:t>モデル</a:t>
-            </a:r>
-            <a:endParaRPr lang="en-US" altLang="ja-JP" dirty="0"/>
-          </a:p>
-        </p:txBody>
-      </p:sp>
-      <p:sp>
-        <p:nvSpPr>
-          <p:cNvPr id="4" name="スライド番号プレースホルダー 3"/>
-          <p:cNvSpPr>
-            <a:spLocks noGrp="1"/>
-          </p:cNvSpPr>
-          <p:nvPr>
-            <p:ph type="sldNum" sz="quarter" idx="12"/>
-          </p:nvPr>
-        </p:nvSpPr>
-        <p:spPr/>
-        <p:txBody>
-          <a:bodyPr/>
-          <a:lstStyle/>
-          <a:p>
-            <a:fld id="{1B4CD1AD-35CE-4DA8-9CDB-2FA6D4A1B3F4}" type="slidenum">
-              <a:rPr kumimoji="1" lang="ja-JP" altLang="en-US" smtClean="0"/>
-              <a:t>20</a:t>
-            </a:fld>
-            <a:endParaRPr kumimoji="1" lang="ja-JP" altLang="en-US" dirty="0"/>
-          </a:p>
-        </p:txBody>
-      </p:sp>
       <p:pic>
         <p:nvPicPr>
-          <p:cNvPr id="2051" name="Picture 3"/>
+          <p:cNvPr id="2050" name="Picture 2"/>
           <p:cNvPicPr>
             <a:picLocks noChangeAspect="1" noChangeArrowheads="1"/>
           </p:cNvPicPr>
@@ -14093,8 +16881,8 @@
         </p:blipFill>
         <p:spPr bwMode="auto">
           <a:xfrm>
-            <a:off x="395536" y="2024971"/>
-            <a:ext cx="8281384" cy="4725936"/>
+            <a:off x="431308" y="2060848"/>
+            <a:ext cx="8281384" cy="4566073"/>
           </a:xfrm>
           <a:prstGeom prst="rect">
             <a:avLst/>
@@ -14134,6 +16922,162 @@
           </a:extLst>
         </p:spPr>
       </p:pic>
+      <p:sp>
+        <p:nvSpPr>
+          <p:cNvPr id="7" name="正方形/長方形 6"/>
+          <p:cNvSpPr/>
+          <p:nvPr/>
+        </p:nvSpPr>
+        <p:spPr>
+          <a:xfrm>
+            <a:off x="467544" y="2276872"/>
+            <a:ext cx="2340492" cy="936104"/>
+          </a:xfrm>
+          <a:prstGeom prst="rect">
+            <a:avLst/>
+          </a:prstGeom>
+          <a:noFill/>
+          <a:ln/>
+        </p:spPr>
+        <p:style>
+          <a:lnRef idx="2">
+            <a:schemeClr val="accent2"/>
+          </a:lnRef>
+          <a:fillRef idx="1">
+            <a:schemeClr val="lt1"/>
+          </a:fillRef>
+          <a:effectRef idx="0">
+            <a:schemeClr val="accent2"/>
+          </a:effectRef>
+          <a:fontRef idx="minor">
+            <a:schemeClr val="dk1"/>
+          </a:fontRef>
+        </p:style>
+        <p:txBody>
+          <a:bodyPr rtlCol="0" anchor="t"/>
+          <a:lstStyle/>
+          <a:p>
+            <a:pPr algn="r"/>
+            <a:r>
+              <a:rPr kumimoji="1" lang="ja-JP" altLang="en-US" dirty="0" smtClean="0"/>
+              <a:t>周期的な動作</a:t>
+            </a:r>
+            <a:endParaRPr kumimoji="1" lang="ja-JP" altLang="en-US" dirty="0"/>
+          </a:p>
+        </p:txBody>
+      </p:sp>
+      <p:sp>
+        <p:nvSpPr>
+          <p:cNvPr id="8" name="正方形/長方形 7"/>
+          <p:cNvSpPr/>
+          <p:nvPr/>
+        </p:nvSpPr>
+        <p:spPr>
+          <a:xfrm>
+            <a:off x="5364088" y="2420888"/>
+            <a:ext cx="3348604" cy="4032448"/>
+          </a:xfrm>
+          <a:prstGeom prst="rect">
+            <a:avLst/>
+          </a:prstGeom>
+          <a:noFill/>
+          <a:ln>
+            <a:solidFill>
+              <a:srgbClr val="00B050"/>
+            </a:solidFill>
+          </a:ln>
+        </p:spPr>
+        <p:style>
+          <a:lnRef idx="2">
+            <a:schemeClr val="accent1"/>
+          </a:lnRef>
+          <a:fillRef idx="1">
+            <a:schemeClr val="lt1"/>
+          </a:fillRef>
+          <a:effectRef idx="0">
+            <a:schemeClr val="accent1"/>
+          </a:effectRef>
+          <a:fontRef idx="minor">
+            <a:schemeClr val="dk1"/>
+          </a:fontRef>
+        </p:style>
+        <p:txBody>
+          <a:bodyPr rtlCol="0" anchor="b"/>
+          <a:lstStyle/>
+          <a:p>
+            <a:pPr algn="r"/>
+            <a:r>
+              <a:rPr kumimoji="1" lang="ja-JP" altLang="en-US" sz="2000" dirty="0" smtClean="0">
+                <a:solidFill>
+                  <a:schemeClr val="tx1"/>
+                </a:solidFill>
+              </a:rPr>
+              <a:t>入出力</a:t>
+            </a:r>
+            <a:endParaRPr kumimoji="1" lang="ja-JP" altLang="en-US" sz="2000" dirty="0">
+              <a:solidFill>
+                <a:schemeClr val="tx1"/>
+              </a:solidFill>
+            </a:endParaRPr>
+          </a:p>
+        </p:txBody>
+      </p:sp>
+      <p:sp>
+        <p:nvSpPr>
+          <p:cNvPr id="9" name="正方形/長方形 8"/>
+          <p:cNvSpPr/>
+          <p:nvPr/>
+        </p:nvSpPr>
+        <p:spPr>
+          <a:xfrm>
+            <a:off x="303652" y="4077072"/>
+            <a:ext cx="4988428" cy="2376264"/>
+          </a:xfrm>
+          <a:prstGeom prst="rect">
+            <a:avLst/>
+          </a:prstGeom>
+          <a:noFill/>
+          <a:ln>
+            <a:solidFill>
+              <a:srgbClr val="FFC000"/>
+            </a:solidFill>
+          </a:ln>
+        </p:spPr>
+        <p:style>
+          <a:lnRef idx="2">
+            <a:schemeClr val="dk1"/>
+          </a:lnRef>
+          <a:fillRef idx="1">
+            <a:schemeClr val="lt1"/>
+          </a:fillRef>
+          <a:effectRef idx="0">
+            <a:schemeClr val="dk1"/>
+          </a:effectRef>
+          <a:fontRef idx="minor">
+            <a:schemeClr val="dk1"/>
+          </a:fontRef>
+        </p:style>
+        <p:txBody>
+          <a:bodyPr rtlCol="0" anchor="b"/>
+          <a:lstStyle/>
+          <a:p>
+            <a:pPr algn="r"/>
+            <a:r>
+              <a:rPr lang="ja-JP" altLang="en-US" sz="2000" dirty="0" smtClean="0">
+                <a:solidFill>
+                  <a:schemeClr val="tx1"/>
+                </a:solidFill>
+              </a:rPr>
+              <a:t>制御のアルゴリズム</a:t>
+            </a:r>
+            <a:endParaRPr kumimoji="1" lang="ja-JP" altLang="en-US" sz="2000" dirty="0">
+              <a:solidFill>
+                <a:schemeClr val="tx1"/>
+              </a:solidFill>
+            </a:endParaRPr>
+          </a:p>
+        </p:txBody>
+      </p:sp>
     </p:spTree>
     <p:extLst>
       <p:ext uri="{BB962C8B-B14F-4D97-AF65-F5344CB8AC3E}">
@@ -14155,15 +17099,178 @@
   <p:timing>
     <p:tnLst>
       <p:par>
-        <p:cTn id="1" dur="indefinite" restart="never" nodeType="tmRoot"/>
+        <p:cTn id="1" dur="indefinite" restart="never" nodeType="tmRoot">
+          <p:childTnLst>
+            <p:seq concurrent="1" nextAc="seek">
+              <p:cTn id="2" dur="indefinite" nodeType="mainSeq">
+                <p:childTnLst>
+                  <p:par>
+                    <p:cTn id="3" fill="hold">
+                      <p:stCondLst>
+                        <p:cond delay="indefinite"/>
+                      </p:stCondLst>
+                      <p:childTnLst>
+                        <p:par>
+                          <p:cTn id="4" fill="hold">
+                            <p:stCondLst>
+                              <p:cond delay="0"/>
+                            </p:stCondLst>
+                            <p:childTnLst>
+                              <p:par>
+                                <p:cTn id="5" presetID="1" presetClass="entr" presetSubtype="0" fill="hold" grpId="0" nodeType="clickEffect">
+                                  <p:stCondLst>
+                                    <p:cond delay="0"/>
+                                  </p:stCondLst>
+                                  <p:childTnLst>
+                                    <p:set>
+                                      <p:cBhvr>
+                                        <p:cTn id="6" dur="1" fill="hold">
+                                          <p:stCondLst>
+                                            <p:cond delay="0"/>
+                                          </p:stCondLst>
+                                        </p:cTn>
+                                        <p:tgtEl>
+                                          <p:spTgt spid="7"/>
+                                        </p:tgtEl>
+                                        <p:attrNameLst>
+                                          <p:attrName>style.visibility</p:attrName>
+                                        </p:attrNameLst>
+                                      </p:cBhvr>
+                                      <p:to>
+                                        <p:strVal val="visible"/>
+                                      </p:to>
+                                    </p:set>
+                                  </p:childTnLst>
+                                </p:cTn>
+                              </p:par>
+                            </p:childTnLst>
+                          </p:cTn>
+                        </p:par>
+                      </p:childTnLst>
+                    </p:cTn>
+                  </p:par>
+                  <p:par>
+                    <p:cTn id="7" fill="hold">
+                      <p:stCondLst>
+                        <p:cond delay="indefinite"/>
+                      </p:stCondLst>
+                      <p:childTnLst>
+                        <p:par>
+                          <p:cTn id="8" fill="hold">
+                            <p:stCondLst>
+                              <p:cond delay="0"/>
+                            </p:stCondLst>
+                            <p:childTnLst>
+                              <p:par>
+                                <p:cTn id="9" presetID="1" presetClass="entr" presetSubtype="0" fill="hold" grpId="0" nodeType="clickEffect">
+                                  <p:stCondLst>
+                                    <p:cond delay="0"/>
+                                  </p:stCondLst>
+                                  <p:childTnLst>
+                                    <p:set>
+                                      <p:cBhvr>
+                                        <p:cTn id="10" dur="1" fill="hold">
+                                          <p:stCondLst>
+                                            <p:cond delay="0"/>
+                                          </p:stCondLst>
+                                        </p:cTn>
+                                        <p:tgtEl>
+                                          <p:spTgt spid="8"/>
+                                        </p:tgtEl>
+                                        <p:attrNameLst>
+                                          <p:attrName>style.visibility</p:attrName>
+                                        </p:attrNameLst>
+                                      </p:cBhvr>
+                                      <p:to>
+                                        <p:strVal val="visible"/>
+                                      </p:to>
+                                    </p:set>
+                                  </p:childTnLst>
+                                </p:cTn>
+                              </p:par>
+                            </p:childTnLst>
+                          </p:cTn>
+                        </p:par>
+                      </p:childTnLst>
+                    </p:cTn>
+                  </p:par>
+                  <p:par>
+                    <p:cTn id="11" fill="hold">
+                      <p:stCondLst>
+                        <p:cond delay="indefinite"/>
+                      </p:stCondLst>
+                      <p:childTnLst>
+                        <p:par>
+                          <p:cTn id="12" fill="hold">
+                            <p:stCondLst>
+                              <p:cond delay="0"/>
+                            </p:stCondLst>
+                            <p:childTnLst>
+                              <p:par>
+                                <p:cTn id="13" presetID="1" presetClass="entr" presetSubtype="0" fill="hold" grpId="0" nodeType="clickEffect">
+                                  <p:stCondLst>
+                                    <p:cond delay="0"/>
+                                  </p:stCondLst>
+                                  <p:childTnLst>
+                                    <p:set>
+                                      <p:cBhvr>
+                                        <p:cTn id="14" dur="1" fill="hold">
+                                          <p:stCondLst>
+                                            <p:cond delay="0"/>
+                                          </p:stCondLst>
+                                        </p:cTn>
+                                        <p:tgtEl>
+                                          <p:spTgt spid="9"/>
+                                        </p:tgtEl>
+                                        <p:attrNameLst>
+                                          <p:attrName>style.visibility</p:attrName>
+                                        </p:attrNameLst>
+                                      </p:cBhvr>
+                                      <p:to>
+                                        <p:strVal val="visible"/>
+                                      </p:to>
+                                    </p:set>
+                                  </p:childTnLst>
+                                </p:cTn>
+                              </p:par>
+                            </p:childTnLst>
+                          </p:cTn>
+                        </p:par>
+                      </p:childTnLst>
+                    </p:cTn>
+                  </p:par>
+                </p:childTnLst>
+              </p:cTn>
+              <p:prevCondLst>
+                <p:cond evt="onPrev" delay="0">
+                  <p:tgtEl>
+                    <p:sldTgt/>
+                  </p:tgtEl>
+                </p:cond>
+              </p:prevCondLst>
+              <p:nextCondLst>
+                <p:cond evt="onNext" delay="0">
+                  <p:tgtEl>
+                    <p:sldTgt/>
+                  </p:tgtEl>
+                </p:cond>
+              </p:nextCondLst>
+            </p:seq>
+          </p:childTnLst>
+        </p:cTn>
       </p:par>
     </p:tnLst>
+    <p:bldLst>
+      <p:bldP spid="7" grpId="0" animBg="1"/>
+      <p:bldP spid="8" grpId="0" animBg="1"/>
+      <p:bldP spid="9" grpId="0" animBg="1"/>
+    </p:bldLst>
   </p:timing>
 </p:sld>
 </file>
 
-<file path=ppt/slides/slide21.xml><?xml version="1.0" encoding="utf-8"?>
-<p:sld xmlns:a="http://schemas.openxmlformats.org/drawingml/2006/main" xmlns:r="http://schemas.openxmlformats.org/officeDocument/2006/relationships" xmlns:p="http://schemas.openxmlformats.org/presentationml/2006/main" show="0">
+<file path=ppt/slides/slide2.xml><?xml version="1.0" encoding="utf-8"?>
+<p:sld xmlns:a="http://schemas.openxmlformats.org/drawingml/2006/main" xmlns:r="http://schemas.openxmlformats.org/officeDocument/2006/relationships" xmlns:p="http://schemas.openxmlformats.org/presentationml/2006/main">
   <p:cSld>
     <p:spTree>
       <p:nvGrpSpPr>
@@ -14195,10 +17302,10 @@
           <a:lstStyle/>
           <a:p>
             <a:r>
-              <a:rPr kumimoji="1" lang="ja-JP" altLang="en-US" smtClean="0"/>
-              <a:t>進捗状況</a:t>
-            </a:r>
-            <a:endParaRPr kumimoji="1" lang="ja-JP" altLang="en-US"/>
+              <a:rPr kumimoji="1" lang="ja-JP" altLang="en-US" dirty="0" smtClean="0"/>
+              <a:t>発表内容</a:t>
+            </a:r>
+            <a:endParaRPr kumimoji="1" lang="ja-JP" altLang="en-US" dirty="0"/>
           </a:p>
         </p:txBody>
       </p:sp>
@@ -14214,42 +17321,52 @@
         </p:nvSpPr>
         <p:spPr/>
         <p:txBody>
-          <a:bodyPr/>
+          <a:bodyPr>
+            <a:normAutofit/>
+          </a:bodyPr>
           <a:lstStyle/>
           <a:p>
             <a:r>
-              <a:rPr kumimoji="1" lang="en-US" altLang="ja-JP" smtClean="0"/>
-              <a:t>PIM</a:t>
-            </a:r>
-            <a:r>
-              <a:rPr kumimoji="1" lang="ja-JP" altLang="en-US" smtClean="0"/>
-              <a:t>→</a:t>
-            </a:r>
-            <a:r>
-              <a:rPr kumimoji="1" lang="en-US" altLang="ja-JP" smtClean="0"/>
-              <a:t>PSM</a:t>
-            </a:r>
-            <a:r>
-              <a:rPr kumimoji="1" lang="ja-JP" altLang="en-US" smtClean="0"/>
-              <a:t>の流れ</a:t>
-            </a:r>
-            <a:endParaRPr lang="en-US" altLang="ja-JP" smtClean="0"/>
-          </a:p>
-          <a:p>
-            <a:pPr lvl="1"/>
-            <a:r>
-              <a:rPr kumimoji="1" lang="ja-JP" altLang="en-US" smtClean="0"/>
-              <a:t>どういう所に苦労したのか？</a:t>
-            </a:r>
-            <a:endParaRPr kumimoji="1" lang="en-US" altLang="ja-JP" smtClean="0"/>
-          </a:p>
-          <a:p>
-            <a:pPr lvl="1"/>
-            <a:r>
-              <a:rPr lang="ja-JP" altLang="en-US" smtClean="0"/>
-              <a:t>どの点でモデルカタログの良さを感じたか</a:t>
-            </a:r>
-            <a:endParaRPr kumimoji="1" lang="en-US" altLang="ja-JP" smtClean="0"/>
+              <a:rPr kumimoji="1" lang="ja-JP" altLang="en-US" sz="3200" dirty="0" smtClean="0"/>
+              <a:t>研究背景</a:t>
+            </a:r>
+            <a:endParaRPr kumimoji="1" lang="en-US" altLang="ja-JP" sz="3200" dirty="0" smtClean="0"/>
+          </a:p>
+          <a:p>
+            <a:r>
+              <a:rPr lang="ja-JP" altLang="en-US" sz="3200" dirty="0"/>
+              <a:t>研究</a:t>
+            </a:r>
+            <a:r>
+              <a:rPr lang="ja-JP" altLang="en-US" sz="3200" dirty="0" smtClean="0"/>
+              <a:t>概要</a:t>
+            </a:r>
+            <a:endParaRPr lang="en-US" altLang="ja-JP" sz="3200" dirty="0" smtClean="0"/>
+          </a:p>
+          <a:p>
+            <a:r>
+              <a:rPr kumimoji="1" lang="ja-JP" altLang="en-US" sz="3200" dirty="0" smtClean="0"/>
+              <a:t>進捗状況</a:t>
+            </a:r>
+            <a:endParaRPr kumimoji="1" lang="en-US" altLang="ja-JP" sz="3200" dirty="0" smtClean="0"/>
+          </a:p>
+          <a:p>
+            <a:r>
+              <a:rPr lang="ja-JP" altLang="en-US" sz="3200" dirty="0"/>
+              <a:t>今後</a:t>
+            </a:r>
+            <a:r>
+              <a:rPr lang="ja-JP" altLang="en-US" sz="3200" dirty="0" smtClean="0"/>
+              <a:t>の予定</a:t>
+            </a:r>
+            <a:endParaRPr kumimoji="1" lang="en-US" altLang="ja-JP" sz="3200" dirty="0" smtClean="0"/>
+          </a:p>
+          <a:p>
+            <a:r>
+              <a:rPr lang="ja-JP" altLang="en-US" sz="3200" dirty="0"/>
+              <a:t>まとめ</a:t>
+            </a:r>
+            <a:endParaRPr kumimoji="1" lang="en-US" altLang="ja-JP" sz="3200" dirty="0" smtClean="0"/>
           </a:p>
         </p:txBody>
       </p:sp>
@@ -14269,32 +17386,23 @@
           <a:lstStyle/>
           <a:p>
             <a:fld id="{1B4CD1AD-35CE-4DA8-9CDB-2FA6D4A1B3F4}" type="slidenum">
-              <a:rPr lang="ja-JP" altLang="en-US" smtClean="0"/>
-              <a:pPr/>
-              <a:t>21</a:t>
+              <a:rPr kumimoji="1" lang="ja-JP" altLang="en-US" smtClean="0"/>
+              <a:t>2</a:t>
             </a:fld>
-            <a:endParaRPr lang="ja-JP" altLang="en-US" dirty="0"/>
+            <a:endParaRPr kumimoji="1" lang="ja-JP" altLang="en-US" dirty="0"/>
           </a:p>
         </p:txBody>
       </p:sp>
     </p:spTree>
     <p:extLst>
       <p:ext uri="{BB962C8B-B14F-4D97-AF65-F5344CB8AC3E}">
-        <p14:creationId xmlns:p14="http://schemas.microsoft.com/office/powerpoint/2010/main" val="915001288"/>
+        <p14:creationId xmlns:p14="http://schemas.microsoft.com/office/powerpoint/2010/main" val="1637910124"/>
       </p:ext>
     </p:extLst>
   </p:cSld>
   <p:clrMapOvr>
     <a:masterClrMapping/>
   </p:clrMapOvr>
-  <mc:AlternateContent xmlns:mc="http://schemas.openxmlformats.org/markup-compatibility/2006">
-    <mc:Choice xmlns:p14="http://schemas.microsoft.com/office/powerpoint/2010/main" Requires="p14">
-      <p:transition spd="slow" p14:dur="2000"/>
-    </mc:Choice>
-    <mc:Fallback>
-      <p:transition spd="slow"/>
-    </mc:Fallback>
-  </mc:AlternateContent>
   <p:timing>
     <p:tnLst>
       <p:par>
@@ -14305,7 +17413,7 @@
 </p:sld>
 </file>
 
-<file path=ppt/slides/slide22.xml><?xml version="1.0" encoding="utf-8"?>
+<file path=ppt/slides/slide20.xml><?xml version="1.0" encoding="utf-8"?>
 <p:sld xmlns:a="http://schemas.openxmlformats.org/drawingml/2006/main" xmlns:r="http://schemas.openxmlformats.org/officeDocument/2006/relationships" xmlns:p="http://schemas.openxmlformats.org/presentationml/2006/main">
   <p:cSld>
     <p:spTree>
@@ -14363,19 +17471,11 @@
           <a:p>
             <a:r>
               <a:rPr kumimoji="1" lang="ja-JP" altLang="en-US" dirty="0" smtClean="0"/>
-              <a:t>進捗状況（</a:t>
-            </a:r>
-            <a:r>
-              <a:rPr lang="en-US" altLang="ja-JP" dirty="0"/>
-              <a:t>6</a:t>
-            </a:r>
-            <a:r>
-              <a:rPr kumimoji="1" lang="en-US" altLang="ja-JP" dirty="0" smtClean="0"/>
-              <a:t>/6</a:t>
-            </a:r>
-            <a:r>
-              <a:rPr lang="ja-JP" altLang="en-US" dirty="0" smtClean="0"/>
-              <a:t>）</a:t>
+              <a:t>進捗</a:t>
+            </a:r>
+            <a:r>
+              <a:rPr kumimoji="1" lang="ja-JP" altLang="en-US" dirty="0" smtClean="0"/>
+              <a:t>状況</a:t>
             </a:r>
             <a:endParaRPr kumimoji="1" lang="ja-JP" altLang="en-US" dirty="0"/>
           </a:p>
@@ -14402,20 +17502,16 @@
           <a:lstStyle/>
           <a:p>
             <a:r>
-              <a:rPr lang="ja-JP" altLang="en-US" smtClean="0"/>
+              <a:rPr lang="ja-JP" altLang="en-US" dirty="0" smtClean="0"/>
               <a:t>実装結果</a:t>
             </a:r>
             <a:r>
-              <a:rPr lang="en-US" altLang="ja-JP" smtClean="0"/>
+              <a:rPr lang="en-US" altLang="ja-JP" dirty="0" smtClean="0"/>
               <a:t>:</a:t>
             </a:r>
             <a:r>
-              <a:rPr lang="ja-JP" altLang="en-US" smtClean="0"/>
-              <a:t>尻尾</a:t>
-            </a:r>
-            <a:r>
               <a:rPr lang="ja-JP" altLang="en-US" dirty="0" smtClean="0"/>
-              <a:t>モータ角度制御</a:t>
+              <a:t>尻尾モータ角度制御</a:t>
             </a:r>
             <a:endParaRPr lang="en-US" altLang="ja-JP" dirty="0" smtClean="0"/>
           </a:p>
@@ -14426,12 +17522,8 @@
               <a:t>プログラム実行時の</a:t>
             </a:r>
             <a:r>
-              <a:rPr lang="ja-JP" altLang="en-US" dirty="0"/>
+              <a:rPr lang="ja-JP" altLang="en-US" dirty="0" smtClean="0"/>
               <a:t>動作</a:t>
-            </a:r>
-            <a:r>
-              <a:rPr lang="ja-JP" altLang="en-US" dirty="0" smtClean="0"/>
-              <a:t>確認</a:t>
             </a:r>
             <a:endParaRPr lang="en-US" altLang="ja-JP" dirty="0" smtClean="0"/>
           </a:p>
@@ -14473,15 +17565,15 @@
         </p:nvSpPr>
         <p:spPr>
           <a:xfrm>
-            <a:off x="4067944" y="5301208"/>
+            <a:off x="4067944" y="4797152"/>
             <a:ext cx="1368152" cy="576064"/>
           </a:xfrm>
           <a:prstGeom prst="borderCallout1">
             <a:avLst>
               <a:gd name="adj1" fmla="val 18750"/>
               <a:gd name="adj2" fmla="val -8333"/>
-              <a:gd name="adj3" fmla="val -134876"/>
-              <a:gd name="adj4" fmla="val -25647"/>
+              <a:gd name="adj3" fmla="val -73032"/>
+              <a:gd name="adj4" fmla="val -19571"/>
             </a:avLst>
           </a:prstGeom>
         </p:spPr>
@@ -14536,15 +17628,15 @@
         </p:nvSpPr>
         <p:spPr>
           <a:xfrm>
-            <a:off x="6984268" y="4437112"/>
+            <a:off x="6804248" y="4437112"/>
             <a:ext cx="1368152" cy="576064"/>
           </a:xfrm>
           <a:prstGeom prst="borderCallout1">
             <a:avLst>
-              <a:gd name="adj1" fmla="val 18750"/>
-              <a:gd name="adj2" fmla="val -8333"/>
+              <a:gd name="adj1" fmla="val -22479"/>
+              <a:gd name="adj2" fmla="val 30727"/>
               <a:gd name="adj3" fmla="val -237949"/>
-              <a:gd name="adj4" fmla="val 15148"/>
+              <a:gd name="adj4" fmla="val 45528"/>
             </a:avLst>
           </a:prstGeom>
         </p:spPr>
@@ -14608,76 +17700,12 @@
           <a:p>
             <a:fld id="{1B4CD1AD-35CE-4DA8-9CDB-2FA6D4A1B3F4}" type="slidenum">
               <a:rPr kumimoji="1" lang="ja-JP" altLang="en-US" smtClean="0"/>
-              <a:t>22</a:t>
+              <a:t>20</a:t>
             </a:fld>
             <a:endParaRPr kumimoji="1" lang="ja-JP" altLang="en-US" dirty="0"/>
           </a:p>
         </p:txBody>
       </p:sp>
-      <p:pic>
-        <p:nvPicPr>
-          <p:cNvPr id="3074" name="Picture 2"/>
-          <p:cNvPicPr>
-            <a:picLocks noChangeAspect="1" noChangeArrowheads="1"/>
-          </p:cNvPicPr>
-          <p:nvPr/>
-        </p:nvPicPr>
-        <p:blipFill>
-          <a:blip r:embed="rId4" cstate="print">
-            <a:extLst>
-              <a:ext uri="{28A0092B-C50C-407E-A947-70E740481C1C}">
-                <a14:useLocalDpi xmlns:a14="http://schemas.microsoft.com/office/drawing/2010/main" val="0"/>
-              </a:ext>
-            </a:extLst>
-          </a:blip>
-          <a:srcRect/>
-          <a:stretch>
-            <a:fillRect/>
-          </a:stretch>
-        </p:blipFill>
-        <p:spPr bwMode="auto">
-          <a:xfrm>
-            <a:off x="7440330" y="3174613"/>
-            <a:ext cx="456028" cy="679061"/>
-          </a:xfrm>
-          <a:prstGeom prst="rect">
-            <a:avLst/>
-          </a:prstGeom>
-          <a:noFill/>
-          <a:ln>
-            <a:noFill/>
-          </a:ln>
-          <a:effectLst/>
-          <a:extLst>
-            <a:ext uri="{909E8E84-426E-40DD-AFC4-6F175D3DCCD1}">
-              <a14:hiddenFill xmlns:a14="http://schemas.microsoft.com/office/drawing/2010/main">
-                <a:solidFill>
-                  <a:schemeClr val="accent1"/>
-                </a:solidFill>
-              </a14:hiddenFill>
-            </a:ext>
-            <a:ext uri="{91240B29-F687-4F45-9708-019B960494DF}">
-              <a14:hiddenLine xmlns:a14="http://schemas.microsoft.com/office/drawing/2010/main" w="9525">
-                <a:solidFill>
-                  <a:schemeClr val="tx1"/>
-                </a:solidFill>
-                <a:miter lim="800000"/>
-                <a:headEnd/>
-                <a:tailEnd/>
-              </a14:hiddenLine>
-            </a:ext>
-            <a:ext uri="{AF507438-7753-43E0-B8FC-AC1667EBCBE1}">
-              <a14:hiddenEffects xmlns:a14="http://schemas.microsoft.com/office/drawing/2010/main">
-                <a:effectLst>
-                  <a:outerShdw dist="35921" dir="2700000" algn="ctr" rotWithShape="0">
-                    <a:schemeClr val="bg2"/>
-                  </a:outerShdw>
-                </a:effectLst>
-              </a14:hiddenEffects>
-            </a:ext>
-          </a:extLst>
-        </p:spPr>
-      </p:pic>
     </p:spTree>
     <p:extLst>
       <p:ext uri="{BB962C8B-B14F-4D97-AF65-F5344CB8AC3E}">
@@ -14706,7 +17734,7 @@
 </p:sld>
 </file>
 
-<file path=ppt/slides/slide23.xml><?xml version="1.0" encoding="utf-8"?>
+<file path=ppt/slides/slide21.xml><?xml version="1.0" encoding="utf-8"?>
 <p:sld xmlns:a="http://schemas.openxmlformats.org/drawingml/2006/main" xmlns:r="http://schemas.openxmlformats.org/officeDocument/2006/relationships" xmlns:p="http://schemas.openxmlformats.org/presentationml/2006/main">
   <p:cSld>
     <p:spTree>
@@ -14778,19 +17806,27 @@
             <a:pPr lvl="1"/>
             <a:r>
               <a:rPr lang="ja-JP" altLang="en-US" dirty="0" smtClean="0"/>
-              <a:t>排他制御</a:t>
+              <a:t>制御</a:t>
+            </a:r>
+            <a:r>
+              <a:rPr lang="ja-JP" altLang="en-US" dirty="0" smtClean="0"/>
+              <a:t>監視</a:t>
+            </a:r>
+            <a:r>
+              <a:rPr lang="ja-JP" altLang="en-US" dirty="0" smtClean="0"/>
+              <a:t>リスナー</a:t>
             </a:r>
             <a:endParaRPr lang="en-US" altLang="ja-JP" dirty="0" smtClean="0"/>
           </a:p>
           <a:p>
             <a:pPr lvl="1"/>
             <a:r>
+              <a:rPr lang="ja-JP" altLang="en-US" dirty="0"/>
+              <a:t>排他</a:t>
+            </a:r>
+            <a:r>
               <a:rPr lang="ja-JP" altLang="en-US" dirty="0" smtClean="0"/>
-              <a:t>制御監視リスナー</a:t>
-            </a:r>
-            <a:r>
-              <a:rPr lang="ja-JP" altLang="en-US" dirty="0"/>
-              <a:t>等</a:t>
+              <a:t>制御等</a:t>
             </a:r>
             <a:endParaRPr lang="en-US" altLang="ja-JP" dirty="0" smtClean="0"/>
           </a:p>
@@ -14827,7 +17863,7 @@
           <a:p>
             <a:fld id="{1B4CD1AD-35CE-4DA8-9CDB-2FA6D4A1B3F4}" type="slidenum">
               <a:rPr kumimoji="1" lang="ja-JP" altLang="en-US" smtClean="0"/>
-              <a:t>23</a:t>
+              <a:t>21</a:t>
             </a:fld>
             <a:endParaRPr kumimoji="1" lang="ja-JP" altLang="en-US" dirty="0"/>
           </a:p>
@@ -14853,7 +17889,7 @@
 </p:sld>
 </file>
 
-<file path=ppt/slides/slide24.xml><?xml version="1.0" encoding="utf-8"?>
+<file path=ppt/slides/slide22.xml><?xml version="1.0" encoding="utf-8"?>
 <p:sld xmlns:a="http://schemas.openxmlformats.org/drawingml/2006/main" xmlns:r="http://schemas.openxmlformats.org/officeDocument/2006/relationships" xmlns:p="http://schemas.openxmlformats.org/presentationml/2006/main">
   <p:cSld>
     <p:spTree>
@@ -14918,15 +17954,46 @@
             <a:pPr lvl="1"/>
             <a:r>
               <a:rPr lang="ja-JP" altLang="en-US" dirty="0" smtClean="0"/>
-              <a:t>実践例の無いＵＭ</a:t>
+              <a:t>実践例の</a:t>
+            </a:r>
+            <a:r>
+              <a:rPr lang="ja-JP" altLang="en-US" dirty="0" smtClean="0"/>
+              <a:t>無い</a:t>
             </a:r>
             <a:r>
               <a:rPr lang="en-US" altLang="ja-JP" dirty="0" smtClean="0"/>
-              <a:t>L</a:t>
+              <a:t>UML</a:t>
             </a:r>
             <a:r>
               <a:rPr lang="ja-JP" altLang="en-US" dirty="0" smtClean="0"/>
-              <a:t>モデルカタログの有用性の検証，実践例の提供</a:t>
+              <a:t>モデルカタログ</a:t>
+            </a:r>
+            <a:r>
+              <a:rPr lang="ja-JP" altLang="en-US" dirty="0" smtClean="0"/>
+              <a:t>の有用性の</a:t>
+            </a:r>
+            <a:r>
+              <a:rPr lang="ja-JP" altLang="en-US" dirty="0" smtClean="0"/>
+              <a:t>検証</a:t>
+            </a:r>
+            <a:r>
+              <a:rPr lang="ja-JP" altLang="en-US" dirty="0"/>
+              <a:t>及び</a:t>
+            </a:r>
+            <a:r>
+              <a:rPr lang="en-US" altLang="ja-JP" dirty="0" smtClean="0"/>
+              <a:t/>
+            </a:r>
+            <a:br>
+              <a:rPr lang="en-US" altLang="ja-JP" dirty="0" smtClean="0"/>
+            </a:br>
+            <a:r>
+              <a:rPr lang="ja-JP" altLang="en-US" dirty="0" smtClean="0"/>
+              <a:t>実践例</a:t>
+            </a:r>
+            <a:r>
+              <a:rPr lang="ja-JP" altLang="en-US" dirty="0" smtClean="0"/>
+              <a:t>の提供</a:t>
             </a:r>
             <a:endParaRPr lang="en-US" altLang="ja-JP" dirty="0" smtClean="0"/>
           </a:p>
@@ -14953,7 +18020,26 @@
             </a:r>
             <a:r>
               <a:rPr lang="ja-JP" altLang="en-US" dirty="0"/>
-              <a:t>を行い、モデルの有用性を</a:t>
+              <a:t>を行い</a:t>
+            </a:r>
+            <a:r>
+              <a:rPr lang="ja-JP" altLang="en-US" dirty="0" smtClean="0"/>
+              <a:t>、</a:t>
+            </a:r>
+            <a:r>
+              <a:rPr lang="en-US" altLang="ja-JP" dirty="0" smtClean="0"/>
+              <a:t/>
+            </a:r>
+            <a:br>
+              <a:rPr lang="en-US" altLang="ja-JP" dirty="0" smtClean="0"/>
+            </a:br>
+            <a:r>
+              <a:rPr lang="ja-JP" altLang="en-US" dirty="0" smtClean="0"/>
+              <a:t>モデルの有用性</a:t>
+            </a:r>
+            <a:r>
+              <a:rPr lang="ja-JP" altLang="en-US" dirty="0"/>
+              <a:t>を</a:t>
             </a:r>
             <a:r>
               <a:rPr lang="ja-JP" altLang="en-US" dirty="0" smtClean="0"/>
@@ -14976,7 +18062,22 @@
             <a:pPr lvl="1"/>
             <a:r>
               <a:rPr lang="ja-JP" altLang="en-US" dirty="0" smtClean="0"/>
-              <a:t>モデルの分析，組込み機器に対する目標制御プログラムを開発中</a:t>
+              <a:t>モデルの分析，組込み機器に対する目標制御プログラム</a:t>
+            </a:r>
+            <a:r>
+              <a:rPr lang="ja-JP" altLang="en-US" dirty="0" smtClean="0"/>
+              <a:t>を</a:t>
+            </a:r>
+            <a:r>
+              <a:rPr lang="en-US" altLang="ja-JP" dirty="0" smtClean="0"/>
+              <a:t/>
+            </a:r>
+            <a:br>
+              <a:rPr lang="en-US" altLang="ja-JP" dirty="0" smtClean="0"/>
+            </a:br>
+            <a:r>
+              <a:rPr lang="ja-JP" altLang="en-US" dirty="0" smtClean="0"/>
+              <a:t>開発中</a:t>
             </a:r>
             <a:endParaRPr lang="en-US" altLang="ja-JP" dirty="0" smtClean="0"/>
           </a:p>
@@ -14995,7 +18096,11 @@
             <a:pPr lvl="1"/>
             <a:r>
               <a:rPr lang="ja-JP" altLang="en-US" dirty="0" smtClean="0"/>
-              <a:t>引き続き制御プログラムの開発，開発工程の資料化と提供</a:t>
+              <a:t>引き続き制御プログラムの開発，開発工程の</a:t>
+            </a:r>
+            <a:r>
+              <a:rPr lang="ja-JP" altLang="en-US" dirty="0" smtClean="0"/>
+              <a:t>資料化及び提供</a:t>
             </a:r>
             <a:endParaRPr lang="en-US" altLang="ja-JP" dirty="0" smtClean="0"/>
           </a:p>
@@ -15025,7 +18130,7 @@
           <a:p>
             <a:fld id="{1B4CD1AD-35CE-4DA8-9CDB-2FA6D4A1B3F4}" type="slidenum">
               <a:rPr kumimoji="1" lang="ja-JP" altLang="en-US" smtClean="0"/>
-              <a:t>24</a:t>
+              <a:t>22</a:t>
             </a:fld>
             <a:endParaRPr kumimoji="1" lang="ja-JP" altLang="en-US" dirty="0"/>
           </a:p>
@@ -15085,19 +18190,11 @@
           <a:p>
             <a:r>
               <a:rPr kumimoji="1" lang="ja-JP" altLang="en-US" dirty="0" smtClean="0"/>
-              <a:t>研究背景</a:t>
-            </a:r>
-            <a:r>
-              <a:rPr lang="ja-JP" altLang="en-US" dirty="0"/>
-              <a:t>（</a:t>
-            </a:r>
-            <a:r>
-              <a:rPr kumimoji="1" lang="en-US" altLang="ja-JP" dirty="0" smtClean="0"/>
-              <a:t>1/5</a:t>
-            </a:r>
-            <a:r>
-              <a:rPr lang="ja-JP" altLang="en-US" dirty="0" smtClean="0"/>
-              <a:t>）</a:t>
+              <a:t>研究</a:t>
+            </a:r>
+            <a:r>
+              <a:rPr kumimoji="1" lang="ja-JP" altLang="en-US" dirty="0" smtClean="0"/>
+              <a:t>背景</a:t>
             </a:r>
             <a:endParaRPr kumimoji="1" lang="ja-JP" altLang="en-US" dirty="0"/>
           </a:p>
@@ -15274,6 +18371,9 @@
           <a:prstGeom prst="rect">
             <a:avLst/>
           </a:prstGeom>
+          <a:ln>
+            <a:noFill/>
+          </a:ln>
         </p:spPr>
         <p:style>
           <a:lnRef idx="2">
@@ -15333,6 +18433,9 @@
           <a:prstGeom prst="rect">
             <a:avLst/>
           </a:prstGeom>
+          <a:ln>
+            <a:noFill/>
+          </a:ln>
         </p:spPr>
         <p:style>
           <a:lnRef idx="2">
@@ -15385,6 +18488,9 @@
           <a:prstGeom prst="rect">
             <a:avLst/>
           </a:prstGeom>
+          <a:ln>
+            <a:noFill/>
+          </a:ln>
         </p:spPr>
         <p:style>
           <a:lnRef idx="2">
@@ -15843,6 +18949,223 @@
       </p:grpSpPr>
       <p:sp>
         <p:nvSpPr>
+          <p:cNvPr id="15" name="コンテンツ プレースホルダー 2"/>
+          <p:cNvSpPr txBox="1">
+            <a:spLocks/>
+          </p:cNvSpPr>
+          <p:nvPr/>
+        </p:nvSpPr>
+        <p:spPr bwMode="gray">
+          <a:xfrm>
+            <a:off x="299778" y="4529138"/>
+            <a:ext cx="8610600" cy="628054"/>
+          </a:xfrm>
+          <a:prstGeom prst="rect">
+            <a:avLst/>
+          </a:prstGeom>
+          <a:noFill/>
+          <a:ln w="9525">
+            <a:noFill/>
+            <a:miter lim="800000"/>
+            <a:headEnd/>
+            <a:tailEnd/>
+          </a:ln>
+          <a:effectLst/>
+        </p:spPr>
+        <p:txBody>
+          <a:bodyPr vert="horz" wrap="square" lIns="91440" tIns="45720" rIns="91440" bIns="45720" numCol="1" anchor="t" anchorCtr="0" compatLnSpc="1">
+            <a:prstTxWarp prst="textNoShape">
+              <a:avLst/>
+            </a:prstTxWarp>
+            <a:normAutofit/>
+          </a:bodyPr>
+          <a:lstStyle>
+            <a:lvl1pPr marL="342900" indent="-342900" algn="l" rtl="0" eaLnBrk="1" fontAlgn="base" hangingPunct="1">
+              <a:lnSpc>
+                <a:spcPct val="120000"/>
+              </a:lnSpc>
+              <a:spcBef>
+                <a:spcPct val="20000"/>
+              </a:spcBef>
+              <a:spcAft>
+                <a:spcPct val="0"/>
+              </a:spcAft>
+              <a:buChar char="•"/>
+              <a:defRPr kumimoji="1" sz="2800">
+                <a:solidFill>
+                  <a:schemeClr val="tx1"/>
+                </a:solidFill>
+                <a:latin typeface="+mn-lt"/>
+                <a:ea typeface="+mn-ea"/>
+                <a:cs typeface="+mn-cs"/>
+              </a:defRPr>
+            </a:lvl1pPr>
+            <a:lvl2pPr marL="742950" indent="-285750" algn="l" rtl="0" eaLnBrk="1" fontAlgn="base" hangingPunct="1">
+              <a:lnSpc>
+                <a:spcPct val="120000"/>
+              </a:lnSpc>
+              <a:spcBef>
+                <a:spcPct val="20000"/>
+              </a:spcBef>
+              <a:spcAft>
+                <a:spcPct val="0"/>
+              </a:spcAft>
+              <a:buFont typeface="Arial" pitchFamily="34" charset="0"/>
+              <a:buChar char="»"/>
+              <a:defRPr kumimoji="1" sz="2400">
+                <a:solidFill>
+                  <a:schemeClr val="tx1"/>
+                </a:solidFill>
+                <a:latin typeface="+mn-lt"/>
+                <a:ea typeface="+mn-ea"/>
+              </a:defRPr>
+            </a:lvl2pPr>
+            <a:lvl3pPr marL="1143000" indent="-228600" algn="l" rtl="0" eaLnBrk="1" fontAlgn="base" hangingPunct="1">
+              <a:lnSpc>
+                <a:spcPct val="120000"/>
+              </a:lnSpc>
+              <a:spcBef>
+                <a:spcPct val="20000"/>
+              </a:spcBef>
+              <a:spcAft>
+                <a:spcPct val="0"/>
+              </a:spcAft>
+              <a:buFont typeface="Arial" pitchFamily="34" charset="0"/>
+              <a:buChar char="–"/>
+              <a:defRPr kumimoji="1" sz="2000">
+                <a:solidFill>
+                  <a:schemeClr val="tx1"/>
+                </a:solidFill>
+                <a:latin typeface="+mn-lt"/>
+                <a:ea typeface="+mn-ea"/>
+              </a:defRPr>
+            </a:lvl3pPr>
+            <a:lvl4pPr marL="1600200" indent="-228600" algn="l" rtl="0" eaLnBrk="1" fontAlgn="base" hangingPunct="1">
+              <a:spcBef>
+                <a:spcPct val="20000"/>
+              </a:spcBef>
+              <a:spcAft>
+                <a:spcPct val="0"/>
+              </a:spcAft>
+              <a:buChar char="–"/>
+              <a:defRPr kumimoji="1" sz="2000">
+                <a:solidFill>
+                  <a:schemeClr val="tx1"/>
+                </a:solidFill>
+                <a:latin typeface="+mn-lt"/>
+                <a:ea typeface="+mn-ea"/>
+              </a:defRPr>
+            </a:lvl4pPr>
+            <a:lvl5pPr marL="2057400" indent="-228600" algn="l" rtl="0" eaLnBrk="1" fontAlgn="base" hangingPunct="1">
+              <a:spcBef>
+                <a:spcPct val="20000"/>
+              </a:spcBef>
+              <a:spcAft>
+                <a:spcPct val="0"/>
+              </a:spcAft>
+              <a:buFont typeface="Arial" pitchFamily="34" charset="0"/>
+              <a:buChar char="‒"/>
+              <a:defRPr kumimoji="1" sz="2000">
+                <a:solidFill>
+                  <a:schemeClr val="tx1"/>
+                </a:solidFill>
+                <a:latin typeface="+mn-lt"/>
+                <a:ea typeface="+mn-ea"/>
+              </a:defRPr>
+            </a:lvl5pPr>
+            <a:lvl6pPr marL="2514600" indent="-228600" algn="l" rtl="0" eaLnBrk="1" fontAlgn="base" hangingPunct="1">
+              <a:spcBef>
+                <a:spcPct val="20000"/>
+              </a:spcBef>
+              <a:spcAft>
+                <a:spcPct val="0"/>
+              </a:spcAft>
+              <a:buChar char="»"/>
+              <a:defRPr kumimoji="1" sz="2000">
+                <a:solidFill>
+                  <a:schemeClr val="tx1"/>
+                </a:solidFill>
+                <a:latin typeface="+mn-lt"/>
+                <a:ea typeface="+mn-ea"/>
+              </a:defRPr>
+            </a:lvl6pPr>
+            <a:lvl7pPr marL="2971800" indent="-228600" algn="l" rtl="0" eaLnBrk="1" fontAlgn="base" hangingPunct="1">
+              <a:spcBef>
+                <a:spcPct val="20000"/>
+              </a:spcBef>
+              <a:spcAft>
+                <a:spcPct val="0"/>
+              </a:spcAft>
+              <a:buChar char="»"/>
+              <a:defRPr kumimoji="1" sz="2000">
+                <a:solidFill>
+                  <a:schemeClr val="tx1"/>
+                </a:solidFill>
+                <a:latin typeface="+mn-lt"/>
+                <a:ea typeface="+mn-ea"/>
+              </a:defRPr>
+            </a:lvl7pPr>
+            <a:lvl8pPr marL="3429000" indent="-228600" algn="l" rtl="0" eaLnBrk="1" fontAlgn="base" hangingPunct="1">
+              <a:spcBef>
+                <a:spcPct val="20000"/>
+              </a:spcBef>
+              <a:spcAft>
+                <a:spcPct val="0"/>
+              </a:spcAft>
+              <a:buChar char="»"/>
+              <a:defRPr kumimoji="1" sz="2000">
+                <a:solidFill>
+                  <a:schemeClr val="tx1"/>
+                </a:solidFill>
+                <a:latin typeface="+mn-lt"/>
+                <a:ea typeface="+mn-ea"/>
+              </a:defRPr>
+            </a:lvl8pPr>
+            <a:lvl9pPr marL="3886200" indent="-228600" algn="l" rtl="0" eaLnBrk="1" fontAlgn="base" hangingPunct="1">
+              <a:spcBef>
+                <a:spcPct val="20000"/>
+              </a:spcBef>
+              <a:spcAft>
+                <a:spcPct val="0"/>
+              </a:spcAft>
+              <a:buChar char="»"/>
+              <a:defRPr kumimoji="1" sz="2000">
+                <a:solidFill>
+                  <a:schemeClr val="tx1"/>
+                </a:solidFill>
+                <a:latin typeface="+mn-lt"/>
+                <a:ea typeface="+mn-ea"/>
+              </a:defRPr>
+            </a:lvl9pPr>
+          </a:lstStyle>
+          <a:p>
+            <a:pPr lvl="1"/>
+            <a:r>
+              <a:rPr lang="ja-JP" altLang="en-US" dirty="0" smtClean="0">
+                <a:latin typeface="メイリオ" pitchFamily="50" charset="-128"/>
+                <a:ea typeface="メイリオ" pitchFamily="50" charset="-128"/>
+                <a:cs typeface="メイリオ" pitchFamily="50" charset="-128"/>
+              </a:rPr>
+              <a:t>傾向</a:t>
+            </a:r>
+            <a:r>
+              <a:rPr lang="en-US" altLang="ja-JP" dirty="0">
+                <a:latin typeface="メイリオ" pitchFamily="50" charset="-128"/>
+                <a:ea typeface="メイリオ" pitchFamily="50" charset="-128"/>
+                <a:cs typeface="メイリオ" pitchFamily="50" charset="-128"/>
+              </a:rPr>
+              <a:t>2</a:t>
+            </a:r>
+            <a:endParaRPr lang="en-US" altLang="ja-JP" dirty="0" smtClean="0">
+              <a:latin typeface="メイリオ" pitchFamily="50" charset="-128"/>
+              <a:ea typeface="メイリオ" pitchFamily="50" charset="-128"/>
+              <a:cs typeface="メイリオ" pitchFamily="50" charset="-128"/>
+            </a:endParaRPr>
+          </a:p>
+        </p:txBody>
+      </p:sp>
+      <p:sp>
+        <p:nvSpPr>
           <p:cNvPr id="14" name="コンテンツ プレースホルダー 2"/>
           <p:cNvSpPr txBox="1">
             <a:spLocks/>
@@ -15851,7 +19174,7 @@
         </p:nvSpPr>
         <p:spPr bwMode="gray">
           <a:xfrm>
-            <a:off x="299020" y="2172892"/>
+            <a:off x="299020" y="2492896"/>
             <a:ext cx="8610600" cy="752052"/>
           </a:xfrm>
           <a:prstGeom prst="rect">
@@ -16055,223 +19378,6 @@
       </p:sp>
       <p:sp>
         <p:nvSpPr>
-          <p:cNvPr id="15" name="コンテンツ プレースホルダー 2"/>
-          <p:cNvSpPr txBox="1">
-            <a:spLocks/>
-          </p:cNvSpPr>
-          <p:nvPr/>
-        </p:nvSpPr>
-        <p:spPr bwMode="gray">
-          <a:xfrm>
-            <a:off x="299778" y="4241106"/>
-            <a:ext cx="8610600" cy="628054"/>
-          </a:xfrm>
-          <a:prstGeom prst="rect">
-            <a:avLst/>
-          </a:prstGeom>
-          <a:noFill/>
-          <a:ln w="9525">
-            <a:noFill/>
-            <a:miter lim="800000"/>
-            <a:headEnd/>
-            <a:tailEnd/>
-          </a:ln>
-          <a:effectLst/>
-        </p:spPr>
-        <p:txBody>
-          <a:bodyPr vert="horz" wrap="square" lIns="91440" tIns="45720" rIns="91440" bIns="45720" numCol="1" anchor="t" anchorCtr="0" compatLnSpc="1">
-            <a:prstTxWarp prst="textNoShape">
-              <a:avLst/>
-            </a:prstTxWarp>
-            <a:normAutofit/>
-          </a:bodyPr>
-          <a:lstStyle>
-            <a:lvl1pPr marL="342900" indent="-342900" algn="l" rtl="0" eaLnBrk="1" fontAlgn="base" hangingPunct="1">
-              <a:lnSpc>
-                <a:spcPct val="120000"/>
-              </a:lnSpc>
-              <a:spcBef>
-                <a:spcPct val="20000"/>
-              </a:spcBef>
-              <a:spcAft>
-                <a:spcPct val="0"/>
-              </a:spcAft>
-              <a:buChar char="•"/>
-              <a:defRPr kumimoji="1" sz="2800">
-                <a:solidFill>
-                  <a:schemeClr val="tx1"/>
-                </a:solidFill>
-                <a:latin typeface="+mn-lt"/>
-                <a:ea typeface="+mn-ea"/>
-                <a:cs typeface="+mn-cs"/>
-              </a:defRPr>
-            </a:lvl1pPr>
-            <a:lvl2pPr marL="742950" indent="-285750" algn="l" rtl="0" eaLnBrk="1" fontAlgn="base" hangingPunct="1">
-              <a:lnSpc>
-                <a:spcPct val="120000"/>
-              </a:lnSpc>
-              <a:spcBef>
-                <a:spcPct val="20000"/>
-              </a:spcBef>
-              <a:spcAft>
-                <a:spcPct val="0"/>
-              </a:spcAft>
-              <a:buFont typeface="Arial" pitchFamily="34" charset="0"/>
-              <a:buChar char="»"/>
-              <a:defRPr kumimoji="1" sz="2400">
-                <a:solidFill>
-                  <a:schemeClr val="tx1"/>
-                </a:solidFill>
-                <a:latin typeface="+mn-lt"/>
-                <a:ea typeface="+mn-ea"/>
-              </a:defRPr>
-            </a:lvl2pPr>
-            <a:lvl3pPr marL="1143000" indent="-228600" algn="l" rtl="0" eaLnBrk="1" fontAlgn="base" hangingPunct="1">
-              <a:lnSpc>
-                <a:spcPct val="120000"/>
-              </a:lnSpc>
-              <a:spcBef>
-                <a:spcPct val="20000"/>
-              </a:spcBef>
-              <a:spcAft>
-                <a:spcPct val="0"/>
-              </a:spcAft>
-              <a:buFont typeface="Arial" pitchFamily="34" charset="0"/>
-              <a:buChar char="–"/>
-              <a:defRPr kumimoji="1" sz="2000">
-                <a:solidFill>
-                  <a:schemeClr val="tx1"/>
-                </a:solidFill>
-                <a:latin typeface="+mn-lt"/>
-                <a:ea typeface="+mn-ea"/>
-              </a:defRPr>
-            </a:lvl3pPr>
-            <a:lvl4pPr marL="1600200" indent="-228600" algn="l" rtl="0" eaLnBrk="1" fontAlgn="base" hangingPunct="1">
-              <a:spcBef>
-                <a:spcPct val="20000"/>
-              </a:spcBef>
-              <a:spcAft>
-                <a:spcPct val="0"/>
-              </a:spcAft>
-              <a:buChar char="–"/>
-              <a:defRPr kumimoji="1" sz="2000">
-                <a:solidFill>
-                  <a:schemeClr val="tx1"/>
-                </a:solidFill>
-                <a:latin typeface="+mn-lt"/>
-                <a:ea typeface="+mn-ea"/>
-              </a:defRPr>
-            </a:lvl4pPr>
-            <a:lvl5pPr marL="2057400" indent="-228600" algn="l" rtl="0" eaLnBrk="1" fontAlgn="base" hangingPunct="1">
-              <a:spcBef>
-                <a:spcPct val="20000"/>
-              </a:spcBef>
-              <a:spcAft>
-                <a:spcPct val="0"/>
-              </a:spcAft>
-              <a:buFont typeface="Arial" pitchFamily="34" charset="0"/>
-              <a:buChar char="‒"/>
-              <a:defRPr kumimoji="1" sz="2000">
-                <a:solidFill>
-                  <a:schemeClr val="tx1"/>
-                </a:solidFill>
-                <a:latin typeface="+mn-lt"/>
-                <a:ea typeface="+mn-ea"/>
-              </a:defRPr>
-            </a:lvl5pPr>
-            <a:lvl6pPr marL="2514600" indent="-228600" algn="l" rtl="0" eaLnBrk="1" fontAlgn="base" hangingPunct="1">
-              <a:spcBef>
-                <a:spcPct val="20000"/>
-              </a:spcBef>
-              <a:spcAft>
-                <a:spcPct val="0"/>
-              </a:spcAft>
-              <a:buChar char="»"/>
-              <a:defRPr kumimoji="1" sz="2000">
-                <a:solidFill>
-                  <a:schemeClr val="tx1"/>
-                </a:solidFill>
-                <a:latin typeface="+mn-lt"/>
-                <a:ea typeface="+mn-ea"/>
-              </a:defRPr>
-            </a:lvl6pPr>
-            <a:lvl7pPr marL="2971800" indent="-228600" algn="l" rtl="0" eaLnBrk="1" fontAlgn="base" hangingPunct="1">
-              <a:spcBef>
-                <a:spcPct val="20000"/>
-              </a:spcBef>
-              <a:spcAft>
-                <a:spcPct val="0"/>
-              </a:spcAft>
-              <a:buChar char="»"/>
-              <a:defRPr kumimoji="1" sz="2000">
-                <a:solidFill>
-                  <a:schemeClr val="tx1"/>
-                </a:solidFill>
-                <a:latin typeface="+mn-lt"/>
-                <a:ea typeface="+mn-ea"/>
-              </a:defRPr>
-            </a:lvl7pPr>
-            <a:lvl8pPr marL="3429000" indent="-228600" algn="l" rtl="0" eaLnBrk="1" fontAlgn="base" hangingPunct="1">
-              <a:spcBef>
-                <a:spcPct val="20000"/>
-              </a:spcBef>
-              <a:spcAft>
-                <a:spcPct val="0"/>
-              </a:spcAft>
-              <a:buChar char="»"/>
-              <a:defRPr kumimoji="1" sz="2000">
-                <a:solidFill>
-                  <a:schemeClr val="tx1"/>
-                </a:solidFill>
-                <a:latin typeface="+mn-lt"/>
-                <a:ea typeface="+mn-ea"/>
-              </a:defRPr>
-            </a:lvl8pPr>
-            <a:lvl9pPr marL="3886200" indent="-228600" algn="l" rtl="0" eaLnBrk="1" fontAlgn="base" hangingPunct="1">
-              <a:spcBef>
-                <a:spcPct val="20000"/>
-              </a:spcBef>
-              <a:spcAft>
-                <a:spcPct val="0"/>
-              </a:spcAft>
-              <a:buChar char="»"/>
-              <a:defRPr kumimoji="1" sz="2000">
-                <a:solidFill>
-                  <a:schemeClr val="tx1"/>
-                </a:solidFill>
-                <a:latin typeface="+mn-lt"/>
-                <a:ea typeface="+mn-ea"/>
-              </a:defRPr>
-            </a:lvl9pPr>
-          </a:lstStyle>
-          <a:p>
-            <a:pPr lvl="1"/>
-            <a:r>
-              <a:rPr lang="ja-JP" altLang="en-US" dirty="0" smtClean="0">
-                <a:latin typeface="メイリオ" pitchFamily="50" charset="-128"/>
-                <a:ea typeface="メイリオ" pitchFamily="50" charset="-128"/>
-                <a:cs typeface="メイリオ" pitchFamily="50" charset="-128"/>
-              </a:rPr>
-              <a:t>傾向</a:t>
-            </a:r>
-            <a:r>
-              <a:rPr lang="en-US" altLang="ja-JP" dirty="0">
-                <a:latin typeface="メイリオ" pitchFamily="50" charset="-128"/>
-                <a:ea typeface="メイリオ" pitchFamily="50" charset="-128"/>
-                <a:cs typeface="メイリオ" pitchFamily="50" charset="-128"/>
-              </a:rPr>
-              <a:t>2</a:t>
-            </a:r>
-            <a:endParaRPr lang="en-US" altLang="ja-JP" dirty="0" smtClean="0">
-              <a:latin typeface="メイリオ" pitchFamily="50" charset="-128"/>
-              <a:ea typeface="メイリオ" pitchFamily="50" charset="-128"/>
-              <a:cs typeface="メイリオ" pitchFamily="50" charset="-128"/>
-            </a:endParaRPr>
-          </a:p>
-        </p:txBody>
-      </p:sp>
-      <p:sp>
-        <p:nvSpPr>
           <p:cNvPr id="2" name="タイトル 1"/>
           <p:cNvSpPr>
             <a:spLocks noGrp="1"/>
@@ -16287,19 +19393,11 @@
           <a:p>
             <a:r>
               <a:rPr kumimoji="1" lang="ja-JP" altLang="en-US" dirty="0" smtClean="0"/>
-              <a:t>研究背景</a:t>
-            </a:r>
-            <a:r>
-              <a:rPr lang="ja-JP" altLang="en-US" dirty="0"/>
-              <a:t>（</a:t>
-            </a:r>
-            <a:r>
-              <a:rPr kumimoji="1" lang="en-US" altLang="ja-JP" dirty="0" smtClean="0"/>
-              <a:t>2/5</a:t>
-            </a:r>
-            <a:r>
-              <a:rPr lang="ja-JP" altLang="en-US" dirty="0" smtClean="0"/>
-              <a:t>）</a:t>
+              <a:t>研究</a:t>
+            </a:r>
+            <a:r>
+              <a:rPr kumimoji="1" lang="ja-JP" altLang="en-US" dirty="0" smtClean="0"/>
+              <a:t>背景</a:t>
             </a:r>
             <a:endParaRPr kumimoji="1" lang="ja-JP" altLang="en-US" dirty="0"/>
           </a:p>
@@ -16337,30 +19435,22 @@
             </a:r>
             <a:r>
               <a:rPr lang="ja-JP" altLang="en-US" sz="2800" dirty="0"/>
-              <a:t>システムの先端的</a:t>
-            </a:r>
-            <a:r>
-              <a:rPr lang="ja-JP" altLang="en-US" sz="2800"/>
-              <a:t>モデルベース</a:t>
-            </a:r>
-            <a:r>
-              <a:rPr lang="ja-JP" altLang="en-US" sz="2800" smtClean="0"/>
+              <a:t>システムの先端的モデルベース</a:t>
+            </a:r>
+            <a:r>
+              <a:rPr lang="ja-JP" altLang="en-US" sz="2800" dirty="0" smtClean="0"/>
               <a:t>開発</a:t>
             </a:r>
             <a:r>
-              <a:rPr lang="en-US" altLang="ja-JP" sz="2800" smtClean="0"/>
+              <a:rPr lang="en-US" altLang="ja-JP" sz="2800" dirty="0" smtClean="0"/>
               <a:t/>
             </a:r>
             <a:br>
-              <a:rPr lang="en-US" altLang="ja-JP" sz="2800" smtClean="0"/>
+              <a:rPr lang="en-US" altLang="ja-JP" sz="2800" dirty="0" smtClean="0"/>
             </a:br>
             <a:r>
-              <a:rPr lang="ja-JP" altLang="en-US" sz="2800" smtClean="0"/>
-              <a:t>実態調査</a:t>
-            </a:r>
-            <a:r>
               <a:rPr lang="ja-JP" altLang="en-US" sz="2800" dirty="0" smtClean="0"/>
-              <a:t>（</a:t>
+              <a:t>実態調査（</a:t>
             </a:r>
             <a:r>
               <a:rPr lang="en-US" altLang="ja-JP" sz="2800" dirty="0" smtClean="0"/>
@@ -16382,8 +19472,8 @@
         </p:nvSpPr>
         <p:spPr>
           <a:xfrm>
-            <a:off x="1043608" y="2780928"/>
-            <a:ext cx="3096344" cy="1296144"/>
+            <a:off x="539552" y="3068960"/>
+            <a:ext cx="3528392" cy="1008112"/>
           </a:xfrm>
           <a:prstGeom prst="roundRect">
             <a:avLst/>
@@ -16409,7 +19499,7 @@
           <a:p>
             <a:pPr algn="ctr"/>
             <a:r>
-              <a:rPr lang="ja-JP" altLang="en-US" dirty="0" smtClean="0">
+              <a:rPr lang="ja-JP" altLang="en-US" sz="2100" dirty="0" smtClean="0">
                 <a:latin typeface="メイリオ" pitchFamily="50" charset="-128"/>
                 <a:ea typeface="メイリオ" pitchFamily="50" charset="-128"/>
                 <a:cs typeface="メイリオ" pitchFamily="50" charset="-128"/>
@@ -16417,7 +19507,7 @@
               <a:t>モデルベース開発技術</a:t>
             </a:r>
             <a:r>
-              <a:rPr lang="en-US" altLang="ja-JP" dirty="0" smtClean="0">
+              <a:rPr lang="en-US" altLang="ja-JP" sz="2100" dirty="0" smtClean="0">
                 <a:latin typeface="メイリオ" pitchFamily="50" charset="-128"/>
                 <a:ea typeface="メイリオ" pitchFamily="50" charset="-128"/>
                 <a:cs typeface="メイリオ" pitchFamily="50" charset="-128"/>
@@ -16425,14 +19515,14 @@
               <a:t>:</a:t>
             </a:r>
             <a:r>
-              <a:rPr lang="ja-JP" altLang="en-US" dirty="0" smtClean="0">
+              <a:rPr lang="ja-JP" altLang="en-US" sz="2100" dirty="0" smtClean="0">
                 <a:latin typeface="メイリオ" pitchFamily="50" charset="-128"/>
                 <a:ea typeface="メイリオ" pitchFamily="50" charset="-128"/>
                 <a:cs typeface="メイリオ" pitchFamily="50" charset="-128"/>
               </a:rPr>
               <a:t>高</a:t>
             </a:r>
-            <a:endParaRPr lang="en-US" altLang="ja-JP" dirty="0" smtClean="0">
+            <a:endParaRPr lang="en-US" altLang="ja-JP" sz="2100" dirty="0" smtClean="0">
               <a:latin typeface="メイリオ" pitchFamily="50" charset="-128"/>
               <a:ea typeface="メイリオ" pitchFamily="50" charset="-128"/>
               <a:cs typeface="メイリオ" pitchFamily="50" charset="-128"/>
@@ -16458,104 +19548,13 @@
       </p:sp>
       <p:sp>
         <p:nvSpPr>
-          <p:cNvPr id="5" name="角丸四角形 4"/>
-          <p:cNvSpPr/>
-          <p:nvPr/>
-        </p:nvSpPr>
-        <p:spPr>
-          <a:xfrm>
-            <a:off x="5004048" y="2780928"/>
-            <a:ext cx="3168352" cy="1296144"/>
-          </a:xfrm>
-          <a:prstGeom prst="roundRect">
-            <a:avLst/>
-          </a:prstGeom>
-          <a:ln/>
-        </p:spPr>
-        <p:style>
-          <a:lnRef idx="1">
-            <a:schemeClr val="accent2"/>
-          </a:lnRef>
-          <a:fillRef idx="3">
-            <a:schemeClr val="accent2"/>
-          </a:fillRef>
-          <a:effectRef idx="2">
-            <a:schemeClr val="accent2"/>
-          </a:effectRef>
-          <a:fontRef idx="minor">
-            <a:schemeClr val="lt1"/>
-          </a:fontRef>
-        </p:style>
-        <p:txBody>
-          <a:bodyPr rtlCol="0" anchor="ctr"/>
-          <a:lstStyle/>
-          <a:p>
-            <a:pPr algn="ctr"/>
-            <a:r>
-              <a:rPr lang="ja-JP" altLang="en-US" dirty="0" smtClean="0">
-                <a:latin typeface="メイリオ" pitchFamily="50" charset="-128"/>
-                <a:ea typeface="メイリオ" pitchFamily="50" charset="-128"/>
-                <a:cs typeface="メイリオ" pitchFamily="50" charset="-128"/>
-              </a:rPr>
-              <a:t>モデルベース開発技術</a:t>
-            </a:r>
-            <a:r>
-              <a:rPr lang="en-US" altLang="ja-JP" dirty="0" smtClean="0">
-                <a:latin typeface="メイリオ" pitchFamily="50" charset="-128"/>
-                <a:ea typeface="メイリオ" pitchFamily="50" charset="-128"/>
-                <a:cs typeface="メイリオ" pitchFamily="50" charset="-128"/>
-              </a:rPr>
-              <a:t>:</a:t>
-            </a:r>
-            <a:r>
-              <a:rPr lang="ja-JP" altLang="en-US" dirty="0" smtClean="0">
-                <a:latin typeface="メイリオ" pitchFamily="50" charset="-128"/>
-                <a:ea typeface="メイリオ" pitchFamily="50" charset="-128"/>
-                <a:cs typeface="メイリオ" pitchFamily="50" charset="-128"/>
-              </a:rPr>
-              <a:t>低</a:t>
-            </a:r>
-            <a:endParaRPr lang="en-US" altLang="ja-JP" dirty="0" smtClean="0">
-              <a:latin typeface="メイリオ" pitchFamily="50" charset="-128"/>
-              <a:ea typeface="メイリオ" pitchFamily="50" charset="-128"/>
-              <a:cs typeface="メイリオ" pitchFamily="50" charset="-128"/>
-            </a:endParaRPr>
-          </a:p>
-          <a:p>
-            <a:pPr algn="ctr"/>
-            <a:r>
-              <a:rPr lang="ja-JP" altLang="en-US" sz="2800" dirty="0">
-                <a:latin typeface="メイリオ" pitchFamily="50" charset="-128"/>
-                <a:ea typeface="メイリオ" pitchFamily="50" charset="-128"/>
-                <a:cs typeface="メイリオ" pitchFamily="50" charset="-128"/>
-              </a:rPr>
-              <a:t>ベテラン</a:t>
-            </a:r>
-            <a:r>
-              <a:rPr lang="ja-JP" altLang="en-US" sz="2800" dirty="0" smtClean="0">
-                <a:latin typeface="メイリオ" pitchFamily="50" charset="-128"/>
-                <a:ea typeface="メイリオ" pitchFamily="50" charset="-128"/>
-                <a:cs typeface="メイリオ" pitchFamily="50" charset="-128"/>
-              </a:rPr>
-              <a:t>技術者</a:t>
-            </a:r>
-            <a:endParaRPr lang="en-US" altLang="ja-JP" sz="2800" dirty="0" smtClean="0">
-              <a:latin typeface="メイリオ" pitchFamily="50" charset="-128"/>
-              <a:ea typeface="メイリオ" pitchFamily="50" charset="-128"/>
-              <a:cs typeface="メイリオ" pitchFamily="50" charset="-128"/>
-            </a:endParaRPr>
-          </a:p>
-        </p:txBody>
-      </p:sp>
-      <p:sp>
-        <p:nvSpPr>
           <p:cNvPr id="6" name="左右矢印 5"/>
           <p:cNvSpPr/>
           <p:nvPr/>
         </p:nvSpPr>
         <p:spPr>
           <a:xfrm>
-            <a:off x="4211960" y="3284984"/>
+            <a:off x="4211960" y="3429000"/>
             <a:ext cx="720080" cy="360040"/>
           </a:xfrm>
           <a:prstGeom prst="leftRightArrow">
@@ -16593,141 +19592,13 @@
       </p:sp>
       <p:sp>
         <p:nvSpPr>
-          <p:cNvPr id="8" name="角丸四角形 7"/>
-          <p:cNvSpPr/>
-          <p:nvPr/>
-        </p:nvSpPr>
-        <p:spPr>
-          <a:xfrm>
-            <a:off x="1043608" y="4797152"/>
-            <a:ext cx="3096344" cy="1296144"/>
-          </a:xfrm>
-          <a:prstGeom prst="roundRect">
-            <a:avLst/>
-          </a:prstGeom>
-        </p:spPr>
-        <p:style>
-          <a:lnRef idx="1">
-            <a:schemeClr val="accent2"/>
-          </a:lnRef>
-          <a:fillRef idx="3">
-            <a:schemeClr val="accent2"/>
-          </a:fillRef>
-          <a:effectRef idx="2">
-            <a:schemeClr val="accent2"/>
-          </a:effectRef>
-          <a:fontRef idx="minor">
-            <a:schemeClr val="lt1"/>
-          </a:fontRef>
-        </p:style>
-        <p:txBody>
-          <a:bodyPr bIns="0" rtlCol="0" anchor="ctr"/>
-          <a:lstStyle/>
-          <a:p>
-            <a:pPr algn="ctr"/>
-            <a:r>
-              <a:rPr lang="ja-JP" altLang="en-US" dirty="0" smtClean="0">
-                <a:latin typeface="メイリオ" pitchFamily="50" charset="-128"/>
-                <a:ea typeface="メイリオ" pitchFamily="50" charset="-128"/>
-                <a:cs typeface="メイリオ" pitchFamily="50" charset="-128"/>
-              </a:rPr>
-              <a:t>汎用ソフトウェア開発教育</a:t>
-            </a:r>
-            <a:endParaRPr lang="en-US" altLang="ja-JP" dirty="0" smtClean="0">
-              <a:latin typeface="メイリオ" pitchFamily="50" charset="-128"/>
-              <a:ea typeface="メイリオ" pitchFamily="50" charset="-128"/>
-              <a:cs typeface="メイリオ" pitchFamily="50" charset="-128"/>
-            </a:endParaRPr>
-          </a:p>
-          <a:p>
-            <a:pPr algn="ctr"/>
-            <a:r>
-              <a:rPr lang="ja-JP" altLang="en-US" sz="2800" dirty="0">
-                <a:latin typeface="メイリオ" pitchFamily="50" charset="-128"/>
-                <a:ea typeface="メイリオ" pitchFamily="50" charset="-128"/>
-                <a:cs typeface="メイリオ" pitchFamily="50" charset="-128"/>
-              </a:rPr>
-              <a:t>高等教育機関</a:t>
-            </a:r>
-            <a:endParaRPr lang="en-US" altLang="ja-JP" sz="2800" dirty="0" smtClean="0">
-              <a:latin typeface="メイリオ" pitchFamily="50" charset="-128"/>
-              <a:ea typeface="メイリオ" pitchFamily="50" charset="-128"/>
-              <a:cs typeface="メイリオ" pitchFamily="50" charset="-128"/>
-            </a:endParaRPr>
-          </a:p>
-        </p:txBody>
-      </p:sp>
-      <p:sp>
-        <p:nvSpPr>
-          <p:cNvPr id="9" name="角丸四角形 8"/>
-          <p:cNvSpPr/>
-          <p:nvPr/>
-        </p:nvSpPr>
-        <p:spPr>
-          <a:xfrm>
-            <a:off x="5004048" y="4797910"/>
-            <a:ext cx="3168352" cy="1296144"/>
-          </a:xfrm>
-          <a:prstGeom prst="roundRect">
-            <a:avLst/>
-          </a:prstGeom>
-          <a:ln/>
-        </p:spPr>
-        <p:style>
-          <a:lnRef idx="1">
-            <a:schemeClr val="accent2"/>
-          </a:lnRef>
-          <a:fillRef idx="3">
-            <a:schemeClr val="accent2"/>
-          </a:fillRef>
-          <a:effectRef idx="2">
-            <a:schemeClr val="accent2"/>
-          </a:effectRef>
-          <a:fontRef idx="minor">
-            <a:schemeClr val="lt1"/>
-          </a:fontRef>
-        </p:style>
-        <p:txBody>
-          <a:bodyPr bIns="0" rtlCol="0" anchor="ctr"/>
-          <a:lstStyle/>
-          <a:p>
-            <a:pPr algn="ctr"/>
-            <a:r>
-              <a:rPr lang="ja-JP" altLang="en-US" dirty="0" smtClean="0">
-                <a:latin typeface="メイリオ" pitchFamily="50" charset="-128"/>
-                <a:ea typeface="メイリオ" pitchFamily="50" charset="-128"/>
-                <a:cs typeface="メイリオ" pitchFamily="50" charset="-128"/>
-              </a:rPr>
-              <a:t>組込みシステム開発教育</a:t>
-            </a:r>
-          </a:p>
-          <a:p>
-            <a:pPr algn="ctr"/>
-            <a:r>
-              <a:rPr lang="ja-JP" altLang="en-US" sz="2800" dirty="0" smtClean="0">
-                <a:latin typeface="メイリオ" pitchFamily="50" charset="-128"/>
-                <a:ea typeface="メイリオ" pitchFamily="50" charset="-128"/>
-                <a:cs typeface="メイリオ" pitchFamily="50" charset="-128"/>
-              </a:rPr>
-              <a:t>企業</a:t>
-            </a:r>
-            <a:endParaRPr lang="en-US" altLang="ja-JP" sz="2800" dirty="0" smtClean="0">
-              <a:latin typeface="メイリオ" pitchFamily="50" charset="-128"/>
-              <a:ea typeface="メイリオ" pitchFamily="50" charset="-128"/>
-              <a:cs typeface="メイリオ" pitchFamily="50" charset="-128"/>
-            </a:endParaRPr>
-          </a:p>
-        </p:txBody>
-      </p:sp>
-      <p:sp>
-        <p:nvSpPr>
           <p:cNvPr id="10" name="左右矢印 9"/>
           <p:cNvSpPr/>
           <p:nvPr/>
         </p:nvSpPr>
         <p:spPr>
           <a:xfrm>
-            <a:off x="4211960" y="5229200"/>
+            <a:off x="4211960" y="5373216"/>
             <a:ext cx="720080" cy="360040"/>
           </a:xfrm>
           <a:prstGeom prst="leftRightArrow">
@@ -16771,15 +19642,15 @@
         </p:nvSpPr>
         <p:spPr>
           <a:xfrm>
-            <a:off x="5232933" y="4221088"/>
-            <a:ext cx="3672408" cy="504056"/>
+            <a:off x="5232933" y="4509120"/>
+            <a:ext cx="2867459" cy="504056"/>
           </a:xfrm>
           <a:prstGeom prst="borderCallout1">
             <a:avLst>
               <a:gd name="adj1" fmla="val 51733"/>
               <a:gd name="adj2" fmla="val -152"/>
-              <a:gd name="adj3" fmla="val 204960"/>
-              <a:gd name="adj4" fmla="val -18246"/>
+              <a:gd name="adj3" fmla="val 195536"/>
+              <a:gd name="adj4" fmla="val -22387"/>
             </a:avLst>
           </a:prstGeom>
           <a:ln/>
@@ -16835,15 +19706,15 @@
         </p:nvSpPr>
         <p:spPr>
           <a:xfrm>
-            <a:off x="5220072" y="2204864"/>
-            <a:ext cx="3672408" cy="504056"/>
+            <a:off x="5220072" y="2506397"/>
+            <a:ext cx="2736304" cy="477054"/>
           </a:xfrm>
           <a:prstGeom prst="borderCallout1">
             <a:avLst>
               <a:gd name="adj1" fmla="val 51733"/>
               <a:gd name="adj2" fmla="val -152"/>
-              <a:gd name="adj3" fmla="val 205903"/>
-              <a:gd name="adj4" fmla="val -17502"/>
+              <a:gd name="adj3" fmla="val 218349"/>
+              <a:gd name="adj4" fmla="val -22710"/>
             </a:avLst>
           </a:prstGeom>
           <a:ln/>
@@ -16863,7 +19734,9 @@
           </a:fontRef>
         </p:style>
         <p:txBody>
-          <a:bodyPr bIns="0" rtlCol="0" anchor="ctr"/>
+          <a:bodyPr wrap="square" bIns="0" rtlCol="0" anchor="ctr">
+            <a:spAutoFit/>
+          </a:bodyPr>
           <a:lstStyle/>
           <a:p>
             <a:pPr algn="ctr"/>
@@ -16903,6 +19776,228 @@
               <a:t>4</a:t>
             </a:fld>
             <a:endParaRPr kumimoji="1" lang="ja-JP" altLang="en-US" dirty="0"/>
+          </a:p>
+        </p:txBody>
+      </p:sp>
+      <p:sp>
+        <p:nvSpPr>
+          <p:cNvPr id="16" name="角丸四角形 15"/>
+          <p:cNvSpPr/>
+          <p:nvPr/>
+        </p:nvSpPr>
+        <p:spPr>
+          <a:xfrm>
+            <a:off x="5148064" y="3068960"/>
+            <a:ext cx="3528392" cy="1008112"/>
+          </a:xfrm>
+          <a:prstGeom prst="roundRect">
+            <a:avLst/>
+          </a:prstGeom>
+        </p:spPr>
+        <p:style>
+          <a:lnRef idx="1">
+            <a:schemeClr val="accent2"/>
+          </a:lnRef>
+          <a:fillRef idx="3">
+            <a:schemeClr val="accent2"/>
+          </a:fillRef>
+          <a:effectRef idx="2">
+            <a:schemeClr val="accent2"/>
+          </a:effectRef>
+          <a:fontRef idx="minor">
+            <a:schemeClr val="lt1"/>
+          </a:fontRef>
+        </p:style>
+        <p:txBody>
+          <a:bodyPr bIns="0" rtlCol="0" anchor="ctr"/>
+          <a:lstStyle/>
+          <a:p>
+            <a:pPr algn="ctr"/>
+            <a:r>
+              <a:rPr lang="ja-JP" altLang="en-US" sz="2100" dirty="0" smtClean="0">
+                <a:latin typeface="メイリオ" pitchFamily="50" charset="-128"/>
+                <a:ea typeface="メイリオ" pitchFamily="50" charset="-128"/>
+                <a:cs typeface="メイリオ" pitchFamily="50" charset="-128"/>
+              </a:rPr>
+              <a:t>モデルベース開発技術</a:t>
+            </a:r>
+            <a:r>
+              <a:rPr lang="en-US" altLang="ja-JP" sz="2100" dirty="0" smtClean="0">
+                <a:latin typeface="メイリオ" pitchFamily="50" charset="-128"/>
+                <a:ea typeface="メイリオ" pitchFamily="50" charset="-128"/>
+                <a:cs typeface="メイリオ" pitchFamily="50" charset="-128"/>
+              </a:rPr>
+              <a:t>:</a:t>
+            </a:r>
+            <a:r>
+              <a:rPr lang="ja-JP" altLang="en-US" sz="2100" dirty="0">
+                <a:latin typeface="メイリオ" pitchFamily="50" charset="-128"/>
+                <a:ea typeface="メイリオ" pitchFamily="50" charset="-128"/>
+                <a:cs typeface="メイリオ" pitchFamily="50" charset="-128"/>
+              </a:rPr>
+              <a:t>低</a:t>
+            </a:r>
+            <a:endParaRPr lang="en-US" altLang="ja-JP" sz="2100" dirty="0" smtClean="0">
+              <a:latin typeface="メイリオ" pitchFamily="50" charset="-128"/>
+              <a:ea typeface="メイリオ" pitchFamily="50" charset="-128"/>
+              <a:cs typeface="メイリオ" pitchFamily="50" charset="-128"/>
+            </a:endParaRPr>
+          </a:p>
+          <a:p>
+            <a:pPr algn="ctr"/>
+            <a:r>
+              <a:rPr lang="ja-JP" altLang="en-US" sz="2800" dirty="0">
+                <a:latin typeface="メイリオ" pitchFamily="50" charset="-128"/>
+                <a:ea typeface="メイリオ" pitchFamily="50" charset="-128"/>
+                <a:cs typeface="メイリオ" pitchFamily="50" charset="-128"/>
+              </a:rPr>
+              <a:t>ベテラン</a:t>
+            </a:r>
+            <a:r>
+              <a:rPr lang="ja-JP" altLang="en-US" sz="2800" dirty="0" smtClean="0">
+                <a:latin typeface="メイリオ" pitchFamily="50" charset="-128"/>
+                <a:ea typeface="メイリオ" pitchFamily="50" charset="-128"/>
+                <a:cs typeface="メイリオ" pitchFamily="50" charset="-128"/>
+              </a:rPr>
+              <a:t>技術者</a:t>
+            </a:r>
+            <a:endParaRPr lang="en-US" altLang="ja-JP" sz="2800" dirty="0" smtClean="0">
+              <a:latin typeface="メイリオ" pitchFamily="50" charset="-128"/>
+              <a:ea typeface="メイリオ" pitchFamily="50" charset="-128"/>
+              <a:cs typeface="メイリオ" pitchFamily="50" charset="-128"/>
+            </a:endParaRPr>
+          </a:p>
+        </p:txBody>
+      </p:sp>
+      <p:sp>
+        <p:nvSpPr>
+          <p:cNvPr id="17" name="角丸四角形 16"/>
+          <p:cNvSpPr/>
+          <p:nvPr/>
+        </p:nvSpPr>
+        <p:spPr>
+          <a:xfrm>
+            <a:off x="539552" y="5085184"/>
+            <a:ext cx="3528392" cy="1008112"/>
+          </a:xfrm>
+          <a:prstGeom prst="roundRect">
+            <a:avLst/>
+          </a:prstGeom>
+        </p:spPr>
+        <p:style>
+          <a:lnRef idx="1">
+            <a:schemeClr val="accent2"/>
+          </a:lnRef>
+          <a:fillRef idx="3">
+            <a:schemeClr val="accent2"/>
+          </a:fillRef>
+          <a:effectRef idx="2">
+            <a:schemeClr val="accent2"/>
+          </a:effectRef>
+          <a:fontRef idx="minor">
+            <a:schemeClr val="lt1"/>
+          </a:fontRef>
+        </p:style>
+        <p:txBody>
+          <a:bodyPr bIns="0" rtlCol="0" anchor="ctr"/>
+          <a:lstStyle/>
+          <a:p>
+            <a:pPr algn="ctr"/>
+            <a:r>
+              <a:rPr lang="ja-JP" altLang="en-US" sz="2100" dirty="0" smtClean="0">
+                <a:latin typeface="メイリオ" pitchFamily="50" charset="-128"/>
+                <a:ea typeface="メイリオ" pitchFamily="50" charset="-128"/>
+                <a:cs typeface="メイリオ" pitchFamily="50" charset="-128"/>
+              </a:rPr>
+              <a:t>汎用ソフトウェア開発教育</a:t>
+            </a:r>
+            <a:endParaRPr lang="en-US" altLang="ja-JP" sz="2100" dirty="0" smtClean="0">
+              <a:latin typeface="メイリオ" pitchFamily="50" charset="-128"/>
+              <a:ea typeface="メイリオ" pitchFamily="50" charset="-128"/>
+              <a:cs typeface="メイリオ" pitchFamily="50" charset="-128"/>
+            </a:endParaRPr>
+          </a:p>
+          <a:p>
+            <a:pPr algn="ctr"/>
+            <a:r>
+              <a:rPr lang="ja-JP" altLang="en-US" sz="2800" dirty="0" smtClean="0">
+                <a:latin typeface="メイリオ" pitchFamily="50" charset="-128"/>
+                <a:ea typeface="メイリオ" pitchFamily="50" charset="-128"/>
+                <a:cs typeface="メイリオ" pitchFamily="50" charset="-128"/>
+              </a:rPr>
+              <a:t>高等教育機関</a:t>
+            </a:r>
+            <a:endParaRPr lang="en-US" altLang="ja-JP" sz="2800" dirty="0" smtClean="0">
+              <a:latin typeface="メイリオ" pitchFamily="50" charset="-128"/>
+              <a:ea typeface="メイリオ" pitchFamily="50" charset="-128"/>
+              <a:cs typeface="メイリオ" pitchFamily="50" charset="-128"/>
+            </a:endParaRPr>
+          </a:p>
+        </p:txBody>
+      </p:sp>
+      <p:sp>
+        <p:nvSpPr>
+          <p:cNvPr id="18" name="角丸四角形 17"/>
+          <p:cNvSpPr/>
+          <p:nvPr/>
+        </p:nvSpPr>
+        <p:spPr>
+          <a:xfrm>
+            <a:off x="5004048" y="5085184"/>
+            <a:ext cx="3888432" cy="1008112"/>
+          </a:xfrm>
+          <a:prstGeom prst="roundRect">
+            <a:avLst/>
+          </a:prstGeom>
+        </p:spPr>
+        <p:style>
+          <a:lnRef idx="1">
+            <a:schemeClr val="accent2"/>
+          </a:lnRef>
+          <a:fillRef idx="3">
+            <a:schemeClr val="accent2"/>
+          </a:fillRef>
+          <a:effectRef idx="2">
+            <a:schemeClr val="accent2"/>
+          </a:effectRef>
+          <a:fontRef idx="minor">
+            <a:schemeClr val="lt1"/>
+          </a:fontRef>
+        </p:style>
+        <p:txBody>
+          <a:bodyPr bIns="0" rtlCol="0" anchor="ctr"/>
+          <a:lstStyle/>
+          <a:p>
+            <a:pPr algn="ctr"/>
+            <a:r>
+              <a:rPr lang="ja-JP" altLang="en-US" sz="2100" dirty="0" smtClean="0">
+                <a:latin typeface="メイリオ" pitchFamily="50" charset="-128"/>
+                <a:ea typeface="メイリオ" pitchFamily="50" charset="-128"/>
+                <a:cs typeface="メイリオ" pitchFamily="50" charset="-128"/>
+              </a:rPr>
+              <a:t>組込みソフトウェア開発教育</a:t>
+            </a:r>
+            <a:endParaRPr lang="en-US" altLang="ja-JP" sz="2800" dirty="0">
+              <a:latin typeface="メイリオ" pitchFamily="50" charset="-128"/>
+              <a:ea typeface="メイリオ" pitchFamily="50" charset="-128"/>
+              <a:cs typeface="メイリオ" pitchFamily="50" charset="-128"/>
+            </a:endParaRPr>
+          </a:p>
+          <a:p>
+            <a:pPr algn="ctr"/>
+            <a:r>
+              <a:rPr lang="ja-JP" altLang="en-US" sz="2800" dirty="0" smtClean="0">
+                <a:latin typeface="メイリオ" pitchFamily="50" charset="-128"/>
+                <a:ea typeface="メイリオ" pitchFamily="50" charset="-128"/>
+                <a:cs typeface="メイリオ" pitchFamily="50" charset="-128"/>
+              </a:rPr>
+              <a:t>組込み関連企業</a:t>
+            </a:r>
+            <a:endParaRPr lang="ja-JP" altLang="en-US" sz="2100" dirty="0" smtClean="0">
+              <a:latin typeface="メイリオ" pitchFamily="50" charset="-128"/>
+              <a:ea typeface="メイリオ" pitchFamily="50" charset="-128"/>
+              <a:cs typeface="メイリオ" pitchFamily="50" charset="-128"/>
+            </a:endParaRPr>
           </a:p>
         </p:txBody>
       </p:sp>
@@ -17031,7 +20126,7 @@
                                           </p:stCondLst>
                                         </p:cTn>
                                         <p:tgtEl>
-                                          <p:spTgt spid="5"/>
+                                          <p:spTgt spid="13"/>
                                         </p:tgtEl>
                                         <p:attrNameLst>
                                           <p:attrName>style.visibility</p:attrName>
@@ -17058,7 +20153,7 @@
                                           </p:stCondLst>
                                         </p:cTn>
                                         <p:tgtEl>
-                                          <p:spTgt spid="13"/>
+                                          <p:spTgt spid="16"/>
                                         </p:tgtEl>
                                         <p:attrNameLst>
                                           <p:attrName>style.visibility</p:attrName>
@@ -17130,7 +20225,7 @@
                                           </p:stCondLst>
                                         </p:cTn>
                                         <p:tgtEl>
-                                          <p:spTgt spid="8"/>
+                                          <p:spTgt spid="10"/>
                                         </p:tgtEl>
                                         <p:attrNameLst>
                                           <p:attrName>style.visibility</p:attrName>
@@ -17157,7 +20252,7 @@
                                           </p:stCondLst>
                                         </p:cTn>
                                         <p:tgtEl>
-                                          <p:spTgt spid="9"/>
+                                          <p:spTgt spid="12"/>
                                         </p:tgtEl>
                                         <p:attrNameLst>
                                           <p:attrName>style.visibility</p:attrName>
@@ -17184,7 +20279,7 @@
                                           </p:stCondLst>
                                         </p:cTn>
                                         <p:tgtEl>
-                                          <p:spTgt spid="10"/>
+                                          <p:spTgt spid="17"/>
                                         </p:tgtEl>
                                         <p:attrNameLst>
                                           <p:attrName>style.visibility</p:attrName>
@@ -17211,7 +20306,7 @@
                                           </p:stCondLst>
                                         </p:cTn>
                                         <p:tgtEl>
-                                          <p:spTgt spid="12"/>
+                                          <p:spTgt spid="18"/>
                                         </p:tgtEl>
                                         <p:attrNameLst>
                                           <p:attrName>style.visibility</p:attrName>
@@ -17252,16 +20347,16 @@
       </p:par>
     </p:tnLst>
     <p:bldLst>
+      <p:bldP spid="15" grpId="0"/>
       <p:bldP spid="14" grpId="0"/>
-      <p:bldP spid="15" grpId="0"/>
       <p:bldP spid="4" grpId="0" animBg="1"/>
-      <p:bldP spid="5" grpId="0" animBg="1"/>
       <p:bldP spid="6" grpId="0" animBg="1"/>
-      <p:bldP spid="8" grpId="0" animBg="1"/>
-      <p:bldP spid="9" grpId="0" animBg="1"/>
       <p:bldP spid="10" grpId="0" animBg="1"/>
       <p:bldP spid="12" grpId="0" animBg="1"/>
       <p:bldP spid="13" grpId="0" animBg="1"/>
+      <p:bldP spid="16" grpId="0" animBg="1"/>
+      <p:bldP spid="17" grpId="0" animBg="1"/>
+      <p:bldP spid="18" grpId="0" animBg="1"/>
     </p:bldLst>
   </p:timing>
 </p:sld>
@@ -17301,19 +20396,11 @@
           <a:p>
             <a:r>
               <a:rPr kumimoji="1" lang="ja-JP" altLang="en-US" dirty="0" smtClean="0"/>
-              <a:t>研究背景</a:t>
-            </a:r>
-            <a:r>
-              <a:rPr lang="ja-JP" altLang="en-US" dirty="0"/>
-              <a:t>（</a:t>
-            </a:r>
-            <a:r>
-              <a:rPr kumimoji="1" lang="en-US" altLang="ja-JP" dirty="0" smtClean="0"/>
-              <a:t>3/5</a:t>
-            </a:r>
-            <a:r>
-              <a:rPr lang="ja-JP" altLang="en-US" dirty="0" smtClean="0"/>
-              <a:t>）</a:t>
+              <a:t>研究</a:t>
+            </a:r>
+            <a:r>
+              <a:rPr kumimoji="1" lang="ja-JP" altLang="en-US" dirty="0" smtClean="0"/>
+              <a:t>背景</a:t>
             </a:r>
             <a:endParaRPr kumimoji="1" lang="ja-JP" altLang="en-US" dirty="0"/>
           </a:p>
@@ -17331,7 +20418,7 @@
         </p:nvSpPr>
         <p:spPr>
           <a:xfrm>
-            <a:off x="304800" y="1285132"/>
+            <a:off x="304800" y="1340768"/>
             <a:ext cx="8610600" cy="5456236"/>
           </a:xfrm>
         </p:spPr>
@@ -17357,6 +20444,12 @@
               <a:buNone/>
             </a:pPr>
             <a:endParaRPr kumimoji="1" lang="en-US" altLang="ja-JP" dirty="0" smtClean="0"/>
+          </a:p>
+          <a:p>
+            <a:pPr marL="0" indent="0">
+              <a:buNone/>
+            </a:pPr>
+            <a:endParaRPr lang="en-US" altLang="ja-JP" dirty="0" smtClean="0"/>
           </a:p>
           <a:p>
             <a:pPr marL="0" indent="0">
@@ -17480,7 +20573,29 @@
                 <a:ea typeface="メイリオ" pitchFamily="50" charset="-128"/>
                 <a:cs typeface="メイリオ" pitchFamily="50" charset="-128"/>
               </a:rPr>
-              <a:t>の材料として，参考に</a:t>
+              <a:t>の材料として，</a:t>
+            </a:r>
+            <a:r>
+              <a:rPr lang="ja-JP" altLang="en-US" sz="2400" u="sng" dirty="0">
+                <a:solidFill>
+                  <a:srgbClr val="7030A0"/>
+                </a:solidFill>
+                <a:latin typeface="メイリオ" pitchFamily="50" charset="-128"/>
+                <a:ea typeface="メイリオ" pitchFamily="50" charset="-128"/>
+                <a:cs typeface="メイリオ" pitchFamily="50" charset="-128"/>
+              </a:rPr>
+              <a:t>参考に</a:t>
+            </a:r>
+            <a:r>
+              <a:rPr lang="ja-JP" altLang="en-US" sz="2400" u="sng" dirty="0" smtClean="0">
+                <a:solidFill>
+                  <a:srgbClr val="7030A0"/>
+                </a:solidFill>
+                <a:latin typeface="メイリオ" pitchFamily="50" charset="-128"/>
+                <a:ea typeface="メイリオ" pitchFamily="50" charset="-128"/>
+                <a:cs typeface="メイリオ" pitchFamily="50" charset="-128"/>
+              </a:rPr>
+              <a:t>なる</a:t>
             </a:r>
             <a:r>
               <a:rPr lang="ja-JP" altLang="en-US" sz="2400" dirty="0" smtClean="0">
@@ -17491,7 +20606,7 @@
                 <a:ea typeface="メイリオ" pitchFamily="50" charset="-128"/>
                 <a:cs typeface="メイリオ" pitchFamily="50" charset="-128"/>
               </a:rPr>
-              <a:t>なるモデル</a:t>
+              <a:t>モデル</a:t>
             </a:r>
             <a:r>
               <a:rPr lang="ja-JP" altLang="en-US" sz="2400" dirty="0">
@@ -17534,7 +20649,7 @@
         </p:nvSpPr>
         <p:spPr>
           <a:xfrm>
-            <a:off x="755576" y="3668107"/>
+            <a:off x="755576" y="4228346"/>
             <a:ext cx="7632848" cy="784830"/>
           </a:xfrm>
           <a:prstGeom prst="rect">
@@ -17669,7 +20784,7 @@
         </p:nvSpPr>
         <p:spPr>
           <a:xfrm>
-            <a:off x="539552" y="5085184"/>
+            <a:off x="539552" y="5406315"/>
             <a:ext cx="1584176" cy="648072"/>
           </a:xfrm>
           <a:prstGeom prst="rightArrow">
@@ -17713,7 +20828,7 @@
         </p:nvSpPr>
         <p:spPr>
           <a:xfrm>
-            <a:off x="2195736" y="5013176"/>
+            <a:off x="2195736" y="5334307"/>
             <a:ext cx="6768752" cy="830997"/>
           </a:xfrm>
           <a:prstGeom prst="rect">
@@ -17873,6 +20988,66 @@
               <a:t>議会</a:t>
             </a:r>
             <a:endParaRPr kumimoji="1" lang="ja-JP" altLang="en-US" sz="2000" dirty="0"/>
+          </a:p>
+        </p:txBody>
+      </p:sp>
+      <p:sp>
+        <p:nvSpPr>
+          <p:cNvPr id="10" name="線吹き出し 2 (枠付き) 9"/>
+          <p:cNvSpPr/>
+          <p:nvPr/>
+        </p:nvSpPr>
+        <p:spPr>
+          <a:xfrm>
+            <a:off x="863588" y="2996952"/>
+            <a:ext cx="3564396" cy="720080"/>
+          </a:xfrm>
+          <a:prstGeom prst="borderCallout2">
+            <a:avLst>
+              <a:gd name="adj1" fmla="val 18750"/>
+              <a:gd name="adj2" fmla="val 103657"/>
+              <a:gd name="adj3" fmla="val 5557"/>
+              <a:gd name="adj4" fmla="val 112582"/>
+              <a:gd name="adj5" fmla="val -50768"/>
+              <a:gd name="adj6" fmla="val 139344"/>
+            </a:avLst>
+          </a:prstGeom>
+        </p:spPr>
+        <p:style>
+          <a:lnRef idx="2">
+            <a:schemeClr val="accent6"/>
+          </a:lnRef>
+          <a:fillRef idx="1">
+            <a:schemeClr val="lt1"/>
+          </a:fillRef>
+          <a:effectRef idx="0">
+            <a:schemeClr val="accent6"/>
+          </a:effectRef>
+          <a:fontRef idx="minor">
+            <a:schemeClr val="dk1"/>
+          </a:fontRef>
+        </p:style>
+        <p:txBody>
+          <a:bodyPr rtlCol="0" anchor="ctr"/>
+          <a:lstStyle/>
+          <a:p>
+            <a:pPr algn="ctr"/>
+            <a:r>
+              <a:rPr kumimoji="1" lang="ja-JP" altLang="en-US" dirty="0" smtClean="0"/>
+              <a:t>組込みシステムにおける</a:t>
+            </a:r>
+            <a:r>
+              <a:rPr kumimoji="1" lang="en-US" altLang="ja-JP" dirty="0" smtClean="0"/>
+              <a:t/>
+            </a:r>
+            <a:br>
+              <a:rPr kumimoji="1" lang="en-US" altLang="ja-JP" dirty="0" smtClean="0"/>
+            </a:br>
+            <a:r>
+              <a:rPr kumimoji="1" lang="ja-JP" altLang="en-US" dirty="0" smtClean="0"/>
+              <a:t>モデルベース開発を理解出来る</a:t>
+            </a:r>
+            <a:endParaRPr kumimoji="1" lang="en-US" altLang="ja-JP" dirty="0" smtClean="0"/>
           </a:p>
         </p:txBody>
       </p:sp>
@@ -17920,7 +21095,7 @@
                                           </p:stCondLst>
                                         </p:cTn>
                                         <p:tgtEl>
-                                          <p:spTgt spid="5"/>
+                                          <p:spTgt spid="10"/>
                                         </p:tgtEl>
                                         <p:attrNameLst>
                                           <p:attrName>style.visibility</p:attrName>
@@ -17933,39 +21108,26 @@
                                   </p:childTnLst>
                                 </p:cTn>
                               </p:par>
+                            </p:childTnLst>
+                          </p:cTn>
+                        </p:par>
+                      </p:childTnLst>
+                    </p:cTn>
+                  </p:par>
+                  <p:par>
+                    <p:cTn id="7" fill="hold">
+                      <p:stCondLst>
+                        <p:cond delay="indefinite"/>
+                      </p:stCondLst>
+                      <p:childTnLst>
+                        <p:par>
+                          <p:cTn id="8" fill="hold">
+                            <p:stCondLst>
+                              <p:cond delay="0"/>
+                            </p:stCondLst>
+                            <p:childTnLst>
                               <p:par>
-                                <p:cTn id="7" presetID="1" presetClass="entr" presetSubtype="0" fill="hold" nodeType="withEffect">
-                                  <p:stCondLst>
-                                    <p:cond delay="0"/>
-                                  </p:stCondLst>
-                                  <p:childTnLst>
-                                    <p:set>
-                                      <p:cBhvr>
-                                        <p:cTn id="8" dur="1" fill="hold">
-                                          <p:stCondLst>
-                                            <p:cond delay="0"/>
-                                          </p:stCondLst>
-                                        </p:cTn>
-                                        <p:tgtEl>
-                                          <p:spTgt spid="5">
-                                            <p:txEl>
-                                              <p:pRg st="0" end="0"/>
-                                            </p:txEl>
-                                          </p:spTgt>
-                                        </p:tgtEl>
-                                        <p:attrNameLst>
-                                          <p:attrName>style.visibility</p:attrName>
-                                        </p:attrNameLst>
-                                      </p:cBhvr>
-                                      <p:to>
-                                        <p:strVal val="visible"/>
-                                      </p:to>
-                                    </p:set>
-                                  </p:childTnLst>
-                                </p:cTn>
-                              </p:par>
-                              <p:par>
-                                <p:cTn id="9" presetID="1" presetClass="entr" presetSubtype="0" fill="hold" nodeType="withEffect">
+                                <p:cTn id="9" presetID="1" presetClass="entr" presetSubtype="0" fill="hold" grpId="0" nodeType="clickEffect">
                                   <p:stCondLst>
                                     <p:cond delay="0"/>
                                   </p:stCondLst>
@@ -17978,11 +21140,7 @@
                                           </p:stCondLst>
                                         </p:cTn>
                                         <p:tgtEl>
-                                          <p:spTgt spid="5">
-                                            <p:txEl>
-                                              <p:pRg st="1" end="1"/>
-                                            </p:txEl>
-                                          </p:spTgt>
+                                          <p:spTgt spid="5"/>
                                         </p:tgtEl>
                                         <p:attrNameLst>
                                           <p:attrName>style.visibility</p:attrName>
@@ -18009,9 +21167,71 @@
                                           </p:stCondLst>
                                         </p:cTn>
                                         <p:tgtEl>
+                                          <p:spTgt spid="5">
+                                            <p:txEl>
+                                              <p:pRg st="0" end="0"/>
+                                            </p:txEl>
+                                          </p:spTgt>
+                                        </p:tgtEl>
+                                        <p:attrNameLst>
+                                          <p:attrName>style.visibility</p:attrName>
+                                        </p:attrNameLst>
+                                      </p:cBhvr>
+                                      <p:to>
+                                        <p:strVal val="visible"/>
+                                      </p:to>
+                                    </p:set>
+                                  </p:childTnLst>
+                                </p:cTn>
+                              </p:par>
+                              <p:par>
+                                <p:cTn id="13" presetID="1" presetClass="entr" presetSubtype="0" fill="hold" nodeType="withEffect">
+                                  <p:stCondLst>
+                                    <p:cond delay="0"/>
+                                  </p:stCondLst>
+                                  <p:childTnLst>
+                                    <p:set>
+                                      <p:cBhvr>
+                                        <p:cTn id="14" dur="1" fill="hold">
+                                          <p:stCondLst>
+                                            <p:cond delay="0"/>
+                                          </p:stCondLst>
+                                        </p:cTn>
+                                        <p:tgtEl>
+                                          <p:spTgt spid="5">
+                                            <p:txEl>
+                                              <p:pRg st="1" end="1"/>
+                                            </p:txEl>
+                                          </p:spTgt>
+                                        </p:tgtEl>
+                                        <p:attrNameLst>
+                                          <p:attrName>style.visibility</p:attrName>
+                                        </p:attrNameLst>
+                                      </p:cBhvr>
+                                      <p:to>
+                                        <p:strVal val="visible"/>
+                                      </p:to>
+                                    </p:set>
+                                  </p:childTnLst>
+                                </p:cTn>
+                              </p:par>
+                              <p:par>
+                                <p:cTn id="15" presetID="1" presetClass="entr" presetSubtype="0" fill="hold" nodeType="withEffect">
+                                  <p:stCondLst>
+                                    <p:cond delay="0"/>
+                                  </p:stCondLst>
+                                  <p:childTnLst>
+                                    <p:set>
+                                      <p:cBhvr>
+                                        <p:cTn id="16" dur="1" fill="hold">
+                                          <p:stCondLst>
+                                            <p:cond delay="0"/>
+                                          </p:stCondLst>
+                                        </p:cTn>
+                                        <p:tgtEl>
                                           <p:spTgt spid="3">
                                             <p:txEl>
-                                              <p:pRg st="3" end="3"/>
+                                              <p:pRg st="4" end="4"/>
                                             </p:txEl>
                                           </p:spTgt>
                                         </p:tgtEl>
@@ -18033,26 +21253,26 @@
                     </p:cTn>
                   </p:par>
                   <p:par>
-                    <p:cTn id="13" fill="hold">
+                    <p:cTn id="17" fill="hold">
                       <p:stCondLst>
                         <p:cond delay="indefinite"/>
                       </p:stCondLst>
                       <p:childTnLst>
                         <p:par>
-                          <p:cTn id="14" fill="hold">
+                          <p:cTn id="18" fill="hold">
                             <p:stCondLst>
                               <p:cond delay="0"/>
                             </p:stCondLst>
                             <p:childTnLst>
                               <p:par>
-                                <p:cTn id="15" presetID="1" presetClass="entr" presetSubtype="0" fill="hold" grpId="0" nodeType="clickEffect">
+                                <p:cTn id="19" presetID="1" presetClass="entr" presetSubtype="0" fill="hold" grpId="0" nodeType="clickEffect">
                                   <p:stCondLst>
                                     <p:cond delay="0"/>
                                   </p:stCondLst>
                                   <p:childTnLst>
                                     <p:set>
                                       <p:cBhvr>
-                                        <p:cTn id="16" dur="1" fill="hold">
+                                        <p:cTn id="20" dur="1" fill="hold">
                                           <p:stCondLst>
                                             <p:cond delay="0"/>
                                           </p:stCondLst>
@@ -18072,14 +21292,14 @@
                                 </p:cTn>
                               </p:par>
                               <p:par>
-                                <p:cTn id="17" presetID="1" presetClass="entr" presetSubtype="0" fill="hold" grpId="0" nodeType="withEffect">
+                                <p:cTn id="21" presetID="1" presetClass="entr" presetSubtype="0" fill="hold" grpId="0" nodeType="withEffect">
                                   <p:stCondLst>
                                     <p:cond delay="0"/>
                                   </p:stCondLst>
                                   <p:childTnLst>
                                     <p:set>
                                       <p:cBhvr>
-                                        <p:cTn id="18" dur="1" fill="hold">
+                                        <p:cTn id="22" dur="1" fill="hold">
                                           <p:stCondLst>
                                             <p:cond delay="0"/>
                                           </p:stCondLst>
@@ -18099,14 +21319,14 @@
                                 </p:cTn>
                               </p:par>
                               <p:par>
-                                <p:cTn id="19" presetID="1" presetClass="entr" presetSubtype="0" fill="hold" grpId="0" nodeType="withEffect">
+                                <p:cTn id="23" presetID="1" presetClass="entr" presetSubtype="0" fill="hold" grpId="0" nodeType="withEffect">
                                   <p:stCondLst>
                                     <p:cond delay="0"/>
                                   </p:stCondLst>
                                   <p:childTnLst>
                                     <p:set>
                                       <p:cBhvr>
-                                        <p:cTn id="20" dur="1" fill="hold">
+                                        <p:cTn id="24" dur="1" fill="hold">
                                           <p:stCondLst>
                                             <p:cond delay="0"/>
                                           </p:stCondLst>
@@ -18157,6 +21377,7 @@
       <p:bldP spid="7" grpId="0" animBg="1"/>
       <p:bldP spid="8" grpId="0"/>
       <p:bldP spid="9" grpId="0"/>
+      <p:bldP spid="10" grpId="0" animBg="1"/>
     </p:bldLst>
   </p:timing>
 </p:sld>
@@ -18201,8 +21422,8 @@
         </p:blipFill>
         <p:spPr>
           <a:xfrm>
-            <a:off x="5337691" y="1199957"/>
-            <a:ext cx="3477988" cy="4919669"/>
+            <a:off x="5220075" y="1127948"/>
+            <a:ext cx="3681801" cy="5204350"/>
           </a:xfrm>
           <a:prstGeom prst="rect">
             <a:avLst/>
@@ -18231,8 +21452,8 @@
         </p:blipFill>
         <p:spPr>
           <a:xfrm>
-            <a:off x="5341137" y="1204834"/>
-            <a:ext cx="3474364" cy="4914545"/>
+            <a:off x="5223521" y="1132824"/>
+            <a:ext cx="3667959" cy="5190509"/>
           </a:xfrm>
           <a:prstGeom prst="rect">
             <a:avLst/>
@@ -18260,39 +21481,15 @@
                 <a:ea typeface="メイリオ" pitchFamily="50" charset="-128"/>
                 <a:cs typeface="メイリオ" pitchFamily="50" charset="-128"/>
               </a:rPr>
-              <a:t>研究背景</a:t>
-            </a:r>
-            <a:r>
-              <a:rPr lang="ja-JP" altLang="en-US" dirty="0" smtClean="0">
+              <a:t>研究</a:t>
+            </a:r>
+            <a:r>
+              <a:rPr kumimoji="1" lang="ja-JP" altLang="en-US" dirty="0" smtClean="0">
                 <a:latin typeface="メイリオ" pitchFamily="50" charset="-128"/>
                 <a:ea typeface="メイリオ" pitchFamily="50" charset="-128"/>
                 <a:cs typeface="メイリオ" pitchFamily="50" charset="-128"/>
               </a:rPr>
-              <a:t>（</a:t>
-            </a:r>
-            <a:r>
-              <a:rPr lang="en-US" altLang="ja-JP" dirty="0" smtClean="0">
-                <a:latin typeface="メイリオ" pitchFamily="50" charset="-128"/>
-                <a:ea typeface="メイリオ" pitchFamily="50" charset="-128"/>
-                <a:cs typeface="メイリオ" pitchFamily="50" charset="-128"/>
-              </a:rPr>
-              <a:t>4</a:t>
-            </a:r>
-            <a:r>
-              <a:rPr kumimoji="1" lang="en-US" altLang="ja-JP" dirty="0" smtClean="0">
-                <a:latin typeface="メイリオ" pitchFamily="50" charset="-128"/>
-                <a:ea typeface="メイリオ" pitchFamily="50" charset="-128"/>
-                <a:cs typeface="メイリオ" pitchFamily="50" charset="-128"/>
-              </a:rPr>
-              <a:t>/5</a:t>
-            </a:r>
-            <a:r>
-              <a:rPr lang="ja-JP" altLang="en-US" dirty="0" smtClean="0">
-                <a:latin typeface="メイリオ" pitchFamily="50" charset="-128"/>
-                <a:ea typeface="メイリオ" pitchFamily="50" charset="-128"/>
-                <a:cs typeface="メイリオ" pitchFamily="50" charset="-128"/>
-              </a:rPr>
-              <a:t>）</a:t>
+              <a:t>背景</a:t>
             </a:r>
             <a:endParaRPr kumimoji="1" lang="ja-JP" altLang="en-US" dirty="0">
               <a:latin typeface="メイリオ" pitchFamily="50" charset="-128"/>
@@ -18355,7 +21552,7 @@
               <a:t>組込みシステム</a:t>
             </a:r>
             <a:r>
-              <a:rPr kumimoji="1" lang="ja-JP" altLang="en-US" smtClean="0">
+              <a:rPr kumimoji="1" lang="ja-JP" altLang="en-US" dirty="0" smtClean="0">
                 <a:latin typeface="メイリオ" pitchFamily="50" charset="-128"/>
                 <a:ea typeface="メイリオ" pitchFamily="50" charset="-128"/>
                 <a:cs typeface="メイリオ" pitchFamily="50" charset="-128"/>
@@ -18363,7 +21560,7 @@
               <a:t>開発</a:t>
             </a:r>
             <a:r>
-              <a:rPr kumimoji="1" lang="ja-JP" altLang="en-US" smtClean="0">
+              <a:rPr lang="ja-JP" altLang="en-US" dirty="0">
                 <a:latin typeface="メイリオ" pitchFamily="50" charset="-128"/>
                 <a:ea typeface="メイリオ" pitchFamily="50" charset="-128"/>
                 <a:cs typeface="メイリオ" pitchFamily="50" charset="-128"/>
@@ -18371,7 +21568,31 @@
               <a:t>に</a:t>
             </a:r>
             <a:r>
-              <a:rPr kumimoji="1" lang="en-US" altLang="ja-JP" smtClean="0">
+              <a:rPr lang="ja-JP" altLang="en-US" dirty="0" smtClean="0">
+                <a:latin typeface="メイリオ" pitchFamily="50" charset="-128"/>
+                <a:ea typeface="メイリオ" pitchFamily="50" charset="-128"/>
+                <a:cs typeface="メイリオ" pitchFamily="50" charset="-128"/>
+              </a:rPr>
+              <a:t>おいて参考</a:t>
+            </a:r>
+            <a:r>
+              <a:rPr lang="ja-JP" altLang="en-US" dirty="0" smtClean="0">
+                <a:latin typeface="メイリオ" pitchFamily="50" charset="-128"/>
+                <a:ea typeface="メイリオ" pitchFamily="50" charset="-128"/>
+                <a:cs typeface="メイリオ" pitchFamily="50" charset="-128"/>
+              </a:rPr>
+              <a:t>になるよう</a:t>
+            </a:r>
+            <a:r>
+              <a:rPr lang="ja-JP" altLang="en-US" dirty="0" smtClean="0">
+                <a:latin typeface="メイリオ" pitchFamily="50" charset="-128"/>
+                <a:ea typeface="メイリオ" pitchFamily="50" charset="-128"/>
+                <a:cs typeface="メイリオ" pitchFamily="50" charset="-128"/>
+              </a:rPr>
+              <a:t>な</a:t>
+            </a:r>
+            <a:r>
+              <a:rPr lang="en-US" altLang="ja-JP" dirty="0" smtClean="0">
                 <a:latin typeface="メイリオ" pitchFamily="50" charset="-128"/>
                 <a:ea typeface="メイリオ" pitchFamily="50" charset="-128"/>
                 <a:cs typeface="メイリオ" pitchFamily="50" charset="-128"/>
@@ -18379,40 +21600,53 @@
               <a:t/>
             </a:r>
             <a:br>
-              <a:rPr kumimoji="1" lang="en-US" altLang="ja-JP" smtClean="0">
+              <a:rPr lang="en-US" altLang="ja-JP" dirty="0" smtClean="0">
                 <a:latin typeface="メイリオ" pitchFamily="50" charset="-128"/>
                 <a:ea typeface="メイリオ" pitchFamily="50" charset="-128"/>
                 <a:cs typeface="メイリオ" pitchFamily="50" charset="-128"/>
               </a:rPr>
             </a:br>
             <a:r>
-              <a:rPr kumimoji="1" lang="ja-JP" altLang="en-US" smtClean="0">
-                <a:latin typeface="メイリオ" pitchFamily="50" charset="-128"/>
-                <a:ea typeface="メイリオ" pitchFamily="50" charset="-128"/>
-                <a:cs typeface="メイリオ" pitchFamily="50" charset="-128"/>
-              </a:rPr>
-              <a:t>お</a:t>
-            </a:r>
-            <a:r>
-              <a:rPr lang="ja-JP" altLang="en-US" smtClean="0">
-                <a:latin typeface="メイリオ" pitchFamily="50" charset="-128"/>
-                <a:ea typeface="メイリオ" pitchFamily="50" charset="-128"/>
-                <a:cs typeface="メイリオ" pitchFamily="50" charset="-128"/>
-              </a:rPr>
-              <a:t>いて</a:t>
-            </a:r>
-            <a:r>
               <a:rPr lang="ja-JP" altLang="en-US" dirty="0" smtClean="0">
                 <a:latin typeface="メイリオ" pitchFamily="50" charset="-128"/>
                 <a:ea typeface="メイリオ" pitchFamily="50" charset="-128"/>
                 <a:cs typeface="メイリオ" pitchFamily="50" charset="-128"/>
               </a:rPr>
-              <a:t>参考になるようなモデルをカタログ化</a:t>
+              <a:t>モデル</a:t>
+            </a:r>
+            <a:r>
+              <a:rPr lang="ja-JP" altLang="en-US" dirty="0" smtClean="0">
+                <a:latin typeface="メイリオ" pitchFamily="50" charset="-128"/>
+                <a:ea typeface="メイリオ" pitchFamily="50" charset="-128"/>
+                <a:cs typeface="メイリオ" pitchFamily="50" charset="-128"/>
+              </a:rPr>
+              <a:t>を</a:t>
+            </a:r>
+            <a:r>
+              <a:rPr lang="ja-JP" altLang="en-US" dirty="0" smtClean="0">
+                <a:latin typeface="メイリオ" pitchFamily="50" charset="-128"/>
+                <a:ea typeface="メイリオ" pitchFamily="50" charset="-128"/>
+                <a:cs typeface="メイリオ" pitchFamily="50" charset="-128"/>
+              </a:rPr>
+              <a:t>カタログ化</a:t>
             </a:r>
             <a:endParaRPr lang="en-US" altLang="ja-JP" dirty="0" smtClean="0">
-              <a:solidFill>
-                <a:srgbClr val="7030A0"/>
-              </a:solidFill>
+              <a:latin typeface="メイリオ" pitchFamily="50" charset="-128"/>
+              <a:ea typeface="メイリオ" pitchFamily="50" charset="-128"/>
+              <a:cs typeface="メイリオ" pitchFamily="50" charset="-128"/>
+            </a:endParaRPr>
+          </a:p>
+          <a:p>
+            <a:pPr lvl="1"/>
+            <a:r>
+              <a:rPr lang="ja-JP" altLang="en-US" u="sng" dirty="0" smtClean="0">
+                <a:latin typeface="メイリオ" pitchFamily="50" charset="-128"/>
+                <a:ea typeface="メイリオ" pitchFamily="50" charset="-128"/>
+                <a:cs typeface="メイリオ" pitchFamily="50" charset="-128"/>
+              </a:rPr>
+              <a:t>抽象的なモデル</a:t>
+            </a:r>
+            <a:endParaRPr lang="en-US" altLang="ja-JP" u="sng" dirty="0" smtClean="0">
               <a:latin typeface="メイリオ" pitchFamily="50" charset="-128"/>
               <a:ea typeface="メイリオ" pitchFamily="50" charset="-128"/>
               <a:cs typeface="メイリオ" pitchFamily="50" charset="-128"/>
@@ -18460,83 +21694,10 @@
                 <a:ea typeface="メイリオ" pitchFamily="50" charset="-128"/>
                 <a:cs typeface="メイリオ" pitchFamily="50" charset="-128"/>
               </a:rPr>
-              <a:t>ユースケース記述</a:t>
+              <a:t>クラス図，シーケンス図</a:t>
             </a:r>
             <a:r>
               <a:rPr lang="ja-JP" altLang="en-US" dirty="0">
-                <a:latin typeface="メイリオ" pitchFamily="50" charset="-128"/>
-                <a:ea typeface="メイリオ" pitchFamily="50" charset="-128"/>
-                <a:cs typeface="メイリオ" pitchFamily="50" charset="-128"/>
-              </a:rPr>
-              <a:t>，</a:t>
-            </a:r>
-            <a:r>
-              <a:rPr lang="ja-JP" altLang="en-US" dirty="0" smtClean="0">
-                <a:latin typeface="メイリオ" pitchFamily="50" charset="-128"/>
-                <a:ea typeface="メイリオ" pitchFamily="50" charset="-128"/>
-                <a:cs typeface="メイリオ" pitchFamily="50" charset="-128"/>
-              </a:rPr>
-              <a:t>クラス図，</a:t>
-            </a:r>
-            <a:endParaRPr lang="en-US" altLang="ja-JP" dirty="0" smtClean="0">
-              <a:latin typeface="メイリオ" pitchFamily="50" charset="-128"/>
-              <a:ea typeface="メイリオ" pitchFamily="50" charset="-128"/>
-              <a:cs typeface="メイリオ" pitchFamily="50" charset="-128"/>
-            </a:endParaRPr>
-          </a:p>
-          <a:p>
-            <a:pPr marL="914400" lvl="2" indent="0">
-              <a:buNone/>
-            </a:pPr>
-            <a:r>
-              <a:rPr lang="ja-JP" altLang="en-US" dirty="0" smtClean="0">
-                <a:latin typeface="メイリオ" pitchFamily="50" charset="-128"/>
-                <a:ea typeface="メイリオ" pitchFamily="50" charset="-128"/>
-                <a:cs typeface="メイリオ" pitchFamily="50" charset="-128"/>
-              </a:rPr>
-              <a:t>シーケンス図</a:t>
-            </a:r>
-            <a:r>
-              <a:rPr lang="ja-JP" altLang="en-US" smtClean="0">
-                <a:latin typeface="メイリオ" pitchFamily="50" charset="-128"/>
-                <a:ea typeface="メイリオ" pitchFamily="50" charset="-128"/>
-                <a:cs typeface="メイリオ" pitchFamily="50" charset="-128"/>
-              </a:rPr>
-              <a:t>，</a:t>
-            </a:r>
-            <a:r>
-              <a:rPr lang="ja-JP" altLang="en-US" smtClean="0">
-                <a:latin typeface="メイリオ" pitchFamily="50" charset="-128"/>
-                <a:ea typeface="メイリオ" pitchFamily="50" charset="-128"/>
-                <a:cs typeface="メイリオ" pitchFamily="50" charset="-128"/>
-              </a:rPr>
-              <a:t>ステート</a:t>
-            </a:r>
-            <a:r>
-              <a:rPr lang="en-US" altLang="ja-JP" smtClean="0">
-                <a:latin typeface="メイリオ" pitchFamily="50" charset="-128"/>
-                <a:ea typeface="メイリオ" pitchFamily="50" charset="-128"/>
-                <a:cs typeface="メイリオ" pitchFamily="50" charset="-128"/>
-              </a:rPr>
-              <a:t/>
-            </a:r>
-            <a:br>
-              <a:rPr lang="en-US" altLang="ja-JP" smtClean="0">
-                <a:latin typeface="メイリオ" pitchFamily="50" charset="-128"/>
-                <a:ea typeface="メイリオ" pitchFamily="50" charset="-128"/>
-                <a:cs typeface="メイリオ" pitchFamily="50" charset="-128"/>
-              </a:rPr>
-            </a:br>
-            <a:r>
-              <a:rPr lang="ja-JP" altLang="en-US" smtClean="0">
-                <a:latin typeface="メイリオ" pitchFamily="50" charset="-128"/>
-                <a:ea typeface="メイリオ" pitchFamily="50" charset="-128"/>
-                <a:cs typeface="メイリオ" pitchFamily="50" charset="-128"/>
-              </a:rPr>
-              <a:t>マシン図</a:t>
-            </a:r>
-            <a:r>
-              <a:rPr lang="ja-JP" altLang="en-US" dirty="0" smtClean="0">
                 <a:latin typeface="メイリオ" pitchFamily="50" charset="-128"/>
                 <a:ea typeface="メイリオ" pitchFamily="50" charset="-128"/>
                 <a:cs typeface="メイリオ" pitchFamily="50" charset="-128"/>
@@ -18583,8 +21744,8 @@
         </p:blipFill>
         <p:spPr>
           <a:xfrm>
-            <a:off x="5337689" y="1196752"/>
-            <a:ext cx="3482783" cy="4923034"/>
+            <a:off x="5220072" y="1124744"/>
+            <a:ext cx="3681801" cy="5204350"/>
           </a:xfrm>
         </p:spPr>
       </p:pic>
@@ -18596,7 +21757,7 @@
         </p:nvSpPr>
         <p:spPr>
           <a:xfrm>
-            <a:off x="755576" y="5589240"/>
+            <a:off x="264153" y="5612990"/>
             <a:ext cx="792088" cy="576064"/>
           </a:xfrm>
           <a:prstGeom prst="rightArrow">
@@ -18640,8 +21801,8 @@
         </p:nvSpPr>
         <p:spPr>
           <a:xfrm>
-            <a:off x="1547664" y="5504599"/>
-            <a:ext cx="3600400" cy="784830"/>
+            <a:off x="1115616" y="5517232"/>
+            <a:ext cx="4248472" cy="784830"/>
           </a:xfrm>
           <a:prstGeom prst="rect">
             <a:avLst/>
@@ -18660,40 +21821,24 @@
                 <a:ea typeface="メイリオ" pitchFamily="50" charset="-128"/>
                 <a:cs typeface="メイリオ" pitchFamily="50" charset="-128"/>
               </a:rPr>
-              <a:t>モデルベース</a:t>
-            </a:r>
-            <a:r>
-              <a:rPr lang="ja-JP" altLang="en-US" sz="2400" smtClean="0">
+              <a:t>モデルベース開発学習の</a:t>
+            </a:r>
+            <a:endParaRPr lang="en-US" altLang="ja-JP" sz="2400" dirty="0" smtClean="0">
+              <a:latin typeface="メイリオ" pitchFamily="50" charset="-128"/>
+              <a:ea typeface="メイリオ" pitchFamily="50" charset="-128"/>
+              <a:cs typeface="メイリオ" pitchFamily="50" charset="-128"/>
+            </a:endParaRPr>
+          </a:p>
+          <a:p>
+            <a:r>
+              <a:rPr lang="ja-JP" altLang="en-US" sz="2400" dirty="0" smtClean="0">
                 <a:latin typeface="メイリオ" pitchFamily="50" charset="-128"/>
                 <a:ea typeface="メイリオ" pitchFamily="50" charset="-128"/>
                 <a:cs typeface="メイリオ" pitchFamily="50" charset="-128"/>
               </a:rPr>
-              <a:t>開発</a:t>
-            </a:r>
-            <a:r>
-              <a:rPr lang="ja-JP" altLang="en-US" sz="2400" smtClean="0">
-                <a:latin typeface="メイリオ" pitchFamily="50" charset="-128"/>
-                <a:ea typeface="メイリオ" pitchFamily="50" charset="-128"/>
-                <a:cs typeface="メイリオ" pitchFamily="50" charset="-128"/>
-              </a:rPr>
-              <a:t>教育に</a:t>
-            </a:r>
-            <a:endParaRPr kumimoji="1" lang="en-US" altLang="ja-JP" sz="2400" dirty="0" smtClean="0">
-              <a:latin typeface="メイリオ" pitchFamily="50" charset="-128"/>
-              <a:ea typeface="メイリオ" pitchFamily="50" charset="-128"/>
-              <a:cs typeface="メイリオ" pitchFamily="50" charset="-128"/>
-            </a:endParaRPr>
-          </a:p>
-          <a:p>
-            <a:r>
-              <a:rPr lang="ja-JP" altLang="en-US" sz="2400" smtClean="0">
-                <a:latin typeface="メイリオ" pitchFamily="50" charset="-128"/>
-                <a:ea typeface="メイリオ" pitchFamily="50" charset="-128"/>
-                <a:cs typeface="メイリオ" pitchFamily="50" charset="-128"/>
-              </a:rPr>
-              <a:t>利用出来るのでは？</a:t>
-            </a:r>
-            <a:endParaRPr kumimoji="1" lang="ja-JP" altLang="en-US" sz="2400" dirty="0">
+              <a:t>参考になるのでは？</a:t>
+            </a:r>
+            <a:endParaRPr lang="en-US" altLang="ja-JP" sz="2400" dirty="0" smtClean="0">
               <a:latin typeface="メイリオ" pitchFamily="50" charset="-128"/>
               <a:ea typeface="メイリオ" pitchFamily="50" charset="-128"/>
               <a:cs typeface="メイリオ" pitchFamily="50" charset="-128"/>
@@ -18906,22 +22051,6 @@
               <a:rPr kumimoji="1" lang="ja-JP" altLang="en-US" dirty="0" smtClean="0"/>
               <a:t>研究背景</a:t>
             </a:r>
-            <a:r>
-              <a:rPr lang="ja-JP" altLang="en-US" dirty="0" smtClean="0"/>
-              <a:t>（</a:t>
-            </a:r>
-            <a:r>
-              <a:rPr lang="en-US" altLang="ja-JP" dirty="0" smtClean="0"/>
-              <a:t>5</a:t>
-            </a:r>
-            <a:r>
-              <a:rPr kumimoji="1" lang="en-US" altLang="ja-JP" dirty="0" smtClean="0"/>
-              <a:t>/5</a:t>
-            </a:r>
-            <a:r>
-              <a:rPr lang="ja-JP" altLang="en-US" dirty="0" smtClean="0"/>
-              <a:t>）</a:t>
-            </a:r>
             <a:endParaRPr kumimoji="1" lang="ja-JP" altLang="en-US" dirty="0"/>
           </a:p>
         </p:txBody>
@@ -18939,7 +22068,233 @@
         <p:spPr>
           <a:xfrm>
             <a:off x="304800" y="1020764"/>
-            <a:ext cx="8610600" cy="4784500"/>
+            <a:ext cx="8610600" cy="5360564"/>
+          </a:xfrm>
+        </p:spPr>
+        <p:txBody>
+          <a:bodyPr/>
+          <a:lstStyle/>
+          <a:p>
+            <a:r>
+              <a:rPr lang="ja-JP" altLang="en-US" dirty="0" smtClean="0"/>
+              <a:t>抽象的なモデルとは？</a:t>
+            </a:r>
+            <a:endParaRPr lang="en-US" altLang="ja-JP" dirty="0" smtClean="0"/>
+          </a:p>
+          <a:p>
+            <a:pPr lvl="1"/>
+            <a:r>
+              <a:rPr lang="ja-JP" altLang="en-US" dirty="0" smtClean="0"/>
+              <a:t>プラットフォーム非依存モデル（</a:t>
+            </a:r>
+            <a:r>
+              <a:rPr lang="en-US" altLang="ja-JP" dirty="0" smtClean="0"/>
+              <a:t>PSM</a:t>
+            </a:r>
+            <a:r>
+              <a:rPr lang="ja-JP" altLang="en-US" dirty="0" smtClean="0"/>
+              <a:t>）</a:t>
+            </a:r>
+            <a:endParaRPr lang="en-US" altLang="ja-JP" dirty="0" smtClean="0"/>
+          </a:p>
+          <a:p>
+            <a:pPr lvl="2"/>
+            <a:r>
+              <a:rPr lang="ja-JP" altLang="en-US" dirty="0" smtClean="0">
+                <a:solidFill>
+                  <a:srgbClr val="7030A0"/>
+                </a:solidFill>
+              </a:rPr>
+              <a:t>機能に着目した</a:t>
+            </a:r>
+            <a:r>
+              <a:rPr lang="ja-JP" altLang="en-US" dirty="0" smtClean="0"/>
+              <a:t>抽象的なモデル</a:t>
+            </a:r>
+            <a:endParaRPr lang="en-US" altLang="ja-JP" dirty="0" smtClean="0"/>
+          </a:p>
+          <a:p>
+            <a:pPr lvl="2"/>
+            <a:r>
+              <a:rPr lang="ja-JP" altLang="en-US" dirty="0" smtClean="0"/>
+              <a:t>実行環境（機器，</a:t>
+            </a:r>
+            <a:r>
+              <a:rPr lang="en-US" altLang="ja-JP" dirty="0" smtClean="0"/>
+              <a:t>OS</a:t>
+            </a:r>
+            <a:r>
+              <a:rPr lang="ja-JP" altLang="en-US" dirty="0" smtClean="0"/>
+              <a:t>等）を選ばない</a:t>
+            </a:r>
+            <a:endParaRPr lang="en-US" altLang="ja-JP" dirty="0" smtClean="0"/>
+          </a:p>
+          <a:p>
+            <a:pPr marL="914400" lvl="2" indent="0">
+              <a:buNone/>
+            </a:pPr>
+            <a:endParaRPr lang="en-US" altLang="ja-JP" dirty="0" smtClean="0"/>
+          </a:p>
+          <a:p>
+            <a:pPr lvl="1"/>
+            <a:r>
+              <a:rPr lang="ja-JP" altLang="en-US" dirty="0" smtClean="0"/>
+              <a:t>プラットフォーム依存モデル（</a:t>
+            </a:r>
+            <a:r>
+              <a:rPr lang="en-US" altLang="ja-JP" dirty="0" smtClean="0"/>
+              <a:t>PIM</a:t>
+            </a:r>
+            <a:r>
+              <a:rPr lang="ja-JP" altLang="en-US" dirty="0" smtClean="0"/>
+              <a:t>）</a:t>
+            </a:r>
+            <a:endParaRPr lang="en-US" altLang="ja-JP" dirty="0" smtClean="0"/>
+          </a:p>
+          <a:p>
+            <a:pPr lvl="2"/>
+            <a:r>
+              <a:rPr lang="ja-JP" altLang="en-US" dirty="0" smtClean="0">
+                <a:solidFill>
+                  <a:srgbClr val="7030A0"/>
+                </a:solidFill>
+              </a:rPr>
+              <a:t>実行環境に合わせた</a:t>
+            </a:r>
+            <a:r>
+              <a:rPr lang="ja-JP" altLang="en-US" dirty="0" smtClean="0"/>
+              <a:t>具体的なモデル</a:t>
+            </a:r>
+            <a:endParaRPr lang="en-US" altLang="ja-JP" dirty="0" smtClean="0"/>
+          </a:p>
+          <a:p>
+            <a:pPr lvl="2"/>
+            <a:r>
+              <a:rPr lang="ja-JP" altLang="en-US" dirty="0" smtClean="0"/>
+              <a:t>プラットフォーム非依存モデルを元にして作成</a:t>
+            </a:r>
+            <a:endParaRPr lang="en-US" altLang="ja-JP" dirty="0" smtClean="0"/>
+          </a:p>
+          <a:p>
+            <a:pPr lvl="2"/>
+            <a:endParaRPr lang="en-US" altLang="ja-JP" dirty="0"/>
+          </a:p>
+          <a:p>
+            <a:pPr lvl="1"/>
+            <a:r>
+              <a:rPr lang="ja-JP" altLang="en-US" dirty="0" smtClean="0"/>
+              <a:t>基本的にはプラットフォーム非依存モデル，プラットフォーム依存モデル，プログラム作成の工程で開発</a:t>
+            </a:r>
+            <a:endParaRPr lang="en-US" altLang="ja-JP" dirty="0" smtClean="0"/>
+          </a:p>
+          <a:p>
+            <a:pPr lvl="1"/>
+            <a:endParaRPr kumimoji="1" lang="en-US" altLang="ja-JP" dirty="0" smtClean="0"/>
+          </a:p>
+        </p:txBody>
+      </p:sp>
+      <p:sp>
+        <p:nvSpPr>
+          <p:cNvPr id="4" name="スライド番号プレースホルダー 3"/>
+          <p:cNvSpPr>
+            <a:spLocks noGrp="1"/>
+          </p:cNvSpPr>
+          <p:nvPr>
+            <p:ph type="sldNum" sz="quarter" idx="12"/>
+          </p:nvPr>
+        </p:nvSpPr>
+        <p:spPr/>
+        <p:txBody>
+          <a:bodyPr/>
+          <a:lstStyle/>
+          <a:p>
+            <a:fld id="{1B4CD1AD-35CE-4DA8-9CDB-2FA6D4A1B3F4}" type="slidenum">
+              <a:rPr lang="ja-JP" altLang="en-US" smtClean="0"/>
+              <a:pPr/>
+              <a:t>7</a:t>
+            </a:fld>
+            <a:endParaRPr lang="ja-JP" altLang="en-US" dirty="0"/>
+          </a:p>
+        </p:txBody>
+      </p:sp>
+    </p:spTree>
+    <p:extLst>
+      <p:ext uri="{BB962C8B-B14F-4D97-AF65-F5344CB8AC3E}">
+        <p14:creationId xmlns:p14="http://schemas.microsoft.com/office/powerpoint/2010/main" val="1307166507"/>
+      </p:ext>
+    </p:extLst>
+  </p:cSld>
+  <p:clrMapOvr>
+    <a:masterClrMapping/>
+  </p:clrMapOvr>
+  <p:timing>
+    <p:tnLst>
+      <p:par>
+        <p:cTn id="1" dur="indefinite" restart="never" nodeType="tmRoot"/>
+      </p:par>
+    </p:tnLst>
+  </p:timing>
+</p:sld>
+</file>
+
+<file path=ppt/slides/slide8.xml><?xml version="1.0" encoding="utf-8"?>
+<p:sld xmlns:a="http://schemas.openxmlformats.org/drawingml/2006/main" xmlns:r="http://schemas.openxmlformats.org/officeDocument/2006/relationships" xmlns:p="http://schemas.openxmlformats.org/presentationml/2006/main">
+  <p:cSld>
+    <p:spTree>
+      <p:nvGrpSpPr>
+        <p:cNvPr id="1" name=""/>
+        <p:cNvGrpSpPr/>
+        <p:nvPr/>
+      </p:nvGrpSpPr>
+      <p:grpSpPr>
+        <a:xfrm>
+          <a:off x="0" y="0"/>
+          <a:ext cx="0" cy="0"/>
+          <a:chOff x="0" y="0"/>
+          <a:chExt cx="0" cy="0"/>
+        </a:xfrm>
+      </p:grpSpPr>
+      <p:sp>
+        <p:nvSpPr>
+          <p:cNvPr id="2" name="タイトル 1"/>
+          <p:cNvSpPr>
+            <a:spLocks noGrp="1"/>
+          </p:cNvSpPr>
+          <p:nvPr>
+            <p:ph type="title"/>
+          </p:nvPr>
+        </p:nvSpPr>
+        <p:spPr/>
+        <p:txBody>
+          <a:bodyPr/>
+          <a:lstStyle/>
+          <a:p>
+            <a:r>
+              <a:rPr kumimoji="1" lang="ja-JP" altLang="en-US" dirty="0" smtClean="0"/>
+              <a:t>研究</a:t>
+            </a:r>
+            <a:r>
+              <a:rPr kumimoji="1" lang="ja-JP" altLang="en-US" dirty="0" smtClean="0"/>
+              <a:t>背景</a:t>
+            </a:r>
+            <a:endParaRPr kumimoji="1" lang="ja-JP" altLang="en-US" dirty="0"/>
+          </a:p>
+        </p:txBody>
+      </p:sp>
+      <p:sp>
+        <p:nvSpPr>
+          <p:cNvPr id="3" name="コンテンツ プレースホルダー 2"/>
+          <p:cNvSpPr>
+            <a:spLocks noGrp="1"/>
+          </p:cNvSpPr>
+          <p:nvPr>
+            <p:ph idx="1"/>
+          </p:nvPr>
+        </p:nvSpPr>
+        <p:spPr>
+          <a:xfrm>
+            <a:off x="304800" y="1020764"/>
+            <a:ext cx="8610600" cy="824060"/>
           </a:xfrm>
         </p:spPr>
         <p:txBody>
@@ -18954,342 +22309,17 @@
             </a:r>
             <a:r>
               <a:rPr kumimoji="1" lang="ja-JP" altLang="en-US" dirty="0" smtClean="0"/>
-              <a:t>モデルカタログの問題点</a:t>
+              <a:t>モデルカタログ</a:t>
+            </a:r>
+            <a:r>
+              <a:rPr kumimoji="1" lang="ja-JP" altLang="en-US" dirty="0" smtClean="0"/>
+              <a:t>のメリット，デメリット</a:t>
             </a:r>
             <a:endParaRPr kumimoji="1" lang="en-US" altLang="ja-JP" dirty="0" smtClean="0"/>
           </a:p>
           <a:p>
-            <a:pPr lvl="1"/>
-            <a:r>
-              <a:rPr kumimoji="1" lang="ja-JP" altLang="en-US" dirty="0" smtClean="0"/>
-              <a:t>開発現場での実践報告，利用例が無い</a:t>
-            </a:r>
+            <a:pPr lvl="2"/>
             <a:endParaRPr kumimoji="1" lang="en-US" altLang="ja-JP" dirty="0" smtClean="0"/>
-          </a:p>
-        </p:txBody>
-      </p:sp>
-      <p:sp>
-        <p:nvSpPr>
-          <p:cNvPr id="4" name="角丸四角形 3"/>
-          <p:cNvSpPr/>
-          <p:nvPr/>
-        </p:nvSpPr>
-        <p:spPr>
-          <a:xfrm>
-            <a:off x="1331640" y="2391122"/>
-            <a:ext cx="7344816" cy="868323"/>
-          </a:xfrm>
-          <a:prstGeom prst="roundRect">
-            <a:avLst/>
-          </a:prstGeom>
-          <a:gradFill>
-            <a:gsLst>
-              <a:gs pos="0">
-                <a:schemeClr val="accent1">
-                  <a:tint val="50000"/>
-                  <a:satMod val="300000"/>
-                </a:schemeClr>
-              </a:gs>
-              <a:gs pos="35000">
-                <a:schemeClr val="accent1">
-                  <a:tint val="37000"/>
-                  <a:satMod val="300000"/>
-                </a:schemeClr>
-              </a:gs>
-              <a:gs pos="100000">
-                <a:schemeClr val="accent1">
-                  <a:tint val="15000"/>
-                  <a:satMod val="350000"/>
-                </a:schemeClr>
-              </a:gs>
-            </a:gsLst>
-          </a:gradFill>
-          <a:ln>
-            <a:solidFill>
-              <a:schemeClr val="accent1">
-                <a:shade val="95000"/>
-                <a:satMod val="105000"/>
-              </a:schemeClr>
-            </a:solidFill>
-          </a:ln>
-        </p:spPr>
-        <p:style>
-          <a:lnRef idx="1">
-            <a:schemeClr val="accent1"/>
-          </a:lnRef>
-          <a:fillRef idx="2">
-            <a:schemeClr val="accent1"/>
-          </a:fillRef>
-          <a:effectRef idx="1">
-            <a:schemeClr val="accent1"/>
-          </a:effectRef>
-          <a:fontRef idx="minor">
-            <a:schemeClr val="dk1"/>
-          </a:fontRef>
-        </p:style>
-        <p:txBody>
-          <a:bodyPr wrap="square" bIns="0" rtlCol="0" anchor="ctr">
-            <a:spAutoFit/>
-          </a:bodyPr>
-          <a:lstStyle/>
-          <a:p>
-            <a:pPr algn="ctr"/>
-            <a:r>
-              <a:rPr lang="ja-JP" altLang="en-US" sz="2400" dirty="0">
-                <a:latin typeface="メイリオ" pitchFamily="50" charset="-128"/>
-                <a:ea typeface="メイリオ" pitchFamily="50" charset="-128"/>
-                <a:cs typeface="メイリオ" pitchFamily="50" charset="-128"/>
-              </a:rPr>
-              <a:t>実装・開発環境に依存しない</a:t>
-            </a:r>
-            <a:r>
-              <a:rPr lang="ja-JP" altLang="en-US" sz="2400" u="sng" dirty="0">
-                <a:solidFill>
-                  <a:schemeClr val="tx1"/>
-                </a:solidFill>
-                <a:latin typeface="メイリオ" pitchFamily="50" charset="-128"/>
-                <a:ea typeface="メイリオ" pitchFamily="50" charset="-128"/>
-                <a:cs typeface="メイリオ" pitchFamily="50" charset="-128"/>
-              </a:rPr>
-              <a:t>抽象的な</a:t>
-            </a:r>
-            <a:r>
-              <a:rPr lang="ja-JP" altLang="en-US" sz="2400" u="sng" dirty="0" smtClean="0">
-                <a:solidFill>
-                  <a:schemeClr val="tx1"/>
-                </a:solidFill>
-                <a:latin typeface="メイリオ" pitchFamily="50" charset="-128"/>
-                <a:ea typeface="メイリオ" pitchFamily="50" charset="-128"/>
-                <a:cs typeface="メイリオ" pitchFamily="50" charset="-128"/>
-              </a:rPr>
-              <a:t>モデル</a:t>
-            </a:r>
-            <a:r>
-              <a:rPr lang="ja-JP" altLang="en-US" sz="2400" dirty="0" smtClean="0">
-                <a:solidFill>
-                  <a:schemeClr val="tx1"/>
-                </a:solidFill>
-                <a:latin typeface="メイリオ" pitchFamily="50" charset="-128"/>
-                <a:ea typeface="メイリオ" pitchFamily="50" charset="-128"/>
-                <a:cs typeface="メイリオ" pitchFamily="50" charset="-128"/>
-              </a:rPr>
-              <a:t>のため</a:t>
-            </a:r>
-            <a:r>
-              <a:rPr lang="en-US" altLang="ja-JP" sz="2400" dirty="0" smtClean="0">
-                <a:solidFill>
-                  <a:schemeClr val="tx1"/>
-                </a:solidFill>
-                <a:latin typeface="メイリオ" pitchFamily="50" charset="-128"/>
-                <a:ea typeface="メイリオ" pitchFamily="50" charset="-128"/>
-                <a:cs typeface="メイリオ" pitchFamily="50" charset="-128"/>
-              </a:rPr>
-              <a:t/>
-            </a:r>
-            <a:br>
-              <a:rPr lang="en-US" altLang="ja-JP" sz="2400" dirty="0" smtClean="0">
-                <a:solidFill>
-                  <a:schemeClr val="tx1"/>
-                </a:solidFill>
-                <a:latin typeface="メイリオ" pitchFamily="50" charset="-128"/>
-                <a:ea typeface="メイリオ" pitchFamily="50" charset="-128"/>
-                <a:cs typeface="メイリオ" pitchFamily="50" charset="-128"/>
-              </a:rPr>
-            </a:br>
-            <a:r>
-              <a:rPr lang="ja-JP" altLang="en-US" sz="2400" dirty="0" smtClean="0">
-                <a:solidFill>
-                  <a:srgbClr val="7030A0"/>
-                </a:solidFill>
-                <a:latin typeface="メイリオ" pitchFamily="50" charset="-128"/>
-                <a:ea typeface="メイリオ" pitchFamily="50" charset="-128"/>
-                <a:cs typeface="メイリオ" pitchFamily="50" charset="-128"/>
-              </a:rPr>
-              <a:t>環境に合わせたモデルの例が無い</a:t>
-            </a:r>
-            <a:endParaRPr lang="en-US" altLang="ja-JP" sz="2400" dirty="0">
-              <a:solidFill>
-                <a:srgbClr val="7030A0"/>
-              </a:solidFill>
-              <a:latin typeface="メイリオ" pitchFamily="50" charset="-128"/>
-              <a:ea typeface="メイリオ" pitchFamily="50" charset="-128"/>
-              <a:cs typeface="メイリオ" pitchFamily="50" charset="-128"/>
-            </a:endParaRPr>
-          </a:p>
-        </p:txBody>
-      </p:sp>
-      <p:sp>
-        <p:nvSpPr>
-          <p:cNvPr id="11" name="角丸四角形 10"/>
-          <p:cNvSpPr/>
-          <p:nvPr/>
-        </p:nvSpPr>
-        <p:spPr>
-          <a:xfrm>
-            <a:off x="2411760" y="3807856"/>
-            <a:ext cx="5616624" cy="459700"/>
-          </a:xfrm>
-          <a:prstGeom prst="roundRect">
-            <a:avLst/>
-          </a:prstGeom>
-        </p:spPr>
-        <p:style>
-          <a:lnRef idx="1">
-            <a:schemeClr val="accent1"/>
-          </a:lnRef>
-          <a:fillRef idx="2">
-            <a:schemeClr val="accent1"/>
-          </a:fillRef>
-          <a:effectRef idx="1">
-            <a:schemeClr val="accent1"/>
-          </a:effectRef>
-          <a:fontRef idx="minor">
-            <a:schemeClr val="dk1"/>
-          </a:fontRef>
-        </p:style>
-        <p:txBody>
-          <a:bodyPr bIns="0" rtlCol="0" anchor="ctr">
-            <a:spAutoFit/>
-          </a:bodyPr>
-          <a:lstStyle/>
-          <a:p>
-            <a:pPr algn="ctr"/>
-            <a:r>
-              <a:rPr lang="ja-JP" altLang="en-US" sz="2400" u="sng" dirty="0">
-                <a:latin typeface="メイリオ" pitchFamily="50" charset="-128"/>
-                <a:ea typeface="メイリオ" pitchFamily="50" charset="-128"/>
-                <a:cs typeface="メイリオ" pitchFamily="50" charset="-128"/>
-              </a:rPr>
-              <a:t>実例</a:t>
-            </a:r>
-            <a:r>
-              <a:rPr lang="ja-JP" altLang="en-US" sz="2400" u="sng" dirty="0" smtClean="0">
-                <a:latin typeface="メイリオ" pitchFamily="50" charset="-128"/>
-                <a:ea typeface="メイリオ" pitchFamily="50" charset="-128"/>
-                <a:cs typeface="メイリオ" pitchFamily="50" charset="-128"/>
-              </a:rPr>
-              <a:t>が</a:t>
-            </a:r>
-            <a:r>
-              <a:rPr lang="ja-JP" altLang="en-US" sz="2400" u="sng" dirty="0">
-                <a:latin typeface="メイリオ" pitchFamily="50" charset="-128"/>
-                <a:ea typeface="メイリオ" pitchFamily="50" charset="-128"/>
-                <a:cs typeface="メイリオ" pitchFamily="50" charset="-128"/>
-              </a:rPr>
-              <a:t>無い</a:t>
-            </a:r>
-            <a:r>
-              <a:rPr lang="ja-JP" altLang="en-US" sz="2400" dirty="0">
-                <a:latin typeface="メイリオ" pitchFamily="50" charset="-128"/>
-                <a:ea typeface="メイリオ" pitchFamily="50" charset="-128"/>
-                <a:cs typeface="メイリオ" pitchFamily="50" charset="-128"/>
-              </a:rPr>
-              <a:t>ため，</a:t>
-            </a:r>
-            <a:r>
-              <a:rPr lang="ja-JP" altLang="en-US" sz="2400" dirty="0">
-                <a:solidFill>
-                  <a:srgbClr val="7030A0"/>
-                </a:solidFill>
-                <a:latin typeface="メイリオ" pitchFamily="50" charset="-128"/>
-                <a:ea typeface="メイリオ" pitchFamily="50" charset="-128"/>
-                <a:cs typeface="メイリオ" pitchFamily="50" charset="-128"/>
-              </a:rPr>
-              <a:t>有用性が不明</a:t>
-            </a:r>
-            <a:endParaRPr lang="en-US" altLang="ja-JP" sz="2400" dirty="0">
-              <a:solidFill>
-                <a:srgbClr val="7030A0"/>
-              </a:solidFill>
-              <a:latin typeface="メイリオ" pitchFamily="50" charset="-128"/>
-              <a:ea typeface="メイリオ" pitchFamily="50" charset="-128"/>
-              <a:cs typeface="メイリオ" pitchFamily="50" charset="-128"/>
-            </a:endParaRPr>
-          </a:p>
-        </p:txBody>
-      </p:sp>
-      <p:sp>
-        <p:nvSpPr>
-          <p:cNvPr id="10" name="線吹き出し 2 (枠付き) 9"/>
-          <p:cNvSpPr/>
-          <p:nvPr/>
-        </p:nvSpPr>
-        <p:spPr>
-          <a:xfrm>
-            <a:off x="1115616" y="4509120"/>
-            <a:ext cx="4248472" cy="432048"/>
-          </a:xfrm>
-          <a:prstGeom prst="borderCallout2">
-            <a:avLst>
-              <a:gd name="adj1" fmla="val 49902"/>
-              <a:gd name="adj2" fmla="val 102253"/>
-              <a:gd name="adj3" fmla="val 48523"/>
-              <a:gd name="adj4" fmla="val 110590"/>
-              <a:gd name="adj5" fmla="val -74707"/>
-              <a:gd name="adj6" fmla="val 115114"/>
-            </a:avLst>
-          </a:prstGeom>
-        </p:spPr>
-        <p:style>
-          <a:lnRef idx="1">
-            <a:schemeClr val="accent2"/>
-          </a:lnRef>
-          <a:fillRef idx="2">
-            <a:schemeClr val="accent2"/>
-          </a:fillRef>
-          <a:effectRef idx="1">
-            <a:schemeClr val="accent2"/>
-          </a:effectRef>
-          <a:fontRef idx="minor">
-            <a:schemeClr val="dk1"/>
-          </a:fontRef>
-        </p:style>
-        <p:txBody>
-          <a:bodyPr bIns="0" rtlCol="0" anchor="ctr"/>
-          <a:lstStyle/>
-          <a:p>
-            <a:pPr algn="ctr"/>
-            <a:r>
-              <a:rPr lang="ja-JP" altLang="en-US" sz="2000" dirty="0" smtClean="0">
-                <a:solidFill>
-                  <a:schemeClr val="tx1"/>
-                </a:solidFill>
-                <a:latin typeface="メイリオ" pitchFamily="50" charset="-128"/>
-                <a:ea typeface="メイリオ" pitchFamily="50" charset="-128"/>
-                <a:cs typeface="メイリオ" pitchFamily="50" charset="-128"/>
-              </a:rPr>
-              <a:t>動作保証性，再利用性，</a:t>
-            </a:r>
-            <a:r>
-              <a:rPr kumimoji="1" lang="ja-JP" altLang="en-US" sz="2000" dirty="0" smtClean="0">
-                <a:solidFill>
-                  <a:schemeClr val="tx1"/>
-                </a:solidFill>
-                <a:latin typeface="メイリオ" pitchFamily="50" charset="-128"/>
-                <a:ea typeface="メイリオ" pitchFamily="50" charset="-128"/>
-                <a:cs typeface="メイリオ" pitchFamily="50" charset="-128"/>
-              </a:rPr>
-              <a:t>拡張性</a:t>
-            </a:r>
-            <a:r>
-              <a:rPr lang="ja-JP" altLang="en-US" sz="2000" dirty="0">
-                <a:solidFill>
-                  <a:schemeClr val="tx1"/>
-                </a:solidFill>
-                <a:latin typeface="メイリオ" pitchFamily="50" charset="-128"/>
-                <a:ea typeface="メイリオ" pitchFamily="50" charset="-128"/>
-                <a:cs typeface="メイリオ" pitchFamily="50" charset="-128"/>
-              </a:rPr>
-              <a:t>等</a:t>
-            </a:r>
-            <a:endParaRPr kumimoji="1" lang="en-US" altLang="ja-JP" sz="2000" dirty="0" smtClean="0">
-              <a:solidFill>
-                <a:schemeClr val="tx1"/>
-              </a:solidFill>
-              <a:latin typeface="メイリオ" pitchFamily="50" charset="-128"/>
-              <a:ea typeface="メイリオ" pitchFamily="50" charset="-128"/>
-              <a:cs typeface="メイリオ" pitchFamily="50" charset="-128"/>
-            </a:endParaRPr>
           </a:p>
         </p:txBody>
       </p:sp>
@@ -19301,7 +22331,7 @@
         </p:nvSpPr>
         <p:spPr>
           <a:xfrm>
-            <a:off x="899592" y="5517232"/>
+            <a:off x="899592" y="5265583"/>
             <a:ext cx="1152128" cy="648072"/>
           </a:xfrm>
           <a:prstGeom prst="rightArrow">
@@ -19345,8 +22375,8 @@
         </p:nvSpPr>
         <p:spPr>
           <a:xfrm>
-            <a:off x="2123728" y="5421474"/>
-            <a:ext cx="6984776" cy="830997"/>
+            <a:off x="2087724" y="5229200"/>
+            <a:ext cx="4968552" cy="830997"/>
           </a:xfrm>
           <a:prstGeom prst="rect">
             <a:avLst/>
@@ -19380,7 +22410,15 @@
                 <a:ea typeface="メイリオ" pitchFamily="50" charset="-128"/>
                 <a:cs typeface="メイリオ" pitchFamily="50" charset="-128"/>
               </a:rPr>
-              <a:t>環境に合わせたモデルを提供する必要がある</a:t>
+              <a:t>実践例を</a:t>
+            </a:r>
+            <a:r>
+              <a:rPr lang="ja-JP" altLang="en-US" sz="2400" dirty="0" smtClean="0">
+                <a:latin typeface="メイリオ" pitchFamily="50" charset="-128"/>
+                <a:ea typeface="メイリオ" pitchFamily="50" charset="-128"/>
+                <a:cs typeface="メイリオ" pitchFamily="50" charset="-128"/>
+              </a:rPr>
+              <a:t>提供する必要がある</a:t>
             </a:r>
             <a:endParaRPr lang="en-US" altLang="ja-JP" sz="2400" dirty="0">
               <a:latin typeface="メイリオ" pitchFamily="50" charset="-128"/>
@@ -19407,12 +22445,34 @@
           <a:p>
             <a:fld id="{1B4CD1AD-35CE-4DA8-9CDB-2FA6D4A1B3F4}" type="slidenum">
               <a:rPr kumimoji="1" lang="ja-JP" altLang="en-US" smtClean="0"/>
-              <a:t>7</a:t>
+              <a:t>8</a:t>
             </a:fld>
             <a:endParaRPr kumimoji="1" lang="ja-JP" altLang="en-US" dirty="0"/>
           </a:p>
         </p:txBody>
       </p:sp>
+      <p:graphicFrame>
+        <p:nvGraphicFramePr>
+          <p:cNvPr id="9" name="図表 8"/>
+          <p:cNvGraphicFramePr/>
+          <p:nvPr>
+            <p:extLst>
+              <p:ext uri="{D42A27DB-BD31-4B8C-83A1-F6EECF244321}">
+                <p14:modId xmlns:p14="http://schemas.microsoft.com/office/powerpoint/2010/main" val="3221272539"/>
+              </p:ext>
+            </p:extLst>
+          </p:nvPr>
+        </p:nvGraphicFramePr>
+        <p:xfrm>
+          <a:off x="360040" y="1556792"/>
+          <a:ext cx="8676456" cy="3312368"/>
+        </p:xfrm>
+        <a:graphic>
+          <a:graphicData uri="http://schemas.openxmlformats.org/drawingml/2006/diagram">
+            <dgm:relIds xmlns:dgm="http://schemas.openxmlformats.org/drawingml/2006/diagram" xmlns:r="http://schemas.openxmlformats.org/officeDocument/2006/relationships" r:dm="rId3" r:lo="rId4" r:qs="rId5" r:cs="rId6"/>
+          </a:graphicData>
+        </a:graphic>
+      </p:graphicFrame>
     </p:spTree>
     <p:extLst>
       <p:ext uri="{BB962C8B-B14F-4D97-AF65-F5344CB8AC3E}">
@@ -19457,7 +22517,7 @@
                                           </p:stCondLst>
                                         </p:cTn>
                                         <p:tgtEl>
-                                          <p:spTgt spid="11"/>
+                                          <p:spTgt spid="7"/>
                                         </p:tgtEl>
                                         <p:attrNameLst>
                                           <p:attrName>style.visibility</p:attrName>
@@ -19479,78 +22539,6 @@
                                     <p:set>
                                       <p:cBhvr>
                                         <p:cTn id="8" dur="1" fill="hold">
-                                          <p:stCondLst>
-                                            <p:cond delay="0"/>
-                                          </p:stCondLst>
-                                        </p:cTn>
-                                        <p:tgtEl>
-                                          <p:spTgt spid="10"/>
-                                        </p:tgtEl>
-                                        <p:attrNameLst>
-                                          <p:attrName>style.visibility</p:attrName>
-                                        </p:attrNameLst>
-                                      </p:cBhvr>
-                                      <p:to>
-                                        <p:strVal val="visible"/>
-                                      </p:to>
-                                    </p:set>
-                                  </p:childTnLst>
-                                </p:cTn>
-                              </p:par>
-                            </p:childTnLst>
-                          </p:cTn>
-                        </p:par>
-                      </p:childTnLst>
-                    </p:cTn>
-                  </p:par>
-                  <p:par>
-                    <p:cTn id="9" fill="hold">
-                      <p:stCondLst>
-                        <p:cond delay="indefinite"/>
-                      </p:stCondLst>
-                      <p:childTnLst>
-                        <p:par>
-                          <p:cTn id="10" fill="hold">
-                            <p:stCondLst>
-                              <p:cond delay="0"/>
-                            </p:stCondLst>
-                            <p:childTnLst>
-                              <p:par>
-                                <p:cTn id="11" presetID="1" presetClass="entr" presetSubtype="0" fill="hold" grpId="0" nodeType="clickEffect">
-                                  <p:stCondLst>
-                                    <p:cond delay="0"/>
-                                  </p:stCondLst>
-                                  <p:childTnLst>
-                                    <p:set>
-                                      <p:cBhvr>
-                                        <p:cTn id="12" dur="1" fill="hold">
-                                          <p:stCondLst>
-                                            <p:cond delay="0"/>
-                                          </p:stCondLst>
-                                        </p:cTn>
-                                        <p:tgtEl>
-                                          <p:spTgt spid="7"/>
-                                        </p:tgtEl>
-                                        <p:attrNameLst>
-                                          <p:attrName>style.visibility</p:attrName>
-                                        </p:attrNameLst>
-                                      </p:cBhvr>
-                                      <p:to>
-                                        <p:strVal val="visible"/>
-                                      </p:to>
-                                    </p:set>
-                                  </p:childTnLst>
-                                </p:cTn>
-                              </p:par>
-                              <p:par>
-                                <p:cTn id="13" presetID="1" presetClass="entr" presetSubtype="0" fill="hold" grpId="0" nodeType="withEffect">
-                                  <p:stCondLst>
-                                    <p:cond delay="0"/>
-                                  </p:stCondLst>
-                                  <p:childTnLst>
-                                    <p:set>
-                                      <p:cBhvr>
-                                        <p:cTn id="14" dur="1" fill="hold">
                                           <p:stCondLst>
                                             <p:cond delay="0"/>
                                           </p:stCondLst>
@@ -19597,145 +22585,9 @@
       </p:par>
     </p:tnLst>
     <p:bldLst>
-      <p:bldP spid="11" grpId="0" animBg="1"/>
-      <p:bldP spid="10" grpId="0" animBg="1"/>
       <p:bldP spid="7" grpId="0" animBg="1"/>
       <p:bldP spid="8" grpId="0"/>
     </p:bldLst>
-  </p:timing>
-</p:sld>
-</file>
-
-<file path=ppt/slides/slide8.xml><?xml version="1.0" encoding="utf-8"?>
-<p:sld xmlns:a="http://schemas.openxmlformats.org/drawingml/2006/main" xmlns:r="http://schemas.openxmlformats.org/officeDocument/2006/relationships" xmlns:p="http://schemas.openxmlformats.org/presentationml/2006/main" show="0">
-  <p:cSld>
-    <p:spTree>
-      <p:nvGrpSpPr>
-        <p:cNvPr id="1" name=""/>
-        <p:cNvGrpSpPr/>
-        <p:nvPr/>
-      </p:nvGrpSpPr>
-      <p:grpSpPr>
-        <a:xfrm>
-          <a:off x="0" y="0"/>
-          <a:ext cx="0" cy="0"/>
-          <a:chOff x="0" y="0"/>
-          <a:chExt cx="0" cy="0"/>
-        </a:xfrm>
-      </p:grpSpPr>
-      <p:sp>
-        <p:nvSpPr>
-          <p:cNvPr id="2" name="タイトル 1"/>
-          <p:cNvSpPr>
-            <a:spLocks noGrp="1"/>
-          </p:cNvSpPr>
-          <p:nvPr>
-            <p:ph type="title"/>
-          </p:nvPr>
-        </p:nvSpPr>
-        <p:spPr/>
-        <p:txBody>
-          <a:bodyPr/>
-          <a:lstStyle/>
-          <a:p>
-            <a:r>
-              <a:rPr kumimoji="1" lang="ja-JP" altLang="en-US" smtClean="0"/>
-              <a:t>研究背景</a:t>
-            </a:r>
-            <a:endParaRPr kumimoji="1" lang="ja-JP" altLang="en-US"/>
-          </a:p>
-        </p:txBody>
-      </p:sp>
-      <p:sp>
-        <p:nvSpPr>
-          <p:cNvPr id="3" name="コンテンツ プレースホルダー 2"/>
-          <p:cNvSpPr>
-            <a:spLocks noGrp="1"/>
-          </p:cNvSpPr>
-          <p:nvPr>
-            <p:ph idx="1"/>
-          </p:nvPr>
-        </p:nvSpPr>
-        <p:spPr/>
-        <p:txBody>
-          <a:bodyPr/>
-          <a:lstStyle/>
-          <a:p>
-            <a:r>
-              <a:rPr kumimoji="1" lang="ja-JP" altLang="en-US" smtClean="0"/>
-              <a:t>モデルベース開発における開発・実装環境との兼ね合い</a:t>
-            </a:r>
-            <a:endParaRPr kumimoji="1" lang="en-US" altLang="ja-JP" smtClean="0"/>
-          </a:p>
-          <a:p>
-            <a:r>
-              <a:rPr lang="ja-JP" altLang="en-US" smtClean="0"/>
-              <a:t>問題点</a:t>
-            </a:r>
-            <a:endParaRPr lang="en-US" altLang="ja-JP" smtClean="0"/>
-          </a:p>
-          <a:p>
-            <a:pPr lvl="1"/>
-            <a:r>
-              <a:rPr lang="ja-JP" altLang="en-US" smtClean="0"/>
-              <a:t>モデルの何処にハードウェアを関連付けするのか？</a:t>
-            </a:r>
-            <a:endParaRPr lang="en-US" altLang="ja-JP" smtClean="0"/>
-          </a:p>
-          <a:p>
-            <a:pPr lvl="1"/>
-            <a:endParaRPr lang="en-US" altLang="ja-JP" smtClean="0"/>
-          </a:p>
-        </p:txBody>
-      </p:sp>
-      <p:sp>
-        <p:nvSpPr>
-          <p:cNvPr id="4" name="スライド番号プレースホルダー 3"/>
-          <p:cNvSpPr>
-            <a:spLocks noGrp="1"/>
-          </p:cNvSpPr>
-          <p:nvPr>
-            <p:ph type="sldNum" sz="quarter" idx="12"/>
-          </p:nvPr>
-        </p:nvSpPr>
-        <p:spPr/>
-        <p:txBody>
-          <a:bodyPr/>
-          <a:lstStyle/>
-          <a:p>
-            <a:fld id="{1B4CD1AD-35CE-4DA8-9CDB-2FA6D4A1B3F4}" type="slidenum">
-              <a:rPr lang="ja-JP" altLang="en-US" smtClean="0"/>
-              <a:pPr/>
-              <a:t>8</a:t>
-            </a:fld>
-            <a:endParaRPr lang="ja-JP" altLang="en-US" dirty="0"/>
-          </a:p>
-        </p:txBody>
-      </p:sp>
-    </p:spTree>
-    <p:extLst>
-      <p:ext uri="{BB962C8B-B14F-4D97-AF65-F5344CB8AC3E}">
-        <p14:creationId xmlns:p14="http://schemas.microsoft.com/office/powerpoint/2010/main" val="3498192470"/>
-      </p:ext>
-    </p:extLst>
-  </p:cSld>
-  <p:clrMapOvr>
-    <a:masterClrMapping/>
-  </p:clrMapOvr>
-  <mc:AlternateContent xmlns:mc="http://schemas.openxmlformats.org/markup-compatibility/2006">
-    <mc:Choice xmlns:p14="http://schemas.microsoft.com/office/powerpoint/2010/main" Requires="p14">
-      <p:transition spd="slow" p14:dur="2000"/>
-    </mc:Choice>
-    <mc:Fallback>
-      <p:transition spd="slow"/>
-    </mc:Fallback>
-  </mc:AlternateContent>
-  <p:timing>
-    <p:tnLst>
-      <p:par>
-        <p:cTn id="1" dur="indefinite" restart="never" nodeType="tmRoot"/>
-      </p:par>
-    </p:tnLst>
   </p:timing>
 </p:sld>
 </file>
@@ -19774,19 +22626,11 @@
           <a:p>
             <a:r>
               <a:rPr kumimoji="1" lang="ja-JP" altLang="en-US" dirty="0" smtClean="0"/>
-              <a:t>研究概要</a:t>
-            </a:r>
-            <a:r>
-              <a:rPr lang="ja-JP" altLang="en-US" dirty="0"/>
-              <a:t>（</a:t>
-            </a:r>
-            <a:r>
-              <a:rPr kumimoji="1" lang="en-US" altLang="ja-JP" dirty="0" smtClean="0"/>
-              <a:t>1/5</a:t>
-            </a:r>
-            <a:r>
-              <a:rPr lang="ja-JP" altLang="en-US" dirty="0" smtClean="0"/>
-              <a:t>）</a:t>
+              <a:t>研究</a:t>
+            </a:r>
+            <a:r>
+              <a:rPr kumimoji="1" lang="ja-JP" altLang="en-US" dirty="0" smtClean="0"/>
+              <a:t>概要</a:t>
             </a:r>
             <a:endParaRPr kumimoji="1" lang="ja-JP" altLang="en-US" dirty="0"/>
           </a:p>
@@ -19801,21 +22645,21 @@
         <p:spPr>
           <a:xfrm>
             <a:off x="611560" y="3501008"/>
-            <a:ext cx="7920880" cy="1008112"/>
+            <a:ext cx="7920880" cy="936104"/>
           </a:xfrm>
           <a:prstGeom prst="roundRect">
             <a:avLst/>
           </a:prstGeom>
         </p:spPr>
         <p:style>
-          <a:lnRef idx="2">
-            <a:schemeClr val="accent6"/>
+          <a:lnRef idx="1">
+            <a:schemeClr val="accent1"/>
           </a:lnRef>
-          <a:fillRef idx="1">
-            <a:schemeClr val="lt1"/>
+          <a:fillRef idx="2">
+            <a:schemeClr val="accent1"/>
           </a:fillRef>
-          <a:effectRef idx="0">
-            <a:schemeClr val="accent6"/>
+          <a:effectRef idx="1">
+            <a:schemeClr val="accent1"/>
           </a:effectRef>
           <a:fontRef idx="minor">
             <a:schemeClr val="dk1"/>
@@ -19831,7 +22675,23 @@
                 <a:ea typeface="メイリオ" pitchFamily="50" charset="-128"/>
                 <a:cs typeface="メイリオ" pitchFamily="50" charset="-128"/>
               </a:rPr>
-              <a:t>環境に合わせたモデルの例が無い</a:t>
+              <a:t>環境に合わせたモデルの例</a:t>
+            </a:r>
+            <a:r>
+              <a:rPr lang="ja-JP" altLang="en-US" sz="2800" dirty="0" smtClean="0">
+                <a:latin typeface="メイリオ" pitchFamily="50" charset="-128"/>
+                <a:ea typeface="メイリオ" pitchFamily="50" charset="-128"/>
+                <a:cs typeface="メイリオ" pitchFamily="50" charset="-128"/>
+              </a:rPr>
+              <a:t>が</a:t>
+            </a:r>
+            <a:r>
+              <a:rPr lang="ja-JP" altLang="en-US" sz="2800" dirty="0">
+                <a:latin typeface="メイリオ" pitchFamily="50" charset="-128"/>
+                <a:ea typeface="メイリオ" pitchFamily="50" charset="-128"/>
+                <a:cs typeface="メイリオ" pitchFamily="50" charset="-128"/>
+              </a:rPr>
+              <a:t>出回っていない</a:t>
             </a:r>
             <a:endParaRPr lang="en-US" altLang="ja-JP" sz="2800" dirty="0">
               <a:latin typeface="メイリオ" pitchFamily="50" charset="-128"/>
@@ -19852,7 +22712,7 @@
             <a:r>
               <a:rPr lang="ja-JP" altLang="en-US" sz="2800" dirty="0">
                 <a:solidFill>
-                  <a:srgbClr val="0070C0"/>
+                  <a:srgbClr val="7030A0"/>
                 </a:solidFill>
                 <a:latin typeface="メイリオ" pitchFamily="50" charset="-128"/>
                 <a:ea typeface="メイリオ" pitchFamily="50" charset="-128"/>
@@ -19863,7 +22723,7 @@
             <a:r>
               <a:rPr lang="ja-JP" altLang="en-US" sz="2800" dirty="0" smtClean="0">
                 <a:solidFill>
-                  <a:srgbClr val="0070C0"/>
+                  <a:srgbClr val="7030A0"/>
                 </a:solidFill>
                 <a:latin typeface="メイリオ" pitchFamily="50" charset="-128"/>
                 <a:ea typeface="メイリオ" pitchFamily="50" charset="-128"/>
@@ -19873,7 +22733,7 @@
             </a:r>
             <a:endParaRPr lang="en-US" altLang="ja-JP" sz="2800" dirty="0">
               <a:solidFill>
-                <a:srgbClr val="0070C0"/>
+                <a:srgbClr val="7030A0"/>
               </a:solidFill>
               <a:latin typeface="メイリオ" pitchFamily="50" charset="-128"/>
               <a:ea typeface="メイリオ" pitchFamily="50" charset="-128"/>
@@ -19890,22 +22750,22 @@
         </p:nvSpPr>
         <p:spPr>
           <a:xfrm>
-            <a:off x="611560" y="5157192"/>
-            <a:ext cx="7920880" cy="1080120"/>
+            <a:off x="611560" y="5085184"/>
+            <a:ext cx="7920880" cy="936104"/>
           </a:xfrm>
           <a:prstGeom prst="roundRect">
             <a:avLst/>
           </a:prstGeom>
         </p:spPr>
         <p:style>
-          <a:lnRef idx="2">
-            <a:schemeClr val="accent6"/>
+          <a:lnRef idx="1">
+            <a:schemeClr val="accent1"/>
           </a:lnRef>
-          <a:fillRef idx="1">
-            <a:schemeClr val="lt1"/>
+          <a:fillRef idx="2">
+            <a:schemeClr val="accent1"/>
           </a:fillRef>
-          <a:effectRef idx="0">
-            <a:schemeClr val="accent6"/>
+          <a:effectRef idx="1">
+            <a:schemeClr val="accent1"/>
           </a:effectRef>
           <a:fontRef idx="minor">
             <a:schemeClr val="dk1"/>
@@ -19950,18 +22810,62 @@
             <a:r>
               <a:rPr lang="ja-JP" altLang="en-US" sz="2800" dirty="0">
                 <a:solidFill>
-                  <a:srgbClr val="0070C0"/>
+                  <a:srgbClr val="7030A0"/>
                 </a:solidFill>
                 <a:latin typeface="メイリオ" pitchFamily="50" charset="-128"/>
                 <a:ea typeface="メイリオ" pitchFamily="50" charset="-128"/>
                 <a:cs typeface="メイリオ" pitchFamily="50" charset="-128"/>
               </a:rPr>
-              <a:t>開発と動作テストによって有用性を</a:t>
+              <a:t>開発と</a:t>
             </a:r>
             <a:r>
               <a:rPr lang="ja-JP" altLang="en-US" sz="2800" dirty="0" smtClean="0">
                 <a:solidFill>
-                  <a:srgbClr val="0070C0"/>
+                  <a:srgbClr val="7030A0"/>
+                </a:solidFill>
+                <a:latin typeface="メイリオ" pitchFamily="50" charset="-128"/>
+                <a:ea typeface="メイリオ" pitchFamily="50" charset="-128"/>
+                <a:cs typeface="メイリオ" pitchFamily="50" charset="-128"/>
+              </a:rPr>
+              <a:t>動作</a:t>
+            </a:r>
+            <a:r>
+              <a:rPr lang="ja-JP" altLang="en-US" sz="2800" dirty="0">
+                <a:solidFill>
+                  <a:srgbClr val="7030A0"/>
+                </a:solidFill>
+                <a:latin typeface="メイリオ" pitchFamily="50" charset="-128"/>
+                <a:ea typeface="メイリオ" pitchFamily="50" charset="-128"/>
+                <a:cs typeface="メイリオ" pitchFamily="50" charset="-128"/>
+              </a:rPr>
+              <a:t>確認</a:t>
+            </a:r>
+            <a:r>
+              <a:rPr lang="ja-JP" altLang="en-US" sz="2800" dirty="0" smtClean="0">
+                <a:solidFill>
+                  <a:srgbClr val="7030A0"/>
+                </a:solidFill>
+                <a:latin typeface="メイリオ" pitchFamily="50" charset="-128"/>
+                <a:ea typeface="メイリオ" pitchFamily="50" charset="-128"/>
+                <a:cs typeface="メイリオ" pitchFamily="50" charset="-128"/>
+              </a:rPr>
+              <a:t>によって</a:t>
+            </a:r>
+            <a:r>
+              <a:rPr lang="ja-JP" altLang="en-US" sz="2800" dirty="0">
+                <a:solidFill>
+                  <a:srgbClr val="7030A0"/>
+                </a:solidFill>
+                <a:latin typeface="メイリオ" pitchFamily="50" charset="-128"/>
+                <a:ea typeface="メイリオ" pitchFamily="50" charset="-128"/>
+                <a:cs typeface="メイリオ" pitchFamily="50" charset="-128"/>
+              </a:rPr>
+              <a:t>有用性を</a:t>
+            </a:r>
+            <a:r>
+              <a:rPr lang="ja-JP" altLang="en-US" sz="2800" dirty="0" smtClean="0">
+                <a:solidFill>
+                  <a:srgbClr val="7030A0"/>
                 </a:solidFill>
                 <a:latin typeface="メイリオ" pitchFamily="50" charset="-128"/>
                 <a:ea typeface="メイリオ" pitchFamily="50" charset="-128"/>
@@ -19971,7 +22875,7 @@
             </a:r>
             <a:endParaRPr lang="en-US" altLang="ja-JP" sz="2800" dirty="0">
               <a:solidFill>
-                <a:srgbClr val="0070C0"/>
+                <a:srgbClr val="7030A0"/>
               </a:solidFill>
               <a:latin typeface="メイリオ" pitchFamily="50" charset="-128"/>
               <a:ea typeface="メイリオ" pitchFamily="50" charset="-128"/>
